--- a/documentation/Fish Hunter.pptx
+++ b/documentation/Fish Hunter.pptx
@@ -1,41 +1,43 @@
 
 <file path=ppt/presentation.xml><?xml version="1.0" encoding="utf-8"?>
-<p:presentation xmlns:a="http://schemas.openxmlformats.org/drawingml/2006/main" xmlns:r="http://schemas.openxmlformats.org/officeDocument/2006/relationships" xmlns:mc="http://schemas.openxmlformats.org/markup-compatibility/2006" xmlns:mv="urn:schemas-microsoft-com:mac:vml" xmlns:p="http://schemas.openxmlformats.org/presentationml/2006/main" xmlns:c="http://schemas.openxmlformats.org/drawingml/2006/chart" xmlns:dgm="http://schemas.openxmlformats.org/drawingml/2006/diagram" xmlns:o="urn:schemas-microsoft-com:office:office" xmlns:v="urn:schemas-microsoft-com:vml" xmlns:pvml="urn:schemas-microsoft-com:office:powerpoint" xmlns:com="http://schemas.openxmlformats.org/drawingml/2006/compatibility" xmlns:p14="http://schemas.microsoft.com/office/powerpoint/2010/main" xmlns:p15="http://schemas.microsoft.com/office/powerpoint/2012/main" xmlns:ahyp="http://schemas.microsoft.com/office/drawing/2018/hyperlinkcolor" autoCompressPictures="0" embedTrueTypeFonts="1" strictFirstAndLastChars="0" saveSubsetFonts="1">
+<p:presentation xmlns:a="http://schemas.openxmlformats.org/drawingml/2006/main" xmlns:r="http://schemas.openxmlformats.org/officeDocument/2006/relationships" xmlns:p="http://schemas.openxmlformats.org/presentationml/2006/main" strictFirstAndLastChars="0" embedTrueTypeFonts="1" saveSubsetFonts="1" autoCompressPictures="0">
   <p:sldMasterIdLst>
-    <p:sldMasterId id="2147483659" r:id="rId4"/>
+    <p:sldMasterId id="2147483659" r:id="rId1"/>
   </p:sldMasterIdLst>
   <p:notesMasterIdLst>
-    <p:notesMasterId r:id="rId5"/>
+    <p:notesMasterId r:id="rId11"/>
   </p:notesMasterIdLst>
   <p:sldIdLst>
-    <p:sldId id="256" r:id="rId6"/>
-    <p:sldId id="257" r:id="rId7"/>
-    <p:sldId id="258" r:id="rId8"/>
-    <p:sldId id="259" r:id="rId9"/>
-    <p:sldId id="260" r:id="rId10"/>
-    <p:sldId id="261" r:id="rId11"/>
-    <p:sldId id="262" r:id="rId12"/>
+    <p:sldId id="256" r:id="rId2"/>
+    <p:sldId id="257" r:id="rId3"/>
+    <p:sldId id="258" r:id="rId4"/>
+    <p:sldId id="259" r:id="rId5"/>
+    <p:sldId id="260" r:id="rId6"/>
+    <p:sldId id="263" r:id="rId7"/>
+    <p:sldId id="261" r:id="rId8"/>
+    <p:sldId id="264" r:id="rId9"/>
+    <p:sldId id="262" r:id="rId10"/>
   </p:sldIdLst>
-  <p:sldSz cy="5143500" cx="9144000"/>
+  <p:sldSz cx="9144000" cy="5143500" type="screen16x9"/>
   <p:notesSz cx="6858000" cy="9144000"/>
   <p:embeddedFontLst>
     <p:embeddedFont>
-      <p:font typeface="Montserrat"/>
-      <p:regular r:id="rId13"/>
-      <p:bold r:id="rId14"/>
-      <p:italic r:id="rId15"/>
-      <p:boldItalic r:id="rId16"/>
+      <p:font typeface="Montserrat" panose="020B0604020202020204" charset="-52"/>
+      <p:regular r:id="rId12"/>
+      <p:bold r:id="rId13"/>
+      <p:italic r:id="rId14"/>
+      <p:boldItalic r:id="rId15"/>
     </p:embeddedFont>
     <p:embeddedFont>
-      <p:font typeface="Lato"/>
-      <p:regular r:id="rId17"/>
-      <p:bold r:id="rId18"/>
-      <p:italic r:id="rId19"/>
-      <p:boldItalic r:id="rId20"/>
+      <p:font typeface="Lato" panose="020B0604020202020204" charset="0"/>
+      <p:regular r:id="rId16"/>
+      <p:bold r:id="rId17"/>
+      <p:italic r:id="rId18"/>
+      <p:boldItalic r:id="rId19"/>
     </p:embeddedFont>
   </p:embeddedFontLst>
   <p:defaultTextStyle>
-    <a:defPPr lvl="0" marR="0" rtl="0" algn="l">
+    <a:defPPr marR="0" lvl="0" algn="l" rtl="0">
       <a:lnSpc>
         <a:spcPct val="100000"/>
       </a:lnSpc>
@@ -46,7 +48,7 @@
         <a:spcPts val="0"/>
       </a:spcAft>
     </a:defPPr>
-    <a:lvl1pPr lvl="0" marR="0" rtl="0" algn="l">
+    <a:lvl1pPr marR="0" lvl="0" algn="l" rtl="0">
       <a:lnSpc>
         <a:spcPct val="100000"/>
       </a:lnSpc>
@@ -60,7 +62,7 @@
         <a:srgbClr val="000000"/>
       </a:buClr>
       <a:buFont typeface="Arial"/>
-      <a:defRPr b="0" i="0" sz="1400" u="none" cap="none" strike="noStrike">
+      <a:defRPr sz="1400" b="0" i="0" u="none" strike="noStrike" cap="none">
         <a:solidFill>
           <a:srgbClr val="000000"/>
         </a:solidFill>
@@ -70,7 +72,7 @@
         <a:sym typeface="Arial"/>
       </a:defRPr>
     </a:lvl1pPr>
-    <a:lvl2pPr lvl="1" marR="0" rtl="0" algn="l">
+    <a:lvl2pPr marR="0" lvl="1" algn="l" rtl="0">
       <a:lnSpc>
         <a:spcPct val="100000"/>
       </a:lnSpc>
@@ -84,7 +86,7 @@
         <a:srgbClr val="000000"/>
       </a:buClr>
       <a:buFont typeface="Arial"/>
-      <a:defRPr b="0" i="0" sz="1400" u="none" cap="none" strike="noStrike">
+      <a:defRPr sz="1400" b="0" i="0" u="none" strike="noStrike" cap="none">
         <a:solidFill>
           <a:srgbClr val="000000"/>
         </a:solidFill>
@@ -94,7 +96,7 @@
         <a:sym typeface="Arial"/>
       </a:defRPr>
     </a:lvl2pPr>
-    <a:lvl3pPr lvl="2" marR="0" rtl="0" algn="l">
+    <a:lvl3pPr marR="0" lvl="2" algn="l" rtl="0">
       <a:lnSpc>
         <a:spcPct val="100000"/>
       </a:lnSpc>
@@ -108,7 +110,7 @@
         <a:srgbClr val="000000"/>
       </a:buClr>
       <a:buFont typeface="Arial"/>
-      <a:defRPr b="0" i="0" sz="1400" u="none" cap="none" strike="noStrike">
+      <a:defRPr sz="1400" b="0" i="0" u="none" strike="noStrike" cap="none">
         <a:solidFill>
           <a:srgbClr val="000000"/>
         </a:solidFill>
@@ -118,7 +120,7 @@
         <a:sym typeface="Arial"/>
       </a:defRPr>
     </a:lvl3pPr>
-    <a:lvl4pPr lvl="3" marR="0" rtl="0" algn="l">
+    <a:lvl4pPr marR="0" lvl="3" algn="l" rtl="0">
       <a:lnSpc>
         <a:spcPct val="100000"/>
       </a:lnSpc>
@@ -132,7 +134,7 @@
         <a:srgbClr val="000000"/>
       </a:buClr>
       <a:buFont typeface="Arial"/>
-      <a:defRPr b="0" i="0" sz="1400" u="none" cap="none" strike="noStrike">
+      <a:defRPr sz="1400" b="0" i="0" u="none" strike="noStrike" cap="none">
         <a:solidFill>
           <a:srgbClr val="000000"/>
         </a:solidFill>
@@ -142,7 +144,7 @@
         <a:sym typeface="Arial"/>
       </a:defRPr>
     </a:lvl4pPr>
-    <a:lvl5pPr lvl="4" marR="0" rtl="0" algn="l">
+    <a:lvl5pPr marR="0" lvl="4" algn="l" rtl="0">
       <a:lnSpc>
         <a:spcPct val="100000"/>
       </a:lnSpc>
@@ -156,7 +158,7 @@
         <a:srgbClr val="000000"/>
       </a:buClr>
       <a:buFont typeface="Arial"/>
-      <a:defRPr b="0" i="0" sz="1400" u="none" cap="none" strike="noStrike">
+      <a:defRPr sz="1400" b="0" i="0" u="none" strike="noStrike" cap="none">
         <a:solidFill>
           <a:srgbClr val="000000"/>
         </a:solidFill>
@@ -166,7 +168,7 @@
         <a:sym typeface="Arial"/>
       </a:defRPr>
     </a:lvl5pPr>
-    <a:lvl6pPr lvl="5" marR="0" rtl="0" algn="l">
+    <a:lvl6pPr marR="0" lvl="5" algn="l" rtl="0">
       <a:lnSpc>
         <a:spcPct val="100000"/>
       </a:lnSpc>
@@ -180,7 +182,7 @@
         <a:srgbClr val="000000"/>
       </a:buClr>
       <a:buFont typeface="Arial"/>
-      <a:defRPr b="0" i="0" sz="1400" u="none" cap="none" strike="noStrike">
+      <a:defRPr sz="1400" b="0" i="0" u="none" strike="noStrike" cap="none">
         <a:solidFill>
           <a:srgbClr val="000000"/>
         </a:solidFill>
@@ -190,7 +192,7 @@
         <a:sym typeface="Arial"/>
       </a:defRPr>
     </a:lvl6pPr>
-    <a:lvl7pPr lvl="6" marR="0" rtl="0" algn="l">
+    <a:lvl7pPr marR="0" lvl="6" algn="l" rtl="0">
       <a:lnSpc>
         <a:spcPct val="100000"/>
       </a:lnSpc>
@@ -204,7 +206,7 @@
         <a:srgbClr val="000000"/>
       </a:buClr>
       <a:buFont typeface="Arial"/>
-      <a:defRPr b="0" i="0" sz="1400" u="none" cap="none" strike="noStrike">
+      <a:defRPr sz="1400" b="0" i="0" u="none" strike="noStrike" cap="none">
         <a:solidFill>
           <a:srgbClr val="000000"/>
         </a:solidFill>
@@ -214,7 +216,7 @@
         <a:sym typeface="Arial"/>
       </a:defRPr>
     </a:lvl7pPr>
-    <a:lvl8pPr lvl="7" marR="0" rtl="0" algn="l">
+    <a:lvl8pPr marR="0" lvl="7" algn="l" rtl="0">
       <a:lnSpc>
         <a:spcPct val="100000"/>
       </a:lnSpc>
@@ -228,7 +230,7 @@
         <a:srgbClr val="000000"/>
       </a:buClr>
       <a:buFont typeface="Arial"/>
-      <a:defRPr b="0" i="0" sz="1400" u="none" cap="none" strike="noStrike">
+      <a:defRPr sz="1400" b="0" i="0" u="none" strike="noStrike" cap="none">
         <a:solidFill>
           <a:srgbClr val="000000"/>
         </a:solidFill>
@@ -238,7 +240,7 @@
         <a:sym typeface="Arial"/>
       </a:defRPr>
     </a:lvl8pPr>
-    <a:lvl9pPr lvl="8" marR="0" rtl="0" algn="l">
+    <a:lvl9pPr marR="0" lvl="8" algn="l" rtl="0">
       <a:lnSpc>
         <a:spcPct val="100000"/>
       </a:lnSpc>
@@ -252,7 +254,7 @@
         <a:srgbClr val="000000"/>
       </a:buClr>
       <a:buFont typeface="Arial"/>
-      <a:defRPr b="0" i="0" sz="1400" u="none" cap="none" strike="noStrike">
+      <a:defRPr sz="1400" b="0" i="0" u="none" strike="noStrike" cap="none">
         <a:solidFill>
           <a:srgbClr val="000000"/>
         </a:solidFill>
@@ -265,7 +267,7 @@
   </p:defaultTextStyle>
   <p:extLst>
     <p:ext uri="{EFAFB233-063F-42B5-8137-9DF3F51BA10A}">
-      <p15:sldGuideLst>
+      <p15:sldGuideLst xmlns:p15="http://schemas.microsoft.com/office/powerpoint/2012/main">
         <p15:guide id="1" orient="horz" pos="1620">
           <p15:clr>
             <a:srgbClr val="747775"/>
@@ -283,11 +285,16 @@
 </file>
 
 <file path=ppt/notesMasters/notesMaster1.xml><?xml version="1.0" encoding="utf-8"?>
-<p:notesMaster xmlns:a="http://schemas.openxmlformats.org/drawingml/2006/main" xmlns:r="http://schemas.openxmlformats.org/officeDocument/2006/relationships" xmlns:mc="http://schemas.openxmlformats.org/markup-compatibility/2006" xmlns:mv="urn:schemas-microsoft-com:mac:vml" xmlns:p="http://schemas.openxmlformats.org/presentationml/2006/main" xmlns:c="http://schemas.openxmlformats.org/drawingml/2006/chart" xmlns:dgm="http://schemas.openxmlformats.org/drawingml/2006/diagram" xmlns:o="urn:schemas-microsoft-com:office:office" xmlns:v="urn:schemas-microsoft-com:vml" xmlns:pvml="urn:schemas-microsoft-com:office:powerpoint" xmlns:com="http://schemas.openxmlformats.org/drawingml/2006/compatibility" xmlns:p14="http://schemas.microsoft.com/office/powerpoint/2010/main" xmlns:p15="http://schemas.microsoft.com/office/powerpoint/2012/main" xmlns:ahyp="http://schemas.microsoft.com/office/drawing/2018/hyperlinkcolor">
+<p:notesMaster xmlns:a="http://schemas.openxmlformats.org/drawingml/2006/main" xmlns:r="http://schemas.openxmlformats.org/officeDocument/2006/relationships" xmlns:p="http://schemas.openxmlformats.org/presentationml/2006/main">
   <p:cSld>
+    <p:bg>
+      <p:bgRef idx="1001">
+        <a:schemeClr val="bg1"/>
+      </p:bgRef>
+    </p:bg>
     <p:spTree>
       <p:nvGrpSpPr>
-        <p:cNvPr id="2" name="Shape 2"/>
+        <p:cNvPr id="1" name="Shape 2"/>
         <p:cNvGrpSpPr/>
         <p:nvPr/>
       </p:nvGrpSpPr>
@@ -302,9 +309,11 @@
       <p:sp>
         <p:nvSpPr>
           <p:cNvPr id="3" name="Google Shape;3;n"/>
-          <p:cNvSpPr/>
+          <p:cNvSpPr>
+            <a:spLocks noGrp="1" noRot="1" noChangeAspect="1"/>
+          </p:cNvSpPr>
           <p:nvPr>
-            <p:ph idx="2" type="sldImg"/>
+            <p:ph type="sldImg" idx="2"/>
           </p:nvPr>
         </p:nvSpPr>
         <p:spPr>
@@ -313,9 +322,13 @@
             <a:ext cx="6096075" cy="3429000"/>
           </a:xfrm>
           <a:custGeom>
-            <a:rect b="b" l="l" r="r" t="t"/>
+            <a:avLst/>
+            <a:gdLst/>
+            <a:ahLst/>
+            <a:cxnLst/>
+            <a:rect l="l" t="t" r="r" b="b"/>
             <a:pathLst>
-              <a:path extrusionOk="0" h="120000" w="120000">
+              <a:path w="120000" h="120000" extrusionOk="0">
                 <a:moveTo>
                   <a:pt x="0" y="0"/>
                 </a:moveTo>
@@ -333,23 +346,25 @@
             </a:pathLst>
           </a:custGeom>
           <a:noFill/>
-          <a:ln cap="flat" cmpd="sng" w="9525">
+          <a:ln w="9525" cap="flat" cmpd="sng">
             <a:solidFill>
               <a:srgbClr val="000000"/>
             </a:solidFill>
             <a:prstDash val="solid"/>
             <a:round/>
-            <a:headEnd len="sm" w="sm" type="none"/>
-            <a:tailEnd len="sm" w="sm" type="none"/>
+            <a:headEnd type="none" w="sm" len="sm"/>
+            <a:tailEnd type="none" w="sm" len="sm"/>
           </a:ln>
         </p:spPr>
       </p:sp>
       <p:sp>
         <p:nvSpPr>
           <p:cNvPr id="4" name="Google Shape;4;n"/>
-          <p:cNvSpPr txBox="1"/>
+          <p:cNvSpPr txBox="1">
+            <a:spLocks noGrp="1"/>
+          </p:cNvSpPr>
           <p:nvPr>
-            <p:ph idx="1" type="body"/>
+            <p:ph type="body" idx="1"/>
           </p:nvPr>
         </p:nvSpPr>
         <p:spPr>
@@ -366,11 +381,11 @@
           </a:ln>
         </p:spPr>
         <p:txBody>
-          <a:bodyPr anchorCtr="0" anchor="t" bIns="91425" lIns="91425" spcFirstLastPara="1" rIns="91425" wrap="square" tIns="91425">
+          <a:bodyPr spcFirstLastPara="1" wrap="square" lIns="91425" tIns="91425" rIns="91425" bIns="91425" anchor="t" anchorCtr="0">
             <a:noAutofit/>
           </a:bodyPr>
           <a:lstStyle>
-            <a:lvl1pPr indent="-298450" lvl="0" marL="457200">
+            <a:lvl1pPr marL="457200" lvl="0" indent="-298450">
               <a:spcBef>
                 <a:spcPts val="0"/>
               </a:spcBef>
@@ -381,7 +396,7 @@
               <a:buChar char="●"/>
               <a:defRPr sz="1100"/>
             </a:lvl1pPr>
-            <a:lvl2pPr indent="-298450" lvl="1" marL="914400">
+            <a:lvl2pPr marL="914400" lvl="1" indent="-298450">
               <a:spcBef>
                 <a:spcPts val="0"/>
               </a:spcBef>
@@ -392,7 +407,7 @@
               <a:buChar char="○"/>
               <a:defRPr sz="1100"/>
             </a:lvl2pPr>
-            <a:lvl3pPr indent="-298450" lvl="2" marL="1371600">
+            <a:lvl3pPr marL="1371600" lvl="2" indent="-298450">
               <a:spcBef>
                 <a:spcPts val="0"/>
               </a:spcBef>
@@ -403,7 +418,7 @@
               <a:buChar char="■"/>
               <a:defRPr sz="1100"/>
             </a:lvl3pPr>
-            <a:lvl4pPr indent="-298450" lvl="3" marL="1828800">
+            <a:lvl4pPr marL="1828800" lvl="3" indent="-298450">
               <a:spcBef>
                 <a:spcPts val="0"/>
               </a:spcBef>
@@ -414,7 +429,7 @@
               <a:buChar char="●"/>
               <a:defRPr sz="1100"/>
             </a:lvl4pPr>
-            <a:lvl5pPr indent="-298450" lvl="4" marL="2286000">
+            <a:lvl5pPr marL="2286000" lvl="4" indent="-298450">
               <a:spcBef>
                 <a:spcPts val="0"/>
               </a:spcBef>
@@ -425,7 +440,7 @@
               <a:buChar char="○"/>
               <a:defRPr sz="1100"/>
             </a:lvl5pPr>
-            <a:lvl6pPr indent="-298450" lvl="5" marL="2743200">
+            <a:lvl6pPr marL="2743200" lvl="5" indent="-298450">
               <a:spcBef>
                 <a:spcPts val="0"/>
               </a:spcBef>
@@ -436,7 +451,7 @@
               <a:buChar char="■"/>
               <a:defRPr sz="1100"/>
             </a:lvl6pPr>
-            <a:lvl7pPr indent="-298450" lvl="6" marL="3200400">
+            <a:lvl7pPr marL="3200400" lvl="6" indent="-298450">
               <a:spcBef>
                 <a:spcPts val="0"/>
               </a:spcBef>
@@ -447,7 +462,7 @@
               <a:buChar char="●"/>
               <a:defRPr sz="1100"/>
             </a:lvl7pPr>
-            <a:lvl8pPr indent="-298450" lvl="7" marL="3657600">
+            <a:lvl8pPr marL="3657600" lvl="7" indent="-298450">
               <a:spcBef>
                 <a:spcPts val="0"/>
               </a:spcBef>
@@ -458,7 +473,7 @@
               <a:buChar char="○"/>
               <a:defRPr sz="1100"/>
             </a:lvl8pPr>
-            <a:lvl9pPr indent="-298450" lvl="8" marL="4114800">
+            <a:lvl9pPr marL="4114800" lvl="8" indent="-298450">
               <a:spcBef>
                 <a:spcPts val="0"/>
               </a:spcBef>
@@ -470,14 +485,16 @@
               <a:defRPr sz="1100"/>
             </a:lvl9pPr>
           </a:lstStyle>
-          <a:p/>
+          <a:p>
+            <a:endParaRPr/>
+          </a:p>
         </p:txBody>
       </p:sp>
     </p:spTree>
   </p:cSld>
-  <p:clrMap accent1="accent1" accent2="accent2" accent3="accent3" accent4="accent4" accent5="accent5" accent6="accent6" bg1="lt1" bg2="dk2" tx1="dk1" tx2="lt2" folHlink="folHlink" hlink="hlink"/>
+  <p:clrMap bg1="lt1" tx1="dk1" bg2="dk2" tx2="lt2" accent1="accent1" accent2="accent2" accent3="accent3" accent4="accent4" accent5="accent5" accent6="accent6" hlink="hlink" folHlink="folHlink"/>
   <p:notesStyle>
-    <a:defPPr lvl="0" marR="0" rtl="0" algn="l">
+    <a:defPPr marR="0" lvl="0" algn="l" rtl="0">
       <a:lnSpc>
         <a:spcPct val="100000"/>
       </a:lnSpc>
@@ -488,7 +505,7 @@
         <a:spcPts val="0"/>
       </a:spcAft>
     </a:defPPr>
-    <a:lvl1pPr lvl="0" marR="0" rtl="0" algn="l">
+    <a:lvl1pPr marR="0" lvl="0" algn="l" rtl="0">
       <a:lnSpc>
         <a:spcPct val="100000"/>
       </a:lnSpc>
@@ -502,7 +519,7 @@
         <a:srgbClr val="000000"/>
       </a:buClr>
       <a:buFont typeface="Arial"/>
-      <a:defRPr b="0" i="0" sz="1400" u="none" cap="none" strike="noStrike">
+      <a:defRPr sz="1400" b="0" i="0" u="none" strike="noStrike" cap="none">
         <a:solidFill>
           <a:srgbClr val="000000"/>
         </a:solidFill>
@@ -512,7 +529,7 @@
         <a:sym typeface="Arial"/>
       </a:defRPr>
     </a:lvl1pPr>
-    <a:lvl2pPr lvl="1" marR="0" rtl="0" algn="l">
+    <a:lvl2pPr marR="0" lvl="1" algn="l" rtl="0">
       <a:lnSpc>
         <a:spcPct val="100000"/>
       </a:lnSpc>
@@ -526,7 +543,7 @@
         <a:srgbClr val="000000"/>
       </a:buClr>
       <a:buFont typeface="Arial"/>
-      <a:defRPr b="0" i="0" sz="1400" u="none" cap="none" strike="noStrike">
+      <a:defRPr sz="1400" b="0" i="0" u="none" strike="noStrike" cap="none">
         <a:solidFill>
           <a:srgbClr val="000000"/>
         </a:solidFill>
@@ -536,7 +553,7 @@
         <a:sym typeface="Arial"/>
       </a:defRPr>
     </a:lvl2pPr>
-    <a:lvl3pPr lvl="2" marR="0" rtl="0" algn="l">
+    <a:lvl3pPr marR="0" lvl="2" algn="l" rtl="0">
       <a:lnSpc>
         <a:spcPct val="100000"/>
       </a:lnSpc>
@@ -550,7 +567,7 @@
         <a:srgbClr val="000000"/>
       </a:buClr>
       <a:buFont typeface="Arial"/>
-      <a:defRPr b="0" i="0" sz="1400" u="none" cap="none" strike="noStrike">
+      <a:defRPr sz="1400" b="0" i="0" u="none" strike="noStrike" cap="none">
         <a:solidFill>
           <a:srgbClr val="000000"/>
         </a:solidFill>
@@ -560,7 +577,7 @@
         <a:sym typeface="Arial"/>
       </a:defRPr>
     </a:lvl3pPr>
-    <a:lvl4pPr lvl="3" marR="0" rtl="0" algn="l">
+    <a:lvl4pPr marR="0" lvl="3" algn="l" rtl="0">
       <a:lnSpc>
         <a:spcPct val="100000"/>
       </a:lnSpc>
@@ -574,7 +591,7 @@
         <a:srgbClr val="000000"/>
       </a:buClr>
       <a:buFont typeface="Arial"/>
-      <a:defRPr b="0" i="0" sz="1400" u="none" cap="none" strike="noStrike">
+      <a:defRPr sz="1400" b="0" i="0" u="none" strike="noStrike" cap="none">
         <a:solidFill>
           <a:srgbClr val="000000"/>
         </a:solidFill>
@@ -584,7 +601,7 @@
         <a:sym typeface="Arial"/>
       </a:defRPr>
     </a:lvl4pPr>
-    <a:lvl5pPr lvl="4" marR="0" rtl="0" algn="l">
+    <a:lvl5pPr marR="0" lvl="4" algn="l" rtl="0">
       <a:lnSpc>
         <a:spcPct val="100000"/>
       </a:lnSpc>
@@ -598,7 +615,7 @@
         <a:srgbClr val="000000"/>
       </a:buClr>
       <a:buFont typeface="Arial"/>
-      <a:defRPr b="0" i="0" sz="1400" u="none" cap="none" strike="noStrike">
+      <a:defRPr sz="1400" b="0" i="0" u="none" strike="noStrike" cap="none">
         <a:solidFill>
           <a:srgbClr val="000000"/>
         </a:solidFill>
@@ -608,7 +625,7 @@
         <a:sym typeface="Arial"/>
       </a:defRPr>
     </a:lvl5pPr>
-    <a:lvl6pPr lvl="5" marR="0" rtl="0" algn="l">
+    <a:lvl6pPr marR="0" lvl="5" algn="l" rtl="0">
       <a:lnSpc>
         <a:spcPct val="100000"/>
       </a:lnSpc>
@@ -622,7 +639,7 @@
         <a:srgbClr val="000000"/>
       </a:buClr>
       <a:buFont typeface="Arial"/>
-      <a:defRPr b="0" i="0" sz="1400" u="none" cap="none" strike="noStrike">
+      <a:defRPr sz="1400" b="0" i="0" u="none" strike="noStrike" cap="none">
         <a:solidFill>
           <a:srgbClr val="000000"/>
         </a:solidFill>
@@ -632,7 +649,7 @@
         <a:sym typeface="Arial"/>
       </a:defRPr>
     </a:lvl6pPr>
-    <a:lvl7pPr lvl="6" marR="0" rtl="0" algn="l">
+    <a:lvl7pPr marR="0" lvl="6" algn="l" rtl="0">
       <a:lnSpc>
         <a:spcPct val="100000"/>
       </a:lnSpc>
@@ -646,7 +663,7 @@
         <a:srgbClr val="000000"/>
       </a:buClr>
       <a:buFont typeface="Arial"/>
-      <a:defRPr b="0" i="0" sz="1400" u="none" cap="none" strike="noStrike">
+      <a:defRPr sz="1400" b="0" i="0" u="none" strike="noStrike" cap="none">
         <a:solidFill>
           <a:srgbClr val="000000"/>
         </a:solidFill>
@@ -656,7 +673,7 @@
         <a:sym typeface="Arial"/>
       </a:defRPr>
     </a:lvl7pPr>
-    <a:lvl8pPr lvl="7" marR="0" rtl="0" algn="l">
+    <a:lvl8pPr marR="0" lvl="7" algn="l" rtl="0">
       <a:lnSpc>
         <a:spcPct val="100000"/>
       </a:lnSpc>
@@ -670,7 +687,7 @@
         <a:srgbClr val="000000"/>
       </a:buClr>
       <a:buFont typeface="Arial"/>
-      <a:defRPr b="0" i="0" sz="1400" u="none" cap="none" strike="noStrike">
+      <a:defRPr sz="1400" b="0" i="0" u="none" strike="noStrike" cap="none">
         <a:solidFill>
           <a:srgbClr val="000000"/>
         </a:solidFill>
@@ -680,7 +697,7 @@
         <a:sym typeface="Arial"/>
       </a:defRPr>
     </a:lvl8pPr>
-    <a:lvl9pPr lvl="8" marR="0" rtl="0" algn="l">
+    <a:lvl9pPr marR="0" lvl="8" algn="l" rtl="0">
       <a:lnSpc>
         <a:spcPct val="100000"/>
       </a:lnSpc>
@@ -694,7 +711,7 @@
         <a:srgbClr val="000000"/>
       </a:buClr>
       <a:buFont typeface="Arial"/>
-      <a:defRPr b="0" i="0" sz="1400" u="none" cap="none" strike="noStrike">
+      <a:defRPr sz="1400" b="0" i="0" u="none" strike="noStrike" cap="none">
         <a:solidFill>
           <a:srgbClr val="000000"/>
         </a:solidFill>
@@ -709,11 +726,11 @@
 </file>
 
 <file path=ppt/notesSlides/notesSlide1.xml><?xml version="1.0" encoding="utf-8"?>
-<p:notes xmlns:a="http://schemas.openxmlformats.org/drawingml/2006/main" xmlns:r="http://schemas.openxmlformats.org/officeDocument/2006/relationships" xmlns:mc="http://schemas.openxmlformats.org/markup-compatibility/2006" xmlns:mv="urn:schemas-microsoft-com:mac:vml" xmlns:p="http://schemas.openxmlformats.org/presentationml/2006/main" xmlns:c="http://schemas.openxmlformats.org/drawingml/2006/chart" xmlns:dgm="http://schemas.openxmlformats.org/drawingml/2006/diagram" xmlns:o="urn:schemas-microsoft-com:office:office" xmlns:v="urn:schemas-microsoft-com:vml" xmlns:pvml="urn:schemas-microsoft-com:office:powerpoint" xmlns:com="http://schemas.openxmlformats.org/drawingml/2006/compatibility" xmlns:p14="http://schemas.microsoft.com/office/powerpoint/2010/main" xmlns:p15="http://schemas.microsoft.com/office/powerpoint/2012/main" xmlns:ahyp="http://schemas.microsoft.com/office/drawing/2018/hyperlinkcolor" showMasterPhAnim="0" showMasterSp="0">
+<p:notes xmlns:a="http://schemas.openxmlformats.org/drawingml/2006/main" xmlns:r="http://schemas.openxmlformats.org/officeDocument/2006/relationships" xmlns:p="http://schemas.openxmlformats.org/presentationml/2006/main" showMasterSp="0" showMasterPhAnim="0">
   <p:cSld>
     <p:spTree>
       <p:nvGrpSpPr>
-        <p:cNvPr id="130" name="Shape 130"/>
+        <p:cNvPr id="1" name="Shape 130"/>
         <p:cNvGrpSpPr/>
         <p:nvPr/>
       </p:nvGrpSpPr>
@@ -728,20 +745,26 @@
       <p:sp>
         <p:nvSpPr>
           <p:cNvPr id="131" name="Google Shape;131;p:notes"/>
-          <p:cNvSpPr/>
+          <p:cNvSpPr>
+            <a:spLocks noGrp="1" noRot="1" noChangeAspect="1"/>
+          </p:cNvSpPr>
           <p:nvPr>
-            <p:ph idx="2" type="sldImg"/>
+            <p:ph type="sldImg" idx="2"/>
           </p:nvPr>
         </p:nvSpPr>
         <p:spPr>
           <a:xfrm>
-            <a:off x="381300" y="685800"/>
-            <a:ext cx="6096075" cy="3429000"/>
+            <a:off x="381000" y="685800"/>
+            <a:ext cx="6096000" cy="3429000"/>
           </a:xfrm>
           <a:custGeom>
-            <a:rect b="b" l="l" r="r" t="t"/>
+            <a:avLst/>
+            <a:gdLst/>
+            <a:ahLst/>
+            <a:cxnLst/>
+            <a:rect l="l" t="t" r="r" b="b"/>
             <a:pathLst>
-              <a:path extrusionOk="0" h="120000" w="120000">
+              <a:path w="120000" h="120000" extrusionOk="0">
                 <a:moveTo>
                   <a:pt x="0" y="0"/>
                 </a:moveTo>
@@ -763,9 +786,11 @@
       <p:sp>
         <p:nvSpPr>
           <p:cNvPr id="132" name="Google Shape;132;p:notes"/>
-          <p:cNvSpPr txBox="1"/>
+          <p:cNvSpPr txBox="1">
+            <a:spLocks noGrp="1"/>
+          </p:cNvSpPr>
           <p:nvPr>
-            <p:ph idx="1" type="body"/>
+            <p:ph type="body" idx="1"/>
           </p:nvPr>
         </p:nvSpPr>
         <p:spPr>
@@ -778,12 +803,12 @@
           </a:prstGeom>
         </p:spPr>
         <p:txBody>
-          <a:bodyPr anchorCtr="0" anchor="t" bIns="91425" lIns="91425" spcFirstLastPara="1" rIns="91425" wrap="square" tIns="91425">
+          <a:bodyPr spcFirstLastPara="1" wrap="square" lIns="91425" tIns="91425" rIns="91425" bIns="91425" anchor="t" anchorCtr="0">
             <a:noAutofit/>
           </a:bodyPr>
           <a:lstStyle/>
           <a:p>
-            <a:pPr indent="0" lvl="0" marL="0" rtl="0" algn="l">
+            <a:pPr marL="0" lvl="0" indent="0" algn="l" rtl="0">
               <a:spcBef>
                 <a:spcPts val="0"/>
               </a:spcBef>
@@ -792,9 +817,6 @@
               </a:spcAft>
               <a:buNone/>
             </a:pPr>
-            <a:r>
-              <a:t/>
-            </a:r>
             <a:endParaRPr/>
           </a:p>
         </p:txBody>
@@ -808,11 +830,11 @@
 </file>
 
 <file path=ppt/notesSlides/notesSlide2.xml><?xml version="1.0" encoding="utf-8"?>
-<p:notes xmlns:a="http://schemas.openxmlformats.org/drawingml/2006/main" xmlns:r="http://schemas.openxmlformats.org/officeDocument/2006/relationships" xmlns:mc="http://schemas.openxmlformats.org/markup-compatibility/2006" xmlns:mv="urn:schemas-microsoft-com:mac:vml" xmlns:p="http://schemas.openxmlformats.org/presentationml/2006/main" xmlns:c="http://schemas.openxmlformats.org/drawingml/2006/chart" xmlns:dgm="http://schemas.openxmlformats.org/drawingml/2006/diagram" xmlns:o="urn:schemas-microsoft-com:office:office" xmlns:v="urn:schemas-microsoft-com:vml" xmlns:pvml="urn:schemas-microsoft-com:office:powerpoint" xmlns:com="http://schemas.openxmlformats.org/drawingml/2006/compatibility" xmlns:p14="http://schemas.microsoft.com/office/powerpoint/2010/main" xmlns:p15="http://schemas.microsoft.com/office/powerpoint/2012/main" xmlns:ahyp="http://schemas.microsoft.com/office/drawing/2018/hyperlinkcolor" showMasterPhAnim="0" showMasterSp="0">
+<p:notes xmlns:a="http://schemas.openxmlformats.org/drawingml/2006/main" xmlns:r="http://schemas.openxmlformats.org/officeDocument/2006/relationships" xmlns:p="http://schemas.openxmlformats.org/presentationml/2006/main" showMasterSp="0" showMasterPhAnim="0">
   <p:cSld>
     <p:spTree>
       <p:nvGrpSpPr>
-        <p:cNvPr id="136" name="Shape 136"/>
+        <p:cNvPr id="1" name="Shape 136"/>
         <p:cNvGrpSpPr/>
         <p:nvPr/>
       </p:nvGrpSpPr>
@@ -827,20 +849,26 @@
       <p:sp>
         <p:nvSpPr>
           <p:cNvPr id="137" name="Google Shape;137;g3b8b8576e1a_0_125:notes"/>
-          <p:cNvSpPr/>
+          <p:cNvSpPr>
+            <a:spLocks noGrp="1" noRot="1" noChangeAspect="1"/>
+          </p:cNvSpPr>
           <p:nvPr>
-            <p:ph idx="2" type="sldImg"/>
+            <p:ph type="sldImg" idx="2"/>
           </p:nvPr>
         </p:nvSpPr>
         <p:spPr>
           <a:xfrm>
-            <a:off x="381300" y="685800"/>
+            <a:off x="381000" y="685800"/>
             <a:ext cx="6096000" cy="3429000"/>
           </a:xfrm>
           <a:custGeom>
-            <a:rect b="b" l="l" r="r" t="t"/>
+            <a:avLst/>
+            <a:gdLst/>
+            <a:ahLst/>
+            <a:cxnLst/>
+            <a:rect l="l" t="t" r="r" b="b"/>
             <a:pathLst>
-              <a:path extrusionOk="0" h="120000" w="120000">
+              <a:path w="120000" h="120000" extrusionOk="0">
                 <a:moveTo>
                   <a:pt x="0" y="0"/>
                 </a:moveTo>
@@ -862,9 +890,11 @@
       <p:sp>
         <p:nvSpPr>
           <p:cNvPr id="138" name="Google Shape;138;g3b8b8576e1a_0_125:notes"/>
-          <p:cNvSpPr txBox="1"/>
+          <p:cNvSpPr txBox="1">
+            <a:spLocks noGrp="1"/>
+          </p:cNvSpPr>
           <p:nvPr>
-            <p:ph idx="1" type="body"/>
+            <p:ph type="body" idx="1"/>
           </p:nvPr>
         </p:nvSpPr>
         <p:spPr>
@@ -877,12 +907,12 @@
           </a:prstGeom>
         </p:spPr>
         <p:txBody>
-          <a:bodyPr anchorCtr="0" anchor="t" bIns="91425" lIns="91425" spcFirstLastPara="1" rIns="91425" wrap="square" tIns="91425">
+          <a:bodyPr spcFirstLastPara="1" wrap="square" lIns="91425" tIns="91425" rIns="91425" bIns="91425" anchor="t" anchorCtr="0">
             <a:noAutofit/>
           </a:bodyPr>
           <a:lstStyle/>
           <a:p>
-            <a:pPr indent="0" lvl="0" marL="0" rtl="0" algn="l">
+            <a:pPr marL="0" lvl="0" indent="0" algn="l" rtl="0">
               <a:spcBef>
                 <a:spcPts val="0"/>
               </a:spcBef>
@@ -891,9 +921,6 @@
               </a:spcAft>
               <a:buNone/>
             </a:pPr>
-            <a:r>
-              <a:t/>
-            </a:r>
             <a:endParaRPr/>
           </a:p>
         </p:txBody>
@@ -907,11 +934,11 @@
 </file>
 
 <file path=ppt/notesSlides/notesSlide3.xml><?xml version="1.0" encoding="utf-8"?>
-<p:notes xmlns:a="http://schemas.openxmlformats.org/drawingml/2006/main" xmlns:r="http://schemas.openxmlformats.org/officeDocument/2006/relationships" xmlns:mc="http://schemas.openxmlformats.org/markup-compatibility/2006" xmlns:mv="urn:schemas-microsoft-com:mac:vml" xmlns:p="http://schemas.openxmlformats.org/presentationml/2006/main" xmlns:c="http://schemas.openxmlformats.org/drawingml/2006/chart" xmlns:dgm="http://schemas.openxmlformats.org/drawingml/2006/diagram" xmlns:o="urn:schemas-microsoft-com:office:office" xmlns:v="urn:schemas-microsoft-com:vml" xmlns:pvml="urn:schemas-microsoft-com:office:powerpoint" xmlns:com="http://schemas.openxmlformats.org/drawingml/2006/compatibility" xmlns:p14="http://schemas.microsoft.com/office/powerpoint/2010/main" xmlns:p15="http://schemas.microsoft.com/office/powerpoint/2012/main" xmlns:ahyp="http://schemas.microsoft.com/office/drawing/2018/hyperlinkcolor" showMasterPhAnim="0" showMasterSp="0">
+<p:notes xmlns:a="http://schemas.openxmlformats.org/drawingml/2006/main" xmlns:r="http://schemas.openxmlformats.org/officeDocument/2006/relationships" xmlns:p="http://schemas.openxmlformats.org/presentationml/2006/main" showMasterSp="0" showMasterPhAnim="0">
   <p:cSld>
     <p:spTree>
       <p:nvGrpSpPr>
-        <p:cNvPr id="144" name="Shape 144"/>
+        <p:cNvPr id="1" name="Shape 144"/>
         <p:cNvGrpSpPr/>
         <p:nvPr/>
       </p:nvGrpSpPr>
@@ -926,20 +953,26 @@
       <p:sp>
         <p:nvSpPr>
           <p:cNvPr id="145" name="Google Shape;145;g3b8b8576e1a_0_129:notes"/>
-          <p:cNvSpPr/>
+          <p:cNvSpPr>
+            <a:spLocks noGrp="1" noRot="1" noChangeAspect="1"/>
+          </p:cNvSpPr>
           <p:nvPr>
-            <p:ph idx="2" type="sldImg"/>
+            <p:ph type="sldImg" idx="2"/>
           </p:nvPr>
         </p:nvSpPr>
         <p:spPr>
           <a:xfrm>
-            <a:off x="381300" y="685800"/>
+            <a:off x="381000" y="685800"/>
             <a:ext cx="6096000" cy="3429000"/>
           </a:xfrm>
           <a:custGeom>
-            <a:rect b="b" l="l" r="r" t="t"/>
+            <a:avLst/>
+            <a:gdLst/>
+            <a:ahLst/>
+            <a:cxnLst/>
+            <a:rect l="l" t="t" r="r" b="b"/>
             <a:pathLst>
-              <a:path extrusionOk="0" h="120000" w="120000">
+              <a:path w="120000" h="120000" extrusionOk="0">
                 <a:moveTo>
                   <a:pt x="0" y="0"/>
                 </a:moveTo>
@@ -961,9 +994,11 @@
       <p:sp>
         <p:nvSpPr>
           <p:cNvPr id="146" name="Google Shape;146;g3b8b8576e1a_0_129:notes"/>
-          <p:cNvSpPr txBox="1"/>
+          <p:cNvSpPr txBox="1">
+            <a:spLocks noGrp="1"/>
+          </p:cNvSpPr>
           <p:nvPr>
-            <p:ph idx="1" type="body"/>
+            <p:ph type="body" idx="1"/>
           </p:nvPr>
         </p:nvSpPr>
         <p:spPr>
@@ -976,12 +1011,12 @@
           </a:prstGeom>
         </p:spPr>
         <p:txBody>
-          <a:bodyPr anchorCtr="0" anchor="t" bIns="91425" lIns="91425" spcFirstLastPara="1" rIns="91425" wrap="square" tIns="91425">
+          <a:bodyPr spcFirstLastPara="1" wrap="square" lIns="91425" tIns="91425" rIns="91425" bIns="91425" anchor="t" anchorCtr="0">
             <a:noAutofit/>
           </a:bodyPr>
           <a:lstStyle/>
           <a:p>
-            <a:pPr indent="0" lvl="0" marL="0" rtl="0" algn="l">
+            <a:pPr marL="0" lvl="0" indent="0" algn="l" rtl="0">
               <a:spcBef>
                 <a:spcPts val="0"/>
               </a:spcBef>
@@ -990,9 +1025,6 @@
               </a:spcAft>
               <a:buNone/>
             </a:pPr>
-            <a:r>
-              <a:t/>
-            </a:r>
             <a:endParaRPr/>
           </a:p>
         </p:txBody>
@@ -1006,11 +1038,11 @@
 </file>
 
 <file path=ppt/notesSlides/notesSlide4.xml><?xml version="1.0" encoding="utf-8"?>
-<p:notes xmlns:a="http://schemas.openxmlformats.org/drawingml/2006/main" xmlns:r="http://schemas.openxmlformats.org/officeDocument/2006/relationships" xmlns:mc="http://schemas.openxmlformats.org/markup-compatibility/2006" xmlns:mv="urn:schemas-microsoft-com:mac:vml" xmlns:p="http://schemas.openxmlformats.org/presentationml/2006/main" xmlns:c="http://schemas.openxmlformats.org/drawingml/2006/chart" xmlns:dgm="http://schemas.openxmlformats.org/drawingml/2006/diagram" xmlns:o="urn:schemas-microsoft-com:office:office" xmlns:v="urn:schemas-microsoft-com:vml" xmlns:pvml="urn:schemas-microsoft-com:office:powerpoint" xmlns:com="http://schemas.openxmlformats.org/drawingml/2006/compatibility" xmlns:p14="http://schemas.microsoft.com/office/powerpoint/2010/main" xmlns:p15="http://schemas.microsoft.com/office/powerpoint/2012/main" xmlns:ahyp="http://schemas.microsoft.com/office/drawing/2018/hyperlinkcolor" showMasterPhAnim="0" showMasterSp="0">
+<p:notes xmlns:a="http://schemas.openxmlformats.org/drawingml/2006/main" xmlns:r="http://schemas.openxmlformats.org/officeDocument/2006/relationships" xmlns:p="http://schemas.openxmlformats.org/presentationml/2006/main" showMasterSp="0" showMasterPhAnim="0">
   <p:cSld>
     <p:spTree>
       <p:nvGrpSpPr>
-        <p:cNvPr id="151" name="Shape 151"/>
+        <p:cNvPr id="1" name="Shape 151"/>
         <p:cNvGrpSpPr/>
         <p:nvPr/>
       </p:nvGrpSpPr>
@@ -1025,20 +1057,26 @@
       <p:sp>
         <p:nvSpPr>
           <p:cNvPr id="152" name="Google Shape;152;g3b8b8576e1a_0_133:notes"/>
-          <p:cNvSpPr/>
+          <p:cNvSpPr>
+            <a:spLocks noGrp="1" noRot="1" noChangeAspect="1"/>
+          </p:cNvSpPr>
           <p:nvPr>
-            <p:ph idx="2" type="sldImg"/>
+            <p:ph type="sldImg" idx="2"/>
           </p:nvPr>
         </p:nvSpPr>
         <p:spPr>
           <a:xfrm>
-            <a:off x="381300" y="685800"/>
+            <a:off x="381000" y="685800"/>
             <a:ext cx="6096000" cy="3429000"/>
           </a:xfrm>
           <a:custGeom>
-            <a:rect b="b" l="l" r="r" t="t"/>
+            <a:avLst/>
+            <a:gdLst/>
+            <a:ahLst/>
+            <a:cxnLst/>
+            <a:rect l="l" t="t" r="r" b="b"/>
             <a:pathLst>
-              <a:path extrusionOk="0" h="120000" w="120000">
+              <a:path w="120000" h="120000" extrusionOk="0">
                 <a:moveTo>
                   <a:pt x="0" y="0"/>
                 </a:moveTo>
@@ -1060,9 +1098,11 @@
       <p:sp>
         <p:nvSpPr>
           <p:cNvPr id="153" name="Google Shape;153;g3b8b8576e1a_0_133:notes"/>
-          <p:cNvSpPr txBox="1"/>
+          <p:cNvSpPr txBox="1">
+            <a:spLocks noGrp="1"/>
+          </p:cNvSpPr>
           <p:nvPr>
-            <p:ph idx="1" type="body"/>
+            <p:ph type="body" idx="1"/>
           </p:nvPr>
         </p:nvSpPr>
         <p:spPr>
@@ -1075,12 +1115,12 @@
           </a:prstGeom>
         </p:spPr>
         <p:txBody>
-          <a:bodyPr anchorCtr="0" anchor="t" bIns="91425" lIns="91425" spcFirstLastPara="1" rIns="91425" wrap="square" tIns="91425">
+          <a:bodyPr spcFirstLastPara="1" wrap="square" lIns="91425" tIns="91425" rIns="91425" bIns="91425" anchor="t" anchorCtr="0">
             <a:noAutofit/>
           </a:bodyPr>
           <a:lstStyle/>
           <a:p>
-            <a:pPr indent="0" lvl="0" marL="0" rtl="0" algn="l">
+            <a:pPr marL="0" lvl="0" indent="0" algn="l" rtl="0">
               <a:spcBef>
                 <a:spcPts val="0"/>
               </a:spcBef>
@@ -1089,9 +1129,6 @@
               </a:spcAft>
               <a:buNone/>
             </a:pPr>
-            <a:r>
-              <a:t/>
-            </a:r>
             <a:endParaRPr/>
           </a:p>
         </p:txBody>
@@ -1105,11 +1142,11 @@
 </file>
 
 <file path=ppt/notesSlides/notesSlide5.xml><?xml version="1.0" encoding="utf-8"?>
-<p:notes xmlns:a="http://schemas.openxmlformats.org/drawingml/2006/main" xmlns:r="http://schemas.openxmlformats.org/officeDocument/2006/relationships" xmlns:mc="http://schemas.openxmlformats.org/markup-compatibility/2006" xmlns:mv="urn:schemas-microsoft-com:mac:vml" xmlns:p="http://schemas.openxmlformats.org/presentationml/2006/main" xmlns:c="http://schemas.openxmlformats.org/drawingml/2006/chart" xmlns:dgm="http://schemas.openxmlformats.org/drawingml/2006/diagram" xmlns:o="urn:schemas-microsoft-com:office:office" xmlns:v="urn:schemas-microsoft-com:vml" xmlns:pvml="urn:schemas-microsoft-com:office:powerpoint" xmlns:com="http://schemas.openxmlformats.org/drawingml/2006/compatibility" xmlns:p14="http://schemas.microsoft.com/office/powerpoint/2010/main" xmlns:p15="http://schemas.microsoft.com/office/powerpoint/2012/main" xmlns:ahyp="http://schemas.microsoft.com/office/drawing/2018/hyperlinkcolor" showMasterPhAnim="0" showMasterSp="0">
+<p:notes xmlns:a="http://schemas.openxmlformats.org/drawingml/2006/main" xmlns:r="http://schemas.openxmlformats.org/officeDocument/2006/relationships" xmlns:p="http://schemas.openxmlformats.org/presentationml/2006/main" showMasterSp="0" showMasterPhAnim="0">
   <p:cSld>
     <p:spTree>
       <p:nvGrpSpPr>
-        <p:cNvPr id="157" name="Shape 157"/>
+        <p:cNvPr id="1" name="Shape 157"/>
         <p:cNvGrpSpPr/>
         <p:nvPr/>
       </p:nvGrpSpPr>
@@ -1124,20 +1161,26 @@
       <p:sp>
         <p:nvSpPr>
           <p:cNvPr id="158" name="Google Shape;158;g3b8b8576e1a_0_137:notes"/>
-          <p:cNvSpPr/>
+          <p:cNvSpPr>
+            <a:spLocks noGrp="1" noRot="1" noChangeAspect="1"/>
+          </p:cNvSpPr>
           <p:nvPr>
-            <p:ph idx="2" type="sldImg"/>
+            <p:ph type="sldImg" idx="2"/>
           </p:nvPr>
         </p:nvSpPr>
         <p:spPr>
           <a:xfrm>
-            <a:off x="381300" y="685800"/>
+            <a:off x="381000" y="685800"/>
             <a:ext cx="6096000" cy="3429000"/>
           </a:xfrm>
           <a:custGeom>
-            <a:rect b="b" l="l" r="r" t="t"/>
+            <a:avLst/>
+            <a:gdLst/>
+            <a:ahLst/>
+            <a:cxnLst/>
+            <a:rect l="l" t="t" r="r" b="b"/>
             <a:pathLst>
-              <a:path extrusionOk="0" h="120000" w="120000">
+              <a:path w="120000" h="120000" extrusionOk="0">
                 <a:moveTo>
                   <a:pt x="0" y="0"/>
                 </a:moveTo>
@@ -1159,9 +1202,11 @@
       <p:sp>
         <p:nvSpPr>
           <p:cNvPr id="159" name="Google Shape;159;g3b8b8576e1a_0_137:notes"/>
-          <p:cNvSpPr txBox="1"/>
+          <p:cNvSpPr txBox="1">
+            <a:spLocks noGrp="1"/>
+          </p:cNvSpPr>
           <p:nvPr>
-            <p:ph idx="1" type="body"/>
+            <p:ph type="body" idx="1"/>
           </p:nvPr>
         </p:nvSpPr>
         <p:spPr>
@@ -1174,12 +1219,12 @@
           </a:prstGeom>
         </p:spPr>
         <p:txBody>
-          <a:bodyPr anchorCtr="0" anchor="t" bIns="91425" lIns="91425" spcFirstLastPara="1" rIns="91425" wrap="square" tIns="91425">
+          <a:bodyPr spcFirstLastPara="1" wrap="square" lIns="91425" tIns="91425" rIns="91425" bIns="91425" anchor="t" anchorCtr="0">
             <a:noAutofit/>
           </a:bodyPr>
           <a:lstStyle/>
           <a:p>
-            <a:pPr indent="0" lvl="0" marL="0" rtl="0" algn="l">
+            <a:pPr marL="0" lvl="0" indent="0" algn="l" rtl="0">
               <a:spcBef>
                 <a:spcPts val="0"/>
               </a:spcBef>
@@ -1188,9 +1233,6 @@
               </a:spcAft>
               <a:buNone/>
             </a:pPr>
-            <a:r>
-              <a:t/>
-            </a:r>
             <a:endParaRPr/>
           </a:p>
         </p:txBody>
@@ -1204,11 +1246,11 @@
 </file>
 
 <file path=ppt/notesSlides/notesSlide6.xml><?xml version="1.0" encoding="utf-8"?>
-<p:notes xmlns:a="http://schemas.openxmlformats.org/drawingml/2006/main" xmlns:r="http://schemas.openxmlformats.org/officeDocument/2006/relationships" xmlns:mc="http://schemas.openxmlformats.org/markup-compatibility/2006" xmlns:mv="urn:schemas-microsoft-com:mac:vml" xmlns:p="http://schemas.openxmlformats.org/presentationml/2006/main" xmlns:c="http://schemas.openxmlformats.org/drawingml/2006/chart" xmlns:dgm="http://schemas.openxmlformats.org/drawingml/2006/diagram" xmlns:o="urn:schemas-microsoft-com:office:office" xmlns:v="urn:schemas-microsoft-com:vml" xmlns:pvml="urn:schemas-microsoft-com:office:powerpoint" xmlns:com="http://schemas.openxmlformats.org/drawingml/2006/compatibility" xmlns:p14="http://schemas.microsoft.com/office/powerpoint/2010/main" xmlns:p15="http://schemas.microsoft.com/office/powerpoint/2012/main" xmlns:ahyp="http://schemas.microsoft.com/office/drawing/2018/hyperlinkcolor" showMasterPhAnim="0" showMasterSp="0">
+<p:notes xmlns:a="http://schemas.openxmlformats.org/drawingml/2006/main" xmlns:r="http://schemas.openxmlformats.org/officeDocument/2006/relationships" xmlns:p="http://schemas.openxmlformats.org/presentationml/2006/main" showMasterSp="0" showMasterPhAnim="0">
   <p:cSld>
     <p:spTree>
       <p:nvGrpSpPr>
-        <p:cNvPr id="164" name="Shape 164"/>
+        <p:cNvPr id="1" name="Shape 164"/>
         <p:cNvGrpSpPr/>
         <p:nvPr/>
       </p:nvGrpSpPr>
@@ -1223,20 +1265,26 @@
       <p:sp>
         <p:nvSpPr>
           <p:cNvPr id="165" name="Google Shape;165;g3b8b8576e1a_0_141:notes"/>
-          <p:cNvSpPr/>
+          <p:cNvSpPr>
+            <a:spLocks noGrp="1" noRot="1" noChangeAspect="1"/>
+          </p:cNvSpPr>
           <p:nvPr>
-            <p:ph idx="2" type="sldImg"/>
+            <p:ph type="sldImg" idx="2"/>
           </p:nvPr>
         </p:nvSpPr>
         <p:spPr>
           <a:xfrm>
-            <a:off x="381300" y="685800"/>
+            <a:off x="381000" y="685800"/>
             <a:ext cx="6096000" cy="3429000"/>
           </a:xfrm>
           <a:custGeom>
-            <a:rect b="b" l="l" r="r" t="t"/>
+            <a:avLst/>
+            <a:gdLst/>
+            <a:ahLst/>
+            <a:cxnLst/>
+            <a:rect l="l" t="t" r="r" b="b"/>
             <a:pathLst>
-              <a:path extrusionOk="0" h="120000" w="120000">
+              <a:path w="120000" h="120000" extrusionOk="0">
                 <a:moveTo>
                   <a:pt x="0" y="0"/>
                 </a:moveTo>
@@ -1258,9 +1306,11 @@
       <p:sp>
         <p:nvSpPr>
           <p:cNvPr id="166" name="Google Shape;166;g3b8b8576e1a_0_141:notes"/>
-          <p:cNvSpPr txBox="1"/>
+          <p:cNvSpPr txBox="1">
+            <a:spLocks noGrp="1"/>
+          </p:cNvSpPr>
           <p:nvPr>
-            <p:ph idx="1" type="body"/>
+            <p:ph type="body" idx="1"/>
           </p:nvPr>
         </p:nvSpPr>
         <p:spPr>
@@ -1273,12 +1323,12 @@
           </a:prstGeom>
         </p:spPr>
         <p:txBody>
-          <a:bodyPr anchorCtr="0" anchor="t" bIns="91425" lIns="91425" spcFirstLastPara="1" rIns="91425" wrap="square" tIns="91425">
+          <a:bodyPr spcFirstLastPara="1" wrap="square" lIns="91425" tIns="91425" rIns="91425" bIns="91425" anchor="t" anchorCtr="0">
             <a:noAutofit/>
           </a:bodyPr>
           <a:lstStyle/>
           <a:p>
-            <a:pPr indent="0" lvl="0" marL="0" rtl="0" algn="l">
+            <a:pPr marL="0" lvl="0" indent="0" algn="l" rtl="0">
               <a:spcBef>
                 <a:spcPts val="0"/>
               </a:spcBef>
@@ -1287,9 +1337,6 @@
               </a:spcAft>
               <a:buNone/>
             </a:pPr>
-            <a:r>
-              <a:t/>
-            </a:r>
             <a:endParaRPr/>
           </a:p>
         </p:txBody>
@@ -1303,11 +1350,11 @@
 </file>
 
 <file path=ppt/notesSlides/notesSlide7.xml><?xml version="1.0" encoding="utf-8"?>
-<p:notes xmlns:a="http://schemas.openxmlformats.org/drawingml/2006/main" xmlns:r="http://schemas.openxmlformats.org/officeDocument/2006/relationships" xmlns:mc="http://schemas.openxmlformats.org/markup-compatibility/2006" xmlns:mv="urn:schemas-microsoft-com:mac:vml" xmlns:p="http://schemas.openxmlformats.org/presentationml/2006/main" xmlns:c="http://schemas.openxmlformats.org/drawingml/2006/chart" xmlns:dgm="http://schemas.openxmlformats.org/drawingml/2006/diagram" xmlns:o="urn:schemas-microsoft-com:office:office" xmlns:v="urn:schemas-microsoft-com:vml" xmlns:pvml="urn:schemas-microsoft-com:office:powerpoint" xmlns:com="http://schemas.openxmlformats.org/drawingml/2006/compatibility" xmlns:p14="http://schemas.microsoft.com/office/powerpoint/2010/main" xmlns:p15="http://schemas.microsoft.com/office/powerpoint/2012/main" xmlns:ahyp="http://schemas.microsoft.com/office/drawing/2018/hyperlinkcolor" showMasterPhAnim="0" showMasterSp="0">
+<p:notes xmlns:a="http://schemas.openxmlformats.org/drawingml/2006/main" xmlns:r="http://schemas.openxmlformats.org/officeDocument/2006/relationships" xmlns:p="http://schemas.openxmlformats.org/presentationml/2006/main" showMasterSp="0" showMasterPhAnim="0">
   <p:cSld>
     <p:spTree>
       <p:nvGrpSpPr>
-        <p:cNvPr id="169" name="Shape 169"/>
+        <p:cNvPr id="1" name="Shape 169"/>
         <p:cNvGrpSpPr/>
         <p:nvPr/>
       </p:nvGrpSpPr>
@@ -1322,20 +1369,26 @@
       <p:sp>
         <p:nvSpPr>
           <p:cNvPr id="170" name="Google Shape;170;g3b8b8576e1a_0_145:notes"/>
-          <p:cNvSpPr/>
+          <p:cNvSpPr>
+            <a:spLocks noGrp="1" noRot="1" noChangeAspect="1"/>
+          </p:cNvSpPr>
           <p:nvPr>
-            <p:ph idx="2" type="sldImg"/>
+            <p:ph type="sldImg" idx="2"/>
           </p:nvPr>
         </p:nvSpPr>
         <p:spPr>
           <a:xfrm>
-            <a:off x="381300" y="685800"/>
+            <a:off x="381000" y="685800"/>
             <a:ext cx="6096000" cy="3429000"/>
           </a:xfrm>
           <a:custGeom>
-            <a:rect b="b" l="l" r="r" t="t"/>
+            <a:avLst/>
+            <a:gdLst/>
+            <a:ahLst/>
+            <a:cxnLst/>
+            <a:rect l="l" t="t" r="r" b="b"/>
             <a:pathLst>
-              <a:path extrusionOk="0" h="120000" w="120000">
+              <a:path w="120000" h="120000" extrusionOk="0">
                 <a:moveTo>
                   <a:pt x="0" y="0"/>
                 </a:moveTo>
@@ -1357,9 +1410,11 @@
       <p:sp>
         <p:nvSpPr>
           <p:cNvPr id="171" name="Google Shape;171;g3b8b8576e1a_0_145:notes"/>
-          <p:cNvSpPr txBox="1"/>
+          <p:cNvSpPr txBox="1">
+            <a:spLocks noGrp="1"/>
+          </p:cNvSpPr>
           <p:nvPr>
-            <p:ph idx="1" type="body"/>
+            <p:ph type="body" idx="1"/>
           </p:nvPr>
         </p:nvSpPr>
         <p:spPr>
@@ -1372,12 +1427,12 @@
           </a:prstGeom>
         </p:spPr>
         <p:txBody>
-          <a:bodyPr anchorCtr="0" anchor="t" bIns="91425" lIns="91425" spcFirstLastPara="1" rIns="91425" wrap="square" tIns="91425">
+          <a:bodyPr spcFirstLastPara="1" wrap="square" lIns="91425" tIns="91425" rIns="91425" bIns="91425" anchor="t" anchorCtr="0">
             <a:noAutofit/>
           </a:bodyPr>
           <a:lstStyle/>
           <a:p>
-            <a:pPr indent="0" lvl="0" marL="0" rtl="0" algn="l">
+            <a:pPr marL="0" lvl="0" indent="0" algn="l" rtl="0">
               <a:spcBef>
                 <a:spcPts val="0"/>
               </a:spcBef>
@@ -1386,9 +1441,6 @@
               </a:spcAft>
               <a:buNone/>
             </a:pPr>
-            <a:r>
-              <a:t/>
-            </a:r>
             <a:endParaRPr/>
           </a:p>
         </p:txBody>
@@ -1402,11 +1454,11 @@
 </file>
 
 <file path=ppt/slideLayouts/slideLayout1.xml><?xml version="1.0" encoding="utf-8"?>
-<p:sldLayout xmlns:a="http://schemas.openxmlformats.org/drawingml/2006/main" xmlns:r="http://schemas.openxmlformats.org/officeDocument/2006/relationships" xmlns:mc="http://schemas.openxmlformats.org/markup-compatibility/2006" xmlns:mv="urn:schemas-microsoft-com:mac:vml" xmlns:p="http://schemas.openxmlformats.org/presentationml/2006/main" xmlns:c="http://schemas.openxmlformats.org/drawingml/2006/chart" xmlns:dgm="http://schemas.openxmlformats.org/drawingml/2006/diagram" xmlns:o="urn:schemas-microsoft-com:office:office" xmlns:v="urn:schemas-microsoft-com:vml" xmlns:pvml="urn:schemas-microsoft-com:office:powerpoint" xmlns:com="http://schemas.openxmlformats.org/drawingml/2006/compatibility" xmlns:p14="http://schemas.microsoft.com/office/powerpoint/2010/main" xmlns:p15="http://schemas.microsoft.com/office/powerpoint/2012/main" xmlns:ahyp="http://schemas.microsoft.com/office/drawing/2018/hyperlinkcolor" matchingName="Title slide" type="title">
+<p:sldLayout xmlns:a="http://schemas.openxmlformats.org/drawingml/2006/main" xmlns:r="http://schemas.openxmlformats.org/officeDocument/2006/relationships" xmlns:p="http://schemas.openxmlformats.org/presentationml/2006/main" matchingName="Title slide" type="title">
   <p:cSld name="TITLE">
     <p:spTree>
       <p:nvGrpSpPr>
-        <p:cNvPr id="9" name="Shape 9"/>
+        <p:cNvPr id="1" name="Shape 9"/>
         <p:cNvGrpSpPr/>
         <p:nvPr/>
       </p:nvGrpSpPr>
@@ -1431,7 +1483,7 @@
           </a:xfrm>
           <a:prstGeom prst="diagStripe">
             <a:avLst>
-              <a:gd fmla="val 0" name="adj"/>
+              <a:gd name="adj" fmla="val 0"/>
             </a:avLst>
           </a:prstGeom>
           <a:solidFill>
@@ -1444,12 +1496,12 @@
           </a:ln>
         </p:spPr>
         <p:txBody>
-          <a:bodyPr anchorCtr="0" anchor="ctr" bIns="91425" lIns="91425" spcFirstLastPara="1" rIns="91425" wrap="square" tIns="91425">
+          <a:bodyPr spcFirstLastPara="1" wrap="square" lIns="91425" tIns="91425" rIns="91425" bIns="91425" anchor="ctr" anchorCtr="0">
             <a:noAutofit/>
           </a:bodyPr>
           <a:lstStyle/>
           <a:p>
-            <a:pPr indent="0" lvl="0" marL="0" rtl="0" algn="l">
+            <a:pPr marL="0" lvl="0" indent="0" algn="l" rtl="0">
               <a:spcBef>
                 <a:spcPts val="0"/>
               </a:spcBef>
@@ -1458,9 +1510,6 @@
               </a:spcAft>
               <a:buNone/>
             </a:pPr>
-            <a:r>
-              <a:t/>
-            </a:r>
             <a:endParaRPr/>
           </a:p>
         </p:txBody>
@@ -1492,7 +1541,7 @@
             </a:xfrm>
             <a:prstGeom prst="diagStripe">
               <a:avLst>
-                <a:gd fmla="val 50000" name="adj"/>
+                <a:gd name="adj" fmla="val 50000"/>
               </a:avLst>
             </a:prstGeom>
             <a:solidFill>
@@ -1505,12 +1554,12 @@
             </a:ln>
           </p:spPr>
           <p:txBody>
-            <a:bodyPr anchorCtr="0" anchor="ctr" bIns="91425" lIns="91425" spcFirstLastPara="1" rIns="91425" wrap="square" tIns="91425">
+            <a:bodyPr spcFirstLastPara="1" wrap="square" lIns="91425" tIns="91425" rIns="91425" bIns="91425" anchor="ctr" anchorCtr="0">
               <a:noAutofit/>
             </a:bodyPr>
             <a:lstStyle/>
             <a:p>
-              <a:pPr indent="0" lvl="0" marL="0" rtl="0" algn="l">
+              <a:pPr marL="0" lvl="0" indent="0" algn="l" rtl="0">
                 <a:spcBef>
                   <a:spcPts val="0"/>
                 </a:spcBef>
@@ -1519,9 +1568,6 @@
                 </a:spcAft>
                 <a:buNone/>
               </a:pPr>
-              <a:r>
-                <a:t/>
-              </a:r>
               <a:endParaRPr/>
             </a:p>
           </p:txBody>
@@ -1539,7 +1585,7 @@
             </a:xfrm>
             <a:prstGeom prst="diagStripe">
               <a:avLst>
-                <a:gd fmla="val 58774" name="adj"/>
+                <a:gd name="adj" fmla="val 58774"/>
               </a:avLst>
             </a:prstGeom>
             <a:solidFill>
@@ -1552,12 +1598,12 @@
             </a:ln>
           </p:spPr>
           <p:txBody>
-            <a:bodyPr anchorCtr="0" anchor="ctr" bIns="91425" lIns="91425" spcFirstLastPara="1" rIns="91425" wrap="square" tIns="91425">
+            <a:bodyPr spcFirstLastPara="1" wrap="square" lIns="91425" tIns="91425" rIns="91425" bIns="91425" anchor="ctr" anchorCtr="0">
               <a:noAutofit/>
             </a:bodyPr>
             <a:lstStyle/>
             <a:p>
-              <a:pPr indent="0" lvl="0" marL="0" rtl="0" algn="l">
+              <a:pPr marL="0" lvl="0" indent="0" algn="l" rtl="0">
                 <a:spcBef>
                   <a:spcPts val="0"/>
                 </a:spcBef>
@@ -1566,9 +1612,6 @@
                 </a:spcAft>
                 <a:buNone/>
               </a:pPr>
-              <a:r>
-                <a:t/>
-              </a:r>
               <a:endParaRPr/>
             </a:p>
           </p:txBody>
@@ -1586,7 +1629,7 @@
             </a:xfrm>
             <a:prstGeom prst="diagStripe">
               <a:avLst>
-                <a:gd fmla="val 50000" name="adj"/>
+                <a:gd name="adj" fmla="val 50000"/>
               </a:avLst>
             </a:prstGeom>
             <a:solidFill>
@@ -1597,12 +1640,12 @@
             </a:ln>
           </p:spPr>
           <p:txBody>
-            <a:bodyPr anchorCtr="0" anchor="ctr" bIns="91425" lIns="91425" spcFirstLastPara="1" rIns="91425" wrap="square" tIns="91425">
+            <a:bodyPr spcFirstLastPara="1" wrap="square" lIns="91425" tIns="91425" rIns="91425" bIns="91425" anchor="ctr" anchorCtr="0">
               <a:noAutofit/>
             </a:bodyPr>
             <a:lstStyle/>
             <a:p>
-              <a:pPr indent="0" lvl="0" marL="0" rtl="0" algn="l">
+              <a:pPr marL="0" lvl="0" indent="0" algn="l" rtl="0">
                 <a:spcBef>
                   <a:spcPts val="0"/>
                 </a:spcBef>
@@ -1611,9 +1654,6 @@
                 </a:spcAft>
                 <a:buNone/>
               </a:pPr>
-              <a:r>
-                <a:t/>
-              </a:r>
               <a:endParaRPr/>
             </a:p>
           </p:txBody>
@@ -1631,7 +1671,7 @@
             </a:xfrm>
             <a:prstGeom prst="diagStripe">
               <a:avLst>
-                <a:gd fmla="val 50000" name="adj"/>
+                <a:gd name="adj" fmla="val 50000"/>
               </a:avLst>
             </a:prstGeom>
             <a:solidFill>
@@ -1642,12 +1682,12 @@
             </a:ln>
           </p:spPr>
           <p:txBody>
-            <a:bodyPr anchorCtr="0" anchor="ctr" bIns="91425" lIns="91425" spcFirstLastPara="1" rIns="91425" wrap="square" tIns="91425">
+            <a:bodyPr spcFirstLastPara="1" wrap="square" lIns="91425" tIns="91425" rIns="91425" bIns="91425" anchor="ctr" anchorCtr="0">
               <a:noAutofit/>
             </a:bodyPr>
             <a:lstStyle/>
             <a:p>
-              <a:pPr indent="0" lvl="0" marL="0" rtl="0" algn="l">
+              <a:pPr marL="0" lvl="0" indent="0" algn="l" rtl="0">
                 <a:spcBef>
                   <a:spcPts val="0"/>
                 </a:spcBef>
@@ -1656,9 +1696,6 @@
                 </a:spcAft>
                 <a:buNone/>
               </a:pPr>
-              <a:r>
-                <a:t/>
-              </a:r>
               <a:endParaRPr/>
             </a:p>
           </p:txBody>
@@ -1667,7 +1704,9 @@
       <p:sp>
         <p:nvSpPr>
           <p:cNvPr id="16" name="Google Shape;16;p2"/>
-          <p:cNvSpPr txBox="1"/>
+          <p:cNvSpPr txBox="1">
+            <a:spLocks noGrp="1"/>
+          </p:cNvSpPr>
           <p:nvPr>
             <p:ph type="ctrTitle"/>
           </p:nvPr>
@@ -1682,7 +1721,7 @@
           </a:prstGeom>
         </p:spPr>
         <p:txBody>
-          <a:bodyPr anchorCtr="0" anchor="t" bIns="91425" lIns="91425" spcFirstLastPara="1" rIns="91425" wrap="square" tIns="91425">
+          <a:bodyPr spcFirstLastPara="1" wrap="square" lIns="91425" tIns="91425" rIns="91425" bIns="91425" anchor="t" anchorCtr="0">
             <a:normAutofit/>
           </a:bodyPr>
           <a:lstStyle>
@@ -1786,15 +1825,19 @@
               <a:defRPr sz="4000"/>
             </a:lvl9pPr>
           </a:lstStyle>
-          <a:p/>
+          <a:p>
+            <a:endParaRPr/>
+          </a:p>
         </p:txBody>
       </p:sp>
       <p:sp>
         <p:nvSpPr>
           <p:cNvPr id="17" name="Google Shape;17;p2"/>
-          <p:cNvSpPr txBox="1"/>
+          <p:cNvSpPr txBox="1">
+            <a:spLocks noGrp="1"/>
+          </p:cNvSpPr>
           <p:nvPr>
-            <p:ph idx="1" type="subTitle"/>
+            <p:ph type="subTitle" idx="1"/>
           </p:nvPr>
         </p:nvSpPr>
         <p:spPr>
@@ -1807,7 +1850,7 @@
           </a:prstGeom>
         </p:spPr>
         <p:txBody>
-          <a:bodyPr anchorCtr="0" anchor="t" bIns="91425" lIns="91425" spcFirstLastPara="1" rIns="91425" wrap="square" tIns="91425">
+          <a:bodyPr spcFirstLastPara="1" wrap="square" lIns="91425" tIns="91425" rIns="91425" bIns="91425" anchor="t" anchorCtr="0">
             <a:normAutofit/>
           </a:bodyPr>
           <a:lstStyle>
@@ -1938,15 +1981,19 @@
               <a:defRPr sz="1300"/>
             </a:lvl9pPr>
           </a:lstStyle>
-          <a:p/>
+          <a:p>
+            <a:endParaRPr/>
+          </a:p>
         </p:txBody>
       </p:sp>
       <p:sp>
         <p:nvSpPr>
           <p:cNvPr id="18" name="Google Shape;18;p2"/>
-          <p:cNvSpPr txBox="1"/>
+          <p:cNvSpPr txBox="1">
+            <a:spLocks noGrp="1"/>
+          </p:cNvSpPr>
           <p:nvPr>
-            <p:ph idx="12" type="sldNum"/>
+            <p:ph type="sldNum" idx="12"/>
           </p:nvPr>
         </p:nvSpPr>
         <p:spPr>
@@ -1959,7 +2006,7 @@
           </a:prstGeom>
         </p:spPr>
         <p:txBody>
-          <a:bodyPr anchorCtr="0" anchor="ctr" bIns="91425" lIns="91425" spcFirstLastPara="1" rIns="91425" wrap="square" tIns="91425">
+          <a:bodyPr spcFirstLastPara="1" wrap="square" lIns="91425" tIns="91425" rIns="91425" bIns="91425" anchor="ctr" anchorCtr="0">
             <a:normAutofit/>
           </a:bodyPr>
           <a:lstStyle>
@@ -2001,7 +2048,7 @@
             </a:lvl9pPr>
           </a:lstStyle>
           <a:p>
-            <a:pPr indent="0" lvl="0" marL="0" rtl="0" algn="r">
+            <a:pPr marL="0" lvl="0" indent="0" algn="r" rtl="0">
               <a:spcBef>
                 <a:spcPts val="0"/>
               </a:spcBef>
@@ -2027,11 +2074,11 @@
 </file>
 
 <file path=ppt/slideLayouts/slideLayout10.xml><?xml version="1.0" encoding="utf-8"?>
-<p:sldLayout xmlns:a="http://schemas.openxmlformats.org/drawingml/2006/main" xmlns:r="http://schemas.openxmlformats.org/officeDocument/2006/relationships" xmlns:mc="http://schemas.openxmlformats.org/markup-compatibility/2006" xmlns:mv="urn:schemas-microsoft-com:mac:vml" xmlns:p="http://schemas.openxmlformats.org/presentationml/2006/main" xmlns:c="http://schemas.openxmlformats.org/drawingml/2006/chart" xmlns:dgm="http://schemas.openxmlformats.org/drawingml/2006/diagram" xmlns:o="urn:schemas-microsoft-com:office:office" xmlns:v="urn:schemas-microsoft-com:vml" xmlns:pvml="urn:schemas-microsoft-com:office:powerpoint" xmlns:com="http://schemas.openxmlformats.org/drawingml/2006/compatibility" xmlns:p14="http://schemas.microsoft.com/office/powerpoint/2010/main" xmlns:p15="http://schemas.microsoft.com/office/powerpoint/2012/main" xmlns:ahyp="http://schemas.microsoft.com/office/drawing/2018/hyperlinkcolor" matchingName="Big number">
+<p:sldLayout xmlns:a="http://schemas.openxmlformats.org/drawingml/2006/main" xmlns:r="http://schemas.openxmlformats.org/officeDocument/2006/relationships" xmlns:p="http://schemas.openxmlformats.org/presentationml/2006/main" matchingName="Big number">
   <p:cSld name="BIG_NUMBER">
     <p:spTree>
       <p:nvGrpSpPr>
-        <p:cNvPr id="105" name="Shape 105"/>
+        <p:cNvPr id="1" name="Shape 105"/>
         <p:cNvGrpSpPr/>
         <p:nvPr/>
       </p:nvGrpSpPr>
@@ -2070,7 +2117,7 @@
             </a:xfrm>
             <a:prstGeom prst="diagStripe">
               <a:avLst>
-                <a:gd fmla="val 49469" name="adj"/>
+                <a:gd name="adj" fmla="val 49469"/>
               </a:avLst>
             </a:prstGeom>
             <a:solidFill>
@@ -2083,12 +2130,12 @@
             </a:ln>
           </p:spPr>
           <p:txBody>
-            <a:bodyPr anchorCtr="0" anchor="ctr" bIns="91425" lIns="91425" spcFirstLastPara="1" rIns="91425" wrap="square" tIns="91425">
+            <a:bodyPr spcFirstLastPara="1" wrap="square" lIns="91425" tIns="91425" rIns="91425" bIns="91425" anchor="ctr" anchorCtr="0">
               <a:noAutofit/>
             </a:bodyPr>
             <a:lstStyle/>
             <a:p>
-              <a:pPr indent="0" lvl="0" marL="0" rtl="0" algn="l">
+              <a:pPr marL="0" lvl="0" indent="0" algn="l" rtl="0">
                 <a:spcBef>
                   <a:spcPts val="0"/>
                 </a:spcBef>
@@ -2097,9 +2144,6 @@
                 </a:spcAft>
                 <a:buNone/>
               </a:pPr>
-              <a:r>
-                <a:t/>
-              </a:r>
               <a:endParaRPr/>
             </a:p>
           </p:txBody>
@@ -2117,7 +2161,7 @@
             </a:xfrm>
             <a:prstGeom prst="diagStripe">
               <a:avLst>
-                <a:gd fmla="val 0" name="adj"/>
+                <a:gd name="adj" fmla="val 0"/>
               </a:avLst>
             </a:prstGeom>
             <a:solidFill>
@@ -2130,12 +2174,12 @@
             </a:ln>
           </p:spPr>
           <p:txBody>
-            <a:bodyPr anchorCtr="0" anchor="ctr" bIns="91425" lIns="91425" spcFirstLastPara="1" rIns="91425" wrap="square" tIns="91425">
+            <a:bodyPr spcFirstLastPara="1" wrap="square" lIns="91425" tIns="91425" rIns="91425" bIns="91425" anchor="ctr" anchorCtr="0">
               <a:noAutofit/>
             </a:bodyPr>
             <a:lstStyle/>
             <a:p>
-              <a:pPr indent="0" lvl="0" marL="0" rtl="0" algn="l">
+              <a:pPr marL="0" lvl="0" indent="0" algn="l" rtl="0">
                 <a:spcBef>
                   <a:spcPts val="0"/>
                 </a:spcBef>
@@ -2144,9 +2188,6 @@
                 </a:spcAft>
                 <a:buNone/>
               </a:pPr>
-              <a:r>
-                <a:t/>
-              </a:r>
               <a:endParaRPr/>
             </a:p>
           </p:txBody>
@@ -2164,7 +2205,7 @@
             </a:xfrm>
             <a:prstGeom prst="diagStripe">
               <a:avLst>
-                <a:gd fmla="val 50000" name="adj"/>
+                <a:gd name="adj" fmla="val 50000"/>
               </a:avLst>
             </a:prstGeom>
             <a:solidFill>
@@ -2177,12 +2218,12 @@
             </a:ln>
           </p:spPr>
           <p:txBody>
-            <a:bodyPr anchorCtr="0" anchor="ctr" bIns="91425" lIns="91425" spcFirstLastPara="1" rIns="91425" wrap="square" tIns="91425">
+            <a:bodyPr spcFirstLastPara="1" wrap="square" lIns="91425" tIns="91425" rIns="91425" bIns="91425" anchor="ctr" anchorCtr="0">
               <a:noAutofit/>
             </a:bodyPr>
             <a:lstStyle/>
             <a:p>
-              <a:pPr indent="0" lvl="0" marL="0" rtl="0" algn="l">
+              <a:pPr marL="0" lvl="0" indent="0" algn="l" rtl="0">
                 <a:spcBef>
                   <a:spcPts val="0"/>
                 </a:spcBef>
@@ -2191,9 +2232,6 @@
                 </a:spcAft>
                 <a:buNone/>
               </a:pPr>
-              <a:r>
-                <a:t/>
-              </a:r>
               <a:endParaRPr/>
             </a:p>
           </p:txBody>
@@ -2211,7 +2249,7 @@
             </a:xfrm>
             <a:prstGeom prst="diagStripe">
               <a:avLst>
-                <a:gd fmla="val 50000" name="adj"/>
+                <a:gd name="adj" fmla="val 50000"/>
               </a:avLst>
             </a:prstGeom>
             <a:solidFill>
@@ -2224,12 +2262,12 @@
             </a:ln>
           </p:spPr>
           <p:txBody>
-            <a:bodyPr anchorCtr="0" anchor="ctr" bIns="91425" lIns="91425" spcFirstLastPara="1" rIns="91425" wrap="square" tIns="91425">
+            <a:bodyPr spcFirstLastPara="1" wrap="square" lIns="91425" tIns="91425" rIns="91425" bIns="91425" anchor="ctr" anchorCtr="0">
               <a:noAutofit/>
             </a:bodyPr>
             <a:lstStyle/>
             <a:p>
-              <a:pPr indent="0" lvl="0" marL="0" rtl="0" algn="l">
+              <a:pPr marL="0" lvl="0" indent="0" algn="l" rtl="0">
                 <a:spcBef>
                   <a:spcPts val="0"/>
                 </a:spcBef>
@@ -2238,9 +2276,6 @@
                 </a:spcAft>
                 <a:buNone/>
               </a:pPr>
-              <a:r>
-                <a:t/>
-              </a:r>
               <a:endParaRPr/>
             </a:p>
           </p:txBody>
@@ -2258,7 +2293,7 @@
             </a:xfrm>
             <a:prstGeom prst="diagStripe">
               <a:avLst>
-                <a:gd fmla="val 50000" name="adj"/>
+                <a:gd name="adj" fmla="val 50000"/>
               </a:avLst>
             </a:prstGeom>
             <a:solidFill>
@@ -2271,12 +2306,12 @@
             </a:ln>
           </p:spPr>
           <p:txBody>
-            <a:bodyPr anchorCtr="0" anchor="ctr" bIns="91425" lIns="91425" spcFirstLastPara="1" rIns="91425" wrap="square" tIns="91425">
+            <a:bodyPr spcFirstLastPara="1" wrap="square" lIns="91425" tIns="91425" rIns="91425" bIns="91425" anchor="ctr" anchorCtr="0">
               <a:noAutofit/>
             </a:bodyPr>
             <a:lstStyle/>
             <a:p>
-              <a:pPr indent="0" lvl="0" marL="0" rtl="0" algn="l">
+              <a:pPr marL="0" lvl="0" indent="0" algn="l" rtl="0">
                 <a:spcBef>
                   <a:spcPts val="0"/>
                 </a:spcBef>
@@ -2285,9 +2320,6 @@
                 </a:spcAft>
                 <a:buNone/>
               </a:pPr>
-              <a:r>
-                <a:t/>
-              </a:r>
               <a:endParaRPr/>
             </a:p>
           </p:txBody>
@@ -2305,7 +2337,7 @@
             </a:xfrm>
             <a:prstGeom prst="diagStripe">
               <a:avLst>
-                <a:gd fmla="val 50000" name="adj"/>
+                <a:gd name="adj" fmla="val 50000"/>
               </a:avLst>
             </a:prstGeom>
             <a:solidFill>
@@ -2318,12 +2350,12 @@
             </a:ln>
           </p:spPr>
           <p:txBody>
-            <a:bodyPr anchorCtr="0" anchor="ctr" bIns="91425" lIns="91425" spcFirstLastPara="1" rIns="91425" wrap="square" tIns="91425">
+            <a:bodyPr spcFirstLastPara="1" wrap="square" lIns="91425" tIns="91425" rIns="91425" bIns="91425" anchor="ctr" anchorCtr="0">
               <a:noAutofit/>
             </a:bodyPr>
             <a:lstStyle/>
             <a:p>
-              <a:pPr indent="0" lvl="0" marL="0" rtl="0" algn="l">
+              <a:pPr marL="0" lvl="0" indent="0" algn="l" rtl="0">
                 <a:spcBef>
                   <a:spcPts val="0"/>
                 </a:spcBef>
@@ -2332,9 +2364,6 @@
                 </a:spcAft>
                 <a:buNone/>
               </a:pPr>
-              <a:r>
-                <a:t/>
-              </a:r>
               <a:endParaRPr/>
             </a:p>
           </p:txBody>
@@ -2352,7 +2381,7 @@
             </a:xfrm>
             <a:prstGeom prst="diagStripe">
               <a:avLst>
-                <a:gd fmla="val 50000" name="adj"/>
+                <a:gd name="adj" fmla="val 50000"/>
               </a:avLst>
             </a:prstGeom>
             <a:solidFill>
@@ -2365,12 +2394,12 @@
             </a:ln>
           </p:spPr>
           <p:txBody>
-            <a:bodyPr anchorCtr="0" anchor="ctr" bIns="91425" lIns="91425" spcFirstLastPara="1" rIns="91425" wrap="square" tIns="91425">
+            <a:bodyPr spcFirstLastPara="1" wrap="square" lIns="91425" tIns="91425" rIns="91425" bIns="91425" anchor="ctr" anchorCtr="0">
               <a:noAutofit/>
             </a:bodyPr>
             <a:lstStyle/>
             <a:p>
-              <a:pPr indent="0" lvl="0" marL="0" rtl="0" algn="l">
+              <a:pPr marL="0" lvl="0" indent="0" algn="l" rtl="0">
                 <a:spcBef>
                   <a:spcPts val="0"/>
                 </a:spcBef>
@@ -2379,9 +2408,6 @@
                 </a:spcAft>
                 <a:buNone/>
               </a:pPr>
-              <a:r>
-                <a:t/>
-              </a:r>
               <a:endParaRPr/>
             </a:p>
           </p:txBody>
@@ -2399,7 +2425,7 @@
             </a:xfrm>
             <a:prstGeom prst="diagStripe">
               <a:avLst>
-                <a:gd fmla="val 50000" name="adj"/>
+                <a:gd name="adj" fmla="val 50000"/>
               </a:avLst>
             </a:prstGeom>
             <a:solidFill>
@@ -2410,12 +2436,12 @@
             </a:ln>
           </p:spPr>
           <p:txBody>
-            <a:bodyPr anchorCtr="0" anchor="ctr" bIns="91425" lIns="91425" spcFirstLastPara="1" rIns="91425" wrap="square" tIns="91425">
+            <a:bodyPr spcFirstLastPara="1" wrap="square" lIns="91425" tIns="91425" rIns="91425" bIns="91425" anchor="ctr" anchorCtr="0">
               <a:noAutofit/>
             </a:bodyPr>
             <a:lstStyle/>
             <a:p>
-              <a:pPr indent="0" lvl="0" marL="0" rtl="0" algn="l">
+              <a:pPr marL="0" lvl="0" indent="0" algn="l" rtl="0">
                 <a:spcBef>
                   <a:spcPts val="0"/>
                 </a:spcBef>
@@ -2424,9 +2450,6 @@
                 </a:spcAft>
                 <a:buNone/>
               </a:pPr>
-              <a:r>
-                <a:t/>
-              </a:r>
               <a:endParaRPr/>
             </a:p>
           </p:txBody>
@@ -2444,7 +2467,7 @@
             </a:xfrm>
             <a:prstGeom prst="diagStripe">
               <a:avLst>
-                <a:gd fmla="val 50000" name="adj"/>
+                <a:gd name="adj" fmla="val 50000"/>
               </a:avLst>
             </a:prstGeom>
             <a:solidFill>
@@ -2457,12 +2480,12 @@
             </a:ln>
           </p:spPr>
           <p:txBody>
-            <a:bodyPr anchorCtr="0" anchor="ctr" bIns="91425" lIns="91425" spcFirstLastPara="1" rIns="91425" wrap="square" tIns="91425">
+            <a:bodyPr spcFirstLastPara="1" wrap="square" lIns="91425" tIns="91425" rIns="91425" bIns="91425" anchor="ctr" anchorCtr="0">
               <a:noAutofit/>
             </a:bodyPr>
             <a:lstStyle/>
             <a:p>
-              <a:pPr indent="0" lvl="0" marL="0" rtl="0" algn="l">
+              <a:pPr marL="0" lvl="0" indent="0" algn="l" rtl="0">
                 <a:spcBef>
                   <a:spcPts val="0"/>
                 </a:spcBef>
@@ -2471,9 +2494,6 @@
                 </a:spcAft>
                 <a:buNone/>
               </a:pPr>
-              <a:r>
-                <a:t/>
-              </a:r>
               <a:endParaRPr/>
             </a:p>
           </p:txBody>
@@ -2491,7 +2511,7 @@
             </a:xfrm>
             <a:prstGeom prst="diagStripe">
               <a:avLst>
-                <a:gd fmla="val 50000" name="adj"/>
+                <a:gd name="adj" fmla="val 50000"/>
               </a:avLst>
             </a:prstGeom>
             <a:solidFill>
@@ -2504,12 +2524,12 @@
             </a:ln>
           </p:spPr>
           <p:txBody>
-            <a:bodyPr anchorCtr="0" anchor="ctr" bIns="91425" lIns="91425" spcFirstLastPara="1" rIns="91425" wrap="square" tIns="91425">
+            <a:bodyPr spcFirstLastPara="1" wrap="square" lIns="91425" tIns="91425" rIns="91425" bIns="91425" anchor="ctr" anchorCtr="0">
               <a:noAutofit/>
             </a:bodyPr>
             <a:lstStyle/>
             <a:p>
-              <a:pPr indent="0" lvl="0" marL="0" rtl="0" algn="l">
+              <a:pPr marL="0" lvl="0" indent="0" algn="l" rtl="0">
                 <a:spcBef>
                   <a:spcPts val="0"/>
                 </a:spcBef>
@@ -2518,9 +2538,6 @@
                 </a:spcAft>
                 <a:buNone/>
               </a:pPr>
-              <a:r>
-                <a:t/>
-              </a:r>
               <a:endParaRPr/>
             </a:p>
           </p:txBody>
@@ -2538,7 +2555,7 @@
             </a:xfrm>
             <a:prstGeom prst="diagStripe">
               <a:avLst>
-                <a:gd fmla="val 50000" name="adj"/>
+                <a:gd name="adj" fmla="val 50000"/>
               </a:avLst>
             </a:prstGeom>
             <a:solidFill>
@@ -2551,12 +2568,12 @@
             </a:ln>
           </p:spPr>
           <p:txBody>
-            <a:bodyPr anchorCtr="0" anchor="ctr" bIns="91425" lIns="91425" spcFirstLastPara="1" rIns="91425" wrap="square" tIns="91425">
+            <a:bodyPr spcFirstLastPara="1" wrap="square" lIns="91425" tIns="91425" rIns="91425" bIns="91425" anchor="ctr" anchorCtr="0">
               <a:noAutofit/>
             </a:bodyPr>
             <a:lstStyle/>
             <a:p>
-              <a:pPr indent="0" lvl="0" marL="0" rtl="0" algn="l">
+              <a:pPr marL="0" lvl="0" indent="0" algn="l" rtl="0">
                 <a:spcBef>
                   <a:spcPts val="0"/>
                 </a:spcBef>
@@ -2565,9 +2582,6 @@
                 </a:spcAft>
                 <a:buNone/>
               </a:pPr>
-              <a:r>
-                <a:t/>
-              </a:r>
               <a:endParaRPr/>
             </a:p>
           </p:txBody>
@@ -2585,7 +2599,7 @@
             </a:xfrm>
             <a:prstGeom prst="diagStripe">
               <a:avLst>
-                <a:gd fmla="val 50000" name="adj"/>
+                <a:gd name="adj" fmla="val 50000"/>
               </a:avLst>
             </a:prstGeom>
             <a:solidFill>
@@ -2598,12 +2612,12 @@
             </a:ln>
           </p:spPr>
           <p:txBody>
-            <a:bodyPr anchorCtr="0" anchor="ctr" bIns="91425" lIns="91425" spcFirstLastPara="1" rIns="91425" wrap="square" tIns="91425">
+            <a:bodyPr spcFirstLastPara="1" wrap="square" lIns="91425" tIns="91425" rIns="91425" bIns="91425" anchor="ctr" anchorCtr="0">
               <a:noAutofit/>
             </a:bodyPr>
             <a:lstStyle/>
             <a:p>
-              <a:pPr indent="0" lvl="0" marL="0" rtl="0" algn="l">
+              <a:pPr marL="0" lvl="0" indent="0" algn="l" rtl="0">
                 <a:spcBef>
                   <a:spcPts val="0"/>
                 </a:spcBef>
@@ -2612,9 +2626,6 @@
                 </a:spcAft>
                 <a:buNone/>
               </a:pPr>
-              <a:r>
-                <a:t/>
-              </a:r>
               <a:endParaRPr/>
             </a:p>
           </p:txBody>
@@ -2632,7 +2643,7 @@
             </a:xfrm>
             <a:prstGeom prst="diagStripe">
               <a:avLst>
-                <a:gd fmla="val 50000" name="adj"/>
+                <a:gd name="adj" fmla="val 50000"/>
               </a:avLst>
             </a:prstGeom>
             <a:solidFill>
@@ -2645,12 +2656,12 @@
             </a:ln>
           </p:spPr>
           <p:txBody>
-            <a:bodyPr anchorCtr="0" anchor="ctr" bIns="91425" lIns="91425" spcFirstLastPara="1" rIns="91425" wrap="square" tIns="91425">
+            <a:bodyPr spcFirstLastPara="1" wrap="square" lIns="91425" tIns="91425" rIns="91425" bIns="91425" anchor="ctr" anchorCtr="0">
               <a:noAutofit/>
             </a:bodyPr>
             <a:lstStyle/>
             <a:p>
-              <a:pPr indent="0" lvl="0" marL="0" rtl="0" algn="l">
+              <a:pPr marL="0" lvl="0" indent="0" algn="l" rtl="0">
                 <a:spcBef>
                   <a:spcPts val="0"/>
                 </a:spcBef>
@@ -2659,9 +2670,6 @@
                 </a:spcAft>
                 <a:buNone/>
               </a:pPr>
-              <a:r>
-                <a:t/>
-              </a:r>
               <a:endParaRPr/>
             </a:p>
           </p:txBody>
@@ -2679,7 +2687,7 @@
             </a:xfrm>
             <a:prstGeom prst="diagStripe">
               <a:avLst>
-                <a:gd fmla="val 50000" name="adj"/>
+                <a:gd name="adj" fmla="val 50000"/>
               </a:avLst>
             </a:prstGeom>
             <a:solidFill>
@@ -2690,12 +2698,12 @@
             </a:ln>
           </p:spPr>
           <p:txBody>
-            <a:bodyPr anchorCtr="0" anchor="ctr" bIns="91425" lIns="91425" spcFirstLastPara="1" rIns="91425" wrap="square" tIns="91425">
+            <a:bodyPr spcFirstLastPara="1" wrap="square" lIns="91425" tIns="91425" rIns="91425" bIns="91425" anchor="ctr" anchorCtr="0">
               <a:noAutofit/>
             </a:bodyPr>
             <a:lstStyle/>
             <a:p>
-              <a:pPr indent="0" lvl="0" marL="0" rtl="0" algn="l">
+              <a:pPr marL="0" lvl="0" indent="0" algn="l" rtl="0">
                 <a:spcBef>
                   <a:spcPts val="0"/>
                 </a:spcBef>
@@ -2704,9 +2712,6 @@
                 </a:spcAft>
                 <a:buNone/>
               </a:pPr>
-              <a:r>
-                <a:t/>
-              </a:r>
               <a:endParaRPr/>
             </a:p>
           </p:txBody>
@@ -2724,7 +2729,7 @@
             </a:xfrm>
             <a:prstGeom prst="diagStripe">
               <a:avLst>
-                <a:gd fmla="val 50000" name="adj"/>
+                <a:gd name="adj" fmla="val 50000"/>
               </a:avLst>
             </a:prstGeom>
             <a:solidFill>
@@ -2737,12 +2742,12 @@
             </a:ln>
           </p:spPr>
           <p:txBody>
-            <a:bodyPr anchorCtr="0" anchor="ctr" bIns="91425" lIns="91425" spcFirstLastPara="1" rIns="91425" wrap="square" tIns="91425">
+            <a:bodyPr spcFirstLastPara="1" wrap="square" lIns="91425" tIns="91425" rIns="91425" bIns="91425" anchor="ctr" anchorCtr="0">
               <a:noAutofit/>
             </a:bodyPr>
             <a:lstStyle/>
             <a:p>
-              <a:pPr indent="0" lvl="0" marL="0" rtl="0" algn="l">
+              <a:pPr marL="0" lvl="0" indent="0" algn="l" rtl="0">
                 <a:spcBef>
                   <a:spcPts val="0"/>
                 </a:spcBef>
@@ -2751,9 +2756,6 @@
                 </a:spcAft>
                 <a:buNone/>
               </a:pPr>
-              <a:r>
-                <a:t/>
-              </a:r>
               <a:endParaRPr/>
             </a:p>
           </p:txBody>
@@ -2771,7 +2773,7 @@
             </a:xfrm>
             <a:prstGeom prst="diagStripe">
               <a:avLst>
-                <a:gd fmla="val 50000" name="adj"/>
+                <a:gd name="adj" fmla="val 50000"/>
               </a:avLst>
             </a:prstGeom>
             <a:solidFill>
@@ -2784,12 +2786,12 @@
             </a:ln>
           </p:spPr>
           <p:txBody>
-            <a:bodyPr anchorCtr="0" anchor="ctr" bIns="91425" lIns="91425" spcFirstLastPara="1" rIns="91425" wrap="square" tIns="91425">
+            <a:bodyPr spcFirstLastPara="1" wrap="square" lIns="91425" tIns="91425" rIns="91425" bIns="91425" anchor="ctr" anchorCtr="0">
               <a:noAutofit/>
             </a:bodyPr>
             <a:lstStyle/>
             <a:p>
-              <a:pPr indent="0" lvl="0" marL="0" rtl="0" algn="l">
+              <a:pPr marL="0" lvl="0" indent="0" algn="l" rtl="0">
                 <a:spcBef>
                   <a:spcPts val="0"/>
                 </a:spcBef>
@@ -2798,9 +2800,6 @@
                 </a:spcAft>
                 <a:buNone/>
               </a:pPr>
-              <a:r>
-                <a:t/>
-              </a:r>
               <a:endParaRPr/>
             </a:p>
           </p:txBody>
@@ -2818,7 +2817,7 @@
             </a:xfrm>
             <a:prstGeom prst="diagStripe">
               <a:avLst>
-                <a:gd fmla="val 50000" name="adj"/>
+                <a:gd name="adj" fmla="val 50000"/>
               </a:avLst>
             </a:prstGeom>
             <a:solidFill>
@@ -2831,12 +2830,12 @@
             </a:ln>
           </p:spPr>
           <p:txBody>
-            <a:bodyPr anchorCtr="0" anchor="ctr" bIns="91425" lIns="91425" spcFirstLastPara="1" rIns="91425" wrap="square" tIns="91425">
+            <a:bodyPr spcFirstLastPara="1" wrap="square" lIns="91425" tIns="91425" rIns="91425" bIns="91425" anchor="ctr" anchorCtr="0">
               <a:noAutofit/>
             </a:bodyPr>
             <a:lstStyle/>
             <a:p>
-              <a:pPr indent="0" lvl="0" marL="0" rtl="0" algn="l">
+              <a:pPr marL="0" lvl="0" indent="0" algn="l" rtl="0">
                 <a:spcBef>
                   <a:spcPts val="0"/>
                 </a:spcBef>
@@ -2845,9 +2844,6 @@
                 </a:spcAft>
                 <a:buNone/>
               </a:pPr>
-              <a:r>
-                <a:t/>
-              </a:r>
               <a:endParaRPr/>
             </a:p>
           </p:txBody>
@@ -2865,7 +2861,7 @@
             </a:xfrm>
             <a:prstGeom prst="diagStripe">
               <a:avLst>
-                <a:gd fmla="val 50000" name="adj"/>
+                <a:gd name="adj" fmla="val 50000"/>
               </a:avLst>
             </a:prstGeom>
             <a:solidFill>
@@ -2878,12 +2874,12 @@
             </a:ln>
           </p:spPr>
           <p:txBody>
-            <a:bodyPr anchorCtr="0" anchor="ctr" bIns="91425" lIns="91425" spcFirstLastPara="1" rIns="91425" wrap="square" tIns="91425">
+            <a:bodyPr spcFirstLastPara="1" wrap="square" lIns="91425" tIns="91425" rIns="91425" bIns="91425" anchor="ctr" anchorCtr="0">
               <a:noAutofit/>
             </a:bodyPr>
             <a:lstStyle/>
             <a:p>
-              <a:pPr indent="0" lvl="0" marL="0" rtl="0" algn="l">
+              <a:pPr marL="0" lvl="0" indent="0" algn="l" rtl="0">
                 <a:spcBef>
                   <a:spcPts val="0"/>
                 </a:spcBef>
@@ -2892,9 +2888,6 @@
                 </a:spcAft>
                 <a:buNone/>
               </a:pPr>
-              <a:r>
-                <a:t/>
-              </a:r>
               <a:endParaRPr/>
             </a:p>
           </p:txBody>
@@ -2903,9 +2896,11 @@
       <p:sp>
         <p:nvSpPr>
           <p:cNvPr id="125" name="Google Shape;125;p11"/>
-          <p:cNvSpPr txBox="1"/>
+          <p:cNvSpPr txBox="1">
+            <a:spLocks noGrp="1"/>
+          </p:cNvSpPr>
           <p:nvPr>
-            <p:ph hasCustomPrompt="1" type="title"/>
+            <p:ph type="title" hasCustomPrompt="1"/>
           </p:nvPr>
         </p:nvSpPr>
         <p:spPr>
@@ -2918,7 +2913,7 @@
           </a:prstGeom>
         </p:spPr>
         <p:txBody>
-          <a:bodyPr anchorCtr="0" anchor="t" bIns="91425" lIns="91425" spcFirstLastPara="1" rIns="91425" wrap="square" tIns="91425">
+          <a:bodyPr spcFirstLastPara="1" wrap="square" lIns="91425" tIns="91425" rIns="91425" bIns="91425" anchor="t" anchorCtr="0">
             <a:normAutofit/>
           </a:bodyPr>
           <a:lstStyle>
@@ -3032,9 +3027,11 @@
       <p:sp>
         <p:nvSpPr>
           <p:cNvPr id="126" name="Google Shape;126;p11"/>
-          <p:cNvSpPr txBox="1"/>
+          <p:cNvSpPr txBox="1">
+            <a:spLocks noGrp="1"/>
+          </p:cNvSpPr>
           <p:nvPr>
-            <p:ph idx="1" type="body"/>
+            <p:ph type="body" idx="1"/>
           </p:nvPr>
         </p:nvSpPr>
         <p:spPr>
@@ -3047,11 +3044,11 @@
           </a:prstGeom>
         </p:spPr>
         <p:txBody>
-          <a:bodyPr anchorCtr="0" anchor="t" bIns="91425" lIns="91425" spcFirstLastPara="1" rIns="91425" wrap="square" tIns="91425">
+          <a:bodyPr spcFirstLastPara="1" wrap="square" lIns="91425" tIns="91425" rIns="91425" bIns="91425" anchor="t" anchorCtr="0">
             <a:normAutofit/>
           </a:bodyPr>
           <a:lstStyle>
-            <a:lvl1pPr indent="-311150" lvl="0" marL="457200">
+            <a:lvl1pPr marL="457200" lvl="0" indent="-311150">
               <a:spcBef>
                 <a:spcPts val="0"/>
               </a:spcBef>
@@ -3062,7 +3059,7 @@
               <a:buChar char="●"/>
               <a:defRPr/>
             </a:lvl1pPr>
-            <a:lvl2pPr indent="-298450" lvl="1" marL="914400">
+            <a:lvl2pPr marL="914400" lvl="1" indent="-298450">
               <a:spcBef>
                 <a:spcPts val="0"/>
               </a:spcBef>
@@ -3073,7 +3070,7 @@
               <a:buChar char="○"/>
               <a:defRPr/>
             </a:lvl2pPr>
-            <a:lvl3pPr indent="-298450" lvl="2" marL="1371600">
+            <a:lvl3pPr marL="1371600" lvl="2" indent="-298450">
               <a:spcBef>
                 <a:spcPts val="0"/>
               </a:spcBef>
@@ -3084,7 +3081,7 @@
               <a:buChar char="■"/>
               <a:defRPr/>
             </a:lvl3pPr>
-            <a:lvl4pPr indent="-298450" lvl="3" marL="1828800">
+            <a:lvl4pPr marL="1828800" lvl="3" indent="-298450">
               <a:spcBef>
                 <a:spcPts val="0"/>
               </a:spcBef>
@@ -3095,7 +3092,7 @@
               <a:buChar char="●"/>
               <a:defRPr/>
             </a:lvl4pPr>
-            <a:lvl5pPr indent="-298450" lvl="4" marL="2286000">
+            <a:lvl5pPr marL="2286000" lvl="4" indent="-298450">
               <a:spcBef>
                 <a:spcPts val="0"/>
               </a:spcBef>
@@ -3106,7 +3103,7 @@
               <a:buChar char="○"/>
               <a:defRPr/>
             </a:lvl5pPr>
-            <a:lvl6pPr indent="-298450" lvl="5" marL="2743200">
+            <a:lvl6pPr marL="2743200" lvl="5" indent="-298450">
               <a:spcBef>
                 <a:spcPts val="0"/>
               </a:spcBef>
@@ -3117,7 +3114,7 @@
               <a:buChar char="■"/>
               <a:defRPr/>
             </a:lvl6pPr>
-            <a:lvl7pPr indent="-298450" lvl="6" marL="3200400">
+            <a:lvl7pPr marL="3200400" lvl="6" indent="-298450">
               <a:spcBef>
                 <a:spcPts val="0"/>
               </a:spcBef>
@@ -3128,7 +3125,7 @@
               <a:buChar char="●"/>
               <a:defRPr/>
             </a:lvl7pPr>
-            <a:lvl8pPr indent="-298450" lvl="7" marL="3657600">
+            <a:lvl8pPr marL="3657600" lvl="7" indent="-298450">
               <a:spcBef>
                 <a:spcPts val="0"/>
               </a:spcBef>
@@ -3139,7 +3136,7 @@
               <a:buChar char="○"/>
               <a:defRPr/>
             </a:lvl8pPr>
-            <a:lvl9pPr indent="-298450" lvl="8" marL="4114800">
+            <a:lvl9pPr marL="4114800" lvl="8" indent="-298450">
               <a:spcBef>
                 <a:spcPts val="0"/>
               </a:spcBef>
@@ -3151,15 +3148,19 @@
               <a:defRPr/>
             </a:lvl9pPr>
           </a:lstStyle>
-          <a:p/>
+          <a:p>
+            <a:endParaRPr/>
+          </a:p>
         </p:txBody>
       </p:sp>
       <p:sp>
         <p:nvSpPr>
           <p:cNvPr id="127" name="Google Shape;127;p11"/>
-          <p:cNvSpPr txBox="1"/>
+          <p:cNvSpPr txBox="1">
+            <a:spLocks noGrp="1"/>
+          </p:cNvSpPr>
           <p:nvPr>
-            <p:ph idx="12" type="sldNum"/>
+            <p:ph type="sldNum" idx="12"/>
           </p:nvPr>
         </p:nvSpPr>
         <p:spPr>
@@ -3172,7 +3173,7 @@
           </a:prstGeom>
         </p:spPr>
         <p:txBody>
-          <a:bodyPr anchorCtr="0" anchor="ctr" bIns="91425" lIns="91425" spcFirstLastPara="1" rIns="91425" wrap="square" tIns="91425">
+          <a:bodyPr spcFirstLastPara="1" wrap="square" lIns="91425" tIns="91425" rIns="91425" bIns="91425" anchor="ctr" anchorCtr="0">
             <a:normAutofit/>
           </a:bodyPr>
           <a:lstStyle>
@@ -3214,7 +3215,7 @@
             </a:lvl9pPr>
           </a:lstStyle>
           <a:p>
-            <a:pPr indent="0" lvl="0" marL="0" rtl="0" algn="r">
+            <a:pPr marL="0" lvl="0" indent="0" algn="r" rtl="0">
               <a:spcBef>
                 <a:spcPts val="0"/>
               </a:spcBef>
@@ -3240,11 +3241,11 @@
 </file>
 
 <file path=ppt/slideLayouts/slideLayout11.xml><?xml version="1.0" encoding="utf-8"?>
-<p:sldLayout xmlns:a="http://schemas.openxmlformats.org/drawingml/2006/main" xmlns:r="http://schemas.openxmlformats.org/officeDocument/2006/relationships" xmlns:mc="http://schemas.openxmlformats.org/markup-compatibility/2006" xmlns:mv="urn:schemas-microsoft-com:mac:vml" xmlns:p="http://schemas.openxmlformats.org/presentationml/2006/main" xmlns:c="http://schemas.openxmlformats.org/drawingml/2006/chart" xmlns:dgm="http://schemas.openxmlformats.org/drawingml/2006/diagram" xmlns:o="urn:schemas-microsoft-com:office:office" xmlns:v="urn:schemas-microsoft-com:vml" xmlns:pvml="urn:schemas-microsoft-com:office:powerpoint" xmlns:com="http://schemas.openxmlformats.org/drawingml/2006/compatibility" xmlns:p14="http://schemas.microsoft.com/office/powerpoint/2010/main" xmlns:p15="http://schemas.microsoft.com/office/powerpoint/2012/main" xmlns:ahyp="http://schemas.microsoft.com/office/drawing/2018/hyperlinkcolor" matchingName="Blank" type="blank">
+<p:sldLayout xmlns:a="http://schemas.openxmlformats.org/drawingml/2006/main" xmlns:r="http://schemas.openxmlformats.org/officeDocument/2006/relationships" xmlns:p="http://schemas.openxmlformats.org/presentationml/2006/main" matchingName="Blank" type="blank">
   <p:cSld name="BLANK">
     <p:spTree>
       <p:nvGrpSpPr>
-        <p:cNvPr id="128" name="Shape 128"/>
+        <p:cNvPr id="1" name="Shape 128"/>
         <p:cNvGrpSpPr/>
         <p:nvPr/>
       </p:nvGrpSpPr>
@@ -3259,9 +3260,11 @@
       <p:sp>
         <p:nvSpPr>
           <p:cNvPr id="129" name="Google Shape;129;p12"/>
-          <p:cNvSpPr txBox="1"/>
+          <p:cNvSpPr txBox="1">
+            <a:spLocks noGrp="1"/>
+          </p:cNvSpPr>
           <p:nvPr>
-            <p:ph idx="12" type="sldNum"/>
+            <p:ph type="sldNum" idx="12"/>
           </p:nvPr>
         </p:nvSpPr>
         <p:spPr>
@@ -3274,7 +3277,7 @@
           </a:prstGeom>
         </p:spPr>
         <p:txBody>
-          <a:bodyPr anchorCtr="0" anchor="ctr" bIns="91425" lIns="91425" spcFirstLastPara="1" rIns="91425" wrap="square" tIns="91425">
+          <a:bodyPr spcFirstLastPara="1" wrap="square" lIns="91425" tIns="91425" rIns="91425" bIns="91425" anchor="ctr" anchorCtr="0">
             <a:normAutofit/>
           </a:bodyPr>
           <a:lstStyle>
@@ -3316,7 +3319,7 @@
             </a:lvl9pPr>
           </a:lstStyle>
           <a:p>
-            <a:pPr indent="0" lvl="0" marL="0" rtl="0" algn="r">
+            <a:pPr marL="0" lvl="0" indent="0" algn="r" rtl="0">
               <a:spcBef>
                 <a:spcPts val="0"/>
               </a:spcBef>
@@ -3342,11 +3345,11 @@
 </file>
 
 <file path=ppt/slideLayouts/slideLayout2.xml><?xml version="1.0" encoding="utf-8"?>
-<p:sldLayout xmlns:a="http://schemas.openxmlformats.org/drawingml/2006/main" xmlns:r="http://schemas.openxmlformats.org/officeDocument/2006/relationships" xmlns:mc="http://schemas.openxmlformats.org/markup-compatibility/2006" xmlns:mv="urn:schemas-microsoft-com:mac:vml" xmlns:p="http://schemas.openxmlformats.org/presentationml/2006/main" xmlns:c="http://schemas.openxmlformats.org/drawingml/2006/chart" xmlns:dgm="http://schemas.openxmlformats.org/drawingml/2006/diagram" xmlns:o="urn:schemas-microsoft-com:office:office" xmlns:v="urn:schemas-microsoft-com:vml" xmlns:pvml="urn:schemas-microsoft-com:office:powerpoint" xmlns:com="http://schemas.openxmlformats.org/drawingml/2006/compatibility" xmlns:p14="http://schemas.microsoft.com/office/powerpoint/2010/main" xmlns:p15="http://schemas.microsoft.com/office/powerpoint/2012/main" xmlns:ahyp="http://schemas.microsoft.com/office/drawing/2018/hyperlinkcolor" matchingName="Section header" type="secHead">
+<p:sldLayout xmlns:a="http://schemas.openxmlformats.org/drawingml/2006/main" xmlns:r="http://schemas.openxmlformats.org/officeDocument/2006/relationships" xmlns:p="http://schemas.openxmlformats.org/presentationml/2006/main" matchingName="Section header" type="secHead">
   <p:cSld name="SECTION_HEADER">
     <p:spTree>
       <p:nvGrpSpPr>
-        <p:cNvPr id="19" name="Shape 19"/>
+        <p:cNvPr id="1" name="Shape 19"/>
         <p:cNvGrpSpPr/>
         <p:nvPr/>
       </p:nvGrpSpPr>
@@ -3385,7 +3388,7 @@
             </a:xfrm>
             <a:prstGeom prst="diagStripe">
               <a:avLst>
-                <a:gd fmla="val 49469" name="adj"/>
+                <a:gd name="adj" fmla="val 49469"/>
               </a:avLst>
             </a:prstGeom>
             <a:solidFill>
@@ -3398,12 +3401,12 @@
             </a:ln>
           </p:spPr>
           <p:txBody>
-            <a:bodyPr anchorCtr="0" anchor="ctr" bIns="91425" lIns="91425" spcFirstLastPara="1" rIns="91425" wrap="square" tIns="91425">
+            <a:bodyPr spcFirstLastPara="1" wrap="square" lIns="91425" tIns="91425" rIns="91425" bIns="91425" anchor="ctr" anchorCtr="0">
               <a:noAutofit/>
             </a:bodyPr>
             <a:lstStyle/>
             <a:p>
-              <a:pPr indent="0" lvl="0" marL="0" rtl="0" algn="l">
+              <a:pPr marL="0" lvl="0" indent="0" algn="l" rtl="0">
                 <a:spcBef>
                   <a:spcPts val="0"/>
                 </a:spcBef>
@@ -3412,9 +3415,6 @@
                 </a:spcAft>
                 <a:buNone/>
               </a:pPr>
-              <a:r>
-                <a:t/>
-              </a:r>
               <a:endParaRPr/>
             </a:p>
           </p:txBody>
@@ -3432,7 +3432,7 @@
             </a:xfrm>
             <a:prstGeom prst="diagStripe">
               <a:avLst>
-                <a:gd fmla="val 0" name="adj"/>
+                <a:gd name="adj" fmla="val 0"/>
               </a:avLst>
             </a:prstGeom>
             <a:solidFill>
@@ -3445,12 +3445,12 @@
             </a:ln>
           </p:spPr>
           <p:txBody>
-            <a:bodyPr anchorCtr="0" anchor="ctr" bIns="91425" lIns="91425" spcFirstLastPara="1" rIns="91425" wrap="square" tIns="91425">
+            <a:bodyPr spcFirstLastPara="1" wrap="square" lIns="91425" tIns="91425" rIns="91425" bIns="91425" anchor="ctr" anchorCtr="0">
               <a:noAutofit/>
             </a:bodyPr>
             <a:lstStyle/>
             <a:p>
-              <a:pPr indent="0" lvl="0" marL="0" rtl="0" algn="l">
+              <a:pPr marL="0" lvl="0" indent="0" algn="l" rtl="0">
                 <a:spcBef>
                   <a:spcPts val="0"/>
                 </a:spcBef>
@@ -3459,9 +3459,6 @@
                 </a:spcAft>
                 <a:buNone/>
               </a:pPr>
-              <a:r>
-                <a:t/>
-              </a:r>
               <a:endParaRPr/>
             </a:p>
           </p:txBody>
@@ -3479,7 +3476,7 @@
             </a:xfrm>
             <a:prstGeom prst="diagStripe">
               <a:avLst>
-                <a:gd fmla="val 50000" name="adj"/>
+                <a:gd name="adj" fmla="val 50000"/>
               </a:avLst>
             </a:prstGeom>
             <a:solidFill>
@@ -3492,12 +3489,12 @@
             </a:ln>
           </p:spPr>
           <p:txBody>
-            <a:bodyPr anchorCtr="0" anchor="ctr" bIns="91425" lIns="91425" spcFirstLastPara="1" rIns="91425" wrap="square" tIns="91425">
+            <a:bodyPr spcFirstLastPara="1" wrap="square" lIns="91425" tIns="91425" rIns="91425" bIns="91425" anchor="ctr" anchorCtr="0">
               <a:noAutofit/>
             </a:bodyPr>
             <a:lstStyle/>
             <a:p>
-              <a:pPr indent="0" lvl="0" marL="0" rtl="0" algn="l">
+              <a:pPr marL="0" lvl="0" indent="0" algn="l" rtl="0">
                 <a:spcBef>
                   <a:spcPts val="0"/>
                 </a:spcBef>
@@ -3506,9 +3503,6 @@
                 </a:spcAft>
                 <a:buNone/>
               </a:pPr>
-              <a:r>
-                <a:t/>
-              </a:r>
               <a:endParaRPr/>
             </a:p>
           </p:txBody>
@@ -3526,7 +3520,7 @@
             </a:xfrm>
             <a:prstGeom prst="diagStripe">
               <a:avLst>
-                <a:gd fmla="val 50000" name="adj"/>
+                <a:gd name="adj" fmla="val 50000"/>
               </a:avLst>
             </a:prstGeom>
             <a:solidFill>
@@ -3539,12 +3533,12 @@
             </a:ln>
           </p:spPr>
           <p:txBody>
-            <a:bodyPr anchorCtr="0" anchor="ctr" bIns="91425" lIns="91425" spcFirstLastPara="1" rIns="91425" wrap="square" tIns="91425">
+            <a:bodyPr spcFirstLastPara="1" wrap="square" lIns="91425" tIns="91425" rIns="91425" bIns="91425" anchor="ctr" anchorCtr="0">
               <a:noAutofit/>
             </a:bodyPr>
             <a:lstStyle/>
             <a:p>
-              <a:pPr indent="0" lvl="0" marL="0" rtl="0" algn="l">
+              <a:pPr marL="0" lvl="0" indent="0" algn="l" rtl="0">
                 <a:spcBef>
                   <a:spcPts val="0"/>
                 </a:spcBef>
@@ -3553,9 +3547,6 @@
                 </a:spcAft>
                 <a:buNone/>
               </a:pPr>
-              <a:r>
-                <a:t/>
-              </a:r>
               <a:endParaRPr/>
             </a:p>
           </p:txBody>
@@ -3573,7 +3564,7 @@
             </a:xfrm>
             <a:prstGeom prst="diagStripe">
               <a:avLst>
-                <a:gd fmla="val 50000" name="adj"/>
+                <a:gd name="adj" fmla="val 50000"/>
               </a:avLst>
             </a:prstGeom>
             <a:solidFill>
@@ -3586,12 +3577,12 @@
             </a:ln>
           </p:spPr>
           <p:txBody>
-            <a:bodyPr anchorCtr="0" anchor="ctr" bIns="91425" lIns="91425" spcFirstLastPara="1" rIns="91425" wrap="square" tIns="91425">
+            <a:bodyPr spcFirstLastPara="1" wrap="square" lIns="91425" tIns="91425" rIns="91425" bIns="91425" anchor="ctr" anchorCtr="0">
               <a:noAutofit/>
             </a:bodyPr>
             <a:lstStyle/>
             <a:p>
-              <a:pPr indent="0" lvl="0" marL="0" rtl="0" algn="l">
+              <a:pPr marL="0" lvl="0" indent="0" algn="l" rtl="0">
                 <a:spcBef>
                   <a:spcPts val="0"/>
                 </a:spcBef>
@@ -3600,9 +3591,6 @@
                 </a:spcAft>
                 <a:buNone/>
               </a:pPr>
-              <a:r>
-                <a:t/>
-              </a:r>
               <a:endParaRPr/>
             </a:p>
           </p:txBody>
@@ -3620,7 +3608,7 @@
             </a:xfrm>
             <a:prstGeom prst="diagStripe">
               <a:avLst>
-                <a:gd fmla="val 50000" name="adj"/>
+                <a:gd name="adj" fmla="val 50000"/>
               </a:avLst>
             </a:prstGeom>
             <a:solidFill>
@@ -3633,12 +3621,12 @@
             </a:ln>
           </p:spPr>
           <p:txBody>
-            <a:bodyPr anchorCtr="0" anchor="ctr" bIns="91425" lIns="91425" spcFirstLastPara="1" rIns="91425" wrap="square" tIns="91425">
+            <a:bodyPr spcFirstLastPara="1" wrap="square" lIns="91425" tIns="91425" rIns="91425" bIns="91425" anchor="ctr" anchorCtr="0">
               <a:noAutofit/>
             </a:bodyPr>
             <a:lstStyle/>
             <a:p>
-              <a:pPr indent="0" lvl="0" marL="0" rtl="0" algn="l">
+              <a:pPr marL="0" lvl="0" indent="0" algn="l" rtl="0">
                 <a:spcBef>
                   <a:spcPts val="0"/>
                 </a:spcBef>
@@ -3647,9 +3635,6 @@
                 </a:spcAft>
                 <a:buNone/>
               </a:pPr>
-              <a:r>
-                <a:t/>
-              </a:r>
               <a:endParaRPr/>
             </a:p>
           </p:txBody>
@@ -3667,7 +3652,7 @@
             </a:xfrm>
             <a:prstGeom prst="diagStripe">
               <a:avLst>
-                <a:gd fmla="val 50000" name="adj"/>
+                <a:gd name="adj" fmla="val 50000"/>
               </a:avLst>
             </a:prstGeom>
             <a:solidFill>
@@ -3680,12 +3665,12 @@
             </a:ln>
           </p:spPr>
           <p:txBody>
-            <a:bodyPr anchorCtr="0" anchor="ctr" bIns="91425" lIns="91425" spcFirstLastPara="1" rIns="91425" wrap="square" tIns="91425">
+            <a:bodyPr spcFirstLastPara="1" wrap="square" lIns="91425" tIns="91425" rIns="91425" bIns="91425" anchor="ctr" anchorCtr="0">
               <a:noAutofit/>
             </a:bodyPr>
             <a:lstStyle/>
             <a:p>
-              <a:pPr indent="0" lvl="0" marL="0" rtl="0" algn="l">
+              <a:pPr marL="0" lvl="0" indent="0" algn="l" rtl="0">
                 <a:spcBef>
                   <a:spcPts val="0"/>
                 </a:spcBef>
@@ -3694,9 +3679,6 @@
                 </a:spcAft>
                 <a:buNone/>
               </a:pPr>
-              <a:r>
-                <a:t/>
-              </a:r>
               <a:endParaRPr/>
             </a:p>
           </p:txBody>
@@ -3714,7 +3696,7 @@
             </a:xfrm>
             <a:prstGeom prst="diagStripe">
               <a:avLst>
-                <a:gd fmla="val 50000" name="adj"/>
+                <a:gd name="adj" fmla="val 50000"/>
               </a:avLst>
             </a:prstGeom>
             <a:solidFill>
@@ -3725,12 +3707,12 @@
             </a:ln>
           </p:spPr>
           <p:txBody>
-            <a:bodyPr anchorCtr="0" anchor="ctr" bIns="91425" lIns="91425" spcFirstLastPara="1" rIns="91425" wrap="square" tIns="91425">
+            <a:bodyPr spcFirstLastPara="1" wrap="square" lIns="91425" tIns="91425" rIns="91425" bIns="91425" anchor="ctr" anchorCtr="0">
               <a:noAutofit/>
             </a:bodyPr>
             <a:lstStyle/>
             <a:p>
-              <a:pPr indent="0" lvl="0" marL="0" rtl="0" algn="l">
+              <a:pPr marL="0" lvl="0" indent="0" algn="l" rtl="0">
                 <a:spcBef>
                   <a:spcPts val="0"/>
                 </a:spcBef>
@@ -3739,9 +3721,6 @@
                 </a:spcAft>
                 <a:buNone/>
               </a:pPr>
-              <a:r>
-                <a:t/>
-              </a:r>
               <a:endParaRPr/>
             </a:p>
           </p:txBody>
@@ -3759,7 +3738,7 @@
             </a:xfrm>
             <a:prstGeom prst="diagStripe">
               <a:avLst>
-                <a:gd fmla="val 50000" name="adj"/>
+                <a:gd name="adj" fmla="val 50000"/>
               </a:avLst>
             </a:prstGeom>
             <a:solidFill>
@@ -3772,12 +3751,12 @@
             </a:ln>
           </p:spPr>
           <p:txBody>
-            <a:bodyPr anchorCtr="0" anchor="ctr" bIns="91425" lIns="91425" spcFirstLastPara="1" rIns="91425" wrap="square" tIns="91425">
+            <a:bodyPr spcFirstLastPara="1" wrap="square" lIns="91425" tIns="91425" rIns="91425" bIns="91425" anchor="ctr" anchorCtr="0">
               <a:noAutofit/>
             </a:bodyPr>
             <a:lstStyle/>
             <a:p>
-              <a:pPr indent="0" lvl="0" marL="0" rtl="0" algn="l">
+              <a:pPr marL="0" lvl="0" indent="0" algn="l" rtl="0">
                 <a:spcBef>
                   <a:spcPts val="0"/>
                 </a:spcBef>
@@ -3786,9 +3765,6 @@
                 </a:spcAft>
                 <a:buNone/>
               </a:pPr>
-              <a:r>
-                <a:t/>
-              </a:r>
               <a:endParaRPr/>
             </a:p>
           </p:txBody>
@@ -3806,7 +3782,7 @@
             </a:xfrm>
             <a:prstGeom prst="diagStripe">
               <a:avLst>
-                <a:gd fmla="val 50000" name="adj"/>
+                <a:gd name="adj" fmla="val 50000"/>
               </a:avLst>
             </a:prstGeom>
             <a:solidFill>
@@ -3819,12 +3795,12 @@
             </a:ln>
           </p:spPr>
           <p:txBody>
-            <a:bodyPr anchorCtr="0" anchor="ctr" bIns="91425" lIns="91425" spcFirstLastPara="1" rIns="91425" wrap="square" tIns="91425">
+            <a:bodyPr spcFirstLastPara="1" wrap="square" lIns="91425" tIns="91425" rIns="91425" bIns="91425" anchor="ctr" anchorCtr="0">
               <a:noAutofit/>
             </a:bodyPr>
             <a:lstStyle/>
             <a:p>
-              <a:pPr indent="0" lvl="0" marL="0" rtl="0" algn="l">
+              <a:pPr marL="0" lvl="0" indent="0" algn="l" rtl="0">
                 <a:spcBef>
                   <a:spcPts val="0"/>
                 </a:spcBef>
@@ -3833,9 +3809,6 @@
                 </a:spcAft>
                 <a:buNone/>
               </a:pPr>
-              <a:r>
-                <a:t/>
-              </a:r>
               <a:endParaRPr/>
             </a:p>
           </p:txBody>
@@ -3853,7 +3826,7 @@
             </a:xfrm>
             <a:prstGeom prst="diagStripe">
               <a:avLst>
-                <a:gd fmla="val 50000" name="adj"/>
+                <a:gd name="adj" fmla="val 50000"/>
               </a:avLst>
             </a:prstGeom>
             <a:solidFill>
@@ -3866,12 +3839,12 @@
             </a:ln>
           </p:spPr>
           <p:txBody>
-            <a:bodyPr anchorCtr="0" anchor="ctr" bIns="91425" lIns="91425" spcFirstLastPara="1" rIns="91425" wrap="square" tIns="91425">
+            <a:bodyPr spcFirstLastPara="1" wrap="square" lIns="91425" tIns="91425" rIns="91425" bIns="91425" anchor="ctr" anchorCtr="0">
               <a:noAutofit/>
             </a:bodyPr>
             <a:lstStyle/>
             <a:p>
-              <a:pPr indent="0" lvl="0" marL="0" rtl="0" algn="l">
+              <a:pPr marL="0" lvl="0" indent="0" algn="l" rtl="0">
                 <a:spcBef>
                   <a:spcPts val="0"/>
                 </a:spcBef>
@@ -3880,9 +3853,6 @@
                 </a:spcAft>
                 <a:buNone/>
               </a:pPr>
-              <a:r>
-                <a:t/>
-              </a:r>
               <a:endParaRPr/>
             </a:p>
           </p:txBody>
@@ -3900,7 +3870,7 @@
             </a:xfrm>
             <a:prstGeom prst="diagStripe">
               <a:avLst>
-                <a:gd fmla="val 50000" name="adj"/>
+                <a:gd name="adj" fmla="val 50000"/>
               </a:avLst>
             </a:prstGeom>
             <a:solidFill>
@@ -3913,12 +3883,12 @@
             </a:ln>
           </p:spPr>
           <p:txBody>
-            <a:bodyPr anchorCtr="0" anchor="ctr" bIns="91425" lIns="91425" spcFirstLastPara="1" rIns="91425" wrap="square" tIns="91425">
+            <a:bodyPr spcFirstLastPara="1" wrap="square" lIns="91425" tIns="91425" rIns="91425" bIns="91425" anchor="ctr" anchorCtr="0">
               <a:noAutofit/>
             </a:bodyPr>
             <a:lstStyle/>
             <a:p>
-              <a:pPr indent="0" lvl="0" marL="0" rtl="0" algn="l">
+              <a:pPr marL="0" lvl="0" indent="0" algn="l" rtl="0">
                 <a:spcBef>
                   <a:spcPts val="0"/>
                 </a:spcBef>
@@ -3927,9 +3897,6 @@
                 </a:spcAft>
                 <a:buNone/>
               </a:pPr>
-              <a:r>
-                <a:t/>
-              </a:r>
               <a:endParaRPr/>
             </a:p>
           </p:txBody>
@@ -3947,7 +3914,7 @@
             </a:xfrm>
             <a:prstGeom prst="diagStripe">
               <a:avLst>
-                <a:gd fmla="val 50000" name="adj"/>
+                <a:gd name="adj" fmla="val 50000"/>
               </a:avLst>
             </a:prstGeom>
             <a:solidFill>
@@ -3960,12 +3927,12 @@
             </a:ln>
           </p:spPr>
           <p:txBody>
-            <a:bodyPr anchorCtr="0" anchor="ctr" bIns="91425" lIns="91425" spcFirstLastPara="1" rIns="91425" wrap="square" tIns="91425">
+            <a:bodyPr spcFirstLastPara="1" wrap="square" lIns="91425" tIns="91425" rIns="91425" bIns="91425" anchor="ctr" anchorCtr="0">
               <a:noAutofit/>
             </a:bodyPr>
             <a:lstStyle/>
             <a:p>
-              <a:pPr indent="0" lvl="0" marL="0" rtl="0" algn="l">
+              <a:pPr marL="0" lvl="0" indent="0" algn="l" rtl="0">
                 <a:spcBef>
                   <a:spcPts val="0"/>
                 </a:spcBef>
@@ -3974,9 +3941,6 @@
                 </a:spcAft>
                 <a:buNone/>
               </a:pPr>
-              <a:r>
-                <a:t/>
-              </a:r>
               <a:endParaRPr/>
             </a:p>
           </p:txBody>
@@ -3994,7 +3958,7 @@
             </a:xfrm>
             <a:prstGeom prst="diagStripe">
               <a:avLst>
-                <a:gd fmla="val 50000" name="adj"/>
+                <a:gd name="adj" fmla="val 50000"/>
               </a:avLst>
             </a:prstGeom>
             <a:solidFill>
@@ -4005,12 +3969,12 @@
             </a:ln>
           </p:spPr>
           <p:txBody>
-            <a:bodyPr anchorCtr="0" anchor="ctr" bIns="91425" lIns="91425" spcFirstLastPara="1" rIns="91425" wrap="square" tIns="91425">
+            <a:bodyPr spcFirstLastPara="1" wrap="square" lIns="91425" tIns="91425" rIns="91425" bIns="91425" anchor="ctr" anchorCtr="0">
               <a:noAutofit/>
             </a:bodyPr>
             <a:lstStyle/>
             <a:p>
-              <a:pPr indent="0" lvl="0" marL="0" rtl="0" algn="l">
+              <a:pPr marL="0" lvl="0" indent="0" algn="l" rtl="0">
                 <a:spcBef>
                   <a:spcPts val="0"/>
                 </a:spcBef>
@@ -4019,9 +3983,6 @@
                 </a:spcAft>
                 <a:buNone/>
               </a:pPr>
-              <a:r>
-                <a:t/>
-              </a:r>
               <a:endParaRPr/>
             </a:p>
           </p:txBody>
@@ -4039,7 +4000,7 @@
             </a:xfrm>
             <a:prstGeom prst="diagStripe">
               <a:avLst>
-                <a:gd fmla="val 50000" name="adj"/>
+                <a:gd name="adj" fmla="val 50000"/>
               </a:avLst>
             </a:prstGeom>
             <a:solidFill>
@@ -4052,12 +4013,12 @@
             </a:ln>
           </p:spPr>
           <p:txBody>
-            <a:bodyPr anchorCtr="0" anchor="ctr" bIns="91425" lIns="91425" spcFirstLastPara="1" rIns="91425" wrap="square" tIns="91425">
+            <a:bodyPr spcFirstLastPara="1" wrap="square" lIns="91425" tIns="91425" rIns="91425" bIns="91425" anchor="ctr" anchorCtr="0">
               <a:noAutofit/>
             </a:bodyPr>
             <a:lstStyle/>
             <a:p>
-              <a:pPr indent="0" lvl="0" marL="0" rtl="0" algn="l">
+              <a:pPr marL="0" lvl="0" indent="0" algn="l" rtl="0">
                 <a:spcBef>
                   <a:spcPts val="0"/>
                 </a:spcBef>
@@ -4066,9 +4027,6 @@
                 </a:spcAft>
                 <a:buNone/>
               </a:pPr>
-              <a:r>
-                <a:t/>
-              </a:r>
               <a:endParaRPr/>
             </a:p>
           </p:txBody>
@@ -4086,7 +4044,7 @@
             </a:xfrm>
             <a:prstGeom prst="diagStripe">
               <a:avLst>
-                <a:gd fmla="val 50000" name="adj"/>
+                <a:gd name="adj" fmla="val 50000"/>
               </a:avLst>
             </a:prstGeom>
             <a:solidFill>
@@ -4099,12 +4057,12 @@
             </a:ln>
           </p:spPr>
           <p:txBody>
-            <a:bodyPr anchorCtr="0" anchor="ctr" bIns="91425" lIns="91425" spcFirstLastPara="1" rIns="91425" wrap="square" tIns="91425">
+            <a:bodyPr spcFirstLastPara="1" wrap="square" lIns="91425" tIns="91425" rIns="91425" bIns="91425" anchor="ctr" anchorCtr="0">
               <a:noAutofit/>
             </a:bodyPr>
             <a:lstStyle/>
             <a:p>
-              <a:pPr indent="0" lvl="0" marL="0" rtl="0" algn="l">
+              <a:pPr marL="0" lvl="0" indent="0" algn="l" rtl="0">
                 <a:spcBef>
                   <a:spcPts val="0"/>
                 </a:spcBef>
@@ -4113,9 +4071,6 @@
                 </a:spcAft>
                 <a:buNone/>
               </a:pPr>
-              <a:r>
-                <a:t/>
-              </a:r>
               <a:endParaRPr/>
             </a:p>
           </p:txBody>
@@ -4133,7 +4088,7 @@
             </a:xfrm>
             <a:prstGeom prst="diagStripe">
               <a:avLst>
-                <a:gd fmla="val 50000" name="adj"/>
+                <a:gd name="adj" fmla="val 50000"/>
               </a:avLst>
             </a:prstGeom>
             <a:solidFill>
@@ -4146,12 +4101,12 @@
             </a:ln>
           </p:spPr>
           <p:txBody>
-            <a:bodyPr anchorCtr="0" anchor="ctr" bIns="91425" lIns="91425" spcFirstLastPara="1" rIns="91425" wrap="square" tIns="91425">
+            <a:bodyPr spcFirstLastPara="1" wrap="square" lIns="91425" tIns="91425" rIns="91425" bIns="91425" anchor="ctr" anchorCtr="0">
               <a:noAutofit/>
             </a:bodyPr>
             <a:lstStyle/>
             <a:p>
-              <a:pPr indent="0" lvl="0" marL="0" rtl="0" algn="l">
+              <a:pPr marL="0" lvl="0" indent="0" algn="l" rtl="0">
                 <a:spcBef>
                   <a:spcPts val="0"/>
                 </a:spcBef>
@@ -4160,9 +4115,6 @@
                 </a:spcAft>
                 <a:buNone/>
               </a:pPr>
-              <a:r>
-                <a:t/>
-              </a:r>
               <a:endParaRPr/>
             </a:p>
           </p:txBody>
@@ -4180,7 +4132,7 @@
             </a:xfrm>
             <a:prstGeom prst="diagStripe">
               <a:avLst>
-                <a:gd fmla="val 50000" name="adj"/>
+                <a:gd name="adj" fmla="val 50000"/>
               </a:avLst>
             </a:prstGeom>
             <a:solidFill>
@@ -4193,12 +4145,12 @@
             </a:ln>
           </p:spPr>
           <p:txBody>
-            <a:bodyPr anchorCtr="0" anchor="ctr" bIns="91425" lIns="91425" spcFirstLastPara="1" rIns="91425" wrap="square" tIns="91425">
+            <a:bodyPr spcFirstLastPara="1" wrap="square" lIns="91425" tIns="91425" rIns="91425" bIns="91425" anchor="ctr" anchorCtr="0">
               <a:noAutofit/>
             </a:bodyPr>
             <a:lstStyle/>
             <a:p>
-              <a:pPr indent="0" lvl="0" marL="0" rtl="0" algn="l">
+              <a:pPr marL="0" lvl="0" indent="0" algn="l" rtl="0">
                 <a:spcBef>
                   <a:spcPts val="0"/>
                 </a:spcBef>
@@ -4207,9 +4159,6 @@
                 </a:spcAft>
                 <a:buNone/>
               </a:pPr>
-              <a:r>
-                <a:t/>
-              </a:r>
               <a:endParaRPr/>
             </a:p>
           </p:txBody>
@@ -4218,7 +4167,9 @@
       <p:sp>
         <p:nvSpPr>
           <p:cNvPr id="39" name="Google Shape;39;p3"/>
-          <p:cNvSpPr txBox="1"/>
+          <p:cNvSpPr txBox="1">
+            <a:spLocks noGrp="1"/>
+          </p:cNvSpPr>
           <p:nvPr>
             <p:ph type="title"/>
           </p:nvPr>
@@ -4233,7 +4184,7 @@
           </a:prstGeom>
         </p:spPr>
         <p:txBody>
-          <a:bodyPr anchorCtr="0" anchor="ctr" bIns="91425" lIns="91425" spcFirstLastPara="1" rIns="91425" wrap="square" tIns="91425">
+          <a:bodyPr spcFirstLastPara="1" wrap="square" lIns="91425" tIns="91425" rIns="91425" bIns="91425" anchor="ctr" anchorCtr="0">
             <a:normAutofit/>
           </a:bodyPr>
           <a:lstStyle>
@@ -4337,15 +4288,19 @@
               <a:defRPr/>
             </a:lvl9pPr>
           </a:lstStyle>
-          <a:p/>
+          <a:p>
+            <a:endParaRPr/>
+          </a:p>
         </p:txBody>
       </p:sp>
       <p:sp>
         <p:nvSpPr>
           <p:cNvPr id="40" name="Google Shape;40;p3"/>
-          <p:cNvSpPr txBox="1"/>
+          <p:cNvSpPr txBox="1">
+            <a:spLocks noGrp="1"/>
+          </p:cNvSpPr>
           <p:nvPr>
-            <p:ph idx="12" type="sldNum"/>
+            <p:ph type="sldNum" idx="12"/>
           </p:nvPr>
         </p:nvSpPr>
         <p:spPr>
@@ -4358,7 +4313,7 @@
           </a:prstGeom>
         </p:spPr>
         <p:txBody>
-          <a:bodyPr anchorCtr="0" anchor="ctr" bIns="91425" lIns="91425" spcFirstLastPara="1" rIns="91425" wrap="square" tIns="91425">
+          <a:bodyPr spcFirstLastPara="1" wrap="square" lIns="91425" tIns="91425" rIns="91425" bIns="91425" anchor="ctr" anchorCtr="0">
             <a:normAutofit/>
           </a:bodyPr>
           <a:lstStyle>
@@ -4400,7 +4355,7 @@
             </a:lvl9pPr>
           </a:lstStyle>
           <a:p>
-            <a:pPr indent="0" lvl="0" marL="0" rtl="0" algn="r">
+            <a:pPr marL="0" lvl="0" indent="0" algn="r" rtl="0">
               <a:spcBef>
                 <a:spcPts val="0"/>
               </a:spcBef>
@@ -4426,11 +4381,11 @@
 </file>
 
 <file path=ppt/slideLayouts/slideLayout3.xml><?xml version="1.0" encoding="utf-8"?>
-<p:sldLayout xmlns:a="http://schemas.openxmlformats.org/drawingml/2006/main" xmlns:r="http://schemas.openxmlformats.org/officeDocument/2006/relationships" xmlns:mc="http://schemas.openxmlformats.org/markup-compatibility/2006" xmlns:mv="urn:schemas-microsoft-com:mac:vml" xmlns:p="http://schemas.openxmlformats.org/presentationml/2006/main" xmlns:c="http://schemas.openxmlformats.org/drawingml/2006/chart" xmlns:dgm="http://schemas.openxmlformats.org/drawingml/2006/diagram" xmlns:o="urn:schemas-microsoft-com:office:office" xmlns:v="urn:schemas-microsoft-com:vml" xmlns:pvml="urn:schemas-microsoft-com:office:powerpoint" xmlns:com="http://schemas.openxmlformats.org/drawingml/2006/compatibility" xmlns:p14="http://schemas.microsoft.com/office/powerpoint/2010/main" xmlns:p15="http://schemas.microsoft.com/office/powerpoint/2012/main" xmlns:ahyp="http://schemas.microsoft.com/office/drawing/2018/hyperlinkcolor" matchingName="Title and body" type="tx">
+<p:sldLayout xmlns:a="http://schemas.openxmlformats.org/drawingml/2006/main" xmlns:r="http://schemas.openxmlformats.org/officeDocument/2006/relationships" xmlns:p="http://schemas.openxmlformats.org/presentationml/2006/main" matchingName="Title and body" type="tx">
   <p:cSld name="TITLE_AND_BODY">
     <p:spTree>
       <p:nvGrpSpPr>
-        <p:cNvPr id="41" name="Shape 41"/>
+        <p:cNvPr id="1" name="Shape 41"/>
         <p:cNvGrpSpPr/>
         <p:nvPr/>
       </p:nvGrpSpPr>
@@ -4469,7 +4424,7 @@
             </a:xfrm>
             <a:prstGeom prst="diagStripe">
               <a:avLst>
-                <a:gd fmla="val 50000" name="adj"/>
+                <a:gd name="adj" fmla="val 50000"/>
               </a:avLst>
             </a:prstGeom>
             <a:solidFill>
@@ -4480,12 +4435,12 @@
             </a:ln>
           </p:spPr>
           <p:txBody>
-            <a:bodyPr anchorCtr="0" anchor="ctr" bIns="91425" lIns="91425" spcFirstLastPara="1" rIns="91425" wrap="square" tIns="91425">
+            <a:bodyPr spcFirstLastPara="1" wrap="square" lIns="91425" tIns="91425" rIns="91425" bIns="91425" anchor="ctr" anchorCtr="0">
               <a:noAutofit/>
             </a:bodyPr>
             <a:lstStyle/>
             <a:p>
-              <a:pPr indent="0" lvl="0" marL="0" rtl="0" algn="l">
+              <a:pPr marL="0" lvl="0" indent="0" algn="l" rtl="0">
                 <a:spcBef>
                   <a:spcPts val="0"/>
                 </a:spcBef>
@@ -4494,9 +4449,6 @@
                 </a:spcAft>
                 <a:buNone/>
               </a:pPr>
-              <a:r>
-                <a:t/>
-              </a:r>
               <a:endParaRPr/>
             </a:p>
           </p:txBody>
@@ -4514,7 +4466,7 @@
             </a:xfrm>
             <a:prstGeom prst="diagStripe">
               <a:avLst>
-                <a:gd fmla="val 50000" name="adj"/>
+                <a:gd name="adj" fmla="val 50000"/>
               </a:avLst>
             </a:prstGeom>
             <a:solidFill>
@@ -4525,12 +4477,12 @@
             </a:ln>
           </p:spPr>
           <p:txBody>
-            <a:bodyPr anchorCtr="0" anchor="ctr" bIns="91425" lIns="91425" spcFirstLastPara="1" rIns="91425" wrap="square" tIns="91425">
+            <a:bodyPr spcFirstLastPara="1" wrap="square" lIns="91425" tIns="91425" rIns="91425" bIns="91425" anchor="ctr" anchorCtr="0">
               <a:noAutofit/>
             </a:bodyPr>
             <a:lstStyle/>
             <a:p>
-              <a:pPr indent="0" lvl="0" marL="0" rtl="0" algn="l">
+              <a:pPr marL="0" lvl="0" indent="0" algn="l" rtl="0">
                 <a:spcBef>
                   <a:spcPts val="0"/>
                 </a:spcBef>
@@ -4539,9 +4491,6 @@
                 </a:spcAft>
                 <a:buNone/>
               </a:pPr>
-              <a:r>
-                <a:t/>
-              </a:r>
               <a:endParaRPr/>
             </a:p>
           </p:txBody>
@@ -4550,7 +4499,9 @@
       <p:sp>
         <p:nvSpPr>
           <p:cNvPr id="45" name="Google Shape;45;p4"/>
-          <p:cNvSpPr txBox="1"/>
+          <p:cNvSpPr txBox="1">
+            <a:spLocks noGrp="1"/>
+          </p:cNvSpPr>
           <p:nvPr>
             <p:ph type="title"/>
           </p:nvPr>
@@ -4565,7 +4516,7 @@
           </a:prstGeom>
         </p:spPr>
         <p:txBody>
-          <a:bodyPr anchorCtr="0" anchor="t" bIns="91425" lIns="91425" spcFirstLastPara="1" rIns="91425" wrap="square" tIns="91425">
+          <a:bodyPr spcFirstLastPara="1" wrap="square" lIns="91425" tIns="91425" rIns="91425" bIns="91425" anchor="t" anchorCtr="0">
             <a:normAutofit/>
           </a:bodyPr>
           <a:lstStyle>
@@ -4669,15 +4620,19 @@
               <a:defRPr sz="2400"/>
             </a:lvl9pPr>
           </a:lstStyle>
-          <a:p/>
+          <a:p>
+            <a:endParaRPr/>
+          </a:p>
         </p:txBody>
       </p:sp>
       <p:sp>
         <p:nvSpPr>
           <p:cNvPr id="46" name="Google Shape;46;p4"/>
-          <p:cNvSpPr txBox="1"/>
+          <p:cNvSpPr txBox="1">
+            <a:spLocks noGrp="1"/>
+          </p:cNvSpPr>
           <p:nvPr>
-            <p:ph idx="1" type="body"/>
+            <p:ph type="body" idx="1"/>
           </p:nvPr>
         </p:nvSpPr>
         <p:spPr>
@@ -4690,11 +4645,11 @@
           </a:prstGeom>
         </p:spPr>
         <p:txBody>
-          <a:bodyPr anchorCtr="0" anchor="t" bIns="91425" lIns="91425" spcFirstLastPara="1" rIns="91425" wrap="square" tIns="91425">
+          <a:bodyPr spcFirstLastPara="1" wrap="square" lIns="91425" tIns="91425" rIns="91425" bIns="91425" anchor="t" anchorCtr="0">
             <a:normAutofit/>
           </a:bodyPr>
           <a:lstStyle>
-            <a:lvl1pPr indent="-311150" lvl="0" marL="457200">
+            <a:lvl1pPr marL="457200" lvl="0" indent="-311150">
               <a:spcBef>
                 <a:spcPts val="0"/>
               </a:spcBef>
@@ -4705,7 +4660,7 @@
               <a:buChar char="●"/>
               <a:defRPr/>
             </a:lvl1pPr>
-            <a:lvl2pPr indent="-298450" lvl="1" marL="914400">
+            <a:lvl2pPr marL="914400" lvl="1" indent="-298450">
               <a:spcBef>
                 <a:spcPts val="0"/>
               </a:spcBef>
@@ -4716,7 +4671,7 @@
               <a:buChar char="○"/>
               <a:defRPr/>
             </a:lvl2pPr>
-            <a:lvl3pPr indent="-298450" lvl="2" marL="1371600">
+            <a:lvl3pPr marL="1371600" lvl="2" indent="-298450">
               <a:spcBef>
                 <a:spcPts val="0"/>
               </a:spcBef>
@@ -4727,7 +4682,7 @@
               <a:buChar char="■"/>
               <a:defRPr/>
             </a:lvl3pPr>
-            <a:lvl4pPr indent="-298450" lvl="3" marL="1828800">
+            <a:lvl4pPr marL="1828800" lvl="3" indent="-298450">
               <a:spcBef>
                 <a:spcPts val="0"/>
               </a:spcBef>
@@ -4738,7 +4693,7 @@
               <a:buChar char="●"/>
               <a:defRPr/>
             </a:lvl4pPr>
-            <a:lvl5pPr indent="-298450" lvl="4" marL="2286000">
+            <a:lvl5pPr marL="2286000" lvl="4" indent="-298450">
               <a:spcBef>
                 <a:spcPts val="0"/>
               </a:spcBef>
@@ -4749,7 +4704,7 @@
               <a:buChar char="○"/>
               <a:defRPr/>
             </a:lvl5pPr>
-            <a:lvl6pPr indent="-298450" lvl="5" marL="2743200">
+            <a:lvl6pPr marL="2743200" lvl="5" indent="-298450">
               <a:spcBef>
                 <a:spcPts val="0"/>
               </a:spcBef>
@@ -4760,7 +4715,7 @@
               <a:buChar char="■"/>
               <a:defRPr/>
             </a:lvl6pPr>
-            <a:lvl7pPr indent="-298450" lvl="6" marL="3200400">
+            <a:lvl7pPr marL="3200400" lvl="6" indent="-298450">
               <a:spcBef>
                 <a:spcPts val="0"/>
               </a:spcBef>
@@ -4771,7 +4726,7 @@
               <a:buChar char="●"/>
               <a:defRPr/>
             </a:lvl7pPr>
-            <a:lvl8pPr indent="-298450" lvl="7" marL="3657600">
+            <a:lvl8pPr marL="3657600" lvl="7" indent="-298450">
               <a:spcBef>
                 <a:spcPts val="0"/>
               </a:spcBef>
@@ -4782,7 +4737,7 @@
               <a:buChar char="○"/>
               <a:defRPr/>
             </a:lvl8pPr>
-            <a:lvl9pPr indent="-298450" lvl="8" marL="4114800">
+            <a:lvl9pPr marL="4114800" lvl="8" indent="-298450">
               <a:spcBef>
                 <a:spcPts val="0"/>
               </a:spcBef>
@@ -4794,15 +4749,19 @@
               <a:defRPr/>
             </a:lvl9pPr>
           </a:lstStyle>
-          <a:p/>
+          <a:p>
+            <a:endParaRPr/>
+          </a:p>
         </p:txBody>
       </p:sp>
       <p:sp>
         <p:nvSpPr>
           <p:cNvPr id="47" name="Google Shape;47;p4"/>
-          <p:cNvSpPr txBox="1"/>
+          <p:cNvSpPr txBox="1">
+            <a:spLocks noGrp="1"/>
+          </p:cNvSpPr>
           <p:nvPr>
-            <p:ph idx="12" type="sldNum"/>
+            <p:ph type="sldNum" idx="12"/>
           </p:nvPr>
         </p:nvSpPr>
         <p:spPr>
@@ -4815,7 +4774,7 @@
           </a:prstGeom>
         </p:spPr>
         <p:txBody>
-          <a:bodyPr anchorCtr="0" anchor="ctr" bIns="91425" lIns="91425" spcFirstLastPara="1" rIns="91425" wrap="square" tIns="91425">
+          <a:bodyPr spcFirstLastPara="1" wrap="square" lIns="91425" tIns="91425" rIns="91425" bIns="91425" anchor="ctr" anchorCtr="0">
             <a:normAutofit/>
           </a:bodyPr>
           <a:lstStyle>
@@ -4857,7 +4816,7 @@
             </a:lvl9pPr>
           </a:lstStyle>
           <a:p>
-            <a:pPr indent="0" lvl="0" marL="0" rtl="0" algn="r">
+            <a:pPr marL="0" lvl="0" indent="0" algn="r" rtl="0">
               <a:spcBef>
                 <a:spcPts val="0"/>
               </a:spcBef>
@@ -4883,11 +4842,11 @@
 </file>
 
 <file path=ppt/slideLayouts/slideLayout4.xml><?xml version="1.0" encoding="utf-8"?>
-<p:sldLayout xmlns:a="http://schemas.openxmlformats.org/drawingml/2006/main" xmlns:r="http://schemas.openxmlformats.org/officeDocument/2006/relationships" xmlns:mc="http://schemas.openxmlformats.org/markup-compatibility/2006" xmlns:mv="urn:schemas-microsoft-com:mac:vml" xmlns:p="http://schemas.openxmlformats.org/presentationml/2006/main" xmlns:c="http://schemas.openxmlformats.org/drawingml/2006/chart" xmlns:dgm="http://schemas.openxmlformats.org/drawingml/2006/diagram" xmlns:o="urn:schemas-microsoft-com:office:office" xmlns:v="urn:schemas-microsoft-com:vml" xmlns:pvml="urn:schemas-microsoft-com:office:powerpoint" xmlns:com="http://schemas.openxmlformats.org/drawingml/2006/compatibility" xmlns:p14="http://schemas.microsoft.com/office/powerpoint/2010/main" xmlns:p15="http://schemas.microsoft.com/office/powerpoint/2012/main" xmlns:ahyp="http://schemas.microsoft.com/office/drawing/2018/hyperlinkcolor" matchingName="Title and two columns" type="twoColTx">
+<p:sldLayout xmlns:a="http://schemas.openxmlformats.org/drawingml/2006/main" xmlns:r="http://schemas.openxmlformats.org/officeDocument/2006/relationships" xmlns:p="http://schemas.openxmlformats.org/presentationml/2006/main" matchingName="Title and two columns" type="twoColTx">
   <p:cSld name="TITLE_AND_TWO_COLUMNS">
     <p:spTree>
       <p:nvGrpSpPr>
-        <p:cNvPr id="48" name="Shape 48"/>
+        <p:cNvPr id="1" name="Shape 48"/>
         <p:cNvGrpSpPr/>
         <p:nvPr/>
       </p:nvGrpSpPr>
@@ -4926,7 +4885,7 @@
             </a:xfrm>
             <a:prstGeom prst="diagStripe">
               <a:avLst>
-                <a:gd fmla="val 50000" name="adj"/>
+                <a:gd name="adj" fmla="val 50000"/>
               </a:avLst>
             </a:prstGeom>
             <a:solidFill>
@@ -4937,12 +4896,12 @@
             </a:ln>
           </p:spPr>
           <p:txBody>
-            <a:bodyPr anchorCtr="0" anchor="ctr" bIns="91425" lIns="91425" spcFirstLastPara="1" rIns="91425" wrap="square" tIns="91425">
+            <a:bodyPr spcFirstLastPara="1" wrap="square" lIns="91425" tIns="91425" rIns="91425" bIns="91425" anchor="ctr" anchorCtr="0">
               <a:noAutofit/>
             </a:bodyPr>
             <a:lstStyle/>
             <a:p>
-              <a:pPr indent="0" lvl="0" marL="0" rtl="0" algn="l">
+              <a:pPr marL="0" lvl="0" indent="0" algn="l" rtl="0">
                 <a:spcBef>
                   <a:spcPts val="0"/>
                 </a:spcBef>
@@ -4951,9 +4910,6 @@
                 </a:spcAft>
                 <a:buNone/>
               </a:pPr>
-              <a:r>
-                <a:t/>
-              </a:r>
               <a:endParaRPr/>
             </a:p>
           </p:txBody>
@@ -4971,7 +4927,7 @@
             </a:xfrm>
             <a:prstGeom prst="diagStripe">
               <a:avLst>
-                <a:gd fmla="val 50000" name="adj"/>
+                <a:gd name="adj" fmla="val 50000"/>
               </a:avLst>
             </a:prstGeom>
             <a:solidFill>
@@ -4982,12 +4938,12 @@
             </a:ln>
           </p:spPr>
           <p:txBody>
-            <a:bodyPr anchorCtr="0" anchor="ctr" bIns="91425" lIns="91425" spcFirstLastPara="1" rIns="91425" wrap="square" tIns="91425">
+            <a:bodyPr spcFirstLastPara="1" wrap="square" lIns="91425" tIns="91425" rIns="91425" bIns="91425" anchor="ctr" anchorCtr="0">
               <a:noAutofit/>
             </a:bodyPr>
             <a:lstStyle/>
             <a:p>
-              <a:pPr indent="0" lvl="0" marL="0" rtl="0" algn="l">
+              <a:pPr marL="0" lvl="0" indent="0" algn="l" rtl="0">
                 <a:spcBef>
                   <a:spcPts val="0"/>
                 </a:spcBef>
@@ -4996,9 +4952,6 @@
                 </a:spcAft>
                 <a:buNone/>
               </a:pPr>
-              <a:r>
-                <a:t/>
-              </a:r>
               <a:endParaRPr/>
             </a:p>
           </p:txBody>
@@ -5007,7 +4960,9 @@
       <p:sp>
         <p:nvSpPr>
           <p:cNvPr id="52" name="Google Shape;52;p5"/>
-          <p:cNvSpPr txBox="1"/>
+          <p:cNvSpPr txBox="1">
+            <a:spLocks noGrp="1"/>
+          </p:cNvSpPr>
           <p:nvPr>
             <p:ph type="title"/>
           </p:nvPr>
@@ -5022,7 +4977,7 @@
           </a:prstGeom>
         </p:spPr>
         <p:txBody>
-          <a:bodyPr anchorCtr="0" anchor="t" bIns="91425" lIns="91425" spcFirstLastPara="1" rIns="91425" wrap="square" tIns="91425">
+          <a:bodyPr spcFirstLastPara="1" wrap="square" lIns="91425" tIns="91425" rIns="91425" bIns="91425" anchor="t" anchorCtr="0">
             <a:normAutofit/>
           </a:bodyPr>
           <a:lstStyle>
@@ -5126,15 +5081,19 @@
               <a:defRPr sz="2400"/>
             </a:lvl9pPr>
           </a:lstStyle>
-          <a:p/>
+          <a:p>
+            <a:endParaRPr/>
+          </a:p>
         </p:txBody>
       </p:sp>
       <p:sp>
         <p:nvSpPr>
           <p:cNvPr id="53" name="Google Shape;53;p5"/>
-          <p:cNvSpPr txBox="1"/>
+          <p:cNvSpPr txBox="1">
+            <a:spLocks noGrp="1"/>
+          </p:cNvSpPr>
           <p:nvPr>
-            <p:ph idx="1" type="body"/>
+            <p:ph type="body" idx="1"/>
           </p:nvPr>
         </p:nvSpPr>
         <p:spPr>
@@ -5147,11 +5106,11 @@
           </a:prstGeom>
         </p:spPr>
         <p:txBody>
-          <a:bodyPr anchorCtr="0" anchor="t" bIns="91425" lIns="91425" spcFirstLastPara="1" rIns="91425" wrap="square" tIns="91425">
+          <a:bodyPr spcFirstLastPara="1" wrap="square" lIns="91425" tIns="91425" rIns="91425" bIns="91425" anchor="t" anchorCtr="0">
             <a:normAutofit/>
           </a:bodyPr>
           <a:lstStyle>
-            <a:lvl1pPr indent="-311150" lvl="0" marL="457200">
+            <a:lvl1pPr marL="457200" lvl="0" indent="-311150">
               <a:spcBef>
                 <a:spcPts val="0"/>
               </a:spcBef>
@@ -5162,7 +5121,7 @@
               <a:buChar char="●"/>
               <a:defRPr/>
             </a:lvl1pPr>
-            <a:lvl2pPr indent="-298450" lvl="1" marL="914400">
+            <a:lvl2pPr marL="914400" lvl="1" indent="-298450">
               <a:spcBef>
                 <a:spcPts val="0"/>
               </a:spcBef>
@@ -5173,7 +5132,7 @@
               <a:buChar char="○"/>
               <a:defRPr/>
             </a:lvl2pPr>
-            <a:lvl3pPr indent="-298450" lvl="2" marL="1371600">
+            <a:lvl3pPr marL="1371600" lvl="2" indent="-298450">
               <a:spcBef>
                 <a:spcPts val="0"/>
               </a:spcBef>
@@ -5184,7 +5143,7 @@
               <a:buChar char="■"/>
               <a:defRPr/>
             </a:lvl3pPr>
-            <a:lvl4pPr indent="-298450" lvl="3" marL="1828800">
+            <a:lvl4pPr marL="1828800" lvl="3" indent="-298450">
               <a:spcBef>
                 <a:spcPts val="0"/>
               </a:spcBef>
@@ -5195,7 +5154,7 @@
               <a:buChar char="●"/>
               <a:defRPr/>
             </a:lvl4pPr>
-            <a:lvl5pPr indent="-298450" lvl="4" marL="2286000">
+            <a:lvl5pPr marL="2286000" lvl="4" indent="-298450">
               <a:spcBef>
                 <a:spcPts val="0"/>
               </a:spcBef>
@@ -5206,7 +5165,7 @@
               <a:buChar char="○"/>
               <a:defRPr/>
             </a:lvl5pPr>
-            <a:lvl6pPr indent="-298450" lvl="5" marL="2743200">
+            <a:lvl6pPr marL="2743200" lvl="5" indent="-298450">
               <a:spcBef>
                 <a:spcPts val="0"/>
               </a:spcBef>
@@ -5217,7 +5176,7 @@
               <a:buChar char="■"/>
               <a:defRPr/>
             </a:lvl6pPr>
-            <a:lvl7pPr indent="-298450" lvl="6" marL="3200400">
+            <a:lvl7pPr marL="3200400" lvl="6" indent="-298450">
               <a:spcBef>
                 <a:spcPts val="0"/>
               </a:spcBef>
@@ -5228,7 +5187,7 @@
               <a:buChar char="●"/>
               <a:defRPr/>
             </a:lvl7pPr>
-            <a:lvl8pPr indent="-298450" lvl="7" marL="3657600">
+            <a:lvl8pPr marL="3657600" lvl="7" indent="-298450">
               <a:spcBef>
                 <a:spcPts val="0"/>
               </a:spcBef>
@@ -5239,7 +5198,7 @@
               <a:buChar char="○"/>
               <a:defRPr/>
             </a:lvl8pPr>
-            <a:lvl9pPr indent="-298450" lvl="8" marL="4114800">
+            <a:lvl9pPr marL="4114800" lvl="8" indent="-298450">
               <a:spcBef>
                 <a:spcPts val="0"/>
               </a:spcBef>
@@ -5251,15 +5210,19 @@
               <a:defRPr/>
             </a:lvl9pPr>
           </a:lstStyle>
-          <a:p/>
+          <a:p>
+            <a:endParaRPr/>
+          </a:p>
         </p:txBody>
       </p:sp>
       <p:sp>
         <p:nvSpPr>
           <p:cNvPr id="54" name="Google Shape;54;p5"/>
-          <p:cNvSpPr txBox="1"/>
+          <p:cNvSpPr txBox="1">
+            <a:spLocks noGrp="1"/>
+          </p:cNvSpPr>
           <p:nvPr>
-            <p:ph idx="2" type="body"/>
+            <p:ph type="body" idx="2"/>
           </p:nvPr>
         </p:nvSpPr>
         <p:spPr>
@@ -5272,11 +5235,11 @@
           </a:prstGeom>
         </p:spPr>
         <p:txBody>
-          <a:bodyPr anchorCtr="0" anchor="t" bIns="91425" lIns="91425" spcFirstLastPara="1" rIns="91425" wrap="square" tIns="91425">
+          <a:bodyPr spcFirstLastPara="1" wrap="square" lIns="91425" tIns="91425" rIns="91425" bIns="91425" anchor="t" anchorCtr="0">
             <a:normAutofit/>
           </a:bodyPr>
           <a:lstStyle>
-            <a:lvl1pPr indent="-311150" lvl="0" marL="457200">
+            <a:lvl1pPr marL="457200" lvl="0" indent="-311150">
               <a:spcBef>
                 <a:spcPts val="0"/>
               </a:spcBef>
@@ -5287,7 +5250,7 @@
               <a:buChar char="●"/>
               <a:defRPr/>
             </a:lvl1pPr>
-            <a:lvl2pPr indent="-298450" lvl="1" marL="914400">
+            <a:lvl2pPr marL="914400" lvl="1" indent="-298450">
               <a:spcBef>
                 <a:spcPts val="0"/>
               </a:spcBef>
@@ -5298,7 +5261,7 @@
               <a:buChar char="○"/>
               <a:defRPr/>
             </a:lvl2pPr>
-            <a:lvl3pPr indent="-298450" lvl="2" marL="1371600">
+            <a:lvl3pPr marL="1371600" lvl="2" indent="-298450">
               <a:spcBef>
                 <a:spcPts val="0"/>
               </a:spcBef>
@@ -5309,7 +5272,7 @@
               <a:buChar char="■"/>
               <a:defRPr/>
             </a:lvl3pPr>
-            <a:lvl4pPr indent="-298450" lvl="3" marL="1828800">
+            <a:lvl4pPr marL="1828800" lvl="3" indent="-298450">
               <a:spcBef>
                 <a:spcPts val="0"/>
               </a:spcBef>
@@ -5320,7 +5283,7 @@
               <a:buChar char="●"/>
               <a:defRPr/>
             </a:lvl4pPr>
-            <a:lvl5pPr indent="-298450" lvl="4" marL="2286000">
+            <a:lvl5pPr marL="2286000" lvl="4" indent="-298450">
               <a:spcBef>
                 <a:spcPts val="0"/>
               </a:spcBef>
@@ -5331,7 +5294,7 @@
               <a:buChar char="○"/>
               <a:defRPr/>
             </a:lvl5pPr>
-            <a:lvl6pPr indent="-298450" lvl="5" marL="2743200">
+            <a:lvl6pPr marL="2743200" lvl="5" indent="-298450">
               <a:spcBef>
                 <a:spcPts val="0"/>
               </a:spcBef>
@@ -5342,7 +5305,7 @@
               <a:buChar char="■"/>
               <a:defRPr/>
             </a:lvl6pPr>
-            <a:lvl7pPr indent="-298450" lvl="6" marL="3200400">
+            <a:lvl7pPr marL="3200400" lvl="6" indent="-298450">
               <a:spcBef>
                 <a:spcPts val="0"/>
               </a:spcBef>
@@ -5353,7 +5316,7 @@
               <a:buChar char="●"/>
               <a:defRPr/>
             </a:lvl7pPr>
-            <a:lvl8pPr indent="-298450" lvl="7" marL="3657600">
+            <a:lvl8pPr marL="3657600" lvl="7" indent="-298450">
               <a:spcBef>
                 <a:spcPts val="0"/>
               </a:spcBef>
@@ -5364,7 +5327,7 @@
               <a:buChar char="○"/>
               <a:defRPr/>
             </a:lvl8pPr>
-            <a:lvl9pPr indent="-298450" lvl="8" marL="4114800">
+            <a:lvl9pPr marL="4114800" lvl="8" indent="-298450">
               <a:spcBef>
                 <a:spcPts val="0"/>
               </a:spcBef>
@@ -5376,15 +5339,19 @@
               <a:defRPr/>
             </a:lvl9pPr>
           </a:lstStyle>
-          <a:p/>
+          <a:p>
+            <a:endParaRPr/>
+          </a:p>
         </p:txBody>
       </p:sp>
       <p:sp>
         <p:nvSpPr>
           <p:cNvPr id="55" name="Google Shape;55;p5"/>
-          <p:cNvSpPr txBox="1"/>
+          <p:cNvSpPr txBox="1">
+            <a:spLocks noGrp="1"/>
+          </p:cNvSpPr>
           <p:nvPr>
-            <p:ph idx="12" type="sldNum"/>
+            <p:ph type="sldNum" idx="12"/>
           </p:nvPr>
         </p:nvSpPr>
         <p:spPr>
@@ -5397,7 +5364,7 @@
           </a:prstGeom>
         </p:spPr>
         <p:txBody>
-          <a:bodyPr anchorCtr="0" anchor="ctr" bIns="91425" lIns="91425" spcFirstLastPara="1" rIns="91425" wrap="square" tIns="91425">
+          <a:bodyPr spcFirstLastPara="1" wrap="square" lIns="91425" tIns="91425" rIns="91425" bIns="91425" anchor="ctr" anchorCtr="0">
             <a:normAutofit/>
           </a:bodyPr>
           <a:lstStyle>
@@ -5439,7 +5406,7 @@
             </a:lvl9pPr>
           </a:lstStyle>
           <a:p>
-            <a:pPr indent="0" lvl="0" marL="0" rtl="0" algn="r">
+            <a:pPr marL="0" lvl="0" indent="0" algn="r" rtl="0">
               <a:spcBef>
                 <a:spcPts val="0"/>
               </a:spcBef>
@@ -5465,11 +5432,11 @@
 </file>
 
 <file path=ppt/slideLayouts/slideLayout5.xml><?xml version="1.0" encoding="utf-8"?>
-<p:sldLayout xmlns:a="http://schemas.openxmlformats.org/drawingml/2006/main" xmlns:r="http://schemas.openxmlformats.org/officeDocument/2006/relationships" xmlns:mc="http://schemas.openxmlformats.org/markup-compatibility/2006" xmlns:mv="urn:schemas-microsoft-com:mac:vml" xmlns:p="http://schemas.openxmlformats.org/presentationml/2006/main" xmlns:c="http://schemas.openxmlformats.org/drawingml/2006/chart" xmlns:dgm="http://schemas.openxmlformats.org/drawingml/2006/diagram" xmlns:o="urn:schemas-microsoft-com:office:office" xmlns:v="urn:schemas-microsoft-com:vml" xmlns:pvml="urn:schemas-microsoft-com:office:powerpoint" xmlns:com="http://schemas.openxmlformats.org/drawingml/2006/compatibility" xmlns:p14="http://schemas.microsoft.com/office/powerpoint/2010/main" xmlns:p15="http://schemas.microsoft.com/office/powerpoint/2012/main" xmlns:ahyp="http://schemas.microsoft.com/office/drawing/2018/hyperlinkcolor" matchingName="Title only" type="titleOnly">
+<p:sldLayout xmlns:a="http://schemas.openxmlformats.org/drawingml/2006/main" xmlns:r="http://schemas.openxmlformats.org/officeDocument/2006/relationships" xmlns:p="http://schemas.openxmlformats.org/presentationml/2006/main" matchingName="Title only" type="titleOnly">
   <p:cSld name="TITLE_ONLY">
     <p:spTree>
       <p:nvGrpSpPr>
-        <p:cNvPr id="56" name="Shape 56"/>
+        <p:cNvPr id="1" name="Shape 56"/>
         <p:cNvGrpSpPr/>
         <p:nvPr/>
       </p:nvGrpSpPr>
@@ -5508,7 +5475,7 @@
             </a:xfrm>
             <a:prstGeom prst="diagStripe">
               <a:avLst>
-                <a:gd fmla="val 50000" name="adj"/>
+                <a:gd name="adj" fmla="val 50000"/>
               </a:avLst>
             </a:prstGeom>
             <a:solidFill>
@@ -5519,12 +5486,12 @@
             </a:ln>
           </p:spPr>
           <p:txBody>
-            <a:bodyPr anchorCtr="0" anchor="ctr" bIns="91425" lIns="91425" spcFirstLastPara="1" rIns="91425" wrap="square" tIns="91425">
+            <a:bodyPr spcFirstLastPara="1" wrap="square" lIns="91425" tIns="91425" rIns="91425" bIns="91425" anchor="ctr" anchorCtr="0">
               <a:noAutofit/>
             </a:bodyPr>
             <a:lstStyle/>
             <a:p>
-              <a:pPr indent="0" lvl="0" marL="0" rtl="0" algn="l">
+              <a:pPr marL="0" lvl="0" indent="0" algn="l" rtl="0">
                 <a:spcBef>
                   <a:spcPts val="0"/>
                 </a:spcBef>
@@ -5533,9 +5500,6 @@
                 </a:spcAft>
                 <a:buNone/>
               </a:pPr>
-              <a:r>
-                <a:t/>
-              </a:r>
               <a:endParaRPr/>
             </a:p>
           </p:txBody>
@@ -5553,7 +5517,7 @@
             </a:xfrm>
             <a:prstGeom prst="diagStripe">
               <a:avLst>
-                <a:gd fmla="val 50000" name="adj"/>
+                <a:gd name="adj" fmla="val 50000"/>
               </a:avLst>
             </a:prstGeom>
             <a:solidFill>
@@ -5564,12 +5528,12 @@
             </a:ln>
           </p:spPr>
           <p:txBody>
-            <a:bodyPr anchorCtr="0" anchor="ctr" bIns="91425" lIns="91425" spcFirstLastPara="1" rIns="91425" wrap="square" tIns="91425">
+            <a:bodyPr spcFirstLastPara="1" wrap="square" lIns="91425" tIns="91425" rIns="91425" bIns="91425" anchor="ctr" anchorCtr="0">
               <a:noAutofit/>
             </a:bodyPr>
             <a:lstStyle/>
             <a:p>
-              <a:pPr indent="0" lvl="0" marL="0" rtl="0" algn="l">
+              <a:pPr marL="0" lvl="0" indent="0" algn="l" rtl="0">
                 <a:spcBef>
                   <a:spcPts val="0"/>
                 </a:spcBef>
@@ -5578,9 +5542,6 @@
                 </a:spcAft>
                 <a:buNone/>
               </a:pPr>
-              <a:r>
-                <a:t/>
-              </a:r>
               <a:endParaRPr/>
             </a:p>
           </p:txBody>
@@ -5589,7 +5550,9 @@
       <p:sp>
         <p:nvSpPr>
           <p:cNvPr id="60" name="Google Shape;60;p6"/>
-          <p:cNvSpPr txBox="1"/>
+          <p:cNvSpPr txBox="1">
+            <a:spLocks noGrp="1"/>
+          </p:cNvSpPr>
           <p:nvPr>
             <p:ph type="title"/>
           </p:nvPr>
@@ -5604,7 +5567,7 @@
           </a:prstGeom>
         </p:spPr>
         <p:txBody>
-          <a:bodyPr anchorCtr="0" anchor="t" bIns="91425" lIns="91425" spcFirstLastPara="1" rIns="91425" wrap="square" tIns="91425">
+          <a:bodyPr spcFirstLastPara="1" wrap="square" lIns="91425" tIns="91425" rIns="91425" bIns="91425" anchor="t" anchorCtr="0">
             <a:normAutofit/>
           </a:bodyPr>
           <a:lstStyle>
@@ -5708,15 +5671,19 @@
               <a:defRPr sz="2400"/>
             </a:lvl9pPr>
           </a:lstStyle>
-          <a:p/>
+          <a:p>
+            <a:endParaRPr/>
+          </a:p>
         </p:txBody>
       </p:sp>
       <p:sp>
         <p:nvSpPr>
           <p:cNvPr id="61" name="Google Shape;61;p6"/>
-          <p:cNvSpPr txBox="1"/>
+          <p:cNvSpPr txBox="1">
+            <a:spLocks noGrp="1"/>
+          </p:cNvSpPr>
           <p:nvPr>
-            <p:ph idx="12" type="sldNum"/>
+            <p:ph type="sldNum" idx="12"/>
           </p:nvPr>
         </p:nvSpPr>
         <p:spPr>
@@ -5729,7 +5696,7 @@
           </a:prstGeom>
         </p:spPr>
         <p:txBody>
-          <a:bodyPr anchorCtr="0" anchor="ctr" bIns="91425" lIns="91425" spcFirstLastPara="1" rIns="91425" wrap="square" tIns="91425">
+          <a:bodyPr spcFirstLastPara="1" wrap="square" lIns="91425" tIns="91425" rIns="91425" bIns="91425" anchor="ctr" anchorCtr="0">
             <a:normAutofit/>
           </a:bodyPr>
           <a:lstStyle>
@@ -5771,7 +5738,7 @@
             </a:lvl9pPr>
           </a:lstStyle>
           <a:p>
-            <a:pPr indent="0" lvl="0" marL="0" rtl="0" algn="r">
+            <a:pPr marL="0" lvl="0" indent="0" algn="r" rtl="0">
               <a:spcBef>
                 <a:spcPts val="0"/>
               </a:spcBef>
@@ -5797,11 +5764,11 @@
 </file>
 
 <file path=ppt/slideLayouts/slideLayout6.xml><?xml version="1.0" encoding="utf-8"?>
-<p:sldLayout xmlns:a="http://schemas.openxmlformats.org/drawingml/2006/main" xmlns:r="http://schemas.openxmlformats.org/officeDocument/2006/relationships" xmlns:mc="http://schemas.openxmlformats.org/markup-compatibility/2006" xmlns:mv="urn:schemas-microsoft-com:mac:vml" xmlns:p="http://schemas.openxmlformats.org/presentationml/2006/main" xmlns:c="http://schemas.openxmlformats.org/drawingml/2006/chart" xmlns:dgm="http://schemas.openxmlformats.org/drawingml/2006/diagram" xmlns:o="urn:schemas-microsoft-com:office:office" xmlns:v="urn:schemas-microsoft-com:vml" xmlns:pvml="urn:schemas-microsoft-com:office:powerpoint" xmlns:com="http://schemas.openxmlformats.org/drawingml/2006/compatibility" xmlns:p14="http://schemas.microsoft.com/office/powerpoint/2010/main" xmlns:p15="http://schemas.microsoft.com/office/powerpoint/2012/main" xmlns:ahyp="http://schemas.microsoft.com/office/drawing/2018/hyperlinkcolor" matchingName="One column text">
+<p:sldLayout xmlns:a="http://schemas.openxmlformats.org/drawingml/2006/main" xmlns:r="http://schemas.openxmlformats.org/officeDocument/2006/relationships" xmlns:p="http://schemas.openxmlformats.org/presentationml/2006/main" matchingName="One column text">
   <p:cSld name="ONE_COLUMN_TEXT">
     <p:spTree>
       <p:nvGrpSpPr>
-        <p:cNvPr id="62" name="Shape 62"/>
+        <p:cNvPr id="1" name="Shape 62"/>
         <p:cNvGrpSpPr/>
         <p:nvPr/>
       </p:nvGrpSpPr>
@@ -5840,7 +5807,7 @@
             </a:xfrm>
             <a:prstGeom prst="diagStripe">
               <a:avLst>
-                <a:gd fmla="val 50000" name="adj"/>
+                <a:gd name="adj" fmla="val 50000"/>
               </a:avLst>
             </a:prstGeom>
             <a:solidFill>
@@ -5851,12 +5818,12 @@
             </a:ln>
           </p:spPr>
           <p:txBody>
-            <a:bodyPr anchorCtr="0" anchor="ctr" bIns="91425" lIns="91425" spcFirstLastPara="1" rIns="91425" wrap="square" tIns="91425">
+            <a:bodyPr spcFirstLastPara="1" wrap="square" lIns="91425" tIns="91425" rIns="91425" bIns="91425" anchor="ctr" anchorCtr="0">
               <a:noAutofit/>
             </a:bodyPr>
             <a:lstStyle/>
             <a:p>
-              <a:pPr indent="0" lvl="0" marL="0" rtl="0" algn="l">
+              <a:pPr marL="0" lvl="0" indent="0" algn="l" rtl="0">
                 <a:spcBef>
                   <a:spcPts val="0"/>
                 </a:spcBef>
@@ -5865,9 +5832,6 @@
                 </a:spcAft>
                 <a:buNone/>
               </a:pPr>
-              <a:r>
-                <a:t/>
-              </a:r>
               <a:endParaRPr/>
             </a:p>
           </p:txBody>
@@ -5885,7 +5849,7 @@
             </a:xfrm>
             <a:prstGeom prst="diagStripe">
               <a:avLst>
-                <a:gd fmla="val 50000" name="adj"/>
+                <a:gd name="adj" fmla="val 50000"/>
               </a:avLst>
             </a:prstGeom>
             <a:solidFill>
@@ -5896,12 +5860,12 @@
             </a:ln>
           </p:spPr>
           <p:txBody>
-            <a:bodyPr anchorCtr="0" anchor="ctr" bIns="91425" lIns="91425" spcFirstLastPara="1" rIns="91425" wrap="square" tIns="91425">
+            <a:bodyPr spcFirstLastPara="1" wrap="square" lIns="91425" tIns="91425" rIns="91425" bIns="91425" anchor="ctr" anchorCtr="0">
               <a:noAutofit/>
             </a:bodyPr>
             <a:lstStyle/>
             <a:p>
-              <a:pPr indent="0" lvl="0" marL="0" rtl="0" algn="l">
+              <a:pPr marL="0" lvl="0" indent="0" algn="l" rtl="0">
                 <a:spcBef>
                   <a:spcPts val="0"/>
                 </a:spcBef>
@@ -5910,9 +5874,6 @@
                 </a:spcAft>
                 <a:buNone/>
               </a:pPr>
-              <a:r>
-                <a:t/>
-              </a:r>
               <a:endParaRPr/>
             </a:p>
           </p:txBody>
@@ -5921,7 +5882,9 @@
       <p:sp>
         <p:nvSpPr>
           <p:cNvPr id="66" name="Google Shape;66;p7"/>
-          <p:cNvSpPr txBox="1"/>
+          <p:cNvSpPr txBox="1">
+            <a:spLocks noGrp="1"/>
+          </p:cNvSpPr>
           <p:nvPr>
             <p:ph type="title"/>
           </p:nvPr>
@@ -5936,7 +5899,7 @@
           </a:prstGeom>
         </p:spPr>
         <p:txBody>
-          <a:bodyPr anchorCtr="0" anchor="t" bIns="91425" lIns="91425" spcFirstLastPara="1" rIns="91425" wrap="square" tIns="91425">
+          <a:bodyPr spcFirstLastPara="1" wrap="square" lIns="91425" tIns="91425" rIns="91425" bIns="91425" anchor="t" anchorCtr="0">
             <a:normAutofit/>
           </a:bodyPr>
           <a:lstStyle>
@@ -6040,15 +6003,19 @@
               <a:defRPr sz="2400"/>
             </a:lvl9pPr>
           </a:lstStyle>
-          <a:p/>
+          <a:p>
+            <a:endParaRPr/>
+          </a:p>
         </p:txBody>
       </p:sp>
       <p:sp>
         <p:nvSpPr>
           <p:cNvPr id="67" name="Google Shape;67;p7"/>
-          <p:cNvSpPr txBox="1"/>
+          <p:cNvSpPr txBox="1">
+            <a:spLocks noGrp="1"/>
+          </p:cNvSpPr>
           <p:nvPr>
-            <p:ph idx="1" type="body"/>
+            <p:ph type="body" idx="1"/>
           </p:nvPr>
         </p:nvSpPr>
         <p:spPr>
@@ -6061,11 +6028,11 @@
           </a:prstGeom>
         </p:spPr>
         <p:txBody>
-          <a:bodyPr anchorCtr="0" anchor="t" bIns="91425" lIns="91425" spcFirstLastPara="1" rIns="91425" wrap="square" tIns="91425">
+          <a:bodyPr spcFirstLastPara="1" wrap="square" lIns="91425" tIns="91425" rIns="91425" bIns="91425" anchor="t" anchorCtr="0">
             <a:normAutofit/>
           </a:bodyPr>
           <a:lstStyle>
-            <a:lvl1pPr indent="-311150" lvl="0" marL="457200">
+            <a:lvl1pPr marL="457200" lvl="0" indent="-311150">
               <a:spcBef>
                 <a:spcPts val="0"/>
               </a:spcBef>
@@ -6076,7 +6043,7 @@
               <a:buChar char="●"/>
               <a:defRPr/>
             </a:lvl1pPr>
-            <a:lvl2pPr indent="-298450" lvl="1" marL="914400">
+            <a:lvl2pPr marL="914400" lvl="1" indent="-298450">
               <a:spcBef>
                 <a:spcPts val="0"/>
               </a:spcBef>
@@ -6087,7 +6054,7 @@
               <a:buChar char="○"/>
               <a:defRPr/>
             </a:lvl2pPr>
-            <a:lvl3pPr indent="-298450" lvl="2" marL="1371600">
+            <a:lvl3pPr marL="1371600" lvl="2" indent="-298450">
               <a:spcBef>
                 <a:spcPts val="0"/>
               </a:spcBef>
@@ -6098,7 +6065,7 @@
               <a:buChar char="■"/>
               <a:defRPr/>
             </a:lvl3pPr>
-            <a:lvl4pPr indent="-298450" lvl="3" marL="1828800">
+            <a:lvl4pPr marL="1828800" lvl="3" indent="-298450">
               <a:spcBef>
                 <a:spcPts val="0"/>
               </a:spcBef>
@@ -6109,7 +6076,7 @@
               <a:buChar char="●"/>
               <a:defRPr/>
             </a:lvl4pPr>
-            <a:lvl5pPr indent="-298450" lvl="4" marL="2286000">
+            <a:lvl5pPr marL="2286000" lvl="4" indent="-298450">
               <a:spcBef>
                 <a:spcPts val="0"/>
               </a:spcBef>
@@ -6120,7 +6087,7 @@
               <a:buChar char="○"/>
               <a:defRPr/>
             </a:lvl5pPr>
-            <a:lvl6pPr indent="-298450" lvl="5" marL="2743200">
+            <a:lvl6pPr marL="2743200" lvl="5" indent="-298450">
               <a:spcBef>
                 <a:spcPts val="0"/>
               </a:spcBef>
@@ -6131,7 +6098,7 @@
               <a:buChar char="■"/>
               <a:defRPr/>
             </a:lvl6pPr>
-            <a:lvl7pPr indent="-298450" lvl="6" marL="3200400">
+            <a:lvl7pPr marL="3200400" lvl="6" indent="-298450">
               <a:spcBef>
                 <a:spcPts val="0"/>
               </a:spcBef>
@@ -6142,7 +6109,7 @@
               <a:buChar char="●"/>
               <a:defRPr/>
             </a:lvl7pPr>
-            <a:lvl8pPr indent="-298450" lvl="7" marL="3657600">
+            <a:lvl8pPr marL="3657600" lvl="7" indent="-298450">
               <a:spcBef>
                 <a:spcPts val="0"/>
               </a:spcBef>
@@ -6153,7 +6120,7 @@
               <a:buChar char="○"/>
               <a:defRPr/>
             </a:lvl8pPr>
-            <a:lvl9pPr indent="-298450" lvl="8" marL="4114800">
+            <a:lvl9pPr marL="4114800" lvl="8" indent="-298450">
               <a:spcBef>
                 <a:spcPts val="0"/>
               </a:spcBef>
@@ -6165,15 +6132,19 @@
               <a:defRPr/>
             </a:lvl9pPr>
           </a:lstStyle>
-          <a:p/>
+          <a:p>
+            <a:endParaRPr/>
+          </a:p>
         </p:txBody>
       </p:sp>
       <p:sp>
         <p:nvSpPr>
           <p:cNvPr id="68" name="Google Shape;68;p7"/>
-          <p:cNvSpPr txBox="1"/>
+          <p:cNvSpPr txBox="1">
+            <a:spLocks noGrp="1"/>
+          </p:cNvSpPr>
           <p:nvPr>
-            <p:ph idx="12" type="sldNum"/>
+            <p:ph type="sldNum" idx="12"/>
           </p:nvPr>
         </p:nvSpPr>
         <p:spPr>
@@ -6186,7 +6157,7 @@
           </a:prstGeom>
         </p:spPr>
         <p:txBody>
-          <a:bodyPr anchorCtr="0" anchor="ctr" bIns="91425" lIns="91425" spcFirstLastPara="1" rIns="91425" wrap="square" tIns="91425">
+          <a:bodyPr spcFirstLastPara="1" wrap="square" lIns="91425" tIns="91425" rIns="91425" bIns="91425" anchor="ctr" anchorCtr="0">
             <a:normAutofit/>
           </a:bodyPr>
           <a:lstStyle>
@@ -6228,7 +6199,7 @@
             </a:lvl9pPr>
           </a:lstStyle>
           <a:p>
-            <a:pPr indent="0" lvl="0" marL="0" rtl="0" algn="r">
+            <a:pPr marL="0" lvl="0" indent="0" algn="r" rtl="0">
               <a:spcBef>
                 <a:spcPts val="0"/>
               </a:spcBef>
@@ -6254,11 +6225,11 @@
 </file>
 
 <file path=ppt/slideLayouts/slideLayout7.xml><?xml version="1.0" encoding="utf-8"?>
-<p:sldLayout xmlns:a="http://schemas.openxmlformats.org/drawingml/2006/main" xmlns:r="http://schemas.openxmlformats.org/officeDocument/2006/relationships" xmlns:mc="http://schemas.openxmlformats.org/markup-compatibility/2006" xmlns:mv="urn:schemas-microsoft-com:mac:vml" xmlns:p="http://schemas.openxmlformats.org/presentationml/2006/main" xmlns:c="http://schemas.openxmlformats.org/drawingml/2006/chart" xmlns:dgm="http://schemas.openxmlformats.org/drawingml/2006/diagram" xmlns:o="urn:schemas-microsoft-com:office:office" xmlns:v="urn:schemas-microsoft-com:vml" xmlns:pvml="urn:schemas-microsoft-com:office:powerpoint" xmlns:com="http://schemas.openxmlformats.org/drawingml/2006/compatibility" xmlns:p14="http://schemas.microsoft.com/office/powerpoint/2010/main" xmlns:p15="http://schemas.microsoft.com/office/powerpoint/2012/main" xmlns:ahyp="http://schemas.microsoft.com/office/drawing/2018/hyperlinkcolor" matchingName="Main point">
+<p:sldLayout xmlns:a="http://schemas.openxmlformats.org/drawingml/2006/main" xmlns:r="http://schemas.openxmlformats.org/officeDocument/2006/relationships" xmlns:p="http://schemas.openxmlformats.org/presentationml/2006/main" matchingName="Main point">
   <p:cSld name="MAIN_POINT">
     <p:spTree>
       <p:nvGrpSpPr>
-        <p:cNvPr id="69" name="Shape 69"/>
+        <p:cNvPr id="1" name="Shape 69"/>
         <p:cNvGrpSpPr/>
         <p:nvPr/>
       </p:nvGrpSpPr>
@@ -6297,7 +6268,7 @@
             </a:xfrm>
             <a:prstGeom prst="diagStripe">
               <a:avLst>
-                <a:gd fmla="val 49469" name="adj"/>
+                <a:gd name="adj" fmla="val 49469"/>
               </a:avLst>
             </a:prstGeom>
             <a:solidFill>
@@ -6310,12 +6281,12 @@
             </a:ln>
           </p:spPr>
           <p:txBody>
-            <a:bodyPr anchorCtr="0" anchor="ctr" bIns="91425" lIns="91425" spcFirstLastPara="1" rIns="91425" wrap="square" tIns="91425">
+            <a:bodyPr spcFirstLastPara="1" wrap="square" lIns="91425" tIns="91425" rIns="91425" bIns="91425" anchor="ctr" anchorCtr="0">
               <a:noAutofit/>
             </a:bodyPr>
             <a:lstStyle/>
             <a:p>
-              <a:pPr indent="0" lvl="0" marL="0" rtl="0" algn="l">
+              <a:pPr marL="0" lvl="0" indent="0" algn="l" rtl="0">
                 <a:spcBef>
                   <a:spcPts val="0"/>
                 </a:spcBef>
@@ -6324,9 +6295,6 @@
                 </a:spcAft>
                 <a:buNone/>
               </a:pPr>
-              <a:r>
-                <a:t/>
-              </a:r>
               <a:endParaRPr/>
             </a:p>
           </p:txBody>
@@ -6344,7 +6312,7 @@
             </a:xfrm>
             <a:prstGeom prst="diagStripe">
               <a:avLst>
-                <a:gd fmla="val 0" name="adj"/>
+                <a:gd name="adj" fmla="val 0"/>
               </a:avLst>
             </a:prstGeom>
             <a:solidFill>
@@ -6357,12 +6325,12 @@
             </a:ln>
           </p:spPr>
           <p:txBody>
-            <a:bodyPr anchorCtr="0" anchor="ctr" bIns="91425" lIns="91425" spcFirstLastPara="1" rIns="91425" wrap="square" tIns="91425">
+            <a:bodyPr spcFirstLastPara="1" wrap="square" lIns="91425" tIns="91425" rIns="91425" bIns="91425" anchor="ctr" anchorCtr="0">
               <a:noAutofit/>
             </a:bodyPr>
             <a:lstStyle/>
             <a:p>
-              <a:pPr indent="0" lvl="0" marL="0" rtl="0" algn="l">
+              <a:pPr marL="0" lvl="0" indent="0" algn="l" rtl="0">
                 <a:spcBef>
                   <a:spcPts val="0"/>
                 </a:spcBef>
@@ -6371,9 +6339,6 @@
                 </a:spcAft>
                 <a:buNone/>
               </a:pPr>
-              <a:r>
-                <a:t/>
-              </a:r>
               <a:endParaRPr/>
             </a:p>
           </p:txBody>
@@ -6391,7 +6356,7 @@
             </a:xfrm>
             <a:prstGeom prst="diagStripe">
               <a:avLst>
-                <a:gd fmla="val 50000" name="adj"/>
+                <a:gd name="adj" fmla="val 50000"/>
               </a:avLst>
             </a:prstGeom>
             <a:solidFill>
@@ -6404,12 +6369,12 @@
             </a:ln>
           </p:spPr>
           <p:txBody>
-            <a:bodyPr anchorCtr="0" anchor="ctr" bIns="91425" lIns="91425" spcFirstLastPara="1" rIns="91425" wrap="square" tIns="91425">
+            <a:bodyPr spcFirstLastPara="1" wrap="square" lIns="91425" tIns="91425" rIns="91425" bIns="91425" anchor="ctr" anchorCtr="0">
               <a:noAutofit/>
             </a:bodyPr>
             <a:lstStyle/>
             <a:p>
-              <a:pPr indent="0" lvl="0" marL="0" rtl="0" algn="l">
+              <a:pPr marL="0" lvl="0" indent="0" algn="l" rtl="0">
                 <a:spcBef>
                   <a:spcPts val="0"/>
                 </a:spcBef>
@@ -6418,9 +6383,6 @@
                 </a:spcAft>
                 <a:buNone/>
               </a:pPr>
-              <a:r>
-                <a:t/>
-              </a:r>
               <a:endParaRPr/>
             </a:p>
           </p:txBody>
@@ -6438,7 +6400,7 @@
             </a:xfrm>
             <a:prstGeom prst="diagStripe">
               <a:avLst>
-                <a:gd fmla="val 50000" name="adj"/>
+                <a:gd name="adj" fmla="val 50000"/>
               </a:avLst>
             </a:prstGeom>
             <a:solidFill>
@@ -6451,12 +6413,12 @@
             </a:ln>
           </p:spPr>
           <p:txBody>
-            <a:bodyPr anchorCtr="0" anchor="ctr" bIns="91425" lIns="91425" spcFirstLastPara="1" rIns="91425" wrap="square" tIns="91425">
+            <a:bodyPr spcFirstLastPara="1" wrap="square" lIns="91425" tIns="91425" rIns="91425" bIns="91425" anchor="ctr" anchorCtr="0">
               <a:noAutofit/>
             </a:bodyPr>
             <a:lstStyle/>
             <a:p>
-              <a:pPr indent="0" lvl="0" marL="0" rtl="0" algn="l">
+              <a:pPr marL="0" lvl="0" indent="0" algn="l" rtl="0">
                 <a:spcBef>
                   <a:spcPts val="0"/>
                 </a:spcBef>
@@ -6465,9 +6427,6 @@
                 </a:spcAft>
                 <a:buNone/>
               </a:pPr>
-              <a:r>
-                <a:t/>
-              </a:r>
               <a:endParaRPr/>
             </a:p>
           </p:txBody>
@@ -6485,7 +6444,7 @@
             </a:xfrm>
             <a:prstGeom prst="diagStripe">
               <a:avLst>
-                <a:gd fmla="val 50000" name="adj"/>
+                <a:gd name="adj" fmla="val 50000"/>
               </a:avLst>
             </a:prstGeom>
             <a:solidFill>
@@ -6498,12 +6457,12 @@
             </a:ln>
           </p:spPr>
           <p:txBody>
-            <a:bodyPr anchorCtr="0" anchor="ctr" bIns="91425" lIns="91425" spcFirstLastPara="1" rIns="91425" wrap="square" tIns="91425">
+            <a:bodyPr spcFirstLastPara="1" wrap="square" lIns="91425" tIns="91425" rIns="91425" bIns="91425" anchor="ctr" anchorCtr="0">
               <a:noAutofit/>
             </a:bodyPr>
             <a:lstStyle/>
             <a:p>
-              <a:pPr indent="0" lvl="0" marL="0" rtl="0" algn="l">
+              <a:pPr marL="0" lvl="0" indent="0" algn="l" rtl="0">
                 <a:spcBef>
                   <a:spcPts val="0"/>
                 </a:spcBef>
@@ -6512,9 +6471,6 @@
                 </a:spcAft>
                 <a:buNone/>
               </a:pPr>
-              <a:r>
-                <a:t/>
-              </a:r>
               <a:endParaRPr/>
             </a:p>
           </p:txBody>
@@ -6532,7 +6488,7 @@
             </a:xfrm>
             <a:prstGeom prst="diagStripe">
               <a:avLst>
-                <a:gd fmla="val 50000" name="adj"/>
+                <a:gd name="adj" fmla="val 50000"/>
               </a:avLst>
             </a:prstGeom>
             <a:solidFill>
@@ -6545,12 +6501,12 @@
             </a:ln>
           </p:spPr>
           <p:txBody>
-            <a:bodyPr anchorCtr="0" anchor="ctr" bIns="91425" lIns="91425" spcFirstLastPara="1" rIns="91425" wrap="square" tIns="91425">
+            <a:bodyPr spcFirstLastPara="1" wrap="square" lIns="91425" tIns="91425" rIns="91425" bIns="91425" anchor="ctr" anchorCtr="0">
               <a:noAutofit/>
             </a:bodyPr>
             <a:lstStyle/>
             <a:p>
-              <a:pPr indent="0" lvl="0" marL="0" rtl="0" algn="l">
+              <a:pPr marL="0" lvl="0" indent="0" algn="l" rtl="0">
                 <a:spcBef>
                   <a:spcPts val="0"/>
                 </a:spcBef>
@@ -6559,9 +6515,6 @@
                 </a:spcAft>
                 <a:buNone/>
               </a:pPr>
-              <a:r>
-                <a:t/>
-              </a:r>
               <a:endParaRPr/>
             </a:p>
           </p:txBody>
@@ -6579,7 +6532,7 @@
             </a:xfrm>
             <a:prstGeom prst="diagStripe">
               <a:avLst>
-                <a:gd fmla="val 50000" name="adj"/>
+                <a:gd name="adj" fmla="val 50000"/>
               </a:avLst>
             </a:prstGeom>
             <a:solidFill>
@@ -6592,12 +6545,12 @@
             </a:ln>
           </p:spPr>
           <p:txBody>
-            <a:bodyPr anchorCtr="0" anchor="ctr" bIns="91425" lIns="91425" spcFirstLastPara="1" rIns="91425" wrap="square" tIns="91425">
+            <a:bodyPr spcFirstLastPara="1" wrap="square" lIns="91425" tIns="91425" rIns="91425" bIns="91425" anchor="ctr" anchorCtr="0">
               <a:noAutofit/>
             </a:bodyPr>
             <a:lstStyle/>
             <a:p>
-              <a:pPr indent="0" lvl="0" marL="0" rtl="0" algn="l">
+              <a:pPr marL="0" lvl="0" indent="0" algn="l" rtl="0">
                 <a:spcBef>
                   <a:spcPts val="0"/>
                 </a:spcBef>
@@ -6606,9 +6559,6 @@
                 </a:spcAft>
                 <a:buNone/>
               </a:pPr>
-              <a:r>
-                <a:t/>
-              </a:r>
               <a:endParaRPr/>
             </a:p>
           </p:txBody>
@@ -6626,7 +6576,7 @@
             </a:xfrm>
             <a:prstGeom prst="diagStripe">
               <a:avLst>
-                <a:gd fmla="val 50000" name="adj"/>
+                <a:gd name="adj" fmla="val 50000"/>
               </a:avLst>
             </a:prstGeom>
             <a:solidFill>
@@ -6637,12 +6587,12 @@
             </a:ln>
           </p:spPr>
           <p:txBody>
-            <a:bodyPr anchorCtr="0" anchor="ctr" bIns="91425" lIns="91425" spcFirstLastPara="1" rIns="91425" wrap="square" tIns="91425">
+            <a:bodyPr spcFirstLastPara="1" wrap="square" lIns="91425" tIns="91425" rIns="91425" bIns="91425" anchor="ctr" anchorCtr="0">
               <a:noAutofit/>
             </a:bodyPr>
             <a:lstStyle/>
             <a:p>
-              <a:pPr indent="0" lvl="0" marL="0" rtl="0" algn="l">
+              <a:pPr marL="0" lvl="0" indent="0" algn="l" rtl="0">
                 <a:spcBef>
                   <a:spcPts val="0"/>
                 </a:spcBef>
@@ -6651,9 +6601,6 @@
                 </a:spcAft>
                 <a:buNone/>
               </a:pPr>
-              <a:r>
-                <a:t/>
-              </a:r>
               <a:endParaRPr/>
             </a:p>
           </p:txBody>
@@ -6671,7 +6618,7 @@
             </a:xfrm>
             <a:prstGeom prst="diagStripe">
               <a:avLst>
-                <a:gd fmla="val 50000" name="adj"/>
+                <a:gd name="adj" fmla="val 50000"/>
               </a:avLst>
             </a:prstGeom>
             <a:solidFill>
@@ -6684,12 +6631,12 @@
             </a:ln>
           </p:spPr>
           <p:txBody>
-            <a:bodyPr anchorCtr="0" anchor="ctr" bIns="91425" lIns="91425" spcFirstLastPara="1" rIns="91425" wrap="square" tIns="91425">
+            <a:bodyPr spcFirstLastPara="1" wrap="square" lIns="91425" tIns="91425" rIns="91425" bIns="91425" anchor="ctr" anchorCtr="0">
               <a:noAutofit/>
             </a:bodyPr>
             <a:lstStyle/>
             <a:p>
-              <a:pPr indent="0" lvl="0" marL="0" rtl="0" algn="l">
+              <a:pPr marL="0" lvl="0" indent="0" algn="l" rtl="0">
                 <a:spcBef>
                   <a:spcPts val="0"/>
                 </a:spcBef>
@@ -6698,9 +6645,6 @@
                 </a:spcAft>
                 <a:buNone/>
               </a:pPr>
-              <a:r>
-                <a:t/>
-              </a:r>
               <a:endParaRPr/>
             </a:p>
           </p:txBody>
@@ -6718,7 +6662,7 @@
             </a:xfrm>
             <a:prstGeom prst="diagStripe">
               <a:avLst>
-                <a:gd fmla="val 50000" name="adj"/>
+                <a:gd name="adj" fmla="val 50000"/>
               </a:avLst>
             </a:prstGeom>
             <a:solidFill>
@@ -6731,12 +6675,12 @@
             </a:ln>
           </p:spPr>
           <p:txBody>
-            <a:bodyPr anchorCtr="0" anchor="ctr" bIns="91425" lIns="91425" spcFirstLastPara="1" rIns="91425" wrap="square" tIns="91425">
+            <a:bodyPr spcFirstLastPara="1" wrap="square" lIns="91425" tIns="91425" rIns="91425" bIns="91425" anchor="ctr" anchorCtr="0">
               <a:noAutofit/>
             </a:bodyPr>
             <a:lstStyle/>
             <a:p>
-              <a:pPr indent="0" lvl="0" marL="0" rtl="0" algn="l">
+              <a:pPr marL="0" lvl="0" indent="0" algn="l" rtl="0">
                 <a:spcBef>
                   <a:spcPts val="0"/>
                 </a:spcBef>
@@ -6745,9 +6689,6 @@
                 </a:spcAft>
                 <a:buNone/>
               </a:pPr>
-              <a:r>
-                <a:t/>
-              </a:r>
               <a:endParaRPr/>
             </a:p>
           </p:txBody>
@@ -6765,7 +6706,7 @@
             </a:xfrm>
             <a:prstGeom prst="diagStripe">
               <a:avLst>
-                <a:gd fmla="val 50000" name="adj"/>
+                <a:gd name="adj" fmla="val 50000"/>
               </a:avLst>
             </a:prstGeom>
             <a:solidFill>
@@ -6778,12 +6719,12 @@
             </a:ln>
           </p:spPr>
           <p:txBody>
-            <a:bodyPr anchorCtr="0" anchor="ctr" bIns="91425" lIns="91425" spcFirstLastPara="1" rIns="91425" wrap="square" tIns="91425">
+            <a:bodyPr spcFirstLastPara="1" wrap="square" lIns="91425" tIns="91425" rIns="91425" bIns="91425" anchor="ctr" anchorCtr="0">
               <a:noAutofit/>
             </a:bodyPr>
             <a:lstStyle/>
             <a:p>
-              <a:pPr indent="0" lvl="0" marL="0" rtl="0" algn="l">
+              <a:pPr marL="0" lvl="0" indent="0" algn="l" rtl="0">
                 <a:spcBef>
                   <a:spcPts val="0"/>
                 </a:spcBef>
@@ -6792,9 +6733,6 @@
                 </a:spcAft>
                 <a:buNone/>
               </a:pPr>
-              <a:r>
-                <a:t/>
-              </a:r>
               <a:endParaRPr/>
             </a:p>
           </p:txBody>
@@ -6812,7 +6750,7 @@
             </a:xfrm>
             <a:prstGeom prst="diagStripe">
               <a:avLst>
-                <a:gd fmla="val 50000" name="adj"/>
+                <a:gd name="adj" fmla="val 50000"/>
               </a:avLst>
             </a:prstGeom>
             <a:solidFill>
@@ -6825,12 +6763,12 @@
             </a:ln>
           </p:spPr>
           <p:txBody>
-            <a:bodyPr anchorCtr="0" anchor="ctr" bIns="91425" lIns="91425" spcFirstLastPara="1" rIns="91425" wrap="square" tIns="91425">
+            <a:bodyPr spcFirstLastPara="1" wrap="square" lIns="91425" tIns="91425" rIns="91425" bIns="91425" anchor="ctr" anchorCtr="0">
               <a:noAutofit/>
             </a:bodyPr>
             <a:lstStyle/>
             <a:p>
-              <a:pPr indent="0" lvl="0" marL="0" rtl="0" algn="l">
+              <a:pPr marL="0" lvl="0" indent="0" algn="l" rtl="0">
                 <a:spcBef>
                   <a:spcPts val="0"/>
                 </a:spcBef>
@@ -6839,9 +6777,6 @@
                 </a:spcAft>
                 <a:buNone/>
               </a:pPr>
-              <a:r>
-                <a:t/>
-              </a:r>
               <a:endParaRPr/>
             </a:p>
           </p:txBody>
@@ -6859,7 +6794,7 @@
             </a:xfrm>
             <a:prstGeom prst="diagStripe">
               <a:avLst>
-                <a:gd fmla="val 50000" name="adj"/>
+                <a:gd name="adj" fmla="val 50000"/>
               </a:avLst>
             </a:prstGeom>
             <a:solidFill>
@@ -6872,12 +6807,12 @@
             </a:ln>
           </p:spPr>
           <p:txBody>
-            <a:bodyPr anchorCtr="0" anchor="ctr" bIns="91425" lIns="91425" spcFirstLastPara="1" rIns="91425" wrap="square" tIns="91425">
+            <a:bodyPr spcFirstLastPara="1" wrap="square" lIns="91425" tIns="91425" rIns="91425" bIns="91425" anchor="ctr" anchorCtr="0">
               <a:noAutofit/>
             </a:bodyPr>
             <a:lstStyle/>
             <a:p>
-              <a:pPr indent="0" lvl="0" marL="0" rtl="0" algn="l">
+              <a:pPr marL="0" lvl="0" indent="0" algn="l" rtl="0">
                 <a:spcBef>
                   <a:spcPts val="0"/>
                 </a:spcBef>
@@ -6886,9 +6821,6 @@
                 </a:spcAft>
                 <a:buNone/>
               </a:pPr>
-              <a:r>
-                <a:t/>
-              </a:r>
               <a:endParaRPr/>
             </a:p>
           </p:txBody>
@@ -6906,7 +6838,7 @@
             </a:xfrm>
             <a:prstGeom prst="diagStripe">
               <a:avLst>
-                <a:gd fmla="val 50000" name="adj"/>
+                <a:gd name="adj" fmla="val 50000"/>
               </a:avLst>
             </a:prstGeom>
             <a:solidFill>
@@ -6917,12 +6849,12 @@
             </a:ln>
           </p:spPr>
           <p:txBody>
-            <a:bodyPr anchorCtr="0" anchor="ctr" bIns="91425" lIns="91425" spcFirstLastPara="1" rIns="91425" wrap="square" tIns="91425">
+            <a:bodyPr spcFirstLastPara="1" wrap="square" lIns="91425" tIns="91425" rIns="91425" bIns="91425" anchor="ctr" anchorCtr="0">
               <a:noAutofit/>
             </a:bodyPr>
             <a:lstStyle/>
             <a:p>
-              <a:pPr indent="0" lvl="0" marL="0" rtl="0" algn="l">
+              <a:pPr marL="0" lvl="0" indent="0" algn="l" rtl="0">
                 <a:spcBef>
                   <a:spcPts val="0"/>
                 </a:spcBef>
@@ -6931,9 +6863,6 @@
                 </a:spcAft>
                 <a:buNone/>
               </a:pPr>
-              <a:r>
-                <a:t/>
-              </a:r>
               <a:endParaRPr/>
             </a:p>
           </p:txBody>
@@ -6951,7 +6880,7 @@
             </a:xfrm>
             <a:prstGeom prst="diagStripe">
               <a:avLst>
-                <a:gd fmla="val 50000" name="adj"/>
+                <a:gd name="adj" fmla="val 50000"/>
               </a:avLst>
             </a:prstGeom>
             <a:solidFill>
@@ -6964,12 +6893,12 @@
             </a:ln>
           </p:spPr>
           <p:txBody>
-            <a:bodyPr anchorCtr="0" anchor="ctr" bIns="91425" lIns="91425" spcFirstLastPara="1" rIns="91425" wrap="square" tIns="91425">
+            <a:bodyPr spcFirstLastPara="1" wrap="square" lIns="91425" tIns="91425" rIns="91425" bIns="91425" anchor="ctr" anchorCtr="0">
               <a:noAutofit/>
             </a:bodyPr>
             <a:lstStyle/>
             <a:p>
-              <a:pPr indent="0" lvl="0" marL="0" rtl="0" algn="l">
+              <a:pPr marL="0" lvl="0" indent="0" algn="l" rtl="0">
                 <a:spcBef>
                   <a:spcPts val="0"/>
                 </a:spcBef>
@@ -6978,9 +6907,6 @@
                 </a:spcAft>
                 <a:buNone/>
               </a:pPr>
-              <a:r>
-                <a:t/>
-              </a:r>
               <a:endParaRPr/>
             </a:p>
           </p:txBody>
@@ -6998,7 +6924,7 @@
             </a:xfrm>
             <a:prstGeom prst="diagStripe">
               <a:avLst>
-                <a:gd fmla="val 50000" name="adj"/>
+                <a:gd name="adj" fmla="val 50000"/>
               </a:avLst>
             </a:prstGeom>
             <a:solidFill>
@@ -7011,12 +6937,12 @@
             </a:ln>
           </p:spPr>
           <p:txBody>
-            <a:bodyPr anchorCtr="0" anchor="ctr" bIns="91425" lIns="91425" spcFirstLastPara="1" rIns="91425" wrap="square" tIns="91425">
+            <a:bodyPr spcFirstLastPara="1" wrap="square" lIns="91425" tIns="91425" rIns="91425" bIns="91425" anchor="ctr" anchorCtr="0">
               <a:noAutofit/>
             </a:bodyPr>
             <a:lstStyle/>
             <a:p>
-              <a:pPr indent="0" lvl="0" marL="0" rtl="0" algn="l">
+              <a:pPr marL="0" lvl="0" indent="0" algn="l" rtl="0">
                 <a:spcBef>
                   <a:spcPts val="0"/>
                 </a:spcBef>
@@ -7025,9 +6951,6 @@
                 </a:spcAft>
                 <a:buNone/>
               </a:pPr>
-              <a:r>
-                <a:t/>
-              </a:r>
               <a:endParaRPr/>
             </a:p>
           </p:txBody>
@@ -7045,7 +6968,7 @@
             </a:xfrm>
             <a:prstGeom prst="diagStripe">
               <a:avLst>
-                <a:gd fmla="val 50000" name="adj"/>
+                <a:gd name="adj" fmla="val 50000"/>
               </a:avLst>
             </a:prstGeom>
             <a:solidFill>
@@ -7058,12 +6981,12 @@
             </a:ln>
           </p:spPr>
           <p:txBody>
-            <a:bodyPr anchorCtr="0" anchor="ctr" bIns="91425" lIns="91425" spcFirstLastPara="1" rIns="91425" wrap="square" tIns="91425">
+            <a:bodyPr spcFirstLastPara="1" wrap="square" lIns="91425" tIns="91425" rIns="91425" bIns="91425" anchor="ctr" anchorCtr="0">
               <a:noAutofit/>
             </a:bodyPr>
             <a:lstStyle/>
             <a:p>
-              <a:pPr indent="0" lvl="0" marL="0" rtl="0" algn="l">
+              <a:pPr marL="0" lvl="0" indent="0" algn="l" rtl="0">
                 <a:spcBef>
                   <a:spcPts val="0"/>
                 </a:spcBef>
@@ -7072,9 +6995,6 @@
                 </a:spcAft>
                 <a:buNone/>
               </a:pPr>
-              <a:r>
-                <a:t/>
-              </a:r>
               <a:endParaRPr/>
             </a:p>
           </p:txBody>
@@ -7092,7 +7012,7 @@
             </a:xfrm>
             <a:prstGeom prst="diagStripe">
               <a:avLst>
-                <a:gd fmla="val 50000" name="adj"/>
+                <a:gd name="adj" fmla="val 50000"/>
               </a:avLst>
             </a:prstGeom>
             <a:solidFill>
@@ -7105,12 +7025,12 @@
             </a:ln>
           </p:spPr>
           <p:txBody>
-            <a:bodyPr anchorCtr="0" anchor="ctr" bIns="91425" lIns="91425" spcFirstLastPara="1" rIns="91425" wrap="square" tIns="91425">
+            <a:bodyPr spcFirstLastPara="1" wrap="square" lIns="91425" tIns="91425" rIns="91425" bIns="91425" anchor="ctr" anchorCtr="0">
               <a:noAutofit/>
             </a:bodyPr>
             <a:lstStyle/>
             <a:p>
-              <a:pPr indent="0" lvl="0" marL="0" rtl="0" algn="l">
+              <a:pPr marL="0" lvl="0" indent="0" algn="l" rtl="0">
                 <a:spcBef>
                   <a:spcPts val="0"/>
                 </a:spcBef>
@@ -7119,9 +7039,6 @@
                 </a:spcAft>
                 <a:buNone/>
               </a:pPr>
-              <a:r>
-                <a:t/>
-              </a:r>
               <a:endParaRPr/>
             </a:p>
           </p:txBody>
@@ -7130,7 +7047,9 @@
       <p:sp>
         <p:nvSpPr>
           <p:cNvPr id="89" name="Google Shape;89;p8"/>
-          <p:cNvSpPr txBox="1"/>
+          <p:cNvSpPr txBox="1">
+            <a:spLocks noGrp="1"/>
+          </p:cNvSpPr>
           <p:nvPr>
             <p:ph type="title"/>
           </p:nvPr>
@@ -7145,7 +7064,7 @@
           </a:prstGeom>
         </p:spPr>
         <p:txBody>
-          <a:bodyPr anchorCtr="0" anchor="ctr" bIns="91425" lIns="91425" spcFirstLastPara="1" rIns="91425" wrap="square" tIns="91425">
+          <a:bodyPr spcFirstLastPara="1" wrap="square" lIns="91425" tIns="91425" rIns="91425" bIns="91425" anchor="ctr" anchorCtr="0">
             <a:normAutofit/>
           </a:bodyPr>
           <a:lstStyle>
@@ -7249,15 +7168,19 @@
               <a:defRPr/>
             </a:lvl9pPr>
           </a:lstStyle>
-          <a:p/>
+          <a:p>
+            <a:endParaRPr/>
+          </a:p>
         </p:txBody>
       </p:sp>
       <p:sp>
         <p:nvSpPr>
           <p:cNvPr id="90" name="Google Shape;90;p8"/>
-          <p:cNvSpPr txBox="1"/>
+          <p:cNvSpPr txBox="1">
+            <a:spLocks noGrp="1"/>
+          </p:cNvSpPr>
           <p:nvPr>
-            <p:ph idx="12" type="sldNum"/>
+            <p:ph type="sldNum" idx="12"/>
           </p:nvPr>
         </p:nvSpPr>
         <p:spPr>
@@ -7270,7 +7193,7 @@
           </a:prstGeom>
         </p:spPr>
         <p:txBody>
-          <a:bodyPr anchorCtr="0" anchor="ctr" bIns="91425" lIns="91425" spcFirstLastPara="1" rIns="91425" wrap="square" tIns="91425">
+          <a:bodyPr spcFirstLastPara="1" wrap="square" lIns="91425" tIns="91425" rIns="91425" bIns="91425" anchor="ctr" anchorCtr="0">
             <a:normAutofit/>
           </a:bodyPr>
           <a:lstStyle>
@@ -7312,7 +7235,7 @@
             </a:lvl9pPr>
           </a:lstStyle>
           <a:p>
-            <a:pPr indent="0" lvl="0" marL="0" rtl="0" algn="r">
+            <a:pPr marL="0" lvl="0" indent="0" algn="r" rtl="0">
               <a:spcBef>
                 <a:spcPts val="0"/>
               </a:spcBef>
@@ -7338,11 +7261,11 @@
 </file>
 
 <file path=ppt/slideLayouts/slideLayout8.xml><?xml version="1.0" encoding="utf-8"?>
-<p:sldLayout xmlns:a="http://schemas.openxmlformats.org/drawingml/2006/main" xmlns:r="http://schemas.openxmlformats.org/officeDocument/2006/relationships" xmlns:mc="http://schemas.openxmlformats.org/markup-compatibility/2006" xmlns:mv="urn:schemas-microsoft-com:mac:vml" xmlns:p="http://schemas.openxmlformats.org/presentationml/2006/main" xmlns:c="http://schemas.openxmlformats.org/drawingml/2006/chart" xmlns:dgm="http://schemas.openxmlformats.org/drawingml/2006/diagram" xmlns:o="urn:schemas-microsoft-com:office:office" xmlns:v="urn:schemas-microsoft-com:vml" xmlns:pvml="urn:schemas-microsoft-com:office:powerpoint" xmlns:com="http://schemas.openxmlformats.org/drawingml/2006/compatibility" xmlns:p14="http://schemas.microsoft.com/office/powerpoint/2010/main" xmlns:p15="http://schemas.microsoft.com/office/powerpoint/2012/main" xmlns:ahyp="http://schemas.microsoft.com/office/drawing/2018/hyperlinkcolor" matchingName="Section title and description">
+<p:sldLayout xmlns:a="http://schemas.openxmlformats.org/drawingml/2006/main" xmlns:r="http://schemas.openxmlformats.org/officeDocument/2006/relationships" xmlns:p="http://schemas.openxmlformats.org/presentationml/2006/main" matchingName="Section title and description">
   <p:cSld name="SECTION_TITLE_AND_DESCRIPTION">
     <p:spTree>
       <p:nvGrpSpPr>
-        <p:cNvPr id="91" name="Shape 91"/>
+        <p:cNvPr id="1" name="Shape 91"/>
         <p:cNvGrpSpPr/>
         <p:nvPr/>
       </p:nvGrpSpPr>
@@ -7381,7 +7304,7 @@
             </a:xfrm>
             <a:prstGeom prst="diagStripe">
               <a:avLst>
-                <a:gd fmla="val 50000" name="adj"/>
+                <a:gd name="adj" fmla="val 50000"/>
               </a:avLst>
             </a:prstGeom>
             <a:solidFill>
@@ -7392,12 +7315,12 @@
             </a:ln>
           </p:spPr>
           <p:txBody>
-            <a:bodyPr anchorCtr="0" anchor="ctr" bIns="91425" lIns="91425" spcFirstLastPara="1" rIns="91425" wrap="square" tIns="91425">
+            <a:bodyPr spcFirstLastPara="1" wrap="square" lIns="91425" tIns="91425" rIns="91425" bIns="91425" anchor="ctr" anchorCtr="0">
               <a:noAutofit/>
             </a:bodyPr>
             <a:lstStyle/>
             <a:p>
-              <a:pPr indent="0" lvl="0" marL="0" rtl="0" algn="l">
+              <a:pPr marL="0" lvl="0" indent="0" algn="l" rtl="0">
                 <a:spcBef>
                   <a:spcPts val="0"/>
                 </a:spcBef>
@@ -7406,9 +7329,6 @@
                 </a:spcAft>
                 <a:buNone/>
               </a:pPr>
-              <a:r>
-                <a:t/>
-              </a:r>
               <a:endParaRPr/>
             </a:p>
           </p:txBody>
@@ -7426,7 +7346,7 @@
             </a:xfrm>
             <a:prstGeom prst="diagStripe">
               <a:avLst>
-                <a:gd fmla="val 50000" name="adj"/>
+                <a:gd name="adj" fmla="val 50000"/>
               </a:avLst>
             </a:prstGeom>
             <a:solidFill>
@@ -7437,12 +7357,12 @@
             </a:ln>
           </p:spPr>
           <p:txBody>
-            <a:bodyPr anchorCtr="0" anchor="ctr" bIns="91425" lIns="91425" spcFirstLastPara="1" rIns="91425" wrap="square" tIns="91425">
+            <a:bodyPr spcFirstLastPara="1" wrap="square" lIns="91425" tIns="91425" rIns="91425" bIns="91425" anchor="ctr" anchorCtr="0">
               <a:noAutofit/>
             </a:bodyPr>
             <a:lstStyle/>
             <a:p>
-              <a:pPr indent="0" lvl="0" marL="0" rtl="0" algn="l">
+              <a:pPr marL="0" lvl="0" indent="0" algn="l" rtl="0">
                 <a:spcBef>
                   <a:spcPts val="0"/>
                 </a:spcBef>
@@ -7451,9 +7371,6 @@
                 </a:spcAft>
                 <a:buNone/>
               </a:pPr>
-              <a:r>
-                <a:t/>
-              </a:r>
               <a:endParaRPr/>
             </a:p>
           </p:txBody>
@@ -7462,7 +7379,9 @@
       <p:sp>
         <p:nvSpPr>
           <p:cNvPr id="95" name="Google Shape;95;p9"/>
-          <p:cNvSpPr txBox="1"/>
+          <p:cNvSpPr txBox="1">
+            <a:spLocks noGrp="1"/>
+          </p:cNvSpPr>
           <p:nvPr>
             <p:ph type="title"/>
           </p:nvPr>
@@ -7477,7 +7396,7 @@
           </a:prstGeom>
         </p:spPr>
         <p:txBody>
-          <a:bodyPr anchorCtr="0" anchor="t" bIns="91425" lIns="91425" spcFirstLastPara="1" rIns="91425" wrap="square" tIns="91425">
+          <a:bodyPr spcFirstLastPara="1" wrap="square" lIns="91425" tIns="91425" rIns="91425" bIns="91425" anchor="t" anchorCtr="0">
             <a:normAutofit/>
           </a:bodyPr>
           <a:lstStyle>
@@ -7581,15 +7500,19 @@
               <a:defRPr sz="2400"/>
             </a:lvl9pPr>
           </a:lstStyle>
-          <a:p/>
+          <a:p>
+            <a:endParaRPr/>
+          </a:p>
         </p:txBody>
       </p:sp>
       <p:sp>
         <p:nvSpPr>
           <p:cNvPr id="96" name="Google Shape;96;p9"/>
-          <p:cNvSpPr txBox="1"/>
+          <p:cNvSpPr txBox="1">
+            <a:spLocks noGrp="1"/>
+          </p:cNvSpPr>
           <p:nvPr>
-            <p:ph idx="1" type="subTitle"/>
+            <p:ph type="subTitle" idx="1"/>
           </p:nvPr>
         </p:nvSpPr>
         <p:spPr>
@@ -7602,7 +7525,7 @@
           </a:prstGeom>
         </p:spPr>
         <p:txBody>
-          <a:bodyPr anchorCtr="0" anchor="t" bIns="91425" lIns="91425" spcFirstLastPara="1" rIns="91425" wrap="square" tIns="91425">
+          <a:bodyPr spcFirstLastPara="1" wrap="square" lIns="91425" tIns="91425" rIns="91425" bIns="91425" anchor="t" anchorCtr="0">
             <a:normAutofit/>
           </a:bodyPr>
           <a:lstStyle>
@@ -7733,15 +7656,19 @@
               <a:defRPr sz="1300"/>
             </a:lvl9pPr>
           </a:lstStyle>
-          <a:p/>
+          <a:p>
+            <a:endParaRPr/>
+          </a:p>
         </p:txBody>
       </p:sp>
       <p:sp>
         <p:nvSpPr>
           <p:cNvPr id="97" name="Google Shape;97;p9"/>
-          <p:cNvSpPr txBox="1"/>
+          <p:cNvSpPr txBox="1">
+            <a:spLocks noGrp="1"/>
+          </p:cNvSpPr>
           <p:nvPr>
-            <p:ph idx="2" type="body"/>
+            <p:ph type="body" idx="2"/>
           </p:nvPr>
         </p:nvSpPr>
         <p:spPr>
@@ -7754,11 +7681,11 @@
           </a:prstGeom>
         </p:spPr>
         <p:txBody>
-          <a:bodyPr anchorCtr="0" anchor="t" bIns="91425" lIns="91425" spcFirstLastPara="1" rIns="91425" wrap="square" tIns="91425">
+          <a:bodyPr spcFirstLastPara="1" wrap="square" lIns="91425" tIns="91425" rIns="91425" bIns="91425" anchor="t" anchorCtr="0">
             <a:normAutofit/>
           </a:bodyPr>
           <a:lstStyle>
-            <a:lvl1pPr indent="-311150" lvl="0" marL="457200">
+            <a:lvl1pPr marL="457200" lvl="0" indent="-311150">
               <a:spcBef>
                 <a:spcPts val="0"/>
               </a:spcBef>
@@ -7769,7 +7696,7 @@
               <a:buChar char="●"/>
               <a:defRPr/>
             </a:lvl1pPr>
-            <a:lvl2pPr indent="-298450" lvl="1" marL="914400">
+            <a:lvl2pPr marL="914400" lvl="1" indent="-298450">
               <a:spcBef>
                 <a:spcPts val="0"/>
               </a:spcBef>
@@ -7780,7 +7707,7 @@
               <a:buChar char="○"/>
               <a:defRPr/>
             </a:lvl2pPr>
-            <a:lvl3pPr indent="-298450" lvl="2" marL="1371600">
+            <a:lvl3pPr marL="1371600" lvl="2" indent="-298450">
               <a:spcBef>
                 <a:spcPts val="0"/>
               </a:spcBef>
@@ -7791,7 +7718,7 @@
               <a:buChar char="■"/>
               <a:defRPr/>
             </a:lvl3pPr>
-            <a:lvl4pPr indent="-298450" lvl="3" marL="1828800">
+            <a:lvl4pPr marL="1828800" lvl="3" indent="-298450">
               <a:spcBef>
                 <a:spcPts val="0"/>
               </a:spcBef>
@@ -7802,7 +7729,7 @@
               <a:buChar char="●"/>
               <a:defRPr/>
             </a:lvl4pPr>
-            <a:lvl5pPr indent="-298450" lvl="4" marL="2286000">
+            <a:lvl5pPr marL="2286000" lvl="4" indent="-298450">
               <a:spcBef>
                 <a:spcPts val="0"/>
               </a:spcBef>
@@ -7813,7 +7740,7 @@
               <a:buChar char="○"/>
               <a:defRPr/>
             </a:lvl5pPr>
-            <a:lvl6pPr indent="-298450" lvl="5" marL="2743200">
+            <a:lvl6pPr marL="2743200" lvl="5" indent="-298450">
               <a:spcBef>
                 <a:spcPts val="0"/>
               </a:spcBef>
@@ -7824,7 +7751,7 @@
               <a:buChar char="■"/>
               <a:defRPr/>
             </a:lvl6pPr>
-            <a:lvl7pPr indent="-298450" lvl="6" marL="3200400">
+            <a:lvl7pPr marL="3200400" lvl="6" indent="-298450">
               <a:spcBef>
                 <a:spcPts val="0"/>
               </a:spcBef>
@@ -7835,7 +7762,7 @@
               <a:buChar char="●"/>
               <a:defRPr/>
             </a:lvl7pPr>
-            <a:lvl8pPr indent="-298450" lvl="7" marL="3657600">
+            <a:lvl8pPr marL="3657600" lvl="7" indent="-298450">
               <a:spcBef>
                 <a:spcPts val="0"/>
               </a:spcBef>
@@ -7846,7 +7773,7 @@
               <a:buChar char="○"/>
               <a:defRPr/>
             </a:lvl8pPr>
-            <a:lvl9pPr indent="-298450" lvl="8" marL="4114800">
+            <a:lvl9pPr marL="4114800" lvl="8" indent="-298450">
               <a:spcBef>
                 <a:spcPts val="0"/>
               </a:spcBef>
@@ -7858,15 +7785,19 @@
               <a:defRPr/>
             </a:lvl9pPr>
           </a:lstStyle>
-          <a:p/>
+          <a:p>
+            <a:endParaRPr/>
+          </a:p>
         </p:txBody>
       </p:sp>
       <p:sp>
         <p:nvSpPr>
           <p:cNvPr id="98" name="Google Shape;98;p9"/>
-          <p:cNvSpPr txBox="1"/>
+          <p:cNvSpPr txBox="1">
+            <a:spLocks noGrp="1"/>
+          </p:cNvSpPr>
           <p:nvPr>
-            <p:ph idx="12" type="sldNum"/>
+            <p:ph type="sldNum" idx="12"/>
           </p:nvPr>
         </p:nvSpPr>
         <p:spPr>
@@ -7879,7 +7810,7 @@
           </a:prstGeom>
         </p:spPr>
         <p:txBody>
-          <a:bodyPr anchorCtr="0" anchor="ctr" bIns="91425" lIns="91425" spcFirstLastPara="1" rIns="91425" wrap="square" tIns="91425">
+          <a:bodyPr spcFirstLastPara="1" wrap="square" lIns="91425" tIns="91425" rIns="91425" bIns="91425" anchor="ctr" anchorCtr="0">
             <a:normAutofit/>
           </a:bodyPr>
           <a:lstStyle>
@@ -7921,7 +7852,7 @@
             </a:lvl9pPr>
           </a:lstStyle>
           <a:p>
-            <a:pPr indent="0" lvl="0" marL="0" rtl="0" algn="r">
+            <a:pPr marL="0" lvl="0" indent="0" algn="r" rtl="0">
               <a:spcBef>
                 <a:spcPts val="0"/>
               </a:spcBef>
@@ -7947,11 +7878,11 @@
 </file>
 
 <file path=ppt/slideLayouts/slideLayout9.xml><?xml version="1.0" encoding="utf-8"?>
-<p:sldLayout xmlns:a="http://schemas.openxmlformats.org/drawingml/2006/main" xmlns:r="http://schemas.openxmlformats.org/officeDocument/2006/relationships" xmlns:mc="http://schemas.openxmlformats.org/markup-compatibility/2006" xmlns:mv="urn:schemas-microsoft-com:mac:vml" xmlns:p="http://schemas.openxmlformats.org/presentationml/2006/main" xmlns:c="http://schemas.openxmlformats.org/drawingml/2006/chart" xmlns:dgm="http://schemas.openxmlformats.org/drawingml/2006/diagram" xmlns:o="urn:schemas-microsoft-com:office:office" xmlns:v="urn:schemas-microsoft-com:vml" xmlns:pvml="urn:schemas-microsoft-com:office:powerpoint" xmlns:com="http://schemas.openxmlformats.org/drawingml/2006/compatibility" xmlns:p14="http://schemas.microsoft.com/office/powerpoint/2010/main" xmlns:p15="http://schemas.microsoft.com/office/powerpoint/2012/main" xmlns:ahyp="http://schemas.microsoft.com/office/drawing/2018/hyperlinkcolor" matchingName="Caption">
+<p:sldLayout xmlns:a="http://schemas.openxmlformats.org/drawingml/2006/main" xmlns:r="http://schemas.openxmlformats.org/officeDocument/2006/relationships" xmlns:p="http://schemas.openxmlformats.org/presentationml/2006/main" matchingName="Caption">
   <p:cSld name="CAPTION_ONLY">
     <p:spTree>
       <p:nvGrpSpPr>
-        <p:cNvPr id="99" name="Shape 99"/>
+        <p:cNvPr id="1" name="Shape 99"/>
         <p:cNvGrpSpPr/>
         <p:nvPr/>
       </p:nvGrpSpPr>
@@ -7990,7 +7921,7 @@
             </a:xfrm>
             <a:prstGeom prst="diagStripe">
               <a:avLst>
-                <a:gd fmla="val 50000" name="adj"/>
+                <a:gd name="adj" fmla="val 50000"/>
               </a:avLst>
             </a:prstGeom>
             <a:solidFill>
@@ -8003,12 +7934,12 @@
             </a:ln>
           </p:spPr>
           <p:txBody>
-            <a:bodyPr anchorCtr="0" anchor="ctr" bIns="91425" lIns="91425" spcFirstLastPara="1" rIns="91425" wrap="square" tIns="91425">
+            <a:bodyPr spcFirstLastPara="1" wrap="square" lIns="91425" tIns="91425" rIns="91425" bIns="91425" anchor="ctr" anchorCtr="0">
               <a:noAutofit/>
             </a:bodyPr>
             <a:lstStyle/>
             <a:p>
-              <a:pPr indent="0" lvl="0" marL="0" rtl="0" algn="l">
+              <a:pPr marL="0" lvl="0" indent="0" algn="l" rtl="0">
                 <a:spcBef>
                   <a:spcPts val="0"/>
                 </a:spcBef>
@@ -8017,9 +7948,6 @@
                 </a:spcAft>
                 <a:buNone/>
               </a:pPr>
-              <a:r>
-                <a:t/>
-              </a:r>
               <a:endParaRPr/>
             </a:p>
           </p:txBody>
@@ -8037,7 +7965,7 @@
             </a:xfrm>
             <a:prstGeom prst="diagStripe">
               <a:avLst>
-                <a:gd fmla="val 50000" name="adj"/>
+                <a:gd name="adj" fmla="val 50000"/>
               </a:avLst>
             </a:prstGeom>
             <a:solidFill>
@@ -8050,12 +7978,12 @@
             </a:ln>
           </p:spPr>
           <p:txBody>
-            <a:bodyPr anchorCtr="0" anchor="ctr" bIns="91425" lIns="91425" spcFirstLastPara="1" rIns="91425" wrap="square" tIns="91425">
+            <a:bodyPr spcFirstLastPara="1" wrap="square" lIns="91425" tIns="91425" rIns="91425" bIns="91425" anchor="ctr" anchorCtr="0">
               <a:noAutofit/>
             </a:bodyPr>
             <a:lstStyle/>
             <a:p>
-              <a:pPr indent="0" lvl="0" marL="0" rtl="0" algn="l">
+              <a:pPr marL="0" lvl="0" indent="0" algn="l" rtl="0">
                 <a:spcBef>
                   <a:spcPts val="0"/>
                 </a:spcBef>
@@ -8064,9 +7992,6 @@
                 </a:spcAft>
                 <a:buNone/>
               </a:pPr>
-              <a:r>
-                <a:t/>
-              </a:r>
               <a:endParaRPr/>
             </a:p>
           </p:txBody>
@@ -8075,9 +8000,11 @@
       <p:sp>
         <p:nvSpPr>
           <p:cNvPr id="103" name="Google Shape;103;p10"/>
-          <p:cNvSpPr txBox="1"/>
+          <p:cNvSpPr txBox="1">
+            <a:spLocks noGrp="1"/>
+          </p:cNvSpPr>
           <p:nvPr>
-            <p:ph idx="1" type="body"/>
+            <p:ph type="body" idx="1"/>
           </p:nvPr>
         </p:nvSpPr>
         <p:spPr>
@@ -8090,11 +8017,11 @@
           </a:prstGeom>
         </p:spPr>
         <p:txBody>
-          <a:bodyPr anchorCtr="0" anchor="ctr" bIns="91425" lIns="91425" spcFirstLastPara="1" rIns="91425" wrap="square" tIns="91425">
+          <a:bodyPr spcFirstLastPara="1" wrap="square" lIns="91425" tIns="91425" rIns="91425" bIns="91425" anchor="ctr" anchorCtr="0">
             <a:normAutofit/>
           </a:bodyPr>
           <a:lstStyle>
-            <a:lvl1pPr indent="-228600" lvl="0" marL="457200">
+            <a:lvl1pPr marL="457200" lvl="0" indent="-228600">
               <a:lnSpc>
                 <a:spcPct val="100000"/>
               </a:lnSpc>
@@ -8109,15 +8036,19 @@
               <a:defRPr/>
             </a:lvl1pPr>
           </a:lstStyle>
-          <a:p/>
+          <a:p>
+            <a:endParaRPr/>
+          </a:p>
         </p:txBody>
       </p:sp>
       <p:sp>
         <p:nvSpPr>
           <p:cNvPr id="104" name="Google Shape;104;p10"/>
-          <p:cNvSpPr txBox="1"/>
+          <p:cNvSpPr txBox="1">
+            <a:spLocks noGrp="1"/>
+          </p:cNvSpPr>
           <p:nvPr>
-            <p:ph idx="12" type="sldNum"/>
+            <p:ph type="sldNum" idx="12"/>
           </p:nvPr>
         </p:nvSpPr>
         <p:spPr>
@@ -8130,7 +8061,7 @@
           </a:prstGeom>
         </p:spPr>
         <p:txBody>
-          <a:bodyPr anchorCtr="0" anchor="ctr" bIns="91425" lIns="91425" spcFirstLastPara="1" rIns="91425" wrap="square" tIns="91425">
+          <a:bodyPr spcFirstLastPara="1" wrap="square" lIns="91425" tIns="91425" rIns="91425" bIns="91425" anchor="ctr" anchorCtr="0">
             <a:normAutofit/>
           </a:bodyPr>
           <a:lstStyle>
@@ -8172,7 +8103,7 @@
             </a:lvl9pPr>
           </a:lstStyle>
           <a:p>
-            <a:pPr indent="0" lvl="0" marL="0" rtl="0" algn="r">
+            <a:pPr marL="0" lvl="0" indent="0" algn="r" rtl="0">
               <a:spcBef>
                 <a:spcPts val="0"/>
               </a:spcBef>
@@ -8198,18 +8129,19 @@
 </file>
 
 <file path=ppt/slideMasters/slideMaster1.xml><?xml version="1.0" encoding="utf-8"?>
-<p:sldMaster xmlns:a="http://schemas.openxmlformats.org/drawingml/2006/main" xmlns:r="http://schemas.openxmlformats.org/officeDocument/2006/relationships" xmlns:mc="http://schemas.openxmlformats.org/markup-compatibility/2006" xmlns:mv="urn:schemas-microsoft-com:mac:vml" xmlns:p="http://schemas.openxmlformats.org/presentationml/2006/main" xmlns:c="http://schemas.openxmlformats.org/drawingml/2006/chart" xmlns:dgm="http://schemas.openxmlformats.org/drawingml/2006/diagram" xmlns:o="urn:schemas-microsoft-com:office:office" xmlns:v="urn:schemas-microsoft-com:vml" xmlns:pvml="urn:schemas-microsoft-com:office:powerpoint" xmlns:com="http://schemas.openxmlformats.org/drawingml/2006/compatibility" xmlns:p14="http://schemas.microsoft.com/office/powerpoint/2010/main" xmlns:p15="http://schemas.microsoft.com/office/powerpoint/2012/main" xmlns:ahyp="http://schemas.microsoft.com/office/drawing/2018/hyperlinkcolor">
+<p:sldMaster xmlns:a="http://schemas.openxmlformats.org/drawingml/2006/main" xmlns:r="http://schemas.openxmlformats.org/officeDocument/2006/relationships" xmlns:p="http://schemas.openxmlformats.org/presentationml/2006/main">
   <p:cSld name="focus">
     <p:bg>
       <p:bgPr>
         <a:solidFill>
           <a:schemeClr val="dk1"/>
         </a:solidFill>
+        <a:effectLst/>
       </p:bgPr>
     </p:bg>
     <p:spTree>
       <p:nvGrpSpPr>
-        <p:cNvPr id="5" name="Shape 5"/>
+        <p:cNvPr id="1" name="Shape 5"/>
         <p:cNvGrpSpPr/>
         <p:nvPr/>
       </p:nvGrpSpPr>
@@ -8224,7 +8156,9 @@
       <p:sp>
         <p:nvSpPr>
           <p:cNvPr id="6" name="Google Shape;6;p1"/>
-          <p:cNvSpPr txBox="1"/>
+          <p:cNvSpPr txBox="1">
+            <a:spLocks noGrp="1"/>
+          </p:cNvSpPr>
           <p:nvPr>
             <p:ph type="title"/>
           </p:nvPr>
@@ -8243,7 +8177,7 @@
           </a:ln>
         </p:spPr>
         <p:txBody>
-          <a:bodyPr anchorCtr="0" anchor="t" bIns="91425" lIns="91425" spcFirstLastPara="1" rIns="91425" wrap="square" tIns="91425">
+          <a:bodyPr spcFirstLastPara="1" wrap="square" lIns="91425" tIns="91425" rIns="91425" bIns="91425" anchor="t" anchorCtr="0">
             <a:normAutofit/>
           </a:bodyPr>
           <a:lstStyle>
@@ -8455,15 +8389,19 @@
               </a:defRPr>
             </a:lvl9pPr>
           </a:lstStyle>
-          <a:p/>
+          <a:p>
+            <a:endParaRPr/>
+          </a:p>
         </p:txBody>
       </p:sp>
       <p:sp>
         <p:nvSpPr>
           <p:cNvPr id="7" name="Google Shape;7;p1"/>
-          <p:cNvSpPr txBox="1"/>
+          <p:cNvSpPr txBox="1">
+            <a:spLocks noGrp="1"/>
+          </p:cNvSpPr>
           <p:nvPr>
-            <p:ph idx="1" type="body"/>
+            <p:ph type="body" idx="1"/>
           </p:nvPr>
         </p:nvSpPr>
         <p:spPr>
@@ -8480,11 +8418,11 @@
           </a:ln>
         </p:spPr>
         <p:txBody>
-          <a:bodyPr anchorCtr="0" anchor="t" bIns="91425" lIns="91425" spcFirstLastPara="1" rIns="91425" wrap="square" tIns="91425">
+          <a:bodyPr spcFirstLastPara="1" wrap="square" lIns="91425" tIns="91425" rIns="91425" bIns="91425" anchor="t" anchorCtr="0">
             <a:normAutofit/>
           </a:bodyPr>
           <a:lstStyle>
-            <a:lvl1pPr indent="-311150" lvl="0" marL="457200">
+            <a:lvl1pPr marL="457200" lvl="0" indent="-311150">
               <a:lnSpc>
                 <a:spcPct val="115000"/>
               </a:lnSpc>
@@ -8510,7 +8448,7 @@
                 <a:sym typeface="Lato"/>
               </a:defRPr>
             </a:lvl1pPr>
-            <a:lvl2pPr indent="-298450" lvl="1" marL="914400">
+            <a:lvl2pPr marL="914400" lvl="1" indent="-298450">
               <a:lnSpc>
                 <a:spcPct val="115000"/>
               </a:lnSpc>
@@ -8536,7 +8474,7 @@
                 <a:sym typeface="Lato"/>
               </a:defRPr>
             </a:lvl2pPr>
-            <a:lvl3pPr indent="-298450" lvl="2" marL="1371600">
+            <a:lvl3pPr marL="1371600" lvl="2" indent="-298450">
               <a:lnSpc>
                 <a:spcPct val="115000"/>
               </a:lnSpc>
@@ -8562,7 +8500,7 @@
                 <a:sym typeface="Lato"/>
               </a:defRPr>
             </a:lvl3pPr>
-            <a:lvl4pPr indent="-298450" lvl="3" marL="1828800">
+            <a:lvl4pPr marL="1828800" lvl="3" indent="-298450">
               <a:lnSpc>
                 <a:spcPct val="115000"/>
               </a:lnSpc>
@@ -8588,7 +8526,7 @@
                 <a:sym typeface="Lato"/>
               </a:defRPr>
             </a:lvl4pPr>
-            <a:lvl5pPr indent="-298450" lvl="4" marL="2286000">
+            <a:lvl5pPr marL="2286000" lvl="4" indent="-298450">
               <a:lnSpc>
                 <a:spcPct val="115000"/>
               </a:lnSpc>
@@ -8614,7 +8552,7 @@
                 <a:sym typeface="Lato"/>
               </a:defRPr>
             </a:lvl5pPr>
-            <a:lvl6pPr indent="-298450" lvl="5" marL="2743200">
+            <a:lvl6pPr marL="2743200" lvl="5" indent="-298450">
               <a:lnSpc>
                 <a:spcPct val="115000"/>
               </a:lnSpc>
@@ -8640,7 +8578,7 @@
                 <a:sym typeface="Lato"/>
               </a:defRPr>
             </a:lvl6pPr>
-            <a:lvl7pPr indent="-298450" lvl="6" marL="3200400">
+            <a:lvl7pPr marL="3200400" lvl="6" indent="-298450">
               <a:lnSpc>
                 <a:spcPct val="115000"/>
               </a:lnSpc>
@@ -8666,7 +8604,7 @@
                 <a:sym typeface="Lato"/>
               </a:defRPr>
             </a:lvl7pPr>
-            <a:lvl8pPr indent="-298450" lvl="7" marL="3657600">
+            <a:lvl8pPr marL="3657600" lvl="7" indent="-298450">
               <a:lnSpc>
                 <a:spcPct val="115000"/>
               </a:lnSpc>
@@ -8692,7 +8630,7 @@
                 <a:sym typeface="Lato"/>
               </a:defRPr>
             </a:lvl8pPr>
-            <a:lvl9pPr indent="-298450" lvl="8" marL="4114800">
+            <a:lvl9pPr marL="4114800" lvl="8" indent="-298450">
               <a:lnSpc>
                 <a:spcPct val="115000"/>
               </a:lnSpc>
@@ -8719,15 +8657,19 @@
               </a:defRPr>
             </a:lvl9pPr>
           </a:lstStyle>
-          <a:p/>
+          <a:p>
+            <a:endParaRPr/>
+          </a:p>
         </p:txBody>
       </p:sp>
       <p:sp>
         <p:nvSpPr>
           <p:cNvPr id="8" name="Google Shape;8;p1"/>
-          <p:cNvSpPr txBox="1"/>
+          <p:cNvSpPr txBox="1">
+            <a:spLocks noGrp="1"/>
+          </p:cNvSpPr>
           <p:nvPr>
-            <p:ph idx="12" type="sldNum"/>
+            <p:ph type="sldNum" idx="12"/>
           </p:nvPr>
         </p:nvSpPr>
         <p:spPr>
@@ -8744,7 +8686,7 @@
           </a:ln>
         </p:spPr>
         <p:txBody>
-          <a:bodyPr anchorCtr="0" anchor="ctr" bIns="91425" lIns="91425" spcFirstLastPara="1" rIns="91425" wrap="square" tIns="91425">
+          <a:bodyPr spcFirstLastPara="1" wrap="square" lIns="91425" tIns="91425" rIns="91425" bIns="91425" anchor="ctr" anchorCtr="0">
             <a:normAutofit/>
           </a:bodyPr>
           <a:lstStyle>
@@ -8858,7 +8800,7 @@
             </a:lvl9pPr>
           </a:lstStyle>
           <a:p>
-            <a:pPr indent="0" lvl="0" marL="0" rtl="0" algn="r">
+            <a:pPr marL="0" lvl="0" indent="0" algn="r" rtl="0">
               <a:spcBef>
                 <a:spcPts val="0"/>
               </a:spcBef>
@@ -8877,7 +8819,7 @@
       </p:sp>
     </p:spTree>
   </p:cSld>
-  <p:clrMap accent1="accent1" accent2="accent2" accent3="accent3" accent4="accent4" accent5="accent5" accent6="accent6" bg1="lt1" bg2="dk2" tx1="dk1" tx2="lt2" folHlink="folHlink" hlink="hlink"/>
+  <p:clrMap bg1="lt1" tx1="dk1" bg2="dk2" tx2="lt2" accent1="accent1" accent2="accent2" accent3="accent3" accent4="accent4" accent5="accent5" accent6="accent6" hlink="hlink" folHlink="folHlink"/>
   <p:sldLayoutIdLst>
     <p:sldLayoutId id="2147483648" r:id="rId1"/>
     <p:sldLayoutId id="2147483649" r:id="rId2"/>
@@ -8891,10 +8833,10 @@
     <p:sldLayoutId id="2147483657" r:id="rId10"/>
     <p:sldLayoutId id="2147483658" r:id="rId11"/>
   </p:sldLayoutIdLst>
-  <p:hf dt="0" ftr="0" hdr="0" sldNum="0"/>
+  <p:hf sldNum="0" hdr="0" ftr="0" dt="0"/>
   <p:txStyles>
     <p:titleStyle>
-      <a:defPPr lvl="0" marR="0" rtl="0" algn="l">
+      <a:defPPr marR="0" lvl="0" algn="l" rtl="0">
         <a:lnSpc>
           <a:spcPct val="100000"/>
         </a:lnSpc>
@@ -8905,7 +8847,7 @@
           <a:spcPts val="0"/>
         </a:spcAft>
       </a:defPPr>
-      <a:lvl1pPr lvl="0" marR="0" rtl="0" algn="l">
+      <a:lvl1pPr marR="0" lvl="0" algn="l" rtl="0">
         <a:lnSpc>
           <a:spcPct val="100000"/>
         </a:lnSpc>
@@ -8919,7 +8861,7 @@
           <a:srgbClr val="000000"/>
         </a:buClr>
         <a:buFont typeface="Arial"/>
-        <a:defRPr b="0" i="0" sz="1400" u="none" cap="none" strike="noStrike">
+        <a:defRPr sz="1400" b="0" i="0" u="none" strike="noStrike" cap="none">
           <a:solidFill>
             <a:srgbClr val="000000"/>
           </a:solidFill>
@@ -8929,7 +8871,7 @@
           <a:sym typeface="Arial"/>
         </a:defRPr>
       </a:lvl1pPr>
-      <a:lvl2pPr lvl="1" marR="0" rtl="0" algn="l">
+      <a:lvl2pPr marR="0" lvl="1" algn="l" rtl="0">
         <a:lnSpc>
           <a:spcPct val="100000"/>
         </a:lnSpc>
@@ -8943,7 +8885,7 @@
           <a:srgbClr val="000000"/>
         </a:buClr>
         <a:buFont typeface="Arial"/>
-        <a:defRPr b="0" i="0" sz="1400" u="none" cap="none" strike="noStrike">
+        <a:defRPr sz="1400" b="0" i="0" u="none" strike="noStrike" cap="none">
           <a:solidFill>
             <a:srgbClr val="000000"/>
           </a:solidFill>
@@ -8953,7 +8895,7 @@
           <a:sym typeface="Arial"/>
         </a:defRPr>
       </a:lvl2pPr>
-      <a:lvl3pPr lvl="2" marR="0" rtl="0" algn="l">
+      <a:lvl3pPr marR="0" lvl="2" algn="l" rtl="0">
         <a:lnSpc>
           <a:spcPct val="100000"/>
         </a:lnSpc>
@@ -8967,7 +8909,7 @@
           <a:srgbClr val="000000"/>
         </a:buClr>
         <a:buFont typeface="Arial"/>
-        <a:defRPr b="0" i="0" sz="1400" u="none" cap="none" strike="noStrike">
+        <a:defRPr sz="1400" b="0" i="0" u="none" strike="noStrike" cap="none">
           <a:solidFill>
             <a:srgbClr val="000000"/>
           </a:solidFill>
@@ -8977,7 +8919,7 @@
           <a:sym typeface="Arial"/>
         </a:defRPr>
       </a:lvl3pPr>
-      <a:lvl4pPr lvl="3" marR="0" rtl="0" algn="l">
+      <a:lvl4pPr marR="0" lvl="3" algn="l" rtl="0">
         <a:lnSpc>
           <a:spcPct val="100000"/>
         </a:lnSpc>
@@ -8991,7 +8933,7 @@
           <a:srgbClr val="000000"/>
         </a:buClr>
         <a:buFont typeface="Arial"/>
-        <a:defRPr b="0" i="0" sz="1400" u="none" cap="none" strike="noStrike">
+        <a:defRPr sz="1400" b="0" i="0" u="none" strike="noStrike" cap="none">
           <a:solidFill>
             <a:srgbClr val="000000"/>
           </a:solidFill>
@@ -9001,7 +8943,7 @@
           <a:sym typeface="Arial"/>
         </a:defRPr>
       </a:lvl4pPr>
-      <a:lvl5pPr lvl="4" marR="0" rtl="0" algn="l">
+      <a:lvl5pPr marR="0" lvl="4" algn="l" rtl="0">
         <a:lnSpc>
           <a:spcPct val="100000"/>
         </a:lnSpc>
@@ -9015,7 +8957,7 @@
           <a:srgbClr val="000000"/>
         </a:buClr>
         <a:buFont typeface="Arial"/>
-        <a:defRPr b="0" i="0" sz="1400" u="none" cap="none" strike="noStrike">
+        <a:defRPr sz="1400" b="0" i="0" u="none" strike="noStrike" cap="none">
           <a:solidFill>
             <a:srgbClr val="000000"/>
           </a:solidFill>
@@ -9025,7 +8967,7 @@
           <a:sym typeface="Arial"/>
         </a:defRPr>
       </a:lvl5pPr>
-      <a:lvl6pPr lvl="5" marR="0" rtl="0" algn="l">
+      <a:lvl6pPr marR="0" lvl="5" algn="l" rtl="0">
         <a:lnSpc>
           <a:spcPct val="100000"/>
         </a:lnSpc>
@@ -9039,7 +8981,7 @@
           <a:srgbClr val="000000"/>
         </a:buClr>
         <a:buFont typeface="Arial"/>
-        <a:defRPr b="0" i="0" sz="1400" u="none" cap="none" strike="noStrike">
+        <a:defRPr sz="1400" b="0" i="0" u="none" strike="noStrike" cap="none">
           <a:solidFill>
             <a:srgbClr val="000000"/>
           </a:solidFill>
@@ -9049,7 +8991,7 @@
           <a:sym typeface="Arial"/>
         </a:defRPr>
       </a:lvl6pPr>
-      <a:lvl7pPr lvl="6" marR="0" rtl="0" algn="l">
+      <a:lvl7pPr marR="0" lvl="6" algn="l" rtl="0">
         <a:lnSpc>
           <a:spcPct val="100000"/>
         </a:lnSpc>
@@ -9063,7 +9005,7 @@
           <a:srgbClr val="000000"/>
         </a:buClr>
         <a:buFont typeface="Arial"/>
-        <a:defRPr b="0" i="0" sz="1400" u="none" cap="none" strike="noStrike">
+        <a:defRPr sz="1400" b="0" i="0" u="none" strike="noStrike" cap="none">
           <a:solidFill>
             <a:srgbClr val="000000"/>
           </a:solidFill>
@@ -9073,7 +9015,7 @@
           <a:sym typeface="Arial"/>
         </a:defRPr>
       </a:lvl7pPr>
-      <a:lvl8pPr lvl="7" marR="0" rtl="0" algn="l">
+      <a:lvl8pPr marR="0" lvl="7" algn="l" rtl="0">
         <a:lnSpc>
           <a:spcPct val="100000"/>
         </a:lnSpc>
@@ -9087,7 +9029,7 @@
           <a:srgbClr val="000000"/>
         </a:buClr>
         <a:buFont typeface="Arial"/>
-        <a:defRPr b="0" i="0" sz="1400" u="none" cap="none" strike="noStrike">
+        <a:defRPr sz="1400" b="0" i="0" u="none" strike="noStrike" cap="none">
           <a:solidFill>
             <a:srgbClr val="000000"/>
           </a:solidFill>
@@ -9097,7 +9039,7 @@
           <a:sym typeface="Arial"/>
         </a:defRPr>
       </a:lvl8pPr>
-      <a:lvl9pPr lvl="8" marR="0" rtl="0" algn="l">
+      <a:lvl9pPr marR="0" lvl="8" algn="l" rtl="0">
         <a:lnSpc>
           <a:spcPct val="100000"/>
         </a:lnSpc>
@@ -9111,7 +9053,7 @@
           <a:srgbClr val="000000"/>
         </a:buClr>
         <a:buFont typeface="Arial"/>
-        <a:defRPr b="0" i="0" sz="1400" u="none" cap="none" strike="noStrike">
+        <a:defRPr sz="1400" b="0" i="0" u="none" strike="noStrike" cap="none">
           <a:solidFill>
             <a:srgbClr val="000000"/>
           </a:solidFill>
@@ -9123,7 +9065,7 @@
       </a:lvl9pPr>
     </p:titleStyle>
     <p:bodyStyle>
-      <a:defPPr lvl="0" marR="0" rtl="0" algn="l">
+      <a:defPPr marR="0" lvl="0" algn="l" rtl="0">
         <a:lnSpc>
           <a:spcPct val="100000"/>
         </a:lnSpc>
@@ -9134,7 +9076,7 @@
           <a:spcPts val="0"/>
         </a:spcAft>
       </a:defPPr>
-      <a:lvl1pPr lvl="0" marR="0" rtl="0" algn="l">
+      <a:lvl1pPr marR="0" lvl="0" algn="l" rtl="0">
         <a:lnSpc>
           <a:spcPct val="100000"/>
         </a:lnSpc>
@@ -9148,7 +9090,7 @@
           <a:srgbClr val="000000"/>
         </a:buClr>
         <a:buFont typeface="Arial"/>
-        <a:defRPr b="0" i="0" sz="1400" u="none" cap="none" strike="noStrike">
+        <a:defRPr sz="1400" b="0" i="0" u="none" strike="noStrike" cap="none">
           <a:solidFill>
             <a:srgbClr val="000000"/>
           </a:solidFill>
@@ -9158,7 +9100,7 @@
           <a:sym typeface="Arial"/>
         </a:defRPr>
       </a:lvl1pPr>
-      <a:lvl2pPr lvl="1" marR="0" rtl="0" algn="l">
+      <a:lvl2pPr marR="0" lvl="1" algn="l" rtl="0">
         <a:lnSpc>
           <a:spcPct val="100000"/>
         </a:lnSpc>
@@ -9172,7 +9114,7 @@
           <a:srgbClr val="000000"/>
         </a:buClr>
         <a:buFont typeface="Arial"/>
-        <a:defRPr b="0" i="0" sz="1400" u="none" cap="none" strike="noStrike">
+        <a:defRPr sz="1400" b="0" i="0" u="none" strike="noStrike" cap="none">
           <a:solidFill>
             <a:srgbClr val="000000"/>
           </a:solidFill>
@@ -9182,7 +9124,7 @@
           <a:sym typeface="Arial"/>
         </a:defRPr>
       </a:lvl2pPr>
-      <a:lvl3pPr lvl="2" marR="0" rtl="0" algn="l">
+      <a:lvl3pPr marR="0" lvl="2" algn="l" rtl="0">
         <a:lnSpc>
           <a:spcPct val="100000"/>
         </a:lnSpc>
@@ -9196,7 +9138,7 @@
           <a:srgbClr val="000000"/>
         </a:buClr>
         <a:buFont typeface="Arial"/>
-        <a:defRPr b="0" i="0" sz="1400" u="none" cap="none" strike="noStrike">
+        <a:defRPr sz="1400" b="0" i="0" u="none" strike="noStrike" cap="none">
           <a:solidFill>
             <a:srgbClr val="000000"/>
           </a:solidFill>
@@ -9206,7 +9148,7 @@
           <a:sym typeface="Arial"/>
         </a:defRPr>
       </a:lvl3pPr>
-      <a:lvl4pPr lvl="3" marR="0" rtl="0" algn="l">
+      <a:lvl4pPr marR="0" lvl="3" algn="l" rtl="0">
         <a:lnSpc>
           <a:spcPct val="100000"/>
         </a:lnSpc>
@@ -9220,7 +9162,7 @@
           <a:srgbClr val="000000"/>
         </a:buClr>
         <a:buFont typeface="Arial"/>
-        <a:defRPr b="0" i="0" sz="1400" u="none" cap="none" strike="noStrike">
+        <a:defRPr sz="1400" b="0" i="0" u="none" strike="noStrike" cap="none">
           <a:solidFill>
             <a:srgbClr val="000000"/>
           </a:solidFill>
@@ -9230,7 +9172,7 @@
           <a:sym typeface="Arial"/>
         </a:defRPr>
       </a:lvl4pPr>
-      <a:lvl5pPr lvl="4" marR="0" rtl="0" algn="l">
+      <a:lvl5pPr marR="0" lvl="4" algn="l" rtl="0">
         <a:lnSpc>
           <a:spcPct val="100000"/>
         </a:lnSpc>
@@ -9244,7 +9186,7 @@
           <a:srgbClr val="000000"/>
         </a:buClr>
         <a:buFont typeface="Arial"/>
-        <a:defRPr b="0" i="0" sz="1400" u="none" cap="none" strike="noStrike">
+        <a:defRPr sz="1400" b="0" i="0" u="none" strike="noStrike" cap="none">
           <a:solidFill>
             <a:srgbClr val="000000"/>
           </a:solidFill>
@@ -9254,7 +9196,7 @@
           <a:sym typeface="Arial"/>
         </a:defRPr>
       </a:lvl5pPr>
-      <a:lvl6pPr lvl="5" marR="0" rtl="0" algn="l">
+      <a:lvl6pPr marR="0" lvl="5" algn="l" rtl="0">
         <a:lnSpc>
           <a:spcPct val="100000"/>
         </a:lnSpc>
@@ -9268,7 +9210,7 @@
           <a:srgbClr val="000000"/>
         </a:buClr>
         <a:buFont typeface="Arial"/>
-        <a:defRPr b="0" i="0" sz="1400" u="none" cap="none" strike="noStrike">
+        <a:defRPr sz="1400" b="0" i="0" u="none" strike="noStrike" cap="none">
           <a:solidFill>
             <a:srgbClr val="000000"/>
           </a:solidFill>
@@ -9278,7 +9220,7 @@
           <a:sym typeface="Arial"/>
         </a:defRPr>
       </a:lvl6pPr>
-      <a:lvl7pPr lvl="6" marR="0" rtl="0" algn="l">
+      <a:lvl7pPr marR="0" lvl="6" algn="l" rtl="0">
         <a:lnSpc>
           <a:spcPct val="100000"/>
         </a:lnSpc>
@@ -9292,7 +9234,7 @@
           <a:srgbClr val="000000"/>
         </a:buClr>
         <a:buFont typeface="Arial"/>
-        <a:defRPr b="0" i="0" sz="1400" u="none" cap="none" strike="noStrike">
+        <a:defRPr sz="1400" b="0" i="0" u="none" strike="noStrike" cap="none">
           <a:solidFill>
             <a:srgbClr val="000000"/>
           </a:solidFill>
@@ -9302,7 +9244,7 @@
           <a:sym typeface="Arial"/>
         </a:defRPr>
       </a:lvl7pPr>
-      <a:lvl8pPr lvl="7" marR="0" rtl="0" algn="l">
+      <a:lvl8pPr marR="0" lvl="7" algn="l" rtl="0">
         <a:lnSpc>
           <a:spcPct val="100000"/>
         </a:lnSpc>
@@ -9316,7 +9258,7 @@
           <a:srgbClr val="000000"/>
         </a:buClr>
         <a:buFont typeface="Arial"/>
-        <a:defRPr b="0" i="0" sz="1400" u="none" cap="none" strike="noStrike">
+        <a:defRPr sz="1400" b="0" i="0" u="none" strike="noStrike" cap="none">
           <a:solidFill>
             <a:srgbClr val="000000"/>
           </a:solidFill>
@@ -9326,7 +9268,7 @@
           <a:sym typeface="Arial"/>
         </a:defRPr>
       </a:lvl8pPr>
-      <a:lvl9pPr lvl="8" marR="0" rtl="0" algn="l">
+      <a:lvl9pPr marR="0" lvl="8" algn="l" rtl="0">
         <a:lnSpc>
           <a:spcPct val="100000"/>
         </a:lnSpc>
@@ -9340,7 +9282,7 @@
           <a:srgbClr val="000000"/>
         </a:buClr>
         <a:buFont typeface="Arial"/>
-        <a:defRPr b="0" i="0" sz="1400" u="none" cap="none" strike="noStrike">
+        <a:defRPr sz="1400" b="0" i="0" u="none" strike="noStrike" cap="none">
           <a:solidFill>
             <a:srgbClr val="000000"/>
           </a:solidFill>
@@ -9352,7 +9294,7 @@
       </a:lvl9pPr>
     </p:bodyStyle>
     <p:otherStyle>
-      <a:defPPr lvl="0" marR="0" rtl="0" algn="l">
+      <a:defPPr marR="0" lvl="0" algn="l" rtl="0">
         <a:lnSpc>
           <a:spcPct val="100000"/>
         </a:lnSpc>
@@ -9363,7 +9305,7 @@
           <a:spcPts val="0"/>
         </a:spcAft>
       </a:defPPr>
-      <a:lvl1pPr lvl="0" marR="0" rtl="0" algn="l">
+      <a:lvl1pPr marR="0" lvl="0" algn="l" rtl="0">
         <a:lnSpc>
           <a:spcPct val="100000"/>
         </a:lnSpc>
@@ -9377,7 +9319,7 @@
           <a:srgbClr val="000000"/>
         </a:buClr>
         <a:buFont typeface="Arial"/>
-        <a:defRPr b="0" i="0" sz="1400" u="none" cap="none" strike="noStrike">
+        <a:defRPr sz="1400" b="0" i="0" u="none" strike="noStrike" cap="none">
           <a:solidFill>
             <a:srgbClr val="000000"/>
           </a:solidFill>
@@ -9387,7 +9329,7 @@
           <a:sym typeface="Arial"/>
         </a:defRPr>
       </a:lvl1pPr>
-      <a:lvl2pPr lvl="1" marR="0" rtl="0" algn="l">
+      <a:lvl2pPr marR="0" lvl="1" algn="l" rtl="0">
         <a:lnSpc>
           <a:spcPct val="100000"/>
         </a:lnSpc>
@@ -9401,7 +9343,7 @@
           <a:srgbClr val="000000"/>
         </a:buClr>
         <a:buFont typeface="Arial"/>
-        <a:defRPr b="0" i="0" sz="1400" u="none" cap="none" strike="noStrike">
+        <a:defRPr sz="1400" b="0" i="0" u="none" strike="noStrike" cap="none">
           <a:solidFill>
             <a:srgbClr val="000000"/>
           </a:solidFill>
@@ -9411,7 +9353,7 @@
           <a:sym typeface="Arial"/>
         </a:defRPr>
       </a:lvl2pPr>
-      <a:lvl3pPr lvl="2" marR="0" rtl="0" algn="l">
+      <a:lvl3pPr marR="0" lvl="2" algn="l" rtl="0">
         <a:lnSpc>
           <a:spcPct val="100000"/>
         </a:lnSpc>
@@ -9425,7 +9367,7 @@
           <a:srgbClr val="000000"/>
         </a:buClr>
         <a:buFont typeface="Arial"/>
-        <a:defRPr b="0" i="0" sz="1400" u="none" cap="none" strike="noStrike">
+        <a:defRPr sz="1400" b="0" i="0" u="none" strike="noStrike" cap="none">
           <a:solidFill>
             <a:srgbClr val="000000"/>
           </a:solidFill>
@@ -9435,7 +9377,7 @@
           <a:sym typeface="Arial"/>
         </a:defRPr>
       </a:lvl3pPr>
-      <a:lvl4pPr lvl="3" marR="0" rtl="0" algn="l">
+      <a:lvl4pPr marR="0" lvl="3" algn="l" rtl="0">
         <a:lnSpc>
           <a:spcPct val="100000"/>
         </a:lnSpc>
@@ -9449,7 +9391,7 @@
           <a:srgbClr val="000000"/>
         </a:buClr>
         <a:buFont typeface="Arial"/>
-        <a:defRPr b="0" i="0" sz="1400" u="none" cap="none" strike="noStrike">
+        <a:defRPr sz="1400" b="0" i="0" u="none" strike="noStrike" cap="none">
           <a:solidFill>
             <a:srgbClr val="000000"/>
           </a:solidFill>
@@ -9459,7 +9401,7 @@
           <a:sym typeface="Arial"/>
         </a:defRPr>
       </a:lvl4pPr>
-      <a:lvl5pPr lvl="4" marR="0" rtl="0" algn="l">
+      <a:lvl5pPr marR="0" lvl="4" algn="l" rtl="0">
         <a:lnSpc>
           <a:spcPct val="100000"/>
         </a:lnSpc>
@@ -9473,7 +9415,7 @@
           <a:srgbClr val="000000"/>
         </a:buClr>
         <a:buFont typeface="Arial"/>
-        <a:defRPr b="0" i="0" sz="1400" u="none" cap="none" strike="noStrike">
+        <a:defRPr sz="1400" b="0" i="0" u="none" strike="noStrike" cap="none">
           <a:solidFill>
             <a:srgbClr val="000000"/>
           </a:solidFill>
@@ -9483,7 +9425,7 @@
           <a:sym typeface="Arial"/>
         </a:defRPr>
       </a:lvl5pPr>
-      <a:lvl6pPr lvl="5" marR="0" rtl="0" algn="l">
+      <a:lvl6pPr marR="0" lvl="5" algn="l" rtl="0">
         <a:lnSpc>
           <a:spcPct val="100000"/>
         </a:lnSpc>
@@ -9497,7 +9439,7 @@
           <a:srgbClr val="000000"/>
         </a:buClr>
         <a:buFont typeface="Arial"/>
-        <a:defRPr b="0" i="0" sz="1400" u="none" cap="none" strike="noStrike">
+        <a:defRPr sz="1400" b="0" i="0" u="none" strike="noStrike" cap="none">
           <a:solidFill>
             <a:srgbClr val="000000"/>
           </a:solidFill>
@@ -9507,7 +9449,7 @@
           <a:sym typeface="Arial"/>
         </a:defRPr>
       </a:lvl6pPr>
-      <a:lvl7pPr lvl="6" marR="0" rtl="0" algn="l">
+      <a:lvl7pPr marR="0" lvl="6" algn="l" rtl="0">
         <a:lnSpc>
           <a:spcPct val="100000"/>
         </a:lnSpc>
@@ -9521,7 +9463,7 @@
           <a:srgbClr val="000000"/>
         </a:buClr>
         <a:buFont typeface="Arial"/>
-        <a:defRPr b="0" i="0" sz="1400" u="none" cap="none" strike="noStrike">
+        <a:defRPr sz="1400" b="0" i="0" u="none" strike="noStrike" cap="none">
           <a:solidFill>
             <a:srgbClr val="000000"/>
           </a:solidFill>
@@ -9531,7 +9473,7 @@
           <a:sym typeface="Arial"/>
         </a:defRPr>
       </a:lvl7pPr>
-      <a:lvl8pPr lvl="7" marR="0" rtl="0" algn="l">
+      <a:lvl8pPr marR="0" lvl="7" algn="l" rtl="0">
         <a:lnSpc>
           <a:spcPct val="100000"/>
         </a:lnSpc>
@@ -9545,7 +9487,7 @@
           <a:srgbClr val="000000"/>
         </a:buClr>
         <a:buFont typeface="Arial"/>
-        <a:defRPr b="0" i="0" sz="1400" u="none" cap="none" strike="noStrike">
+        <a:defRPr sz="1400" b="0" i="0" u="none" strike="noStrike" cap="none">
           <a:solidFill>
             <a:srgbClr val="000000"/>
           </a:solidFill>
@@ -9555,7 +9497,7 @@
           <a:sym typeface="Arial"/>
         </a:defRPr>
       </a:lvl8pPr>
-      <a:lvl9pPr lvl="8" marR="0" rtl="0" algn="l">
+      <a:lvl9pPr marR="0" lvl="8" algn="l" rtl="0">
         <a:lnSpc>
           <a:spcPct val="100000"/>
         </a:lnSpc>
@@ -9569,7 +9511,7 @@
           <a:srgbClr val="000000"/>
         </a:buClr>
         <a:buFont typeface="Arial"/>
-        <a:defRPr b="0" i="0" sz="1400" u="none" cap="none" strike="noStrike">
+        <a:defRPr sz="1400" b="0" i="0" u="none" strike="noStrike" cap="none">
           <a:solidFill>
             <a:srgbClr val="000000"/>
           </a:solidFill>
@@ -9585,11 +9527,11 @@
 </file>
 
 <file path=ppt/slides/slide1.xml><?xml version="1.0" encoding="utf-8"?>
-<p:sld xmlns:a="http://schemas.openxmlformats.org/drawingml/2006/main" xmlns:r="http://schemas.openxmlformats.org/officeDocument/2006/relationships" xmlns:mc="http://schemas.openxmlformats.org/markup-compatibility/2006" xmlns:mv="urn:schemas-microsoft-com:mac:vml" xmlns:p="http://schemas.openxmlformats.org/presentationml/2006/main" xmlns:c="http://schemas.openxmlformats.org/drawingml/2006/chart" xmlns:dgm="http://schemas.openxmlformats.org/drawingml/2006/diagram" xmlns:o="urn:schemas-microsoft-com:office:office" xmlns:v="urn:schemas-microsoft-com:vml" xmlns:pvml="urn:schemas-microsoft-com:office:powerpoint" xmlns:com="http://schemas.openxmlformats.org/drawingml/2006/compatibility" xmlns:p14="http://schemas.microsoft.com/office/powerpoint/2010/main" xmlns:p15="http://schemas.microsoft.com/office/powerpoint/2012/main" xmlns:ahyp="http://schemas.microsoft.com/office/drawing/2018/hyperlinkcolor">
+<p:sld xmlns:a="http://schemas.openxmlformats.org/drawingml/2006/main" xmlns:r="http://schemas.openxmlformats.org/officeDocument/2006/relationships" xmlns:p="http://schemas.openxmlformats.org/presentationml/2006/main">
   <p:cSld>
     <p:spTree>
       <p:nvGrpSpPr>
-        <p:cNvPr id="133" name="Shape 133"/>
+        <p:cNvPr id="1" name="Shape 133"/>
         <p:cNvGrpSpPr/>
         <p:nvPr/>
       </p:nvGrpSpPr>
@@ -9604,27 +9546,29 @@
       <p:sp>
         <p:nvSpPr>
           <p:cNvPr id="134" name="Google Shape;134;p13"/>
-          <p:cNvSpPr txBox="1"/>
+          <p:cNvSpPr txBox="1">
+            <a:spLocks noGrp="1"/>
+          </p:cNvSpPr>
           <p:nvPr>
             <p:ph type="ctrTitle"/>
           </p:nvPr>
         </p:nvSpPr>
         <p:spPr>
           <a:xfrm>
-            <a:off x="3537150" y="1578400"/>
-            <a:ext cx="5017500" cy="1578900"/>
+            <a:off x="3244954" y="1681527"/>
+            <a:ext cx="3159283" cy="821041"/>
           </a:xfrm>
           <a:prstGeom prst="rect">
             <a:avLst/>
           </a:prstGeom>
         </p:spPr>
         <p:txBody>
-          <a:bodyPr anchorCtr="0" anchor="t" bIns="91425" lIns="91425" spcFirstLastPara="1" rIns="91425" wrap="square" tIns="91425">
-            <a:normAutofit/>
+          <a:bodyPr spcFirstLastPara="1" wrap="square" lIns="91425" tIns="91425" rIns="91425" bIns="91425" anchor="t" anchorCtr="0">
+            <a:normAutofit fontScale="90000"/>
           </a:bodyPr>
           <a:lstStyle/>
           <a:p>
-            <a:pPr indent="0" lvl="0" marL="0" rtl="0" algn="l">
+            <a:pPr marL="0" lvl="0" indent="0" rtl="0">
               <a:spcBef>
                 <a:spcPts val="0"/>
               </a:spcBef>
@@ -9634,37 +9578,45 @@
               <a:buNone/>
             </a:pPr>
             <a:r>
-              <a:rPr lang="ru"/>
+              <a:rPr lang="ru" sz="4800" dirty="0">
+                <a:latin typeface="Times New Roman" panose="02020603050405020304" pitchFamily="18" charset="0"/>
+                <a:cs typeface="Times New Roman" panose="02020603050405020304" pitchFamily="18" charset="0"/>
+              </a:rPr>
               <a:t>Fish Hunter</a:t>
             </a:r>
-            <a:endParaRPr/>
+            <a:endParaRPr sz="4800" dirty="0">
+              <a:latin typeface="Times New Roman" panose="02020603050405020304" pitchFamily="18" charset="0"/>
+              <a:cs typeface="Times New Roman" panose="02020603050405020304" pitchFamily="18" charset="0"/>
+            </a:endParaRPr>
           </a:p>
         </p:txBody>
       </p:sp>
       <p:sp>
         <p:nvSpPr>
           <p:cNvPr id="135" name="Google Shape;135;p13"/>
-          <p:cNvSpPr txBox="1"/>
+          <p:cNvSpPr txBox="1">
+            <a:spLocks noGrp="1"/>
+          </p:cNvSpPr>
           <p:nvPr>
-            <p:ph idx="1" type="subTitle"/>
+            <p:ph type="subTitle" idx="1"/>
           </p:nvPr>
         </p:nvSpPr>
         <p:spPr>
           <a:xfrm>
-            <a:off x="5083950" y="3924925"/>
-            <a:ext cx="3470700" cy="506100"/>
+            <a:off x="5830158" y="3535437"/>
+            <a:ext cx="2564446" cy="1050314"/>
           </a:xfrm>
           <a:prstGeom prst="rect">
             <a:avLst/>
           </a:prstGeom>
         </p:spPr>
         <p:txBody>
-          <a:bodyPr anchorCtr="0" anchor="t" bIns="91425" lIns="91425" spcFirstLastPara="1" rIns="91425" wrap="square" tIns="91425">
-            <a:normAutofit lnSpcReduction="20000"/>
+          <a:bodyPr spcFirstLastPara="1" wrap="square" lIns="91425" tIns="91425" rIns="91425" bIns="91425" anchor="t" anchorCtr="0">
+            <a:noAutofit/>
           </a:bodyPr>
           <a:lstStyle/>
           <a:p>
-            <a:pPr indent="0" lvl="0" marL="0" rtl="0" algn="l">
+            <a:pPr marL="0" lvl="0" indent="0" algn="r" rtl="0">
               <a:spcBef>
                 <a:spcPts val="0"/>
               </a:spcBef>
@@ -9674,13 +9626,26 @@
               <a:buNone/>
             </a:pPr>
             <a:r>
-              <a:rPr lang="ru"/>
-              <a:t>Авторы: Шпаковский Вячеслав</a:t>
+              <a:rPr lang="ru" sz="1800" dirty="0">
+                <a:latin typeface="Times New Roman" panose="02020603050405020304" pitchFamily="18" charset="0"/>
+                <a:cs typeface="Times New Roman" panose="02020603050405020304" pitchFamily="18" charset="0"/>
+              </a:rPr>
+              <a:t>Авторы</a:t>
             </a:r>
-            <a:endParaRPr/>
+            <a:r>
+              <a:rPr lang="ru" sz="1800" dirty="0" smtClean="0">
+                <a:latin typeface="Times New Roman" panose="02020603050405020304" pitchFamily="18" charset="0"/>
+                <a:cs typeface="Times New Roman" panose="02020603050405020304" pitchFamily="18" charset="0"/>
+              </a:rPr>
+              <a:t>:</a:t>
+            </a:r>
+            <a:endParaRPr lang="en-US" sz="1800" dirty="0" smtClean="0">
+              <a:latin typeface="Times New Roman" panose="02020603050405020304" pitchFamily="18" charset="0"/>
+              <a:cs typeface="Times New Roman" panose="02020603050405020304" pitchFamily="18" charset="0"/>
+            </a:endParaRPr>
           </a:p>
           <a:p>
-            <a:pPr indent="0" lvl="0" marL="0" rtl="0" algn="l">
+            <a:pPr marL="0" lvl="0" indent="0" algn="r" rtl="0">
               <a:spcBef>
                 <a:spcPts val="0"/>
               </a:spcBef>
@@ -9690,10 +9655,37 @@
               <a:buNone/>
             </a:pPr>
             <a:r>
-              <a:rPr lang="ru"/>
-              <a:t> и Мажоров Арсений</a:t>
+              <a:rPr lang="ru" sz="1800" dirty="0" smtClean="0">
+                <a:latin typeface="Times New Roman" panose="02020603050405020304" pitchFamily="18" charset="0"/>
+                <a:cs typeface="Times New Roman" panose="02020603050405020304" pitchFamily="18" charset="0"/>
+              </a:rPr>
+              <a:t>Шпаковский Вячеслав</a:t>
             </a:r>
-            <a:endParaRPr/>
+            <a:r>
+              <a:rPr lang="en-US" sz="1800" dirty="0" smtClean="0">
+                <a:latin typeface="Times New Roman" panose="02020603050405020304" pitchFamily="18" charset="0"/>
+                <a:cs typeface="Times New Roman" panose="02020603050405020304" pitchFamily="18" charset="0"/>
+              </a:rPr>
+              <a:t> </a:t>
+            </a:r>
+            <a:r>
+              <a:rPr lang="ru" sz="1800" dirty="0" smtClean="0">
+                <a:latin typeface="Times New Roman" panose="02020603050405020304" pitchFamily="18" charset="0"/>
+                <a:cs typeface="Times New Roman" panose="02020603050405020304" pitchFamily="18" charset="0"/>
+              </a:rPr>
+              <a:t>Мажоров </a:t>
+            </a:r>
+            <a:r>
+              <a:rPr lang="ru" sz="1800" dirty="0">
+                <a:latin typeface="Times New Roman" panose="02020603050405020304" pitchFamily="18" charset="0"/>
+                <a:cs typeface="Times New Roman" panose="02020603050405020304" pitchFamily="18" charset="0"/>
+              </a:rPr>
+              <a:t>Арсений</a:t>
+            </a:r>
+            <a:endParaRPr sz="1800" dirty="0">
+              <a:latin typeface="Times New Roman" panose="02020603050405020304" pitchFamily="18" charset="0"/>
+              <a:cs typeface="Times New Roman" panose="02020603050405020304" pitchFamily="18" charset="0"/>
+            </a:endParaRPr>
           </a:p>
         </p:txBody>
       </p:sp>
@@ -9702,15 +9694,22 @@
   <p:clrMapOvr>
     <a:masterClrMapping/>
   </p:clrMapOvr>
+  <p:timing>
+    <p:tnLst>
+      <p:par>
+        <p:cTn id="1" dur="indefinite" restart="never" nodeType="tmRoot"/>
+      </p:par>
+    </p:tnLst>
+  </p:timing>
 </p:sld>
 </file>
 
 <file path=ppt/slides/slide2.xml><?xml version="1.0" encoding="utf-8"?>
-<p:sld xmlns:a="http://schemas.openxmlformats.org/drawingml/2006/main" xmlns:r="http://schemas.openxmlformats.org/officeDocument/2006/relationships" xmlns:mc="http://schemas.openxmlformats.org/markup-compatibility/2006" xmlns:mv="urn:schemas-microsoft-com:mac:vml" xmlns:p="http://schemas.openxmlformats.org/presentationml/2006/main" xmlns:c="http://schemas.openxmlformats.org/drawingml/2006/chart" xmlns:dgm="http://schemas.openxmlformats.org/drawingml/2006/diagram" xmlns:o="urn:schemas-microsoft-com:office:office" xmlns:v="urn:schemas-microsoft-com:vml" xmlns:pvml="urn:schemas-microsoft-com:office:powerpoint" xmlns:com="http://schemas.openxmlformats.org/drawingml/2006/compatibility" xmlns:p14="http://schemas.microsoft.com/office/powerpoint/2010/main" xmlns:p15="http://schemas.microsoft.com/office/powerpoint/2012/main" xmlns:ahyp="http://schemas.microsoft.com/office/drawing/2018/hyperlinkcolor">
+<p:sld xmlns:a="http://schemas.openxmlformats.org/drawingml/2006/main" xmlns:r="http://schemas.openxmlformats.org/officeDocument/2006/relationships" xmlns:p="http://schemas.openxmlformats.org/presentationml/2006/main">
   <p:cSld>
     <p:spTree>
       <p:nvGrpSpPr>
-        <p:cNvPr id="139" name="Shape 139"/>
+        <p:cNvPr id="1" name="Shape 139"/>
         <p:cNvGrpSpPr/>
         <p:nvPr/>
       </p:nvGrpSpPr>
@@ -9725,27 +9724,29 @@
       <p:sp>
         <p:nvSpPr>
           <p:cNvPr id="140" name="Google Shape;140;p14"/>
-          <p:cNvSpPr txBox="1"/>
+          <p:cNvSpPr txBox="1">
+            <a:spLocks noGrp="1"/>
+          </p:cNvSpPr>
           <p:nvPr>
             <p:ph type="title"/>
           </p:nvPr>
         </p:nvSpPr>
         <p:spPr>
           <a:xfrm>
-            <a:off x="1297500" y="393750"/>
-            <a:ext cx="7038900" cy="914100"/>
+            <a:off x="1338751" y="505905"/>
+            <a:ext cx="2662608" cy="629986"/>
           </a:xfrm>
           <a:prstGeom prst="rect">
             <a:avLst/>
           </a:prstGeom>
         </p:spPr>
         <p:txBody>
-          <a:bodyPr anchorCtr="0" anchor="t" bIns="91425" lIns="91425" spcFirstLastPara="1" rIns="91425" wrap="square" tIns="91425">
+          <a:bodyPr spcFirstLastPara="1" wrap="square" lIns="91425" tIns="91425" rIns="91425" bIns="91425" anchor="t" anchorCtr="0">
             <a:normAutofit/>
           </a:bodyPr>
           <a:lstStyle/>
           <a:p>
-            <a:pPr indent="0" lvl="0" marL="0" rtl="0" algn="l">
+            <a:pPr marL="0" lvl="0" indent="0" algn="l" rtl="0">
               <a:spcBef>
                 <a:spcPts val="0"/>
               </a:spcBef>
@@ -9755,10 +9756,30 @@
               <a:buNone/>
             </a:pPr>
             <a:r>
-              <a:rPr lang="ru"/>
-              <a:t>Цель и задача</a:t>
+              <a:rPr lang="ru" sz="2800" dirty="0">
+                <a:latin typeface="Times New Roman" panose="02020603050405020304" pitchFamily="18" charset="0"/>
+                <a:cs typeface="Times New Roman" panose="02020603050405020304" pitchFamily="18" charset="0"/>
+              </a:rPr>
+              <a:t>Цель и </a:t>
             </a:r>
-            <a:endParaRPr/>
+            <a:r>
+              <a:rPr lang="ru" sz="2800" dirty="0" smtClean="0">
+                <a:latin typeface="Times New Roman" panose="02020603050405020304" pitchFamily="18" charset="0"/>
+                <a:cs typeface="Times New Roman" panose="02020603050405020304" pitchFamily="18" charset="0"/>
+              </a:rPr>
+              <a:t>задач</a:t>
+            </a:r>
+            <a:r>
+              <a:rPr lang="ru-RU" sz="2800" dirty="0">
+                <a:latin typeface="Times New Roman" panose="02020603050405020304" pitchFamily="18" charset="0"/>
+                <a:cs typeface="Times New Roman" panose="02020603050405020304" pitchFamily="18" charset="0"/>
+              </a:rPr>
+              <a:t>и</a:t>
+            </a:r>
+            <a:endParaRPr sz="2800" dirty="0">
+              <a:latin typeface="Times New Roman" panose="02020603050405020304" pitchFamily="18" charset="0"/>
+              <a:cs typeface="Times New Roman" panose="02020603050405020304" pitchFamily="18" charset="0"/>
+            </a:endParaRPr>
           </a:p>
         </p:txBody>
       </p:sp>
@@ -9770,8 +9791,8 @@
         </p:nvSpPr>
         <p:spPr>
           <a:xfrm>
-            <a:off x="161400" y="1394925"/>
-            <a:ext cx="3944100" cy="2520300"/>
+            <a:off x="276821" y="1394924"/>
+            <a:ext cx="3944100" cy="3245827"/>
           </a:xfrm>
           <a:prstGeom prst="rect">
             <a:avLst/>
@@ -9782,12 +9803,12 @@
           </a:ln>
         </p:spPr>
         <p:txBody>
-          <a:bodyPr anchorCtr="0" anchor="t" bIns="91425" lIns="91425" spcFirstLastPara="1" rIns="91425" wrap="square" tIns="91425">
+          <a:bodyPr spcFirstLastPara="1" wrap="square" lIns="91425" tIns="91425" rIns="91425" bIns="91425" anchor="t" anchorCtr="0">
             <a:noAutofit/>
           </a:bodyPr>
           <a:lstStyle/>
           <a:p>
-            <a:pPr indent="0" lvl="0" marL="0" rtl="0" algn="l">
+            <a:pPr marL="0" lvl="0" indent="0" algn="l" rtl="0">
               <a:spcBef>
                 <a:spcPts val="0"/>
               </a:spcBef>
@@ -9797,18 +9818,491 @@
               <a:buNone/>
             </a:pPr>
             <a:r>
-              <a:rPr lang="ru" sz="1300">
+              <a:rPr lang="ru" u="sng" dirty="0" smtClean="0">
                 <a:solidFill>
                   <a:schemeClr val="lt1"/>
                 </a:solidFill>
-                <a:latin typeface="Lato"/>
+                <a:latin typeface="Times New Roman" panose="02020603050405020304" pitchFamily="18" charset="0"/>
                 <a:ea typeface="Lato"/>
-                <a:cs typeface="Lato"/>
+                <a:cs typeface="Times New Roman" panose="02020603050405020304" pitchFamily="18" charset="0"/>
                 <a:sym typeface="Lato"/>
               </a:rPr>
-              <a:t>Задача - сделать простенький платформер типа старейших представителей жанра.</a:t>
+              <a:t>Цель проекта</a:t>
             </a:r>
-            <a:endParaRPr sz="1300">
+            <a:r>
+              <a:rPr lang="en-US" dirty="0" smtClean="0">
+                <a:solidFill>
+                  <a:schemeClr val="lt1"/>
+                </a:solidFill>
+                <a:latin typeface="Times New Roman" panose="02020603050405020304" pitchFamily="18" charset="0"/>
+                <a:ea typeface="Lato"/>
+                <a:cs typeface="Times New Roman" panose="02020603050405020304" pitchFamily="18" charset="0"/>
+                <a:sym typeface="Lato"/>
+              </a:rPr>
+              <a:t>:</a:t>
+            </a:r>
+          </a:p>
+          <a:p>
+            <a:pPr marL="0" lvl="0" indent="0" algn="l" rtl="0">
+              <a:spcBef>
+                <a:spcPts val="0"/>
+              </a:spcBef>
+              <a:spcAft>
+                <a:spcPts val="0"/>
+              </a:spcAft>
+              <a:buNone/>
+            </a:pPr>
+            <a:r>
+              <a:rPr lang="ru-RU" dirty="0" smtClean="0">
+                <a:solidFill>
+                  <a:schemeClr val="lt1"/>
+                </a:solidFill>
+                <a:latin typeface="Times New Roman" panose="02020603050405020304" pitchFamily="18" charset="0"/>
+                <a:ea typeface="Lato"/>
+                <a:cs typeface="Times New Roman" panose="02020603050405020304" pitchFamily="18" charset="0"/>
+                <a:sym typeface="Lato"/>
+              </a:rPr>
+              <a:t>Разработать игру</a:t>
+            </a:r>
+            <a:r>
+              <a:rPr lang="en-US" dirty="0" smtClean="0">
+                <a:solidFill>
+                  <a:schemeClr val="lt1"/>
+                </a:solidFill>
+                <a:latin typeface="Times New Roman" panose="02020603050405020304" pitchFamily="18" charset="0"/>
+                <a:ea typeface="Lato"/>
+                <a:cs typeface="Times New Roman" panose="02020603050405020304" pitchFamily="18" charset="0"/>
+                <a:sym typeface="Lato"/>
+              </a:rPr>
+              <a:t>,</a:t>
+            </a:r>
+            <a:r>
+              <a:rPr lang="ru-RU" dirty="0" smtClean="0">
+                <a:solidFill>
+                  <a:schemeClr val="lt1"/>
+                </a:solidFill>
+                <a:latin typeface="Times New Roman" panose="02020603050405020304" pitchFamily="18" charset="0"/>
+                <a:ea typeface="Lato"/>
+                <a:cs typeface="Times New Roman" panose="02020603050405020304" pitchFamily="18" charset="0"/>
+                <a:sym typeface="Lato"/>
+              </a:rPr>
+              <a:t> в жанре </a:t>
+            </a:r>
+            <a:r>
+              <a:rPr lang="ru-RU" dirty="0" err="1" smtClean="0">
+                <a:solidFill>
+                  <a:schemeClr val="lt1"/>
+                </a:solidFill>
+                <a:latin typeface="Times New Roman" panose="02020603050405020304" pitchFamily="18" charset="0"/>
+                <a:ea typeface="Lato"/>
+                <a:cs typeface="Times New Roman" panose="02020603050405020304" pitchFamily="18" charset="0"/>
+                <a:sym typeface="Lato"/>
+              </a:rPr>
+              <a:t>платформер</a:t>
+            </a:r>
+            <a:r>
+              <a:rPr lang="en-US" dirty="0" smtClean="0">
+                <a:solidFill>
+                  <a:schemeClr val="lt1"/>
+                </a:solidFill>
+                <a:latin typeface="Times New Roman" panose="02020603050405020304" pitchFamily="18" charset="0"/>
+                <a:ea typeface="Lato"/>
+                <a:cs typeface="Times New Roman" panose="02020603050405020304" pitchFamily="18" charset="0"/>
+                <a:sym typeface="Lato"/>
+              </a:rPr>
+              <a:t>, </a:t>
+            </a:r>
+            <a:r>
+              <a:rPr lang="ru-RU" dirty="0" smtClean="0">
+                <a:solidFill>
+                  <a:schemeClr val="lt1"/>
+                </a:solidFill>
+                <a:latin typeface="Times New Roman" panose="02020603050405020304" pitchFamily="18" charset="0"/>
+                <a:ea typeface="Lato"/>
+                <a:cs typeface="Times New Roman" panose="02020603050405020304" pitchFamily="18" charset="0"/>
+                <a:sym typeface="Lato"/>
+              </a:rPr>
+              <a:t>являющейся аналогом иг</a:t>
+            </a:r>
+            <a:r>
+              <a:rPr lang="ru-RU" dirty="0" smtClean="0">
+                <a:solidFill>
+                  <a:schemeClr val="lt1"/>
+                </a:solidFill>
+                <a:latin typeface="Times New Roman" panose="02020603050405020304" pitchFamily="18" charset="0"/>
+                <a:ea typeface="Lato"/>
+                <a:cs typeface="Times New Roman" panose="02020603050405020304" pitchFamily="18" charset="0"/>
+                <a:sym typeface="Lato"/>
+              </a:rPr>
+              <a:t>р серии </a:t>
+            </a:r>
+            <a:r>
+              <a:rPr lang="en-US" dirty="0" smtClean="0">
+                <a:solidFill>
+                  <a:schemeClr val="lt1"/>
+                </a:solidFill>
+                <a:latin typeface="Times New Roman" panose="02020603050405020304" pitchFamily="18" charset="0"/>
+                <a:ea typeface="Lato"/>
+                <a:cs typeface="Times New Roman" panose="02020603050405020304" pitchFamily="18" charset="0"/>
+                <a:sym typeface="Lato"/>
+              </a:rPr>
+              <a:t>Super Mario Bros.</a:t>
+            </a:r>
+          </a:p>
+          <a:p>
+            <a:pPr marL="0" lvl="0" indent="0" algn="l" rtl="0">
+              <a:spcBef>
+                <a:spcPts val="0"/>
+              </a:spcBef>
+              <a:spcAft>
+                <a:spcPts val="0"/>
+              </a:spcAft>
+              <a:buNone/>
+            </a:pPr>
+            <a:r>
+              <a:rPr lang="ru-RU" u="sng" dirty="0" smtClean="0">
+                <a:solidFill>
+                  <a:schemeClr val="lt1"/>
+                </a:solidFill>
+                <a:latin typeface="Times New Roman" panose="02020603050405020304" pitchFamily="18" charset="0"/>
+                <a:ea typeface="Lato"/>
+                <a:cs typeface="Times New Roman" panose="02020603050405020304" pitchFamily="18" charset="0"/>
+                <a:sym typeface="Lato"/>
+              </a:rPr>
+              <a:t>Задачи проекта</a:t>
+            </a:r>
+            <a:r>
+              <a:rPr lang="en-US" dirty="0" smtClean="0">
+                <a:solidFill>
+                  <a:schemeClr val="lt1"/>
+                </a:solidFill>
+                <a:latin typeface="Times New Roman" panose="02020603050405020304" pitchFamily="18" charset="0"/>
+                <a:ea typeface="Lato"/>
+                <a:cs typeface="Times New Roman" panose="02020603050405020304" pitchFamily="18" charset="0"/>
+                <a:sym typeface="Lato"/>
+              </a:rPr>
+              <a:t>: </a:t>
+            </a:r>
+          </a:p>
+          <a:p>
+            <a:pPr marL="0" lvl="0" indent="0" algn="l" rtl="0">
+              <a:spcBef>
+                <a:spcPts val="0"/>
+              </a:spcBef>
+              <a:spcAft>
+                <a:spcPts val="0"/>
+              </a:spcAft>
+              <a:buNone/>
+            </a:pPr>
+            <a:r>
+              <a:rPr lang="en-US" dirty="0" smtClean="0">
+                <a:solidFill>
+                  <a:schemeClr val="lt1"/>
+                </a:solidFill>
+                <a:latin typeface="Times New Roman" panose="02020603050405020304" pitchFamily="18" charset="0"/>
+                <a:ea typeface="Lato"/>
+                <a:cs typeface="Times New Roman" panose="02020603050405020304" pitchFamily="18" charset="0"/>
+                <a:sym typeface="Lato"/>
+              </a:rPr>
+              <a:t>1)</a:t>
+            </a:r>
+            <a:r>
+              <a:rPr lang="ru-RU" dirty="0" smtClean="0">
+                <a:solidFill>
+                  <a:schemeClr val="lt1"/>
+                </a:solidFill>
+                <a:latin typeface="Times New Roman" panose="02020603050405020304" pitchFamily="18" charset="0"/>
+                <a:ea typeface="Lato"/>
+                <a:cs typeface="Times New Roman" panose="02020603050405020304" pitchFamily="18" charset="0"/>
+                <a:sym typeface="Lato"/>
+              </a:rPr>
+              <a:t>Реализовать движение персонажа (на тот момент примитива)</a:t>
+            </a:r>
+          </a:p>
+          <a:p>
+            <a:pPr marL="0" lvl="0" indent="0" algn="l" rtl="0">
+              <a:spcBef>
+                <a:spcPts val="0"/>
+              </a:spcBef>
+              <a:spcAft>
+                <a:spcPts val="0"/>
+              </a:spcAft>
+              <a:buNone/>
+            </a:pPr>
+            <a:r>
+              <a:rPr lang="ru-RU" dirty="0" smtClean="0">
+                <a:solidFill>
+                  <a:schemeClr val="lt1"/>
+                </a:solidFill>
+                <a:latin typeface="Times New Roman" panose="02020603050405020304" pitchFamily="18" charset="0"/>
+                <a:ea typeface="Lato"/>
+                <a:cs typeface="Times New Roman" panose="02020603050405020304" pitchFamily="18" charset="0"/>
+                <a:sym typeface="Lato"/>
+              </a:rPr>
+              <a:t>2)Найти спрайты</a:t>
+            </a:r>
+          </a:p>
+          <a:p>
+            <a:pPr marL="0" lvl="0" indent="0" algn="l" rtl="0">
+              <a:spcBef>
+                <a:spcPts val="0"/>
+              </a:spcBef>
+              <a:spcAft>
+                <a:spcPts val="0"/>
+              </a:spcAft>
+              <a:buNone/>
+            </a:pPr>
+            <a:r>
+              <a:rPr lang="ru-RU" dirty="0" smtClean="0">
+                <a:solidFill>
+                  <a:schemeClr val="lt1"/>
+                </a:solidFill>
+                <a:latin typeface="Times New Roman" panose="02020603050405020304" pitchFamily="18" charset="0"/>
+                <a:ea typeface="Lato"/>
+                <a:cs typeface="Times New Roman" panose="02020603050405020304" pitchFamily="18" charset="0"/>
+                <a:sym typeface="Lato"/>
+              </a:rPr>
+              <a:t>3)Добавить препятствия</a:t>
+            </a:r>
+            <a:r>
+              <a:rPr lang="en-US" dirty="0" smtClean="0">
+                <a:solidFill>
+                  <a:schemeClr val="lt1"/>
+                </a:solidFill>
+                <a:latin typeface="Times New Roman" panose="02020603050405020304" pitchFamily="18" charset="0"/>
+                <a:ea typeface="Lato"/>
+                <a:cs typeface="Times New Roman" panose="02020603050405020304" pitchFamily="18" charset="0"/>
+                <a:sym typeface="Lato"/>
+              </a:rPr>
+              <a:t>:</a:t>
+            </a:r>
+          </a:p>
+          <a:p>
+            <a:pPr marL="0" lvl="0" indent="0" algn="l" rtl="0">
+              <a:spcBef>
+                <a:spcPts val="0"/>
+              </a:spcBef>
+              <a:spcAft>
+                <a:spcPts val="0"/>
+              </a:spcAft>
+              <a:buNone/>
+            </a:pPr>
+            <a:r>
+              <a:rPr lang="en-US" dirty="0">
+                <a:solidFill>
+                  <a:schemeClr val="lt1"/>
+                </a:solidFill>
+                <a:latin typeface="Times New Roman" panose="02020603050405020304" pitchFamily="18" charset="0"/>
+                <a:ea typeface="Lato"/>
+                <a:cs typeface="Times New Roman" panose="02020603050405020304" pitchFamily="18" charset="0"/>
+                <a:sym typeface="Lato"/>
+              </a:rPr>
+              <a:t>	</a:t>
+            </a:r>
+            <a:r>
+              <a:rPr lang="en-US" dirty="0" smtClean="0">
+                <a:solidFill>
+                  <a:schemeClr val="lt1"/>
+                </a:solidFill>
+                <a:latin typeface="Times New Roman" panose="02020603050405020304" pitchFamily="18" charset="0"/>
+                <a:ea typeface="Lato"/>
+                <a:cs typeface="Times New Roman" panose="02020603050405020304" pitchFamily="18" charset="0"/>
+                <a:sym typeface="Lato"/>
+              </a:rPr>
+              <a:t>3.1)</a:t>
+            </a:r>
+            <a:r>
+              <a:rPr lang="ru-RU" dirty="0" smtClean="0">
+                <a:solidFill>
+                  <a:schemeClr val="lt1"/>
+                </a:solidFill>
+                <a:latin typeface="Times New Roman" panose="02020603050405020304" pitchFamily="18" charset="0"/>
+                <a:ea typeface="Lato"/>
+                <a:cs typeface="Times New Roman" panose="02020603050405020304" pitchFamily="18" charset="0"/>
+                <a:sym typeface="Lato"/>
+              </a:rPr>
+              <a:t>Добавить шипы и пропасти</a:t>
+            </a:r>
+          </a:p>
+          <a:p>
+            <a:pPr marL="0" lvl="0" indent="0" algn="l" rtl="0">
+              <a:spcBef>
+                <a:spcPts val="0"/>
+              </a:spcBef>
+              <a:spcAft>
+                <a:spcPts val="0"/>
+              </a:spcAft>
+              <a:buNone/>
+            </a:pPr>
+            <a:r>
+              <a:rPr lang="ru-RU" dirty="0">
+                <a:solidFill>
+                  <a:schemeClr val="lt1"/>
+                </a:solidFill>
+                <a:latin typeface="Times New Roman" panose="02020603050405020304" pitchFamily="18" charset="0"/>
+                <a:ea typeface="Lato"/>
+                <a:cs typeface="Times New Roman" panose="02020603050405020304" pitchFamily="18" charset="0"/>
+                <a:sym typeface="Lato"/>
+              </a:rPr>
+              <a:t>	</a:t>
+            </a:r>
+            <a:r>
+              <a:rPr lang="ru-RU" dirty="0" smtClean="0">
+                <a:solidFill>
+                  <a:schemeClr val="lt1"/>
+                </a:solidFill>
+                <a:latin typeface="Times New Roman" panose="02020603050405020304" pitchFamily="18" charset="0"/>
+                <a:ea typeface="Lato"/>
+                <a:cs typeface="Times New Roman" panose="02020603050405020304" pitchFamily="18" charset="0"/>
+                <a:sym typeface="Lato"/>
+              </a:rPr>
+              <a:t>3</a:t>
+            </a:r>
+            <a:r>
+              <a:rPr lang="en-US" dirty="0" smtClean="0">
+                <a:solidFill>
+                  <a:schemeClr val="lt1"/>
+                </a:solidFill>
+                <a:latin typeface="Times New Roman" panose="02020603050405020304" pitchFamily="18" charset="0"/>
+                <a:ea typeface="Lato"/>
+                <a:cs typeface="Times New Roman" panose="02020603050405020304" pitchFamily="18" charset="0"/>
+                <a:sym typeface="Lato"/>
+              </a:rPr>
+              <a:t>.2)</a:t>
+            </a:r>
+            <a:r>
+              <a:rPr lang="ru-RU" dirty="0" smtClean="0">
+                <a:solidFill>
+                  <a:schemeClr val="lt1"/>
+                </a:solidFill>
+                <a:latin typeface="Times New Roman" panose="02020603050405020304" pitchFamily="18" charset="0"/>
+                <a:ea typeface="Lato"/>
+                <a:cs typeface="Times New Roman" panose="02020603050405020304" pitchFamily="18" charset="0"/>
+                <a:sym typeface="Lato"/>
+              </a:rPr>
+              <a:t>Добавить врагов</a:t>
+            </a:r>
+          </a:p>
+          <a:p>
+            <a:pPr marL="0" lvl="0" indent="0" algn="l" rtl="0">
+              <a:spcBef>
+                <a:spcPts val="0"/>
+              </a:spcBef>
+              <a:spcAft>
+                <a:spcPts val="0"/>
+              </a:spcAft>
+              <a:buNone/>
+            </a:pPr>
+            <a:r>
+              <a:rPr lang="ru-RU" dirty="0" smtClean="0">
+                <a:solidFill>
+                  <a:schemeClr val="lt1"/>
+                </a:solidFill>
+                <a:latin typeface="Times New Roman" panose="02020603050405020304" pitchFamily="18" charset="0"/>
+                <a:ea typeface="Lato"/>
+                <a:cs typeface="Times New Roman" panose="02020603050405020304" pitchFamily="18" charset="0"/>
+                <a:sym typeface="Lato"/>
+              </a:rPr>
+              <a:t>4)Добавить предметы</a:t>
+            </a:r>
+          </a:p>
+          <a:p>
+            <a:pPr marL="0" lvl="0" indent="0" algn="l" rtl="0">
+              <a:spcBef>
+                <a:spcPts val="0"/>
+              </a:spcBef>
+              <a:spcAft>
+                <a:spcPts val="0"/>
+              </a:spcAft>
+              <a:buNone/>
+            </a:pPr>
+            <a:r>
+              <a:rPr lang="ru-RU" dirty="0" smtClean="0">
+                <a:solidFill>
+                  <a:schemeClr val="lt1"/>
+                </a:solidFill>
+                <a:latin typeface="Times New Roman" panose="02020603050405020304" pitchFamily="18" charset="0"/>
+                <a:ea typeface="Lato"/>
+                <a:cs typeface="Times New Roman" panose="02020603050405020304" pitchFamily="18" charset="0"/>
+                <a:sym typeface="Lato"/>
+              </a:rPr>
+              <a:t>5)Сделать базу данных для рекордов</a:t>
+            </a:r>
+          </a:p>
+          <a:p>
+            <a:pPr marL="0" lvl="0" indent="0" algn="l" rtl="0">
+              <a:spcBef>
+                <a:spcPts val="0"/>
+              </a:spcBef>
+              <a:spcAft>
+                <a:spcPts val="0"/>
+              </a:spcAft>
+              <a:buNone/>
+            </a:pPr>
+            <a:r>
+              <a:rPr lang="ru-RU" dirty="0" smtClean="0">
+                <a:solidFill>
+                  <a:schemeClr val="lt1"/>
+                </a:solidFill>
+                <a:latin typeface="Times New Roman" panose="02020603050405020304" pitchFamily="18" charset="0"/>
+                <a:ea typeface="Lato"/>
+                <a:cs typeface="Times New Roman" panose="02020603050405020304" pitchFamily="18" charset="0"/>
+                <a:sym typeface="Lato"/>
+              </a:rPr>
+              <a:t>6)Сделать систему частиц для фейерверков</a:t>
+            </a:r>
+          </a:p>
+          <a:p>
+            <a:pPr marL="0" lvl="0" indent="0" algn="l" rtl="0">
+              <a:spcBef>
+                <a:spcPts val="0"/>
+              </a:spcBef>
+              <a:spcAft>
+                <a:spcPts val="0"/>
+              </a:spcAft>
+              <a:buNone/>
+            </a:pPr>
+            <a:endParaRPr lang="en-US" sz="1300" dirty="0" smtClean="0">
+              <a:solidFill>
+                <a:schemeClr val="lt1"/>
+              </a:solidFill>
+              <a:latin typeface="Lato"/>
+              <a:ea typeface="Lato"/>
+              <a:cs typeface="Lato"/>
+              <a:sym typeface="Lato"/>
+            </a:endParaRPr>
+          </a:p>
+          <a:p>
+            <a:pPr marL="0" lvl="0" indent="0" algn="l" rtl="0">
+              <a:spcBef>
+                <a:spcPts val="0"/>
+              </a:spcBef>
+              <a:spcAft>
+                <a:spcPts val="0"/>
+              </a:spcAft>
+              <a:buNone/>
+            </a:pPr>
+            <a:endParaRPr lang="en-US" sz="1300" dirty="0" smtClean="0">
+              <a:solidFill>
+                <a:schemeClr val="lt1"/>
+              </a:solidFill>
+              <a:latin typeface="Lato"/>
+              <a:ea typeface="Lato"/>
+              <a:cs typeface="Lato"/>
+              <a:sym typeface="Lato"/>
+            </a:endParaRPr>
+          </a:p>
+          <a:p>
+            <a:pPr marL="0" lvl="0" indent="0" algn="l" rtl="0">
+              <a:spcBef>
+                <a:spcPts val="0"/>
+              </a:spcBef>
+              <a:spcAft>
+                <a:spcPts val="0"/>
+              </a:spcAft>
+              <a:buNone/>
+            </a:pPr>
+            <a:endParaRPr sz="1300" dirty="0">
               <a:solidFill>
                 <a:schemeClr val="lt1"/>
               </a:solidFill>
@@ -9836,7 +10330,7 @@
         </p:blipFill>
         <p:spPr>
           <a:xfrm>
-            <a:off x="4275925" y="889650"/>
+            <a:off x="4516557" y="820898"/>
             <a:ext cx="4060477" cy="3530850"/>
           </a:xfrm>
           <a:prstGeom prst="rect">
@@ -9864,8 +10358,8 @@
         </p:blipFill>
         <p:spPr>
           <a:xfrm>
-            <a:off x="6677800" y="1307850"/>
-            <a:ext cx="687400" cy="789650"/>
+            <a:off x="6913607" y="1266599"/>
+            <a:ext cx="581373" cy="685955"/>
           </a:xfrm>
           <a:prstGeom prst="rect">
             <a:avLst/>
@@ -9881,15 +10375,22 @@
   <p:clrMapOvr>
     <a:masterClrMapping/>
   </p:clrMapOvr>
+  <p:timing>
+    <p:tnLst>
+      <p:par>
+        <p:cTn id="1" dur="indefinite" restart="never" nodeType="tmRoot"/>
+      </p:par>
+    </p:tnLst>
+  </p:timing>
 </p:sld>
 </file>
 
 <file path=ppt/slides/slide3.xml><?xml version="1.0" encoding="utf-8"?>
-<p:sld xmlns:a="http://schemas.openxmlformats.org/drawingml/2006/main" xmlns:r="http://schemas.openxmlformats.org/officeDocument/2006/relationships" xmlns:mc="http://schemas.openxmlformats.org/markup-compatibility/2006" xmlns:mv="urn:schemas-microsoft-com:mac:vml" xmlns:p="http://schemas.openxmlformats.org/presentationml/2006/main" xmlns:c="http://schemas.openxmlformats.org/drawingml/2006/chart" xmlns:dgm="http://schemas.openxmlformats.org/drawingml/2006/diagram" xmlns:o="urn:schemas-microsoft-com:office:office" xmlns:v="urn:schemas-microsoft-com:vml" xmlns:pvml="urn:schemas-microsoft-com:office:powerpoint" xmlns:com="http://schemas.openxmlformats.org/drawingml/2006/compatibility" xmlns:p14="http://schemas.microsoft.com/office/powerpoint/2010/main" xmlns:p15="http://schemas.microsoft.com/office/powerpoint/2012/main" xmlns:ahyp="http://schemas.microsoft.com/office/drawing/2018/hyperlinkcolor">
+<p:sld xmlns:a="http://schemas.openxmlformats.org/drawingml/2006/main" xmlns:r="http://schemas.openxmlformats.org/officeDocument/2006/relationships" xmlns:p="http://schemas.openxmlformats.org/presentationml/2006/main">
   <p:cSld>
     <p:spTree>
       <p:nvGrpSpPr>
-        <p:cNvPr id="147" name="Shape 147"/>
+        <p:cNvPr id="1" name="Shape 147"/>
         <p:cNvGrpSpPr/>
         <p:nvPr/>
       </p:nvGrpSpPr>
@@ -9904,27 +10405,29 @@
       <p:sp>
         <p:nvSpPr>
           <p:cNvPr id="148" name="Google Shape;148;p15"/>
-          <p:cNvSpPr txBox="1"/>
+          <p:cNvSpPr txBox="1">
+            <a:spLocks noGrp="1"/>
+          </p:cNvSpPr>
           <p:nvPr>
             <p:ph type="title"/>
           </p:nvPr>
         </p:nvSpPr>
         <p:spPr>
           <a:xfrm>
-            <a:off x="1297500" y="393750"/>
-            <a:ext cx="7038900" cy="914100"/>
+            <a:off x="3215675" y="579378"/>
+            <a:ext cx="2786364" cy="603153"/>
           </a:xfrm>
           <a:prstGeom prst="rect">
             <a:avLst/>
           </a:prstGeom>
         </p:spPr>
         <p:txBody>
-          <a:bodyPr anchorCtr="0" anchor="t" bIns="91425" lIns="91425" spcFirstLastPara="1" rIns="91425" wrap="square" tIns="91425">
-            <a:normAutofit/>
+          <a:bodyPr spcFirstLastPara="1" wrap="square" lIns="91425" tIns="91425" rIns="91425" bIns="91425" anchor="t" anchorCtr="0">
+            <a:noAutofit/>
           </a:bodyPr>
           <a:lstStyle/>
           <a:p>
-            <a:pPr indent="0" lvl="0" marL="0" rtl="0" algn="l">
+            <a:pPr marL="0" lvl="0" indent="0" algn="l" rtl="0">
               <a:spcBef>
                 <a:spcPts val="0"/>
               </a:spcBef>
@@ -9934,10 +10437,16 @@
               <a:buNone/>
             </a:pPr>
             <a:r>
-              <a:rPr lang="ru"/>
+              <a:rPr lang="ru" sz="3200" dirty="0">
+                <a:latin typeface="Times New Roman" panose="02020603050405020304" pitchFamily="18" charset="0"/>
+                <a:cs typeface="Times New Roman" panose="02020603050405020304" pitchFamily="18" charset="0"/>
+              </a:rPr>
               <a:t>Актуальность</a:t>
             </a:r>
-            <a:endParaRPr/>
+            <a:endParaRPr sz="3200" dirty="0">
+              <a:latin typeface="Times New Roman" panose="02020603050405020304" pitchFamily="18" charset="0"/>
+              <a:cs typeface="Times New Roman" panose="02020603050405020304" pitchFamily="18" charset="0"/>
+            </a:endParaRPr>
           </a:p>
         </p:txBody>
       </p:sp>
@@ -9957,7 +10466,7 @@
         </p:blipFill>
         <p:spPr>
           <a:xfrm>
-            <a:off x="4276575" y="1285875"/>
+            <a:off x="4228448" y="1787763"/>
             <a:ext cx="4572000" cy="2571750"/>
           </a:xfrm>
           <a:prstGeom prst="rect">
@@ -9977,8 +10486,8 @@
         </p:nvSpPr>
         <p:spPr>
           <a:xfrm>
-            <a:off x="210375" y="1430975"/>
-            <a:ext cx="2791200" cy="2520300"/>
+            <a:off x="677888" y="1787763"/>
+            <a:ext cx="2842208" cy="2618511"/>
           </a:xfrm>
           <a:prstGeom prst="rect">
             <a:avLst/>
@@ -9989,12 +10498,12 @@
           </a:ln>
         </p:spPr>
         <p:txBody>
-          <a:bodyPr anchorCtr="0" anchor="t" bIns="91425" lIns="91425" spcFirstLastPara="1" rIns="91425" wrap="square" tIns="91425">
+          <a:bodyPr spcFirstLastPara="1" wrap="square" lIns="91425" tIns="91425" rIns="91425" bIns="91425" anchor="t" anchorCtr="0">
             <a:noAutofit/>
           </a:bodyPr>
           <a:lstStyle/>
           <a:p>
-            <a:pPr indent="0" lvl="0" marL="0" rtl="0" algn="l">
+            <a:pPr marL="0" lvl="0" indent="0" algn="l" rtl="0">
               <a:spcBef>
                 <a:spcPts val="0"/>
               </a:spcBef>
@@ -10004,18 +10513,29 @@
               <a:buNone/>
             </a:pPr>
             <a:r>
-              <a:rPr lang="ru" sz="1300">
+              <a:rPr lang="ru" sz="1800" dirty="0" smtClean="0">
                 <a:solidFill>
                   <a:schemeClr val="lt1"/>
                 </a:solidFill>
-                <a:latin typeface="Lato"/>
+                <a:latin typeface="Times New Roman" panose="02020603050405020304" pitchFamily="18" charset="0"/>
                 <a:ea typeface="Lato"/>
-                <a:cs typeface="Lato"/>
+                <a:cs typeface="Times New Roman" panose="02020603050405020304" pitchFamily="18" charset="0"/>
                 <a:sym typeface="Lato"/>
               </a:rPr>
-              <a:t>Платформер - один из старейших и известнейших жанров игр, но кто сказал, что они устарели? (ну может чуть-чуть)</a:t>
+              <a:t>Платформер - один из старейших и известнейших жанров игр, но кто сказал, что они устарели? </a:t>
             </a:r>
-            <a:endParaRPr sz="1300">
+          </a:p>
+          <a:p>
+            <a:pPr marL="0" lvl="0" indent="0" algn="l" rtl="0">
+              <a:spcBef>
+                <a:spcPts val="0"/>
+              </a:spcBef>
+              <a:spcAft>
+                <a:spcPts val="0"/>
+              </a:spcAft>
+              <a:buNone/>
+            </a:pPr>
+            <a:endParaRPr sz="1300" dirty="0">
               <a:solidFill>
                 <a:schemeClr val="lt1"/>
               </a:solidFill>
@@ -10032,15 +10552,22 @@
   <p:clrMapOvr>
     <a:masterClrMapping/>
   </p:clrMapOvr>
+  <p:timing>
+    <p:tnLst>
+      <p:par>
+        <p:cTn id="1" dur="indefinite" restart="never" nodeType="tmRoot"/>
+      </p:par>
+    </p:tnLst>
+  </p:timing>
 </p:sld>
 </file>
 
 <file path=ppt/slides/slide4.xml><?xml version="1.0" encoding="utf-8"?>
-<p:sld xmlns:a="http://schemas.openxmlformats.org/drawingml/2006/main" xmlns:r="http://schemas.openxmlformats.org/officeDocument/2006/relationships" xmlns:mc="http://schemas.openxmlformats.org/markup-compatibility/2006" xmlns:mv="urn:schemas-microsoft-com:mac:vml" xmlns:p="http://schemas.openxmlformats.org/presentationml/2006/main" xmlns:c="http://schemas.openxmlformats.org/drawingml/2006/chart" xmlns:dgm="http://schemas.openxmlformats.org/drawingml/2006/diagram" xmlns:o="urn:schemas-microsoft-com:office:office" xmlns:v="urn:schemas-microsoft-com:vml" xmlns:pvml="urn:schemas-microsoft-com:office:powerpoint" xmlns:com="http://schemas.openxmlformats.org/drawingml/2006/compatibility" xmlns:p14="http://schemas.microsoft.com/office/powerpoint/2010/main" xmlns:p15="http://schemas.microsoft.com/office/powerpoint/2012/main" xmlns:ahyp="http://schemas.microsoft.com/office/drawing/2018/hyperlinkcolor">
+<p:sld xmlns:a="http://schemas.openxmlformats.org/drawingml/2006/main" xmlns:r="http://schemas.openxmlformats.org/officeDocument/2006/relationships" xmlns:p="http://schemas.openxmlformats.org/presentationml/2006/main">
   <p:cSld>
     <p:spTree>
       <p:nvGrpSpPr>
-        <p:cNvPr id="154" name="Shape 154"/>
+        <p:cNvPr id="1" name="Shape 154"/>
         <p:cNvGrpSpPr/>
         <p:nvPr/>
       </p:nvGrpSpPr>
@@ -10055,27 +10582,29 @@
       <p:sp>
         <p:nvSpPr>
           <p:cNvPr id="155" name="Google Shape;155;p16"/>
-          <p:cNvSpPr txBox="1"/>
+          <p:cNvSpPr txBox="1">
+            <a:spLocks noGrp="1"/>
+          </p:cNvSpPr>
           <p:nvPr>
             <p:ph type="title"/>
           </p:nvPr>
         </p:nvSpPr>
         <p:spPr>
           <a:xfrm>
-            <a:off x="1297500" y="393750"/>
-            <a:ext cx="7038900" cy="914100"/>
+            <a:off x="2370425" y="469377"/>
+            <a:ext cx="4958921" cy="637528"/>
           </a:xfrm>
           <a:prstGeom prst="rect">
             <a:avLst/>
           </a:prstGeom>
         </p:spPr>
         <p:txBody>
-          <a:bodyPr anchorCtr="0" anchor="t" bIns="91425" lIns="91425" spcFirstLastPara="1" rIns="91425" wrap="square" tIns="91425">
+          <a:bodyPr spcFirstLastPara="1" wrap="square" lIns="91425" tIns="91425" rIns="91425" bIns="91425" anchor="t" anchorCtr="0">
             <a:normAutofit/>
           </a:bodyPr>
           <a:lstStyle/>
           <a:p>
-            <a:pPr indent="0" lvl="0" marL="0" rtl="0" algn="l">
+            <a:pPr marL="0" lvl="0" indent="0" algn="ctr" rtl="0">
               <a:spcBef>
                 <a:spcPts val="0"/>
               </a:spcBef>
@@ -10085,10 +10614,16 @@
               <a:buNone/>
             </a:pPr>
             <a:r>
-              <a:rPr lang="ru"/>
+              <a:rPr lang="ru" dirty="0">
+                <a:latin typeface="Times New Roman" panose="02020603050405020304" pitchFamily="18" charset="0"/>
+                <a:cs typeface="Times New Roman" panose="02020603050405020304" pitchFamily="18" charset="0"/>
+              </a:rPr>
               <a:t>Использованные технологии</a:t>
             </a:r>
-            <a:endParaRPr/>
+            <a:endParaRPr dirty="0">
+              <a:latin typeface="Times New Roman" panose="02020603050405020304" pitchFamily="18" charset="0"/>
+              <a:cs typeface="Times New Roman" panose="02020603050405020304" pitchFamily="18" charset="0"/>
+            </a:endParaRPr>
           </a:p>
         </p:txBody>
       </p:sp>
@@ -10100,8 +10635,8 @@
         </p:nvSpPr>
         <p:spPr>
           <a:xfrm>
-            <a:off x="168725" y="1587175"/>
-            <a:ext cx="4403400" cy="3332700"/>
+            <a:off x="3764449" y="2137189"/>
+            <a:ext cx="1880081" cy="1699165"/>
           </a:xfrm>
           <a:prstGeom prst="rect">
             <a:avLst/>
@@ -10112,12 +10647,12 @@
           </a:ln>
         </p:spPr>
         <p:txBody>
-          <a:bodyPr anchorCtr="0" anchor="t" bIns="91425" lIns="91425" spcFirstLastPara="1" rIns="91425" wrap="square" tIns="91425">
+          <a:bodyPr spcFirstLastPara="1" wrap="square" lIns="91425" tIns="91425" rIns="91425" bIns="91425" anchor="t" anchorCtr="0">
             <a:noAutofit/>
           </a:bodyPr>
           <a:lstStyle/>
           <a:p>
-            <a:pPr indent="0" lvl="0" marL="0" rtl="0" algn="l">
+            <a:pPr marL="0" lvl="0" indent="0" algn="l" rtl="0">
               <a:spcBef>
                 <a:spcPts val="0"/>
               </a:spcBef>
@@ -10127,15 +10662,111 @@
               <a:buNone/>
             </a:pPr>
             <a:r>
-              <a:t/>
+              <a:rPr lang="ru-RU" sz="2400" dirty="0" smtClean="0">
+                <a:solidFill>
+                  <a:schemeClr val="lt1"/>
+                </a:solidFill>
+                <a:latin typeface="Times New Roman" panose="02020603050405020304" pitchFamily="18" charset="0"/>
+                <a:ea typeface="Lato"/>
+                <a:cs typeface="Times New Roman" panose="02020603050405020304" pitchFamily="18" charset="0"/>
+                <a:sym typeface="Lato"/>
+              </a:rPr>
+              <a:t>Библиотеки</a:t>
             </a:r>
-            <a:endParaRPr sz="1300">
+            <a:r>
+              <a:rPr lang="en-US" sz="2400" dirty="0" smtClean="0">
+                <a:solidFill>
+                  <a:schemeClr val="lt1"/>
+                </a:solidFill>
+                <a:latin typeface="Times New Roman" panose="02020603050405020304" pitchFamily="18" charset="0"/>
+                <a:ea typeface="Lato"/>
+                <a:cs typeface="Times New Roman" panose="02020603050405020304" pitchFamily="18" charset="0"/>
+                <a:sym typeface="Lato"/>
+              </a:rPr>
+              <a:t>:</a:t>
+            </a:r>
+            <a:endParaRPr lang="ru-RU" sz="2400" dirty="0" smtClean="0">
               <a:solidFill>
                 <a:schemeClr val="lt1"/>
               </a:solidFill>
-              <a:latin typeface="Lato"/>
+              <a:latin typeface="Times New Roman" panose="02020603050405020304" pitchFamily="18" charset="0"/>
               <a:ea typeface="Lato"/>
-              <a:cs typeface="Lato"/>
+              <a:cs typeface="Times New Roman" panose="02020603050405020304" pitchFamily="18" charset="0"/>
+              <a:sym typeface="Lato"/>
+            </a:endParaRPr>
+          </a:p>
+          <a:p>
+            <a:pPr lvl="0" algn="l" rtl="0">
+              <a:spcBef>
+                <a:spcPts val="0"/>
+              </a:spcBef>
+              <a:spcAft>
+                <a:spcPts val="0"/>
+              </a:spcAft>
+            </a:pPr>
+            <a:r>
+              <a:rPr lang="en-US" sz="2400" dirty="0" smtClean="0">
+                <a:solidFill>
+                  <a:schemeClr val="lt1"/>
+                </a:solidFill>
+                <a:latin typeface="Times New Roman" panose="02020603050405020304" pitchFamily="18" charset="0"/>
+                <a:ea typeface="Lato"/>
+                <a:cs typeface="Times New Roman" panose="02020603050405020304" pitchFamily="18" charset="0"/>
+                <a:sym typeface="Lato"/>
+              </a:rPr>
+              <a:t>arcade</a:t>
+            </a:r>
+          </a:p>
+          <a:p>
+            <a:pPr lvl="0" algn="l" rtl="0">
+              <a:spcBef>
+                <a:spcPts val="0"/>
+              </a:spcBef>
+              <a:spcAft>
+                <a:spcPts val="0"/>
+              </a:spcAft>
+            </a:pPr>
+            <a:r>
+              <a:rPr lang="en-US" sz="2400" dirty="0" smtClean="0">
+                <a:solidFill>
+                  <a:schemeClr val="lt1"/>
+                </a:solidFill>
+                <a:latin typeface="Times New Roman" panose="02020603050405020304" pitchFamily="18" charset="0"/>
+                <a:ea typeface="Lato"/>
+                <a:cs typeface="Times New Roman" panose="02020603050405020304" pitchFamily="18" charset="0"/>
+                <a:sym typeface="Lato"/>
+              </a:rPr>
+              <a:t>sqlite3</a:t>
+            </a:r>
+          </a:p>
+          <a:p>
+            <a:pPr lvl="0" algn="l" rtl="0">
+              <a:spcBef>
+                <a:spcPts val="0"/>
+              </a:spcBef>
+              <a:spcAft>
+                <a:spcPts val="0"/>
+              </a:spcAft>
+            </a:pPr>
+            <a:r>
+              <a:rPr lang="en-US" sz="2400" dirty="0" smtClean="0">
+                <a:solidFill>
+                  <a:schemeClr val="lt1"/>
+                </a:solidFill>
+                <a:latin typeface="Times New Roman" panose="02020603050405020304" pitchFamily="18" charset="0"/>
+                <a:ea typeface="Lato"/>
+                <a:cs typeface="Times New Roman" panose="02020603050405020304" pitchFamily="18" charset="0"/>
+                <a:sym typeface="Lato"/>
+              </a:rPr>
+              <a:t>random</a:t>
+            </a:r>
+            <a:endParaRPr sz="2400" dirty="0">
+              <a:solidFill>
+                <a:schemeClr val="lt1"/>
+              </a:solidFill>
+              <a:latin typeface="Times New Roman" panose="02020603050405020304" pitchFamily="18" charset="0"/>
+              <a:ea typeface="Lato"/>
+              <a:cs typeface="Times New Roman" panose="02020603050405020304" pitchFamily="18" charset="0"/>
               <a:sym typeface="Lato"/>
             </a:endParaRPr>
           </a:p>
@@ -10146,15 +10777,22 @@
   <p:clrMapOvr>
     <a:masterClrMapping/>
   </p:clrMapOvr>
+  <p:timing>
+    <p:tnLst>
+      <p:par>
+        <p:cTn id="1" dur="indefinite" restart="never" nodeType="tmRoot"/>
+      </p:par>
+    </p:tnLst>
+  </p:timing>
 </p:sld>
 </file>
 
 <file path=ppt/slides/slide5.xml><?xml version="1.0" encoding="utf-8"?>
-<p:sld xmlns:a="http://schemas.openxmlformats.org/drawingml/2006/main" xmlns:r="http://schemas.openxmlformats.org/officeDocument/2006/relationships" xmlns:mc="http://schemas.openxmlformats.org/markup-compatibility/2006" xmlns:mv="urn:schemas-microsoft-com:mac:vml" xmlns:p="http://schemas.openxmlformats.org/presentationml/2006/main" xmlns:c="http://schemas.openxmlformats.org/drawingml/2006/chart" xmlns:dgm="http://schemas.openxmlformats.org/drawingml/2006/diagram" xmlns:o="urn:schemas-microsoft-com:office:office" xmlns:v="urn:schemas-microsoft-com:vml" xmlns:pvml="urn:schemas-microsoft-com:office:powerpoint" xmlns:com="http://schemas.openxmlformats.org/drawingml/2006/compatibility" xmlns:p14="http://schemas.microsoft.com/office/powerpoint/2010/main" xmlns:p15="http://schemas.microsoft.com/office/powerpoint/2012/main" xmlns:ahyp="http://schemas.microsoft.com/office/drawing/2018/hyperlinkcolor">
+<p:sld xmlns:a="http://schemas.openxmlformats.org/drawingml/2006/main" xmlns:r="http://schemas.openxmlformats.org/officeDocument/2006/relationships" xmlns:p="http://schemas.openxmlformats.org/presentationml/2006/main">
   <p:cSld>
     <p:spTree>
       <p:nvGrpSpPr>
-        <p:cNvPr id="160" name="Shape 160"/>
+        <p:cNvPr id="1" name="Shape 160"/>
         <p:cNvGrpSpPr/>
         <p:nvPr/>
       </p:nvGrpSpPr>
@@ -10169,27 +10807,29 @@
       <p:sp>
         <p:nvSpPr>
           <p:cNvPr id="161" name="Google Shape;161;p17"/>
-          <p:cNvSpPr txBox="1"/>
+          <p:cNvSpPr txBox="1">
+            <a:spLocks noGrp="1"/>
+          </p:cNvSpPr>
           <p:nvPr>
             <p:ph type="title"/>
           </p:nvPr>
         </p:nvSpPr>
         <p:spPr>
           <a:xfrm>
-            <a:off x="1297500" y="393750"/>
-            <a:ext cx="7038900" cy="914100"/>
+            <a:off x="2632143" y="146244"/>
+            <a:ext cx="3943155" cy="561900"/>
           </a:xfrm>
           <a:prstGeom prst="rect">
             <a:avLst/>
           </a:prstGeom>
         </p:spPr>
         <p:txBody>
-          <a:bodyPr anchorCtr="0" anchor="t" bIns="91425" lIns="91425" spcFirstLastPara="1" rIns="91425" wrap="square" tIns="91425">
+          <a:bodyPr spcFirstLastPara="1" wrap="square" lIns="91425" tIns="91425" rIns="91425" bIns="91425" anchor="t" anchorCtr="0">
             <a:normAutofit/>
           </a:bodyPr>
           <a:lstStyle/>
           <a:p>
-            <a:pPr indent="0" lvl="0" marL="0" rtl="0" algn="l">
+            <a:pPr marL="0" lvl="0" indent="0" algn="ctr" rtl="0">
               <a:spcBef>
                 <a:spcPts val="0"/>
               </a:spcBef>
@@ -10199,10 +10839,16 @@
               <a:buNone/>
             </a:pPr>
             <a:r>
-              <a:rPr lang="ru"/>
+              <a:rPr lang="ru" dirty="0">
+                <a:latin typeface="Times New Roman" panose="02020603050405020304" pitchFamily="18" charset="0"/>
+                <a:cs typeface="Times New Roman" panose="02020603050405020304" pitchFamily="18" charset="0"/>
+              </a:rPr>
               <a:t>Примеры работы</a:t>
             </a:r>
-            <a:endParaRPr/>
+            <a:endParaRPr dirty="0">
+              <a:latin typeface="Times New Roman" panose="02020603050405020304" pitchFamily="18" charset="0"/>
+              <a:cs typeface="Times New Roman" panose="02020603050405020304" pitchFamily="18" charset="0"/>
+            </a:endParaRPr>
           </a:p>
         </p:txBody>
       </p:sp>
@@ -10222,8 +10868,8 @@
         </p:blipFill>
         <p:spPr>
           <a:xfrm>
-            <a:off x="4297400" y="1307850"/>
-            <a:ext cx="4679553" cy="3530850"/>
+            <a:off x="2193185" y="852523"/>
+            <a:ext cx="4929510" cy="3911982"/>
           </a:xfrm>
           <a:prstGeom prst="rect">
             <a:avLst/>
@@ -10234,78 +10880,88 @@
           </a:ln>
         </p:spPr>
       </p:pic>
-      <p:sp>
-        <p:nvSpPr>
-          <p:cNvPr id="163" name="Google Shape;163;p17"/>
-          <p:cNvSpPr txBox="1"/>
-          <p:nvPr/>
-        </p:nvSpPr>
-        <p:spPr>
-          <a:xfrm>
-            <a:off x="199950" y="1493450"/>
-            <a:ext cx="3718200" cy="3280500"/>
-          </a:xfrm>
-          <a:prstGeom prst="rect">
-            <a:avLst/>
-          </a:prstGeom>
-          <a:noFill/>
-          <a:ln>
-            <a:noFill/>
-          </a:ln>
-        </p:spPr>
-        <p:txBody>
-          <a:bodyPr anchorCtr="0" anchor="t" bIns="91425" lIns="91425" spcFirstLastPara="1" rIns="91425" wrap="square" tIns="91425">
-            <a:noAutofit/>
-          </a:bodyPr>
-          <a:lstStyle/>
-          <a:p>
-            <a:pPr indent="0" lvl="0" marL="0" rtl="0" algn="l">
-              <a:spcBef>
-                <a:spcPts val="0"/>
-              </a:spcBef>
-              <a:spcAft>
-                <a:spcPts val="0"/>
-              </a:spcAft>
-              <a:buNone/>
-            </a:pPr>
-            <a:r>
-              <a:rPr lang="ru" sz="1300">
-                <a:solidFill>
-                  <a:schemeClr val="lt1"/>
-                </a:solidFill>
-                <a:latin typeface="Lato"/>
-                <a:ea typeface="Lato"/>
-                <a:cs typeface="Lato"/>
-                <a:sym typeface="Lato"/>
-              </a:rPr>
-              <a:t>Как уже говорилось ранее, наша игра - простой платформер без особых примочек</a:t>
-            </a:r>
-            <a:endParaRPr sz="1300">
-              <a:solidFill>
-                <a:schemeClr val="lt1"/>
-              </a:solidFill>
-              <a:latin typeface="Lato"/>
-              <a:ea typeface="Lato"/>
-              <a:cs typeface="Lato"/>
-              <a:sym typeface="Lato"/>
-            </a:endParaRPr>
-          </a:p>
-        </p:txBody>
-      </p:sp>
     </p:spTree>
   </p:cSld>
   <p:clrMapOvr>
     <a:masterClrMapping/>
   </p:clrMapOvr>
+  <p:timing>
+    <p:tnLst>
+      <p:par>
+        <p:cTn id="1" dur="indefinite" restart="never" nodeType="tmRoot"/>
+      </p:par>
+    </p:tnLst>
+  </p:timing>
 </p:sld>
 </file>
 
 <file path=ppt/slides/slide6.xml><?xml version="1.0" encoding="utf-8"?>
-<p:sld xmlns:a="http://schemas.openxmlformats.org/drawingml/2006/main" xmlns:r="http://schemas.openxmlformats.org/officeDocument/2006/relationships" xmlns:mc="http://schemas.openxmlformats.org/markup-compatibility/2006" xmlns:mv="urn:schemas-microsoft-com:mac:vml" xmlns:p="http://schemas.openxmlformats.org/presentationml/2006/main" xmlns:c="http://schemas.openxmlformats.org/drawingml/2006/chart" xmlns:dgm="http://schemas.openxmlformats.org/drawingml/2006/diagram" xmlns:o="urn:schemas-microsoft-com:office:office" xmlns:v="urn:schemas-microsoft-com:vml" xmlns:pvml="urn:schemas-microsoft-com:office:powerpoint" xmlns:com="http://schemas.openxmlformats.org/drawingml/2006/compatibility" xmlns:p14="http://schemas.microsoft.com/office/powerpoint/2010/main" xmlns:p15="http://schemas.microsoft.com/office/powerpoint/2012/main" xmlns:ahyp="http://schemas.microsoft.com/office/drawing/2018/hyperlinkcolor">
+<p:sld xmlns:a="http://schemas.openxmlformats.org/drawingml/2006/main" xmlns:r="http://schemas.openxmlformats.org/officeDocument/2006/relationships" xmlns:p="http://schemas.openxmlformats.org/presentationml/2006/main">
   <p:cSld>
     <p:spTree>
       <p:nvGrpSpPr>
-        <p:cNvPr id="167" name="Shape 167"/>
+        <p:cNvPr id="1" name=""/>
+        <p:cNvGrpSpPr/>
+        <p:nvPr/>
+      </p:nvGrpSpPr>
+      <p:grpSpPr>
+        <a:xfrm>
+          <a:off x="0" y="0"/>
+          <a:ext cx="0" cy="0"/>
+          <a:chOff x="0" y="0"/>
+          <a:chExt cx="0" cy="0"/>
+        </a:xfrm>
+      </p:grpSpPr>
+      <p:pic>
+        <p:nvPicPr>
+          <p:cNvPr id="2" name="Рисунок 1"/>
+          <p:cNvPicPr>
+            <a:picLocks noChangeAspect="1"/>
+          </p:cNvPicPr>
+          <p:nvPr/>
+        </p:nvPicPr>
+        <p:blipFill>
+          <a:blip r:embed="rId2"/>
+          <a:stretch>
+            <a:fillRect/>
+          </a:stretch>
+        </p:blipFill>
+        <p:spPr>
+          <a:xfrm>
+            <a:off x="1773818" y="343758"/>
+            <a:ext cx="5797299" cy="4296993"/>
+          </a:xfrm>
+          <a:prstGeom prst="rect">
+            <a:avLst/>
+          </a:prstGeom>
+        </p:spPr>
+      </p:pic>
+    </p:spTree>
+    <p:extLst>
+      <p:ext uri="{BB962C8B-B14F-4D97-AF65-F5344CB8AC3E}">
+        <p14:creationId xmlns:p14="http://schemas.microsoft.com/office/powerpoint/2010/main" val="3863830325"/>
+      </p:ext>
+    </p:extLst>
+  </p:cSld>
+  <p:clrMapOvr>
+    <a:masterClrMapping/>
+  </p:clrMapOvr>
+  <p:timing>
+    <p:tnLst>
+      <p:par>
+        <p:cTn id="1" dur="indefinite" restart="never" nodeType="tmRoot"/>
+      </p:par>
+    </p:tnLst>
+  </p:timing>
+</p:sld>
+</file>
+
+<file path=ppt/slides/slide7.xml><?xml version="1.0" encoding="utf-8"?>
+<p:sld xmlns:a="http://schemas.openxmlformats.org/drawingml/2006/main" xmlns:r="http://schemas.openxmlformats.org/officeDocument/2006/relationships" xmlns:p="http://schemas.openxmlformats.org/presentationml/2006/main">
+  <p:cSld>
+    <p:spTree>
+      <p:nvGrpSpPr>
+        <p:cNvPr id="1" name="Shape 167"/>
         <p:cNvGrpSpPr/>
         <p:nvPr/>
       </p:nvGrpSpPr>
@@ -10320,27 +10976,29 @@
       <p:sp>
         <p:nvSpPr>
           <p:cNvPr id="168" name="Google Shape;168;p18"/>
-          <p:cNvSpPr txBox="1"/>
+          <p:cNvSpPr txBox="1">
+            <a:spLocks noGrp="1"/>
+          </p:cNvSpPr>
           <p:nvPr>
             <p:ph type="title"/>
           </p:nvPr>
         </p:nvSpPr>
         <p:spPr>
           <a:xfrm>
-            <a:off x="1297500" y="393750"/>
-            <a:ext cx="7038900" cy="914100"/>
+            <a:off x="2645037" y="517504"/>
+            <a:ext cx="3783264" cy="678779"/>
           </a:xfrm>
           <a:prstGeom prst="rect">
             <a:avLst/>
           </a:prstGeom>
         </p:spPr>
         <p:txBody>
-          <a:bodyPr anchorCtr="0" anchor="t" bIns="91425" lIns="91425" spcFirstLastPara="1" rIns="91425" wrap="square" tIns="91425">
+          <a:bodyPr spcFirstLastPara="1" wrap="square" lIns="91425" tIns="91425" rIns="91425" bIns="91425" anchor="t" anchorCtr="0">
             <a:normAutofit/>
           </a:bodyPr>
           <a:lstStyle/>
           <a:p>
-            <a:pPr indent="0" lvl="0" marL="0" rtl="0" algn="l">
+            <a:pPr marL="0" lvl="0" indent="0" algn="ctr" rtl="0">
               <a:spcBef>
                 <a:spcPts val="0"/>
               </a:spcBef>
@@ -10350,10 +11008,100 @@
               <a:buNone/>
             </a:pPr>
             <a:r>
-              <a:rPr lang="ru"/>
+              <a:rPr lang="ru" sz="3200" dirty="0">
+                <a:latin typeface="Times New Roman" panose="02020603050405020304" pitchFamily="18" charset="0"/>
+                <a:cs typeface="Times New Roman" panose="02020603050405020304" pitchFamily="18" charset="0"/>
+              </a:rPr>
               <a:t>Заключение</a:t>
             </a:r>
-            <a:endParaRPr/>
+            <a:endParaRPr sz="3200" dirty="0">
+              <a:latin typeface="Times New Roman" panose="02020603050405020304" pitchFamily="18" charset="0"/>
+              <a:cs typeface="Times New Roman" panose="02020603050405020304" pitchFamily="18" charset="0"/>
+            </a:endParaRPr>
+          </a:p>
+        </p:txBody>
+      </p:sp>
+      <p:sp>
+        <p:nvSpPr>
+          <p:cNvPr id="2" name="TextBox 1"/>
+          <p:cNvSpPr txBox="1"/>
+          <p:nvPr/>
+        </p:nvSpPr>
+        <p:spPr>
+          <a:xfrm>
+            <a:off x="774643" y="1870052"/>
+            <a:ext cx="4439036" cy="707886"/>
+          </a:xfrm>
+          <a:prstGeom prst="rect">
+            <a:avLst/>
+          </a:prstGeom>
+          <a:noFill/>
+        </p:spPr>
+        <p:txBody>
+          <a:bodyPr wrap="none" rtlCol="0">
+            <a:spAutoFit/>
+          </a:bodyPr>
+          <a:lstStyle/>
+          <a:p>
+            <a:r>
+              <a:rPr lang="ru-RU" sz="2000" dirty="0" smtClean="0">
+                <a:solidFill>
+                  <a:schemeClr val="bg1"/>
+                </a:solidFill>
+                <a:latin typeface="Times New Roman" panose="02020603050405020304" pitchFamily="18" charset="0"/>
+                <a:cs typeface="Times New Roman" panose="02020603050405020304" pitchFamily="18" charset="0"/>
+              </a:rPr>
+              <a:t>Итоги работы</a:t>
+            </a:r>
+            <a:r>
+              <a:rPr lang="en-US" sz="2000" dirty="0" smtClean="0">
+                <a:solidFill>
+                  <a:schemeClr val="bg1"/>
+                </a:solidFill>
+                <a:latin typeface="Times New Roman" panose="02020603050405020304" pitchFamily="18" charset="0"/>
+                <a:cs typeface="Times New Roman" panose="02020603050405020304" pitchFamily="18" charset="0"/>
+              </a:rPr>
+              <a:t>:</a:t>
+            </a:r>
+          </a:p>
+          <a:p>
+            <a:r>
+              <a:rPr lang="ru-RU" sz="2000" dirty="0" smtClean="0">
+                <a:solidFill>
+                  <a:schemeClr val="bg1"/>
+                </a:solidFill>
+                <a:latin typeface="Times New Roman" panose="02020603050405020304" pitchFamily="18" charset="0"/>
+                <a:cs typeface="Times New Roman" panose="02020603050405020304" pitchFamily="18" charset="0"/>
+              </a:rPr>
+              <a:t>Разработана игра в жанре </a:t>
+            </a:r>
+            <a:r>
+              <a:rPr lang="ru-RU" sz="2000" dirty="0" err="1" smtClean="0">
+                <a:solidFill>
+                  <a:schemeClr val="bg1"/>
+                </a:solidFill>
+                <a:latin typeface="Times New Roman" panose="02020603050405020304" pitchFamily="18" charset="0"/>
+                <a:cs typeface="Times New Roman" panose="02020603050405020304" pitchFamily="18" charset="0"/>
+              </a:rPr>
+              <a:t>платформер</a:t>
+            </a:r>
+            <a:r>
+              <a:rPr lang="en-US" sz="2000" dirty="0" smtClean="0">
+                <a:solidFill>
+                  <a:schemeClr val="bg1"/>
+                </a:solidFill>
+                <a:latin typeface="Times New Roman" panose="02020603050405020304" pitchFamily="18" charset="0"/>
+                <a:cs typeface="Times New Roman" panose="02020603050405020304" pitchFamily="18" charset="0"/>
+              </a:rPr>
+              <a:t> </a:t>
+            </a:r>
+            <a:endParaRPr lang="ru-RU" sz="2000" dirty="0" smtClean="0">
+              <a:solidFill>
+                <a:schemeClr val="bg1"/>
+              </a:solidFill>
+              <a:latin typeface="Times New Roman" panose="02020603050405020304" pitchFamily="18" charset="0"/>
+              <a:cs typeface="Times New Roman" panose="02020603050405020304" pitchFamily="18" charset="0"/>
+            </a:endParaRPr>
           </a:p>
         </p:txBody>
       </p:sp>
@@ -10362,15 +11110,144 @@
   <p:clrMapOvr>
     <a:masterClrMapping/>
   </p:clrMapOvr>
+  <p:timing>
+    <p:tnLst>
+      <p:par>
+        <p:cTn id="1" dur="indefinite" restart="never" nodeType="tmRoot"/>
+      </p:par>
+    </p:tnLst>
+  </p:timing>
 </p:sld>
 </file>
 
-<file path=ppt/slides/slide7.xml><?xml version="1.0" encoding="utf-8"?>
-<p:sld xmlns:a="http://schemas.openxmlformats.org/drawingml/2006/main" xmlns:r="http://schemas.openxmlformats.org/officeDocument/2006/relationships" xmlns:mc="http://schemas.openxmlformats.org/markup-compatibility/2006" xmlns:mv="urn:schemas-microsoft-com:mac:vml" xmlns:p="http://schemas.openxmlformats.org/presentationml/2006/main" xmlns:c="http://schemas.openxmlformats.org/drawingml/2006/chart" xmlns:dgm="http://schemas.openxmlformats.org/drawingml/2006/diagram" xmlns:o="urn:schemas-microsoft-com:office:office" xmlns:v="urn:schemas-microsoft-com:vml" xmlns:pvml="urn:schemas-microsoft-com:office:powerpoint" xmlns:com="http://schemas.openxmlformats.org/drawingml/2006/compatibility" xmlns:p14="http://schemas.microsoft.com/office/powerpoint/2010/main" xmlns:p15="http://schemas.microsoft.com/office/powerpoint/2012/main" xmlns:ahyp="http://schemas.microsoft.com/office/drawing/2018/hyperlinkcolor">
+<file path=ppt/slides/slide8.xml><?xml version="1.0" encoding="utf-8"?>
+<p:sld xmlns:a="http://schemas.openxmlformats.org/drawingml/2006/main" xmlns:r="http://schemas.openxmlformats.org/officeDocument/2006/relationships" xmlns:p="http://schemas.openxmlformats.org/presentationml/2006/main">
   <p:cSld>
     <p:spTree>
       <p:nvGrpSpPr>
-        <p:cNvPr id="172" name="Shape 172"/>
+        <p:cNvPr id="1" name=""/>
+        <p:cNvGrpSpPr/>
+        <p:nvPr/>
+      </p:nvGrpSpPr>
+      <p:grpSpPr>
+        <a:xfrm>
+          <a:off x="0" y="0"/>
+          <a:ext cx="0" cy="0"/>
+          <a:chOff x="0" y="0"/>
+          <a:chExt cx="0" cy="0"/>
+        </a:xfrm>
+      </p:grpSpPr>
+      <p:sp>
+        <p:nvSpPr>
+          <p:cNvPr id="2" name="Заголовок 1"/>
+          <p:cNvSpPr>
+            <a:spLocks noGrp="1"/>
+          </p:cNvSpPr>
+          <p:nvPr>
+            <p:ph type="title"/>
+          </p:nvPr>
+        </p:nvSpPr>
+        <p:spPr>
+          <a:xfrm>
+            <a:off x="2585071" y="586255"/>
+            <a:ext cx="4008233" cy="561901"/>
+          </a:xfrm>
+        </p:spPr>
+        <p:txBody>
+          <a:bodyPr>
+            <a:noAutofit/>
+          </a:bodyPr>
+          <a:lstStyle/>
+          <a:p>
+            <a:r>
+              <a:rPr lang="ru-RU" sz="2800" dirty="0" smtClean="0">
+                <a:latin typeface="Times New Roman" panose="02020603050405020304" pitchFamily="18" charset="0"/>
+                <a:cs typeface="Times New Roman" panose="02020603050405020304" pitchFamily="18" charset="0"/>
+              </a:rPr>
+              <a:t>Перспектива развития</a:t>
+            </a:r>
+            <a:endParaRPr lang="ru-RU" sz="2800" dirty="0">
+              <a:latin typeface="Times New Roman" panose="02020603050405020304" pitchFamily="18" charset="0"/>
+              <a:cs typeface="Times New Roman" panose="02020603050405020304" pitchFamily="18" charset="0"/>
+            </a:endParaRPr>
+          </a:p>
+        </p:txBody>
+      </p:sp>
+      <p:sp>
+        <p:nvSpPr>
+          <p:cNvPr id="3" name="Текст 2"/>
+          <p:cNvSpPr>
+            <a:spLocks noGrp="1"/>
+          </p:cNvSpPr>
+          <p:nvPr>
+            <p:ph type="body" idx="1"/>
+          </p:nvPr>
+        </p:nvSpPr>
+        <p:spPr/>
+        <p:txBody>
+          <a:bodyPr>
+            <a:normAutofit/>
+          </a:bodyPr>
+          <a:lstStyle/>
+          <a:p>
+            <a:r>
+              <a:rPr lang="ru-RU" sz="2400" dirty="0" smtClean="0">
+                <a:latin typeface="Times New Roman" panose="02020603050405020304" pitchFamily="18" charset="0"/>
+                <a:cs typeface="Times New Roman" panose="02020603050405020304" pitchFamily="18" charset="0"/>
+              </a:rPr>
+              <a:t>Добавить больше врагов</a:t>
+            </a:r>
+          </a:p>
+          <a:p>
+            <a:r>
+              <a:rPr lang="ru-RU" sz="2400" dirty="0" smtClean="0">
+                <a:latin typeface="Times New Roman" panose="02020603050405020304" pitchFamily="18" charset="0"/>
+                <a:cs typeface="Times New Roman" panose="02020603050405020304" pitchFamily="18" charset="0"/>
+              </a:rPr>
+              <a:t>Увеличить количество уровней</a:t>
+            </a:r>
+          </a:p>
+          <a:p>
+            <a:r>
+              <a:rPr lang="ru-RU" sz="2400" dirty="0" smtClean="0">
+                <a:latin typeface="Times New Roman" panose="02020603050405020304" pitchFamily="18" charset="0"/>
+                <a:cs typeface="Times New Roman" panose="02020603050405020304" pitchFamily="18" charset="0"/>
+              </a:rPr>
+              <a:t>Добавить сюжет</a:t>
+            </a:r>
+            <a:endParaRPr lang="ru-RU" sz="2400" dirty="0">
+              <a:latin typeface="Times New Roman" panose="02020603050405020304" pitchFamily="18" charset="0"/>
+              <a:cs typeface="Times New Roman" panose="02020603050405020304" pitchFamily="18" charset="0"/>
+            </a:endParaRPr>
+          </a:p>
+        </p:txBody>
+      </p:sp>
+    </p:spTree>
+    <p:extLst>
+      <p:ext uri="{BB962C8B-B14F-4D97-AF65-F5344CB8AC3E}">
+        <p14:creationId xmlns:p14="http://schemas.microsoft.com/office/powerpoint/2010/main" val="1436223084"/>
+      </p:ext>
+    </p:extLst>
+  </p:cSld>
+  <p:clrMapOvr>
+    <a:masterClrMapping/>
+  </p:clrMapOvr>
+  <p:timing>
+    <p:tnLst>
+      <p:par>
+        <p:cTn id="1" dur="indefinite" restart="never" nodeType="tmRoot"/>
+      </p:par>
+    </p:tnLst>
+  </p:timing>
+</p:sld>
+</file>
+
+<file path=ppt/slides/slide9.xml><?xml version="1.0" encoding="utf-8"?>
+<p:sld xmlns:a="http://schemas.openxmlformats.org/drawingml/2006/main" xmlns:r="http://schemas.openxmlformats.org/officeDocument/2006/relationships" xmlns:p="http://schemas.openxmlformats.org/presentationml/2006/main">
+  <p:cSld>
+    <p:spTree>
+      <p:nvGrpSpPr>
+        <p:cNvPr id="1" name="Shape 172"/>
         <p:cNvGrpSpPr/>
         <p:nvPr/>
       </p:nvGrpSpPr>
@@ -10385,27 +11262,29 @@
       <p:sp>
         <p:nvSpPr>
           <p:cNvPr id="173" name="Google Shape;173;p19"/>
-          <p:cNvSpPr txBox="1"/>
+          <p:cNvSpPr txBox="1">
+            <a:spLocks noGrp="1"/>
+          </p:cNvSpPr>
           <p:nvPr>
             <p:ph type="title"/>
           </p:nvPr>
         </p:nvSpPr>
         <p:spPr>
           <a:xfrm>
-            <a:off x="1297500" y="393750"/>
-            <a:ext cx="7038900" cy="1620900"/>
+            <a:off x="989344" y="2339429"/>
+            <a:ext cx="7038900" cy="926286"/>
           </a:xfrm>
           <a:prstGeom prst="rect">
             <a:avLst/>
           </a:prstGeom>
         </p:spPr>
         <p:txBody>
-          <a:bodyPr anchorCtr="0" anchor="t" bIns="91425" lIns="91425" spcFirstLastPara="1" rIns="91425" wrap="square" tIns="91425">
-            <a:normAutofit fontScale="90000"/>
+          <a:bodyPr spcFirstLastPara="1" wrap="square" lIns="91425" tIns="91425" rIns="91425" bIns="91425" anchor="t" anchorCtr="0">
+            <a:normAutofit/>
           </a:bodyPr>
           <a:lstStyle/>
           <a:p>
-            <a:pPr indent="0" lvl="0" marL="0" rtl="0" algn="l">
+            <a:pPr marL="0" lvl="0" indent="0" algn="l" rtl="0">
               <a:spcBef>
                 <a:spcPts val="0"/>
               </a:spcBef>
@@ -10415,41 +11294,56 @@
               <a:buNone/>
             </a:pPr>
             <a:r>
-              <a:rPr lang="ru"/>
+              <a:rPr lang="ru" dirty="0" smtClean="0"/>
+              <a:t>https</a:t>
+            </a:r>
+            <a:r>
+              <a:rPr lang="ru" dirty="0"/>
+              <a:t>://github.com/ShpakovskiVyacheslav/Arcade-project.git</a:t>
+            </a:r>
+            <a:endParaRPr dirty="0"/>
+          </a:p>
+        </p:txBody>
+      </p:sp>
+      <p:sp>
+        <p:nvSpPr>
+          <p:cNvPr id="2" name="TextBox 1"/>
+          <p:cNvSpPr txBox="1"/>
+          <p:nvPr/>
+        </p:nvSpPr>
+        <p:spPr>
+          <a:xfrm>
+            <a:off x="2227560" y="666892"/>
+            <a:ext cx="4562467" cy="584775"/>
+          </a:xfrm>
+          <a:prstGeom prst="rect">
+            <a:avLst/>
+          </a:prstGeom>
+          <a:noFill/>
+        </p:spPr>
+        <p:txBody>
+          <a:bodyPr wrap="none" rtlCol="0">
+            <a:spAutoFit/>
+          </a:bodyPr>
+          <a:lstStyle/>
+          <a:p>
+            <a:r>
+              <a:rPr lang="ru" sz="3200" dirty="0">
+                <a:solidFill>
+                  <a:schemeClr val="bg1"/>
+                </a:solidFill>
+                <a:latin typeface="Times New Roman" panose="02020603050405020304" pitchFamily="18" charset="0"/>
+                <a:cs typeface="Times New Roman" panose="02020603050405020304" pitchFamily="18" charset="0"/>
+              </a:rPr>
               <a:t>Ссылка на исходный код</a:t>
             </a:r>
-            <a:endParaRPr/>
-          </a:p>
-          <a:p>
-            <a:pPr indent="0" lvl="0" marL="0" rtl="0" algn="l">
-              <a:spcBef>
-                <a:spcPts val="0"/>
-              </a:spcBef>
-              <a:spcAft>
-                <a:spcPts val="0"/>
-              </a:spcAft>
-              <a:buNone/>
-            </a:pPr>
-            <a:r>
-              <a:t/>
-            </a:r>
-            <a:endParaRPr/>
-          </a:p>
-          <a:p>
-            <a:pPr indent="0" lvl="0" marL="0" rtl="0" algn="l">
-              <a:spcBef>
-                <a:spcPts val="0"/>
-              </a:spcBef>
-              <a:spcAft>
-                <a:spcPts val="0"/>
-              </a:spcAft>
-              <a:buNone/>
-            </a:pPr>
-            <a:r>
-              <a:rPr lang="ru"/>
-              <a:t>https://github.com/ShpakovskiVyacheslav/Arcade-project.git</a:t>
-            </a:r>
-            <a:endParaRPr/>
+            <a:endParaRPr lang="ru-RU" sz="3200" dirty="0">
+              <a:solidFill>
+                <a:schemeClr val="bg1"/>
+              </a:solidFill>
+              <a:latin typeface="Times New Roman" panose="02020603050405020304" pitchFamily="18" charset="0"/>
+              <a:cs typeface="Times New Roman" panose="02020603050405020304" pitchFamily="18" charset="0"/>
+            </a:endParaRPr>
           </a:p>
         </p:txBody>
       </p:sp>
@@ -10458,11 +11352,18 @@
   <p:clrMapOvr>
     <a:masterClrMapping/>
   </p:clrMapOvr>
+  <p:timing>
+    <p:tnLst>
+      <p:par>
+        <p:cTn id="1" dur="indefinite" restart="never" nodeType="tmRoot"/>
+      </p:par>
+    </p:tnLst>
+  </p:timing>
 </p:sld>
 </file>
 
 <file path=ppt/theme/theme1.xml><?xml version="1.0" encoding="utf-8"?>
-<a:theme xmlns:a="http://schemas.openxmlformats.org/drawingml/2006/main" xmlns:r="http://schemas.openxmlformats.org/officeDocument/2006/relationships" name="Focus">
+<a:theme xmlns:a="http://schemas.openxmlformats.org/drawingml/2006/main" name="Focus">
   <a:themeElements>
     <a:clrScheme name="Focus">
       <a:dk1>
@@ -10737,11 +11638,13 @@
       </a:bgFillStyleLst>
     </a:fmtScheme>
   </a:themeElements>
+  <a:objectDefaults/>
+  <a:extraClrSchemeLst/>
 </a:theme>
 </file>
 
 <file path=ppt/theme/theme2.xml><?xml version="1.0" encoding="utf-8"?>
-<a:theme xmlns:a="http://schemas.openxmlformats.org/drawingml/2006/main" xmlns:r="http://schemas.openxmlformats.org/officeDocument/2006/relationships">
+<a:theme xmlns:a="http://schemas.openxmlformats.org/drawingml/2006/main">
   <a:themeElements>
     <a:clrScheme name="Default">
       <a:dk1>
@@ -11016,5 +11919,7 @@
       </a:bgFillStyleLst>
     </a:fmtScheme>
   </a:themeElements>
+  <a:objectDefaults/>
+  <a:extraClrSchemeLst/>
 </a:theme>
 </file>
--- a/documentation/Fish Hunter.pptx
+++ b/documentation/Fish Hunter.pptx
@@ -14,22 +14,22 @@
     <p:sldId id="259" r:id="rId5"/>
     <p:sldId id="260" r:id="rId6"/>
     <p:sldId id="263" r:id="rId7"/>
-    <p:sldId id="261" r:id="rId8"/>
-    <p:sldId id="264" r:id="rId9"/>
-    <p:sldId id="262" r:id="rId10"/>
+    <p:sldId id="264" r:id="rId8"/>
+    <p:sldId id="266" r:id="rId9"/>
+    <p:sldId id="265" r:id="rId10"/>
   </p:sldIdLst>
   <p:sldSz cx="9144000" cy="5143500" type="screen16x9"/>
   <p:notesSz cx="6858000" cy="9144000"/>
   <p:embeddedFontLst>
     <p:embeddedFont>
-      <p:font typeface="Montserrat" panose="020B0604020202020204" charset="-52"/>
+      <p:font typeface="Lato" panose="020B0604020202020204" charset="0"/>
       <p:regular r:id="rId12"/>
       <p:bold r:id="rId13"/>
       <p:italic r:id="rId14"/>
       <p:boldItalic r:id="rId15"/>
     </p:embeddedFont>
     <p:embeddedFont>
-      <p:font typeface="Lato" panose="020B0604020202020204" charset="0"/>
+      <p:font typeface="Montserrat" panose="020B0604020202020204" charset="-52"/>
       <p:regular r:id="rId16"/>
       <p:bold r:id="rId17"/>
       <p:italic r:id="rId18"/>
@@ -1202,214 +1202,6 @@
       <p:sp>
         <p:nvSpPr>
           <p:cNvPr id="159" name="Google Shape;159;g3b8b8576e1a_0_137:notes"/>
-          <p:cNvSpPr txBox="1">
-            <a:spLocks noGrp="1"/>
-          </p:cNvSpPr>
-          <p:nvPr>
-            <p:ph type="body" idx="1"/>
-          </p:nvPr>
-        </p:nvSpPr>
-        <p:spPr>
-          <a:xfrm>
-            <a:off x="685800" y="4343400"/>
-            <a:ext cx="5486400" cy="4114800"/>
-          </a:xfrm>
-          <a:prstGeom prst="rect">
-            <a:avLst/>
-          </a:prstGeom>
-        </p:spPr>
-        <p:txBody>
-          <a:bodyPr spcFirstLastPara="1" wrap="square" lIns="91425" tIns="91425" rIns="91425" bIns="91425" anchor="t" anchorCtr="0">
-            <a:noAutofit/>
-          </a:bodyPr>
-          <a:lstStyle/>
-          <a:p>
-            <a:pPr marL="0" lvl="0" indent="0" algn="l" rtl="0">
-              <a:spcBef>
-                <a:spcPts val="0"/>
-              </a:spcBef>
-              <a:spcAft>
-                <a:spcPts val="0"/>
-              </a:spcAft>
-              <a:buNone/>
-            </a:pPr>
-            <a:endParaRPr/>
-          </a:p>
-        </p:txBody>
-      </p:sp>
-    </p:spTree>
-  </p:cSld>
-  <p:clrMapOvr>
-    <a:masterClrMapping/>
-  </p:clrMapOvr>
-</p:notes>
-</file>
-
-<file path=ppt/notesSlides/notesSlide6.xml><?xml version="1.0" encoding="utf-8"?>
-<p:notes xmlns:a="http://schemas.openxmlformats.org/drawingml/2006/main" xmlns:r="http://schemas.openxmlformats.org/officeDocument/2006/relationships" xmlns:p="http://schemas.openxmlformats.org/presentationml/2006/main" showMasterSp="0" showMasterPhAnim="0">
-  <p:cSld>
-    <p:spTree>
-      <p:nvGrpSpPr>
-        <p:cNvPr id="1" name="Shape 164"/>
-        <p:cNvGrpSpPr/>
-        <p:nvPr/>
-      </p:nvGrpSpPr>
-      <p:grpSpPr>
-        <a:xfrm>
-          <a:off x="0" y="0"/>
-          <a:ext cx="0" cy="0"/>
-          <a:chOff x="0" y="0"/>
-          <a:chExt cx="0" cy="0"/>
-        </a:xfrm>
-      </p:grpSpPr>
-      <p:sp>
-        <p:nvSpPr>
-          <p:cNvPr id="165" name="Google Shape;165;g3b8b8576e1a_0_141:notes"/>
-          <p:cNvSpPr>
-            <a:spLocks noGrp="1" noRot="1" noChangeAspect="1"/>
-          </p:cNvSpPr>
-          <p:nvPr>
-            <p:ph type="sldImg" idx="2"/>
-          </p:nvPr>
-        </p:nvSpPr>
-        <p:spPr>
-          <a:xfrm>
-            <a:off x="381000" y="685800"/>
-            <a:ext cx="6096000" cy="3429000"/>
-          </a:xfrm>
-          <a:custGeom>
-            <a:avLst/>
-            <a:gdLst/>
-            <a:ahLst/>
-            <a:cxnLst/>
-            <a:rect l="l" t="t" r="r" b="b"/>
-            <a:pathLst>
-              <a:path w="120000" h="120000" extrusionOk="0">
-                <a:moveTo>
-                  <a:pt x="0" y="0"/>
-                </a:moveTo>
-                <a:lnTo>
-                  <a:pt x="120000" y="0"/>
-                </a:lnTo>
-                <a:lnTo>
-                  <a:pt x="120000" y="120000"/>
-                </a:lnTo>
-                <a:lnTo>
-                  <a:pt x="0" y="120000"/>
-                </a:lnTo>
-                <a:close/>
-              </a:path>
-            </a:pathLst>
-          </a:custGeom>
-        </p:spPr>
-      </p:sp>
-      <p:sp>
-        <p:nvSpPr>
-          <p:cNvPr id="166" name="Google Shape;166;g3b8b8576e1a_0_141:notes"/>
-          <p:cNvSpPr txBox="1">
-            <a:spLocks noGrp="1"/>
-          </p:cNvSpPr>
-          <p:nvPr>
-            <p:ph type="body" idx="1"/>
-          </p:nvPr>
-        </p:nvSpPr>
-        <p:spPr>
-          <a:xfrm>
-            <a:off x="685800" y="4343400"/>
-            <a:ext cx="5486400" cy="4114800"/>
-          </a:xfrm>
-          <a:prstGeom prst="rect">
-            <a:avLst/>
-          </a:prstGeom>
-        </p:spPr>
-        <p:txBody>
-          <a:bodyPr spcFirstLastPara="1" wrap="square" lIns="91425" tIns="91425" rIns="91425" bIns="91425" anchor="t" anchorCtr="0">
-            <a:noAutofit/>
-          </a:bodyPr>
-          <a:lstStyle/>
-          <a:p>
-            <a:pPr marL="0" lvl="0" indent="0" algn="l" rtl="0">
-              <a:spcBef>
-                <a:spcPts val="0"/>
-              </a:spcBef>
-              <a:spcAft>
-                <a:spcPts val="0"/>
-              </a:spcAft>
-              <a:buNone/>
-            </a:pPr>
-            <a:endParaRPr/>
-          </a:p>
-        </p:txBody>
-      </p:sp>
-    </p:spTree>
-  </p:cSld>
-  <p:clrMapOvr>
-    <a:masterClrMapping/>
-  </p:clrMapOvr>
-</p:notes>
-</file>
-
-<file path=ppt/notesSlides/notesSlide7.xml><?xml version="1.0" encoding="utf-8"?>
-<p:notes xmlns:a="http://schemas.openxmlformats.org/drawingml/2006/main" xmlns:r="http://schemas.openxmlformats.org/officeDocument/2006/relationships" xmlns:p="http://schemas.openxmlformats.org/presentationml/2006/main" showMasterSp="0" showMasterPhAnim="0">
-  <p:cSld>
-    <p:spTree>
-      <p:nvGrpSpPr>
-        <p:cNvPr id="1" name="Shape 169"/>
-        <p:cNvGrpSpPr/>
-        <p:nvPr/>
-      </p:nvGrpSpPr>
-      <p:grpSpPr>
-        <a:xfrm>
-          <a:off x="0" y="0"/>
-          <a:ext cx="0" cy="0"/>
-          <a:chOff x="0" y="0"/>
-          <a:chExt cx="0" cy="0"/>
-        </a:xfrm>
-      </p:grpSpPr>
-      <p:sp>
-        <p:nvSpPr>
-          <p:cNvPr id="170" name="Google Shape;170;g3b8b8576e1a_0_145:notes"/>
-          <p:cNvSpPr>
-            <a:spLocks noGrp="1" noRot="1" noChangeAspect="1"/>
-          </p:cNvSpPr>
-          <p:nvPr>
-            <p:ph type="sldImg" idx="2"/>
-          </p:nvPr>
-        </p:nvSpPr>
-        <p:spPr>
-          <a:xfrm>
-            <a:off x="381000" y="685800"/>
-            <a:ext cx="6096000" cy="3429000"/>
-          </a:xfrm>
-          <a:custGeom>
-            <a:avLst/>
-            <a:gdLst/>
-            <a:ahLst/>
-            <a:cxnLst/>
-            <a:rect l="l" t="t" r="r" b="b"/>
-            <a:pathLst>
-              <a:path w="120000" h="120000" extrusionOk="0">
-                <a:moveTo>
-                  <a:pt x="0" y="0"/>
-                </a:moveTo>
-                <a:lnTo>
-                  <a:pt x="120000" y="0"/>
-                </a:lnTo>
-                <a:lnTo>
-                  <a:pt x="120000" y="120000"/>
-                </a:lnTo>
-                <a:lnTo>
-                  <a:pt x="0" y="120000"/>
-                </a:lnTo>
-                <a:close/>
-              </a:path>
-            </a:pathLst>
-          </a:custGeom>
-        </p:spPr>
-      </p:sp>
-      <p:sp>
-        <p:nvSpPr>
-          <p:cNvPr id="171" name="Google Shape;171;g3b8b8576e1a_0_145:notes"/>
           <p:cNvSpPr txBox="1">
             <a:spLocks noGrp="1"/>
           </p:cNvSpPr>
@@ -9792,7 +9584,7 @@
         <p:spPr>
           <a:xfrm>
             <a:off x="276821" y="1394924"/>
-            <a:ext cx="3944100" cy="3245827"/>
+            <a:ext cx="3944100" cy="3170201"/>
           </a:xfrm>
           <a:prstGeom prst="rect">
             <a:avLst/>
@@ -9922,19 +9714,7 @@
                 <a:cs typeface="Times New Roman" panose="02020603050405020304" pitchFamily="18" charset="0"/>
                 <a:sym typeface="Lato"/>
               </a:rPr>
-              <a:t>являющейся аналогом иг</a:t>
-            </a:r>
-            <a:r>
-              <a:rPr lang="ru-RU" dirty="0" smtClean="0">
-                <a:solidFill>
-                  <a:schemeClr val="lt1"/>
-                </a:solidFill>
-                <a:latin typeface="Times New Roman" panose="02020603050405020304" pitchFamily="18" charset="0"/>
-                <a:ea typeface="Lato"/>
-                <a:cs typeface="Times New Roman" panose="02020603050405020304" pitchFamily="18" charset="0"/>
-                <a:sym typeface="Lato"/>
-              </a:rPr>
-              <a:t>р серии </a:t>
+              <a:t>являющейся аналогом игр серии </a:t>
             </a:r>
             <a:r>
               <a:rPr lang="en-US" dirty="0" smtClean="0">
@@ -10076,6 +9856,15 @@
               </a:rPr>
               <a:t>:</a:t>
             </a:r>
+            <a:endParaRPr lang="ru-RU" dirty="0" smtClean="0">
+              <a:solidFill>
+                <a:schemeClr val="lt1"/>
+              </a:solidFill>
+              <a:latin typeface="Times New Roman" panose="02020603050405020304" pitchFamily="18" charset="0"/>
+              <a:ea typeface="Lato"/>
+              <a:cs typeface="Times New Roman" panose="02020603050405020304" pitchFamily="18" charset="0"/>
+              <a:sym typeface="Lato"/>
+            </a:endParaRPr>
           </a:p>
           <a:p>
             <a:pPr marL="0" lvl="0" indent="0" algn="l" rtl="0">
@@ -10088,7 +9877,7 @@
               <a:buNone/>
             </a:pPr>
             <a:r>
-              <a:rPr lang="en-US" dirty="0">
+              <a:rPr lang="ru-RU" dirty="0" smtClean="0">
                 <a:solidFill>
                   <a:schemeClr val="lt1"/>
                 </a:solidFill>
@@ -10097,19 +9886,7 @@
                 <a:cs typeface="Times New Roman" panose="02020603050405020304" pitchFamily="18" charset="0"/>
                 <a:sym typeface="Lato"/>
               </a:rPr>
-              <a:t>	</a:t>
-            </a:r>
-            <a:r>
-              <a:rPr lang="en-US" dirty="0" smtClean="0">
-                <a:solidFill>
-                  <a:schemeClr val="lt1"/>
-                </a:solidFill>
-                <a:latin typeface="Times New Roman" panose="02020603050405020304" pitchFamily="18" charset="0"/>
-                <a:ea typeface="Lato"/>
-                <a:cs typeface="Times New Roman" panose="02020603050405020304" pitchFamily="18" charset="0"/>
-                <a:sym typeface="Lato"/>
-              </a:rPr>
-              <a:t>3.1)</a:t>
+              <a:t>4)Добавить </a:t>
             </a:r>
             <a:r>
               <a:rPr lang="ru-RU" dirty="0" smtClean="0">
@@ -10121,89 +9898,7 @@
                 <a:cs typeface="Times New Roman" panose="02020603050405020304" pitchFamily="18" charset="0"/>
                 <a:sym typeface="Lato"/>
               </a:rPr>
-              <a:t>Добавить шипы и пропасти</a:t>
-            </a:r>
-          </a:p>
-          <a:p>
-            <a:pPr marL="0" lvl="0" indent="0" algn="l" rtl="0">
-              <a:spcBef>
-                <a:spcPts val="0"/>
-              </a:spcBef>
-              <a:spcAft>
-                <a:spcPts val="0"/>
-              </a:spcAft>
-              <a:buNone/>
-            </a:pPr>
-            <a:r>
-              <a:rPr lang="ru-RU" dirty="0">
-                <a:solidFill>
-                  <a:schemeClr val="lt1"/>
-                </a:solidFill>
-                <a:latin typeface="Times New Roman" panose="02020603050405020304" pitchFamily="18" charset="0"/>
-                <a:ea typeface="Lato"/>
-                <a:cs typeface="Times New Roman" panose="02020603050405020304" pitchFamily="18" charset="0"/>
-                <a:sym typeface="Lato"/>
-              </a:rPr>
-              <a:t>	</a:t>
-            </a:r>
-            <a:r>
-              <a:rPr lang="ru-RU" dirty="0" smtClean="0">
-                <a:solidFill>
-                  <a:schemeClr val="lt1"/>
-                </a:solidFill>
-                <a:latin typeface="Times New Roman" panose="02020603050405020304" pitchFamily="18" charset="0"/>
-                <a:ea typeface="Lato"/>
-                <a:cs typeface="Times New Roman" panose="02020603050405020304" pitchFamily="18" charset="0"/>
-                <a:sym typeface="Lato"/>
-              </a:rPr>
-              <a:t>3</a:t>
-            </a:r>
-            <a:r>
-              <a:rPr lang="en-US" dirty="0" smtClean="0">
-                <a:solidFill>
-                  <a:schemeClr val="lt1"/>
-                </a:solidFill>
-                <a:latin typeface="Times New Roman" panose="02020603050405020304" pitchFamily="18" charset="0"/>
-                <a:ea typeface="Lato"/>
-                <a:cs typeface="Times New Roman" panose="02020603050405020304" pitchFamily="18" charset="0"/>
-                <a:sym typeface="Lato"/>
-              </a:rPr>
-              <a:t>.2)</a:t>
-            </a:r>
-            <a:r>
-              <a:rPr lang="ru-RU" dirty="0" smtClean="0">
-                <a:solidFill>
-                  <a:schemeClr val="lt1"/>
-                </a:solidFill>
-                <a:latin typeface="Times New Roman" panose="02020603050405020304" pitchFamily="18" charset="0"/>
-                <a:ea typeface="Lato"/>
-                <a:cs typeface="Times New Roman" panose="02020603050405020304" pitchFamily="18" charset="0"/>
-                <a:sym typeface="Lato"/>
-              </a:rPr>
-              <a:t>Добавить врагов</a:t>
-            </a:r>
-          </a:p>
-          <a:p>
-            <a:pPr marL="0" lvl="0" indent="0" algn="l" rtl="0">
-              <a:spcBef>
-                <a:spcPts val="0"/>
-              </a:spcBef>
-              <a:spcAft>
-                <a:spcPts val="0"/>
-              </a:spcAft>
-              <a:buNone/>
-            </a:pPr>
-            <a:r>
-              <a:rPr lang="ru-RU" dirty="0" smtClean="0">
-                <a:solidFill>
-                  <a:schemeClr val="lt1"/>
-                </a:solidFill>
-                <a:latin typeface="Times New Roman" panose="02020603050405020304" pitchFamily="18" charset="0"/>
-                <a:ea typeface="Lato"/>
-                <a:cs typeface="Times New Roman" panose="02020603050405020304" pitchFamily="18" charset="0"/>
-                <a:sym typeface="Lato"/>
-              </a:rPr>
-              <a:t>4)Добавить предметы</a:t>
+              <a:t>предметы</a:t>
             </a:r>
           </a:p>
           <a:p>
@@ -10249,8 +9944,99 @@
                 <a:cs typeface="Times New Roman" panose="02020603050405020304" pitchFamily="18" charset="0"/>
                 <a:sym typeface="Lato"/>
               </a:rPr>
-              <a:t>6)Сделать систему частиц для фейерверков</a:t>
+              <a:t>6)Сделать систему частиц для </a:t>
             </a:r>
+            <a:r>
+              <a:rPr lang="ru-RU" dirty="0" smtClean="0">
+                <a:solidFill>
+                  <a:schemeClr val="lt1"/>
+                </a:solidFill>
+                <a:latin typeface="Times New Roman" panose="02020603050405020304" pitchFamily="18" charset="0"/>
+                <a:ea typeface="Lato"/>
+                <a:cs typeface="Times New Roman" panose="02020603050405020304" pitchFamily="18" charset="0"/>
+                <a:sym typeface="Lato"/>
+              </a:rPr>
+              <a:t>фейерверков</a:t>
+            </a:r>
+          </a:p>
+          <a:p>
+            <a:pPr marL="0" lvl="0" indent="0" algn="l" rtl="0">
+              <a:spcBef>
+                <a:spcPts val="0"/>
+              </a:spcBef>
+              <a:spcAft>
+                <a:spcPts val="0"/>
+              </a:spcAft>
+              <a:buNone/>
+            </a:pPr>
+            <a:r>
+              <a:rPr lang="ru-RU" dirty="0" smtClean="0">
+                <a:solidFill>
+                  <a:schemeClr val="lt1"/>
+                </a:solidFill>
+                <a:latin typeface="Times New Roman" panose="02020603050405020304" pitchFamily="18" charset="0"/>
+                <a:ea typeface="Lato"/>
+                <a:cs typeface="Times New Roman" panose="02020603050405020304" pitchFamily="18" charset="0"/>
+                <a:sym typeface="Lato"/>
+              </a:rPr>
+              <a:t>7)Сделать настройки</a:t>
+            </a:r>
+          </a:p>
+          <a:p>
+            <a:pPr marL="0" lvl="0" indent="0" algn="l" rtl="0">
+              <a:spcBef>
+                <a:spcPts val="0"/>
+              </a:spcBef>
+              <a:spcAft>
+                <a:spcPts val="0"/>
+              </a:spcAft>
+              <a:buNone/>
+            </a:pPr>
+            <a:r>
+              <a:rPr lang="ru-RU" dirty="0" smtClean="0">
+                <a:solidFill>
+                  <a:schemeClr val="lt1"/>
+                </a:solidFill>
+                <a:latin typeface="Times New Roman" panose="02020603050405020304" pitchFamily="18" charset="0"/>
+                <a:ea typeface="Lato"/>
+                <a:cs typeface="Times New Roman" panose="02020603050405020304" pitchFamily="18" charset="0"/>
+                <a:sym typeface="Lato"/>
+              </a:rPr>
+              <a:t>8)Собрать </a:t>
+            </a:r>
+            <a:r>
+              <a:rPr lang="en-US" dirty="0" smtClean="0">
+                <a:solidFill>
+                  <a:schemeClr val="lt1"/>
+                </a:solidFill>
+                <a:latin typeface="Times New Roman" panose="02020603050405020304" pitchFamily="18" charset="0"/>
+                <a:ea typeface="Lato"/>
+                <a:cs typeface="Times New Roman" panose="02020603050405020304" pitchFamily="18" charset="0"/>
+                <a:sym typeface="Lato"/>
+              </a:rPr>
+              <a:t>exe </a:t>
+            </a:r>
+            <a:r>
+              <a:rPr lang="ru-RU" dirty="0" smtClean="0">
+                <a:solidFill>
+                  <a:schemeClr val="lt1"/>
+                </a:solidFill>
+                <a:latin typeface="Times New Roman" panose="02020603050405020304" pitchFamily="18" charset="0"/>
+                <a:ea typeface="Lato"/>
+                <a:cs typeface="Times New Roman" panose="02020603050405020304" pitchFamily="18" charset="0"/>
+                <a:sym typeface="Lato"/>
+              </a:rPr>
+              <a:t>файл</a:t>
+            </a:r>
+            <a:endParaRPr lang="ru-RU" dirty="0" smtClean="0">
+              <a:solidFill>
+                <a:schemeClr val="lt1"/>
+              </a:solidFill>
+              <a:latin typeface="Times New Roman" panose="02020603050405020304" pitchFamily="18" charset="0"/>
+              <a:ea typeface="Lato"/>
+              <a:cs typeface="Times New Roman" panose="02020603050405020304" pitchFamily="18" charset="0"/>
+              <a:sym typeface="Lato"/>
+            </a:endParaRPr>
           </a:p>
           <a:p>
             <a:pPr marL="0" lvl="0" indent="0" algn="l" rtl="0">
@@ -10591,7 +10377,7 @@
         </p:nvSpPr>
         <p:spPr>
           <a:xfrm>
-            <a:off x="2370425" y="469377"/>
+            <a:off x="2321281" y="166868"/>
             <a:ext cx="4958921" cy="637528"/>
           </a:xfrm>
           <a:prstGeom prst="rect">
@@ -10635,8 +10421,8 @@
         </p:nvSpPr>
         <p:spPr>
           <a:xfrm>
-            <a:off x="3764449" y="2137189"/>
-            <a:ext cx="1880081" cy="1699165"/>
+            <a:off x="3860700" y="948775"/>
+            <a:ext cx="1880081" cy="3451346"/>
           </a:xfrm>
           <a:prstGeom prst="rect">
             <a:avLst/>
@@ -10652,7 +10438,7 @@
           </a:bodyPr>
           <a:lstStyle/>
           <a:p>
-            <a:pPr marL="0" lvl="0" indent="0" algn="l" rtl="0">
+            <a:pPr marL="0" lvl="0" indent="0" algn="ctr" rtl="0">
               <a:spcBef>
                 <a:spcPts val="0"/>
               </a:spcBef>
@@ -10662,7 +10448,7 @@
               <a:buNone/>
             </a:pPr>
             <a:r>
-              <a:rPr lang="ru-RU" sz="2400" dirty="0" smtClean="0">
+              <a:rPr lang="ru-RU" sz="2000" dirty="0" smtClean="0">
                 <a:solidFill>
                   <a:schemeClr val="lt1"/>
                 </a:solidFill>
@@ -10674,7 +10460,7 @@
               <a:t>Библиотеки</a:t>
             </a:r>
             <a:r>
-              <a:rPr lang="en-US" sz="2400" dirty="0" smtClean="0">
+              <a:rPr lang="en-US" sz="2000" dirty="0" smtClean="0">
                 <a:solidFill>
                   <a:schemeClr val="lt1"/>
                 </a:solidFill>
@@ -10685,7 +10471,7 @@
               </a:rPr>
               <a:t>:</a:t>
             </a:r>
-            <a:endParaRPr lang="ru-RU" sz="2400" dirty="0" smtClean="0">
+            <a:endParaRPr lang="ru-RU" sz="2000" dirty="0" smtClean="0">
               <a:solidFill>
                 <a:schemeClr val="lt1"/>
               </a:solidFill>
@@ -10696,78 +10482,158 @@
             </a:endParaRPr>
           </a:p>
           <a:p>
-            <a:pPr lvl="0" algn="l" rtl="0">
-              <a:spcBef>
-                <a:spcPts val="0"/>
-              </a:spcBef>
-              <a:spcAft>
-                <a:spcPts val="0"/>
-              </a:spcAft>
-            </a:pPr>
+            <a:pPr lvl="0" algn="ctr"/>
             <a:r>
-              <a:rPr lang="en-US" sz="2400" dirty="0" smtClean="0">
+              <a:rPr lang="ru-RU" sz="2000" dirty="0" err="1">
                 <a:solidFill>
-                  <a:schemeClr val="lt1"/>
+                  <a:schemeClr val="bg1"/>
                 </a:solidFill>
-                <a:latin typeface="Times New Roman" panose="02020603050405020304" pitchFamily="18" charset="0"/>
-                <a:ea typeface="Lato"/>
-                <a:cs typeface="Times New Roman" panose="02020603050405020304" pitchFamily="18" charset="0"/>
-                <a:sym typeface="Lato"/>
               </a:rPr>
-              <a:t>arcade</a:t>
+              <a:t>Arcade</a:t>
             </a:r>
+            <a:endParaRPr lang="ru-RU" sz="2000" dirty="0">
+              <a:solidFill>
+                <a:schemeClr val="bg1"/>
+              </a:solidFill>
+            </a:endParaRPr>
           </a:p>
           <a:p>
-            <a:pPr lvl="0" algn="l" rtl="0">
-              <a:spcBef>
-                <a:spcPts val="0"/>
-              </a:spcBef>
-              <a:spcAft>
-                <a:spcPts val="0"/>
-              </a:spcAft>
-            </a:pPr>
+            <a:pPr lvl="0" algn="ctr"/>
             <a:r>
-              <a:rPr lang="en-US" sz="2400" dirty="0" smtClean="0">
+              <a:rPr lang="ru-RU" sz="2000" dirty="0">
                 <a:solidFill>
-                  <a:schemeClr val="lt1"/>
+                  <a:schemeClr val="bg1"/>
                 </a:solidFill>
-                <a:latin typeface="Times New Roman" panose="02020603050405020304" pitchFamily="18" charset="0"/>
-                <a:ea typeface="Lato"/>
-                <a:cs typeface="Times New Roman" panose="02020603050405020304" pitchFamily="18" charset="0"/>
-                <a:sym typeface="Lato"/>
               </a:rPr>
               <a:t>sqlite3</a:t>
             </a:r>
           </a:p>
           <a:p>
-            <a:pPr lvl="0" algn="l" rtl="0">
-              <a:spcBef>
-                <a:spcPts val="0"/>
-              </a:spcBef>
-              <a:spcAft>
-                <a:spcPts val="0"/>
-              </a:spcAft>
-            </a:pPr>
+            <a:pPr lvl="0" algn="ctr"/>
             <a:r>
-              <a:rPr lang="en-US" sz="2400" dirty="0" smtClean="0">
+              <a:rPr lang="ru-RU" sz="2000" dirty="0" err="1">
                 <a:solidFill>
-                  <a:schemeClr val="lt1"/>
+                  <a:schemeClr val="bg1"/>
                 </a:solidFill>
-                <a:latin typeface="Times New Roman" panose="02020603050405020304" pitchFamily="18" charset="0"/>
-                <a:ea typeface="Lato"/>
-                <a:cs typeface="Times New Roman" panose="02020603050405020304" pitchFamily="18" charset="0"/>
-                <a:sym typeface="Lato"/>
               </a:rPr>
               <a:t>random</a:t>
             </a:r>
-            <a:endParaRPr sz="2400" dirty="0">
+            <a:endParaRPr lang="ru-RU" sz="2000" dirty="0">
               <a:solidFill>
-                <a:schemeClr val="lt1"/>
+                <a:schemeClr val="bg1"/>
               </a:solidFill>
-              <a:latin typeface="Times New Roman" panose="02020603050405020304" pitchFamily="18" charset="0"/>
-              <a:ea typeface="Lato"/>
-              <a:cs typeface="Times New Roman" panose="02020603050405020304" pitchFamily="18" charset="0"/>
-              <a:sym typeface="Lato"/>
+            </a:endParaRPr>
+          </a:p>
+          <a:p>
+            <a:pPr lvl="0" algn="ctr"/>
+            <a:r>
+              <a:rPr lang="en-US" sz="2000" dirty="0" err="1">
+                <a:solidFill>
+                  <a:schemeClr val="bg1"/>
+                </a:solidFill>
+              </a:rPr>
+              <a:t>pyglet</a:t>
+            </a:r>
+            <a:endParaRPr lang="ru-RU" sz="2000" dirty="0">
+              <a:solidFill>
+                <a:schemeClr val="bg1"/>
+              </a:solidFill>
+            </a:endParaRPr>
+          </a:p>
+          <a:p>
+            <a:pPr lvl="0" algn="ctr"/>
+            <a:r>
+              <a:rPr lang="en-US" sz="2000" dirty="0" err="1">
+                <a:solidFill>
+                  <a:schemeClr val="bg1"/>
+                </a:solidFill>
+              </a:rPr>
+              <a:t>json</a:t>
+            </a:r>
+            <a:endParaRPr lang="ru-RU" sz="2000" dirty="0">
+              <a:solidFill>
+                <a:schemeClr val="bg1"/>
+              </a:solidFill>
+            </a:endParaRPr>
+          </a:p>
+          <a:p>
+            <a:pPr lvl="0" algn="ctr"/>
+            <a:r>
+              <a:rPr lang="en-US" sz="2000" dirty="0" err="1">
+                <a:solidFill>
+                  <a:schemeClr val="bg1"/>
+                </a:solidFill>
+              </a:rPr>
+              <a:t>os</a:t>
+            </a:r>
+            <a:endParaRPr lang="ru-RU" sz="2000" dirty="0">
+              <a:solidFill>
+                <a:schemeClr val="bg1"/>
+              </a:solidFill>
+            </a:endParaRPr>
+          </a:p>
+          <a:p>
+            <a:pPr lvl="0" algn="ctr"/>
+            <a:r>
+              <a:rPr lang="en-US" sz="2000" dirty="0">
+                <a:solidFill>
+                  <a:schemeClr val="bg1"/>
+                </a:solidFill>
+              </a:rPr>
+              <a:t>sys</a:t>
+            </a:r>
+            <a:endParaRPr lang="ru-RU" sz="2000" dirty="0">
+              <a:solidFill>
+                <a:schemeClr val="bg1"/>
+              </a:solidFill>
+            </a:endParaRPr>
+          </a:p>
+          <a:p>
+            <a:pPr lvl="0" algn="ctr"/>
+            <a:r>
+              <a:rPr lang="en-US" sz="2000" dirty="0" err="1">
+                <a:solidFill>
+                  <a:schemeClr val="bg1"/>
+                </a:solidFill>
+              </a:rPr>
+              <a:t>shutil</a:t>
+            </a:r>
+            <a:endParaRPr lang="ru-RU" sz="2000" dirty="0">
+              <a:solidFill>
+                <a:schemeClr val="bg1"/>
+              </a:solidFill>
+            </a:endParaRPr>
+          </a:p>
+          <a:p>
+            <a:pPr lvl="0" algn="ctr"/>
+            <a:r>
+              <a:rPr lang="en-US" sz="2000" dirty="0" err="1">
+                <a:solidFill>
+                  <a:schemeClr val="bg1"/>
+                </a:solidFill>
+              </a:rPr>
+              <a:t>pathlib</a:t>
+            </a:r>
+            <a:endParaRPr lang="ru-RU" sz="2000" dirty="0">
+              <a:solidFill>
+                <a:schemeClr val="bg1"/>
+              </a:solidFill>
+            </a:endParaRPr>
+          </a:p>
+          <a:p>
+            <a:pPr lvl="0" algn="ctr"/>
+            <a:r>
+              <a:rPr lang="en-US" sz="2000" dirty="0" err="1">
+                <a:solidFill>
+                  <a:schemeClr val="bg1"/>
+                </a:solidFill>
+              </a:rPr>
+              <a:t>PyInstaller</a:t>
+            </a:r>
+            <a:endParaRPr lang="ru-RU" sz="2000" dirty="0">
+              <a:solidFill>
+                <a:schemeClr val="bg1"/>
+              </a:solidFill>
             </a:endParaRPr>
           </a:p>
         </p:txBody>
@@ -10961,7 +10827,7 @@
   <p:cSld>
     <p:spTree>
       <p:nvGrpSpPr>
-        <p:cNvPr id="1" name="Shape 167"/>
+        <p:cNvPr id="1" name=""/>
         <p:cNvGrpSpPr/>
         <p:nvPr/>
       </p:nvGrpSpPr>
@@ -10975,8 +10841,8 @@
       </p:grpSpPr>
       <p:sp>
         <p:nvSpPr>
-          <p:cNvPr id="168" name="Google Shape;168;p18"/>
-          <p:cNvSpPr txBox="1">
+          <p:cNvPr id="2" name="Заголовок 1"/>
+          <p:cNvSpPr>
             <a:spLocks noGrp="1"/>
           </p:cNvSpPr>
           <p:nvPr>
@@ -10985,36 +10851,24 @@
         </p:nvSpPr>
         <p:spPr>
           <a:xfrm>
-            <a:off x="2645037" y="517504"/>
-            <a:ext cx="3783264" cy="678779"/>
+            <a:off x="3499471" y="558754"/>
+            <a:ext cx="2062557" cy="561901"/>
           </a:xfrm>
-          <a:prstGeom prst="rect">
-            <a:avLst/>
-          </a:prstGeom>
         </p:spPr>
         <p:txBody>
-          <a:bodyPr spcFirstLastPara="1" wrap="square" lIns="91425" tIns="91425" rIns="91425" bIns="91425" anchor="t" anchorCtr="0">
-            <a:normAutofit/>
+          <a:bodyPr>
+            <a:noAutofit/>
           </a:bodyPr>
           <a:lstStyle/>
           <a:p>
-            <a:pPr marL="0" lvl="0" indent="0" algn="ctr" rtl="0">
-              <a:spcBef>
-                <a:spcPts val="0"/>
-              </a:spcBef>
-              <a:spcAft>
-                <a:spcPts val="0"/>
-              </a:spcAft>
-              <a:buNone/>
-            </a:pPr>
             <a:r>
-              <a:rPr lang="ru" sz="3200" dirty="0">
+              <a:rPr lang="ru-RU" sz="2800" dirty="0" smtClean="0">
                 <a:latin typeface="Times New Roman" panose="02020603050405020304" pitchFamily="18" charset="0"/>
                 <a:cs typeface="Times New Roman" panose="02020603050405020304" pitchFamily="18" charset="0"/>
               </a:rPr>
               <a:t>Заключение</a:t>
             </a:r>
-            <a:endParaRPr sz="3200" dirty="0">
+            <a:endParaRPr lang="ru-RU" sz="2800" dirty="0">
               <a:latin typeface="Times New Roman" panose="02020603050405020304" pitchFamily="18" charset="0"/>
               <a:cs typeface="Times New Roman" panose="02020603050405020304" pitchFamily="18" charset="0"/>
             </a:endParaRPr>
@@ -11023,82 +10877,99 @@
       </p:sp>
       <p:sp>
         <p:nvSpPr>
-          <p:cNvPr id="2" name="TextBox 1"/>
-          <p:cNvSpPr txBox="1"/>
-          <p:nvPr/>
+          <p:cNvPr id="3" name="Текст 2"/>
+          <p:cNvSpPr>
+            <a:spLocks noGrp="1"/>
+          </p:cNvSpPr>
+          <p:nvPr>
+            <p:ph type="body" idx="1"/>
+          </p:nvPr>
         </p:nvSpPr>
         <p:spPr>
           <a:xfrm>
-            <a:off x="774643" y="1870052"/>
-            <a:ext cx="4439036" cy="707886"/>
+            <a:off x="1069737" y="1567550"/>
+            <a:ext cx="7038900" cy="2911200"/>
           </a:xfrm>
-          <a:prstGeom prst="rect">
-            <a:avLst/>
-          </a:prstGeom>
-          <a:noFill/>
         </p:spPr>
         <p:txBody>
-          <a:bodyPr wrap="none" rtlCol="0">
-            <a:spAutoFit/>
+          <a:bodyPr>
+            <a:normAutofit/>
           </a:bodyPr>
           <a:lstStyle/>
           <a:p>
+            <a:pPr marL="146050" indent="0">
+              <a:buNone/>
+            </a:pPr>
             <a:r>
-              <a:rPr lang="ru-RU" sz="2000" dirty="0" smtClean="0">
-                <a:solidFill>
-                  <a:schemeClr val="bg1"/>
-                </a:solidFill>
+              <a:rPr lang="ru-RU" sz="2400" dirty="0" smtClean="0">
                 <a:latin typeface="Times New Roman" panose="02020603050405020304" pitchFamily="18" charset="0"/>
                 <a:cs typeface="Times New Roman" panose="02020603050405020304" pitchFamily="18" charset="0"/>
               </a:rPr>
               <a:t>Итоги работы</a:t>
             </a:r>
             <a:r>
-              <a:rPr lang="en-US" sz="2000" dirty="0" smtClean="0">
-                <a:solidFill>
-                  <a:schemeClr val="bg1"/>
-                </a:solidFill>
+              <a:rPr lang="en-US" sz="2400" dirty="0" smtClean="0">
                 <a:latin typeface="Times New Roman" panose="02020603050405020304" pitchFamily="18" charset="0"/>
                 <a:cs typeface="Times New Roman" panose="02020603050405020304" pitchFamily="18" charset="0"/>
               </a:rPr>
               <a:t>:</a:t>
             </a:r>
+            <a:endParaRPr lang="ru-RU" sz="2400" dirty="0" smtClean="0">
+              <a:latin typeface="Times New Roman" panose="02020603050405020304" pitchFamily="18" charset="0"/>
+              <a:cs typeface="Times New Roman" panose="02020603050405020304" pitchFamily="18" charset="0"/>
+            </a:endParaRPr>
           </a:p>
           <a:p>
             <a:r>
-              <a:rPr lang="ru-RU" sz="2000" dirty="0" smtClean="0">
-                <a:solidFill>
-                  <a:schemeClr val="bg1"/>
-                </a:solidFill>
+              <a:rPr lang="ru-RU" sz="2400" dirty="0" smtClean="0">
                 <a:latin typeface="Times New Roman" panose="02020603050405020304" pitchFamily="18" charset="0"/>
                 <a:cs typeface="Times New Roman" panose="02020603050405020304" pitchFamily="18" charset="0"/>
               </a:rPr>
               <a:t>Разработана игра в жанре </a:t>
             </a:r>
             <a:r>
-              <a:rPr lang="ru-RU" sz="2000" dirty="0" err="1" smtClean="0">
-                <a:solidFill>
-                  <a:schemeClr val="bg1"/>
-                </a:solidFill>
+              <a:rPr lang="ru-RU" sz="2400" dirty="0" err="1" smtClean="0">
                 <a:latin typeface="Times New Roman" panose="02020603050405020304" pitchFamily="18" charset="0"/>
                 <a:cs typeface="Times New Roman" panose="02020603050405020304" pitchFamily="18" charset="0"/>
               </a:rPr>
               <a:t>платформер</a:t>
             </a:r>
+            <a:endParaRPr lang="ru-RU" sz="2400" dirty="0" smtClean="0">
+              <a:latin typeface="Times New Roman" panose="02020603050405020304" pitchFamily="18" charset="0"/>
+              <a:cs typeface="Times New Roman" panose="02020603050405020304" pitchFamily="18" charset="0"/>
+            </a:endParaRPr>
+          </a:p>
+          <a:p>
             <a:r>
-              <a:rPr lang="en-US" sz="2000" dirty="0" smtClean="0">
-                <a:solidFill>
-                  <a:schemeClr val="bg1"/>
-                </a:solidFill>
+              <a:rPr lang="ru-RU" sz="2400" dirty="0">
                 <a:latin typeface="Times New Roman" panose="02020603050405020304" pitchFamily="18" charset="0"/>
                 <a:cs typeface="Times New Roman" panose="02020603050405020304" pitchFamily="18" charset="0"/>
               </a:rPr>
-              <a:t> </a:t>
+              <a:t>Реализован удобный </a:t>
             </a:r>
-            <a:endParaRPr lang="ru-RU" sz="2000" dirty="0" smtClean="0">
-              <a:solidFill>
-                <a:schemeClr val="bg1"/>
-              </a:solidFill>
+            <a:r>
+              <a:rPr lang="ru-RU" sz="2400" dirty="0" smtClean="0">
+                <a:latin typeface="Times New Roman" panose="02020603050405020304" pitchFamily="18" charset="0"/>
+                <a:cs typeface="Times New Roman" panose="02020603050405020304" pitchFamily="18" charset="0"/>
+              </a:rPr>
+              <a:t>интерфейс</a:t>
+            </a:r>
+            <a:endParaRPr lang="ru-RU" sz="2400" dirty="0" smtClean="0">
+              <a:latin typeface="Times New Roman" panose="02020603050405020304" pitchFamily="18" charset="0"/>
+              <a:cs typeface="Times New Roman" panose="02020603050405020304" pitchFamily="18" charset="0"/>
+            </a:endParaRPr>
+          </a:p>
+          <a:p>
+            <a:r>
+              <a:rPr lang="ru-RU" sz="2400" dirty="0" smtClean="0">
+                <a:latin typeface="Times New Roman" panose="02020603050405020304" pitchFamily="18" charset="0"/>
+                <a:cs typeface="Times New Roman" panose="02020603050405020304" pitchFamily="18" charset="0"/>
+              </a:rPr>
+              <a:t>Сделаны настройки </a:t>
+            </a:r>
+          </a:p>
+          <a:p>
+            <a:endParaRPr lang="ru-RU" sz="2400" dirty="0" smtClean="0">
               <a:latin typeface="Times New Roman" panose="02020603050405020304" pitchFamily="18" charset="0"/>
               <a:cs typeface="Times New Roman" panose="02020603050405020304" pitchFamily="18" charset="0"/>
             </a:endParaRPr>
@@ -11106,6 +10977,11 @@
         </p:txBody>
       </p:sp>
     </p:spTree>
+    <p:extLst>
+      <p:ext uri="{BB962C8B-B14F-4D97-AF65-F5344CB8AC3E}">
+        <p14:creationId xmlns:p14="http://schemas.microsoft.com/office/powerpoint/2010/main" val="1436223084"/>
+      </p:ext>
+    </p:extLst>
   </p:cSld>
   <p:clrMapOvr>
     <a:masterClrMapping/>
@@ -11195,8 +11071,19 @@
                 <a:latin typeface="Times New Roman" panose="02020603050405020304" pitchFamily="18" charset="0"/>
                 <a:cs typeface="Times New Roman" panose="02020603050405020304" pitchFamily="18" charset="0"/>
               </a:rPr>
-              <a:t>Добавить больше врагов</a:t>
+              <a:t>Добавить больше </a:t>
             </a:r>
+            <a:r>
+              <a:rPr lang="ru-RU" sz="2400" dirty="0" smtClean="0">
+                <a:latin typeface="Times New Roman" panose="02020603050405020304" pitchFamily="18" charset="0"/>
+                <a:cs typeface="Times New Roman" panose="02020603050405020304" pitchFamily="18" charset="0"/>
+              </a:rPr>
+              <a:t>врагов и предметов</a:t>
+            </a:r>
+            <a:endParaRPr lang="ru-RU" sz="2400" dirty="0" smtClean="0">
+              <a:latin typeface="Times New Roman" panose="02020603050405020304" pitchFamily="18" charset="0"/>
+              <a:cs typeface="Times New Roman" panose="02020603050405020304" pitchFamily="18" charset="0"/>
+            </a:endParaRPr>
           </a:p>
           <a:p>
             <a:r>
@@ -11225,7 +11112,7 @@
     </p:spTree>
     <p:extLst>
       <p:ext uri="{BB962C8B-B14F-4D97-AF65-F5344CB8AC3E}">
-        <p14:creationId xmlns:p14="http://schemas.microsoft.com/office/powerpoint/2010/main" val="1436223084"/>
+        <p14:creationId xmlns:p14="http://schemas.microsoft.com/office/powerpoint/2010/main" val="2376043047"/>
       </p:ext>
     </p:extLst>
   </p:cSld>
@@ -11247,7 +11134,7 @@
   <p:cSld>
     <p:spTree>
       <p:nvGrpSpPr>
-        <p:cNvPr id="1" name="Shape 172"/>
+        <p:cNvPr id="1" name=""/>
         <p:cNvGrpSpPr/>
         <p:nvPr/>
       </p:nvGrpSpPr>
@@ -11261,60 +11148,14 @@
       </p:grpSpPr>
       <p:sp>
         <p:nvSpPr>
-          <p:cNvPr id="173" name="Google Shape;173;p19"/>
-          <p:cNvSpPr txBox="1">
-            <a:spLocks noGrp="1"/>
-          </p:cNvSpPr>
-          <p:nvPr>
-            <p:ph type="title"/>
-          </p:nvPr>
-        </p:nvSpPr>
-        <p:spPr>
-          <a:xfrm>
-            <a:off x="989344" y="2339429"/>
-            <a:ext cx="7038900" cy="926286"/>
-          </a:xfrm>
-          <a:prstGeom prst="rect">
-            <a:avLst/>
-          </a:prstGeom>
-        </p:spPr>
-        <p:txBody>
-          <a:bodyPr spcFirstLastPara="1" wrap="square" lIns="91425" tIns="91425" rIns="91425" bIns="91425" anchor="t" anchorCtr="0">
-            <a:normAutofit/>
-          </a:bodyPr>
-          <a:lstStyle/>
-          <a:p>
-            <a:pPr marL="0" lvl="0" indent="0" algn="l" rtl="0">
-              <a:spcBef>
-                <a:spcPts val="0"/>
-              </a:spcBef>
-              <a:spcAft>
-                <a:spcPts val="0"/>
-              </a:spcAft>
-              <a:buNone/>
-            </a:pPr>
-            <a:r>
-              <a:rPr lang="ru" dirty="0" smtClean="0"/>
-              <a:t>https</a:t>
-            </a:r>
-            <a:r>
-              <a:rPr lang="ru" dirty="0"/>
-              <a:t>://github.com/ShpakovskiVyacheslav/Arcade-project.git</a:t>
-            </a:r>
-            <a:endParaRPr dirty="0"/>
-          </a:p>
-        </p:txBody>
-      </p:sp>
-      <p:sp>
-        <p:nvSpPr>
           <p:cNvPr id="2" name="TextBox 1"/>
           <p:cNvSpPr txBox="1"/>
           <p:nvPr/>
         </p:nvSpPr>
         <p:spPr>
           <a:xfrm>
-            <a:off x="2227560" y="666892"/>
-            <a:ext cx="4562467" cy="584775"/>
+            <a:off x="2392565" y="206256"/>
+            <a:ext cx="4014240" cy="523220"/>
           </a:xfrm>
           <a:prstGeom prst="rect">
             <a:avLst/>
@@ -11328,7 +11169,7 @@
           <a:lstStyle/>
           <a:p>
             <a:r>
-              <a:rPr lang="ru" sz="3200" dirty="0">
+              <a:rPr lang="ru-RU" sz="2800" dirty="0" smtClean="0">
                 <a:solidFill>
                   <a:schemeClr val="bg1"/>
                 </a:solidFill>
@@ -11337,7 +11178,7 @@
               </a:rPr>
               <a:t>Ссылка на исходный код</a:t>
             </a:r>
-            <a:endParaRPr lang="ru-RU" sz="3200" dirty="0">
+            <a:endParaRPr lang="ru-RU" sz="2800" dirty="0">
               <a:solidFill>
                 <a:schemeClr val="bg1"/>
               </a:solidFill>
@@ -11347,18 +11188,46 @@
           </a:p>
         </p:txBody>
       </p:sp>
+      <p:pic>
+        <p:nvPicPr>
+          <p:cNvPr id="3" name="Рисунок 2"/>
+          <p:cNvPicPr>
+            <a:picLocks noChangeAspect="1"/>
+          </p:cNvPicPr>
+          <p:nvPr/>
+        </p:nvPicPr>
+        <p:blipFill>
+          <a:blip r:embed="rId2">
+            <a:extLst>
+              <a:ext uri="{28A0092B-C50C-407E-A947-70E740481C1C}">
+                <a14:useLocalDpi xmlns:a14="http://schemas.microsoft.com/office/drawing/2010/main" val="0"/>
+              </a:ext>
+            </a:extLst>
+          </a:blip>
+          <a:stretch>
+            <a:fillRect/>
+          </a:stretch>
+        </p:blipFill>
+        <p:spPr>
+          <a:xfrm>
+            <a:off x="2564010" y="893775"/>
+            <a:ext cx="3671350" cy="3671350"/>
+          </a:xfrm>
+          <a:prstGeom prst="rect">
+            <a:avLst/>
+          </a:prstGeom>
+        </p:spPr>
+      </p:pic>
     </p:spTree>
+    <p:extLst>
+      <p:ext uri="{BB962C8B-B14F-4D97-AF65-F5344CB8AC3E}">
+        <p14:creationId xmlns:p14="http://schemas.microsoft.com/office/powerpoint/2010/main" val="3952514001"/>
+      </p:ext>
+    </p:extLst>
   </p:cSld>
   <p:clrMapOvr>
     <a:masterClrMapping/>
   </p:clrMapOvr>
-  <p:timing>
-    <p:tnLst>
-      <p:par>
-        <p:cTn id="1" dur="indefinite" restart="never" nodeType="tmRoot"/>
-      </p:par>
-    </p:tnLst>
-  </p:timing>
 </p:sld>
 </file>
 
